--- a/notebooks/software-support-metric.pptx
+++ b/notebooks/software-support-metric.pptx
@@ -14169,8 +14169,8 @@
         </p:nvSpPr>
         <p:spPr bwMode="auto">
           <a:xfrm>
-            <a:off x="736195" y="481882"/>
-            <a:ext cx="6481234" cy="378313"/>
+            <a:off x="1467714" y="727010"/>
+            <a:ext cx="3618636" cy="378313"/>
           </a:xfrm>
           <a:prstGeom prst="rect">
             <a:avLst/>
@@ -14243,78 +14243,6 @@
       </p:sp>
       <p:sp>
         <p:nvSpPr>
-          <p:cNvPr id="11" name="矩形 10">
-            <a:extLst>
-              <a:ext uri="{FF2B5EF4-FFF2-40B4-BE49-F238E27FC236}">
-                <a16:creationId xmlns:a16="http://schemas.microsoft.com/office/drawing/2014/main" id="{0E74C896-DBC9-4C56-9FC4-13EAC25E2174}"/>
-              </a:ext>
-            </a:extLst>
-          </p:cNvPr>
-          <p:cNvSpPr/>
-          <p:nvPr/>
-        </p:nvSpPr>
-        <p:spPr bwMode="auto">
-          <a:xfrm>
-            <a:off x="2503286" y="2924825"/>
-            <a:ext cx="6640714" cy="930472"/>
-          </a:xfrm>
-          <a:prstGeom prst="rect">
-            <a:avLst/>
-          </a:prstGeom>
-          <a:solidFill>
-            <a:schemeClr val="bg1">
-              <a:lumMod val="85000"/>
-            </a:schemeClr>
-          </a:solidFill>
-          <a:ln w="9525" cap="flat" cmpd="sng" algn="ctr">
-            <a:noFill/>
-            <a:prstDash val="solid"/>
-            <a:round/>
-            <a:headEnd type="none" w="med" len="med"/>
-            <a:tailEnd type="none" w="med" len="med"/>
-          </a:ln>
-          <a:effectLst/>
-        </p:spPr>
-        <p:txBody>
-          <a:bodyPr vert="horz" wrap="square" lIns="91440" tIns="45720" rIns="91440" bIns="45720" numCol="3" rtlCol="0" anchor="t" anchorCtr="0" compatLnSpc="1">
-            <a:prstTxWarp prst="textNoShape">
-              <a:avLst/>
-            </a:prstTxWarp>
-          </a:bodyPr>
-          <a:lstStyle/>
-          <a:p>
-            <a:pPr marL="0" marR="0" indent="0" defTabSz="914400" rtl="0" eaLnBrk="1" fontAlgn="base" latinLnBrk="0" hangingPunct="1">
-              <a:lnSpc>
-                <a:spcPct val="200000"/>
-              </a:lnSpc>
-              <a:spcBef>
-                <a:spcPct val="0"/>
-              </a:spcBef>
-              <a:spcAft>
-                <a:spcPct val="0"/>
-              </a:spcAft>
-              <a:buClrTx/>
-              <a:buSzTx/>
-              <a:buFontTx/>
-              <a:buNone/>
-              <a:tabLst/>
-            </a:pPr>
-            <a:endParaRPr kumimoji="1" lang="zh-TW" altLang="en-US" sz="1800" b="0" i="0" u="none" strike="noStrike" cap="none" normalizeH="0" baseline="0" dirty="0">
-              <a:ln>
-                <a:noFill/>
-              </a:ln>
-              <a:solidFill>
-                <a:schemeClr val="bg1"/>
-              </a:solidFill>
-              <a:effectLst/>
-              <a:latin typeface="Arial" charset="0"/>
-              <a:ea typeface="新細明體" pitchFamily="18" charset="-120"/>
-            </a:endParaRPr>
-          </a:p>
-        </p:txBody>
-      </p:sp>
-      <p:sp>
-        <p:nvSpPr>
           <p:cNvPr id="45" name="矩形 44">
             <a:extLst>
               <a:ext uri="{FF2B5EF4-FFF2-40B4-BE49-F238E27FC236}">
@@ -14327,7 +14255,7 @@
         </p:nvSpPr>
         <p:spPr bwMode="auto">
           <a:xfrm>
-            <a:off x="736194" y="2112324"/>
+            <a:off x="4576674" y="4946293"/>
             <a:ext cx="6481234" cy="494963"/>
           </a:xfrm>
           <a:prstGeom prst="rect">
@@ -14399,7 +14327,7 @@
         </p:nvSpPr>
         <p:spPr>
           <a:xfrm>
-            <a:off x="802052" y="2194909"/>
+            <a:off x="4642532" y="5028878"/>
             <a:ext cx="1221391" cy="338554"/>
           </a:xfrm>
           <a:prstGeom prst="rect">
@@ -14434,7 +14362,7 @@
         </p:nvSpPr>
         <p:spPr bwMode="auto">
           <a:xfrm>
-            <a:off x="4857101" y="2185049"/>
+            <a:off x="8697581" y="5019018"/>
             <a:ext cx="2051386" cy="338554"/>
           </a:xfrm>
           <a:prstGeom prst="rect">
@@ -14510,7 +14438,7 @@
         </p:nvSpPr>
         <p:spPr bwMode="auto">
           <a:xfrm>
-            <a:off x="2692337" y="2194492"/>
+            <a:off x="6532817" y="5028461"/>
             <a:ext cx="2051386" cy="338554"/>
           </a:xfrm>
           <a:prstGeom prst="rect">
@@ -14586,7 +14514,7 @@
         </p:nvSpPr>
         <p:spPr>
           <a:xfrm>
-            <a:off x="4857100" y="2192743"/>
+            <a:off x="8697580" y="5026712"/>
             <a:ext cx="2051386" cy="323165"/>
           </a:xfrm>
           <a:prstGeom prst="rect">
@@ -14631,7 +14559,7 @@
         </p:nvSpPr>
         <p:spPr>
           <a:xfrm>
-            <a:off x="2692164" y="2202186"/>
+            <a:off x="6532644" y="5036155"/>
             <a:ext cx="2047757" cy="323165"/>
           </a:xfrm>
           <a:prstGeom prst="rect">
@@ -14664,10 +14592,55 @@
       </p:sp>
       <p:sp>
         <p:nvSpPr>
-          <p:cNvPr id="47" name="矩形 46">
+          <p:cNvPr id="149" name="文字方塊 148">
             <a:extLst>
               <a:ext uri="{FF2B5EF4-FFF2-40B4-BE49-F238E27FC236}">
-                <a16:creationId xmlns:a16="http://schemas.microsoft.com/office/drawing/2014/main" id="{A909B7F2-D031-4397-91C2-D492195046DD}"/>
+                <a16:creationId xmlns:a16="http://schemas.microsoft.com/office/drawing/2014/main" id="{58EC258D-DE74-45BE-864C-9316BD15539D}"/>
+              </a:ext>
+            </a:extLst>
+          </p:cNvPr>
+          <p:cNvSpPr txBox="1"/>
+          <p:nvPr/>
+        </p:nvSpPr>
+        <p:spPr>
+          <a:xfrm>
+            <a:off x="10228736" y="4194651"/>
+            <a:ext cx="1057962" cy="323165"/>
+          </a:xfrm>
+          <a:prstGeom prst="rect">
+            <a:avLst/>
+          </a:prstGeom>
+          <a:noFill/>
+        </p:spPr>
+        <p:txBody>
+          <a:bodyPr wrap="square" rtlCol="0">
+            <a:spAutoFit/>
+          </a:bodyPr>
+          <a:lstStyle/>
+          <a:p>
+            <a:pPr algn="ctr"/>
+            <a:r>
+              <a:rPr lang="en-US" altLang="zh-TW" sz="1500" dirty="0">
+                <a:solidFill>
+                  <a:schemeClr val="bg1"/>
+                </a:solidFill>
+              </a:rPr>
+              <a:t>MediaTek</a:t>
+            </a:r>
+            <a:endParaRPr lang="zh-TW" altLang="en-US" sz="1500" dirty="0">
+              <a:solidFill>
+                <a:schemeClr val="bg1"/>
+              </a:solidFill>
+            </a:endParaRPr>
+          </a:p>
+        </p:txBody>
+      </p:sp>
+      <p:sp>
+        <p:nvSpPr>
+          <p:cNvPr id="53" name="矩形 52">
+            <a:extLst>
+              <a:ext uri="{FF2B5EF4-FFF2-40B4-BE49-F238E27FC236}">
+                <a16:creationId xmlns:a16="http://schemas.microsoft.com/office/drawing/2014/main" id="{51724946-FC27-4A8C-A53A-AA1336101D9D}"/>
               </a:ext>
             </a:extLst>
           </p:cNvPr>
@@ -14676,7 +14649,120 @@
         </p:nvSpPr>
         <p:spPr bwMode="auto">
           <a:xfrm>
-            <a:off x="7411248" y="3059371"/>
+            <a:off x="2629016" y="2340739"/>
+            <a:ext cx="8190114" cy="930472"/>
+          </a:xfrm>
+          <a:prstGeom prst="rect">
+            <a:avLst/>
+          </a:prstGeom>
+          <a:solidFill>
+            <a:schemeClr val="bg1">
+              <a:lumMod val="85000"/>
+            </a:schemeClr>
+          </a:solidFill>
+          <a:ln w="9525" cap="flat" cmpd="sng" algn="ctr">
+            <a:noFill/>
+            <a:prstDash val="solid"/>
+            <a:round/>
+            <a:headEnd type="none" w="med" len="med"/>
+            <a:tailEnd type="none" w="med" len="med"/>
+          </a:ln>
+          <a:effectLst/>
+        </p:spPr>
+        <p:txBody>
+          <a:bodyPr vert="horz" wrap="square" lIns="91440" tIns="45720" rIns="91440" bIns="45720" numCol="3" rtlCol="0" anchor="t" anchorCtr="0" compatLnSpc="1">
+            <a:prstTxWarp prst="textNoShape">
+              <a:avLst/>
+            </a:prstTxWarp>
+          </a:bodyPr>
+          <a:lstStyle/>
+          <a:p>
+            <a:pPr marL="0" marR="0" indent="0" defTabSz="914400" rtl="0" eaLnBrk="1" fontAlgn="base" latinLnBrk="0" hangingPunct="1">
+              <a:lnSpc>
+                <a:spcPct val="200000"/>
+              </a:lnSpc>
+              <a:spcBef>
+                <a:spcPct val="0"/>
+              </a:spcBef>
+              <a:spcAft>
+                <a:spcPct val="0"/>
+              </a:spcAft>
+              <a:buClrTx/>
+              <a:buSzTx/>
+              <a:buFontTx/>
+              <a:buNone/>
+              <a:tabLst/>
+            </a:pPr>
+            <a:endParaRPr kumimoji="1" lang="zh-TW" altLang="en-US" sz="1800" b="0" i="0" u="none" strike="noStrike" cap="none" normalizeH="0" baseline="0" dirty="0">
+              <a:ln>
+                <a:noFill/>
+              </a:ln>
+              <a:solidFill>
+                <a:schemeClr val="bg1"/>
+              </a:solidFill>
+              <a:effectLst/>
+              <a:latin typeface="Arial" charset="0"/>
+              <a:ea typeface="新細明體" pitchFamily="18" charset="-120"/>
+            </a:endParaRPr>
+          </a:p>
+        </p:txBody>
+      </p:sp>
+      <p:sp>
+        <p:nvSpPr>
+          <p:cNvPr id="54" name="文字方塊 53">
+            <a:extLst>
+              <a:ext uri="{FF2B5EF4-FFF2-40B4-BE49-F238E27FC236}">
+                <a16:creationId xmlns:a16="http://schemas.microsoft.com/office/drawing/2014/main" id="{A47BEFA9-3388-4E87-9B8A-7271EF00D6E8}"/>
+              </a:ext>
+            </a:extLst>
+          </p:cNvPr>
+          <p:cNvSpPr txBox="1"/>
+          <p:nvPr/>
+        </p:nvSpPr>
+        <p:spPr>
+          <a:xfrm>
+            <a:off x="1404213" y="2483252"/>
+            <a:ext cx="1721182" cy="584775"/>
+          </a:xfrm>
+          <a:prstGeom prst="rect">
+            <a:avLst/>
+          </a:prstGeom>
+          <a:noFill/>
+        </p:spPr>
+        <p:txBody>
+          <a:bodyPr wrap="square" rtlCol="0">
+            <a:spAutoFit/>
+          </a:bodyPr>
+          <a:lstStyle/>
+          <a:p>
+            <a:r>
+              <a:rPr lang="en-US" altLang="zh-TW" sz="1600" dirty="0"/>
+              <a:t>Mother</a:t>
+            </a:r>
+          </a:p>
+          <a:p>
+            <a:r>
+              <a:rPr lang="en-US" altLang="zh-TW" sz="1600" dirty="0"/>
+              <a:t>Board</a:t>
+            </a:r>
+          </a:p>
+        </p:txBody>
+      </p:sp>
+      <p:sp>
+        <p:nvSpPr>
+          <p:cNvPr id="55" name="矩形 54">
+            <a:extLst>
+              <a:ext uri="{FF2B5EF4-FFF2-40B4-BE49-F238E27FC236}">
+                <a16:creationId xmlns:a16="http://schemas.microsoft.com/office/drawing/2014/main" id="{6AD4767D-77E5-40E1-8935-E961E7E3E29E}"/>
+              </a:ext>
+            </a:extLst>
+          </p:cNvPr>
+          <p:cNvSpPr/>
+          <p:nvPr/>
+        </p:nvSpPr>
+        <p:spPr bwMode="auto">
+          <a:xfrm>
+            <a:off x="636897" y="3979330"/>
             <a:ext cx="1527403" cy="338554"/>
           </a:xfrm>
           <a:prstGeom prst="rect">
@@ -14742,10 +14828,10 @@
       </p:sp>
       <p:sp>
         <p:nvSpPr>
-          <p:cNvPr id="50" name="文字方塊 49">
+          <p:cNvPr id="57" name="文字方塊 56">
             <a:extLst>
               <a:ext uri="{FF2B5EF4-FFF2-40B4-BE49-F238E27FC236}">
-                <a16:creationId xmlns:a16="http://schemas.microsoft.com/office/drawing/2014/main" id="{6680A235-30AD-4ABB-BFFA-B51C2E1762E4}"/>
+                <a16:creationId xmlns:a16="http://schemas.microsoft.com/office/drawing/2014/main" id="{16589726-F74B-403F-B6A2-508A3C0E2F40}"/>
               </a:ext>
             </a:extLst>
           </p:cNvPr>
@@ -14754,48 +14840,7 @@
         </p:nvSpPr>
         <p:spPr>
           <a:xfrm>
-            <a:off x="1278483" y="3121323"/>
-            <a:ext cx="1721182" cy="584775"/>
-          </a:xfrm>
-          <a:prstGeom prst="rect">
-            <a:avLst/>
-          </a:prstGeom>
-          <a:noFill/>
-        </p:spPr>
-        <p:txBody>
-          <a:bodyPr wrap="square" rtlCol="0">
-            <a:spAutoFit/>
-          </a:bodyPr>
-          <a:lstStyle/>
-          <a:p>
-            <a:r>
-              <a:rPr lang="en-US" altLang="zh-TW" sz="1600" dirty="0"/>
-              <a:t>M.2/ PCIe </a:t>
-            </a:r>
-          </a:p>
-          <a:p>
-            <a:r>
-              <a:rPr lang="en-US" altLang="zh-TW" sz="1600" dirty="0"/>
-              <a:t>Plugins</a:t>
-            </a:r>
-          </a:p>
-        </p:txBody>
-      </p:sp>
-      <p:sp>
-        <p:nvSpPr>
-          <p:cNvPr id="52" name="文字方塊 51">
-            <a:extLst>
-              <a:ext uri="{FF2B5EF4-FFF2-40B4-BE49-F238E27FC236}">
-                <a16:creationId xmlns:a16="http://schemas.microsoft.com/office/drawing/2014/main" id="{CDF9EB19-802A-4D55-B5B0-AEAFAF16DCC0}"/>
-              </a:ext>
-            </a:extLst>
-          </p:cNvPr>
-          <p:cNvSpPr txBox="1"/>
-          <p:nvPr/>
-        </p:nvSpPr>
-        <p:spPr>
-          <a:xfrm>
-            <a:off x="7401324" y="3067065"/>
+            <a:off x="626973" y="3987024"/>
             <a:ext cx="1529390" cy="338554"/>
           </a:xfrm>
           <a:prstGeom prst="rect">
@@ -14816,12 +14861,12 @@
           <a:p>
             <a:pPr algn="ctr"/>
             <a:r>
-              <a:rPr lang="en-US" altLang="zh-TW" sz="1600" b="1" dirty="0">
+              <a:rPr lang="en-US" altLang="zh-TW" sz="1600" b="1" dirty="0" err="1">
                 <a:solidFill>
                   <a:schemeClr val="bg1"/>
                 </a:solidFill>
               </a:rPr>
-              <a:t>CUDA</a:t>
+              <a:t>ArmNN</a:t>
             </a:r>
             <a:endParaRPr lang="zh-TW" altLang="en-US" sz="1600" b="1" dirty="0">
               <a:solidFill>
@@ -14833,10 +14878,10 @@
       </p:sp>
       <p:sp>
         <p:nvSpPr>
-          <p:cNvPr id="79" name="矩形 78">
+          <p:cNvPr id="58" name="矩形 57">
             <a:extLst>
               <a:ext uri="{FF2B5EF4-FFF2-40B4-BE49-F238E27FC236}">
-                <a16:creationId xmlns:a16="http://schemas.microsoft.com/office/drawing/2014/main" id="{E62C9611-F67D-47EF-A364-F10AFC8973A0}"/>
+                <a16:creationId xmlns:a16="http://schemas.microsoft.com/office/drawing/2014/main" id="{ECEC6512-332A-437E-BB6D-EAE820F29A7A}"/>
               </a:ext>
             </a:extLst>
           </p:cNvPr>
@@ -14845,646 +14890,7 @@
         </p:nvSpPr>
         <p:spPr bwMode="auto">
           <a:xfrm>
-            <a:off x="736194" y="915359"/>
-            <a:ext cx="6481234" cy="494963"/>
-          </a:xfrm>
-          <a:prstGeom prst="rect">
-            <a:avLst/>
-          </a:prstGeom>
-          <a:solidFill>
-            <a:schemeClr val="bg1">
-              <a:lumMod val="85000"/>
-            </a:schemeClr>
-          </a:solidFill>
-          <a:ln w="9525" cap="flat" cmpd="sng" algn="ctr">
-            <a:noFill/>
-            <a:prstDash val="solid"/>
-            <a:round/>
-            <a:headEnd type="none" w="med" len="med"/>
-            <a:tailEnd type="none" w="med" len="med"/>
-          </a:ln>
-          <a:effectLst/>
-        </p:spPr>
-        <p:txBody>
-          <a:bodyPr vert="horz" wrap="square" lIns="91440" tIns="45720" rIns="91440" bIns="45720" numCol="3" rtlCol="0" anchor="t" anchorCtr="0" compatLnSpc="1">
-            <a:prstTxWarp prst="textNoShape">
-              <a:avLst/>
-            </a:prstTxWarp>
-          </a:bodyPr>
-          <a:lstStyle/>
-          <a:p>
-            <a:pPr marL="0" marR="0" indent="0" defTabSz="914400" rtl="0" eaLnBrk="1" fontAlgn="base" latinLnBrk="0" hangingPunct="1">
-              <a:lnSpc>
-                <a:spcPct val="200000"/>
-              </a:lnSpc>
-              <a:spcBef>
-                <a:spcPct val="0"/>
-              </a:spcBef>
-              <a:spcAft>
-                <a:spcPct val="0"/>
-              </a:spcAft>
-              <a:buClrTx/>
-              <a:buSzTx/>
-              <a:buFontTx/>
-              <a:buNone/>
-              <a:tabLst/>
-            </a:pPr>
-            <a:endParaRPr kumimoji="1" lang="zh-TW" altLang="en-US" sz="1800" b="0" i="0" u="none" strike="noStrike" cap="none" normalizeH="0" baseline="0" dirty="0">
-              <a:ln>
-                <a:noFill/>
-              </a:ln>
-              <a:solidFill>
-                <a:schemeClr val="bg1"/>
-              </a:solidFill>
-              <a:effectLst/>
-              <a:latin typeface="Arial" charset="0"/>
-              <a:ea typeface="新細明體" pitchFamily="18" charset="-120"/>
-            </a:endParaRPr>
-          </a:p>
-        </p:txBody>
-      </p:sp>
-      <p:sp>
-        <p:nvSpPr>
-          <p:cNvPr id="81" name="文字方塊 80">
-            <a:extLst>
-              <a:ext uri="{FF2B5EF4-FFF2-40B4-BE49-F238E27FC236}">
-                <a16:creationId xmlns:a16="http://schemas.microsoft.com/office/drawing/2014/main" id="{67DDB415-47FB-483E-9CAF-DC5F196128E9}"/>
-              </a:ext>
-            </a:extLst>
-          </p:cNvPr>
-          <p:cNvSpPr txBox="1"/>
-          <p:nvPr/>
-        </p:nvSpPr>
-        <p:spPr>
-          <a:xfrm>
-            <a:off x="779193" y="997944"/>
-            <a:ext cx="1724093" cy="338554"/>
-          </a:xfrm>
-          <a:prstGeom prst="rect">
-            <a:avLst/>
-          </a:prstGeom>
-          <a:noFill/>
-        </p:spPr>
-        <p:txBody>
-          <a:bodyPr wrap="square" rtlCol="0">
-            <a:spAutoFit/>
-          </a:bodyPr>
-          <a:lstStyle/>
-          <a:p>
-            <a:r>
-              <a:rPr lang="en-US" altLang="zh-TW" sz="1600" dirty="0"/>
-              <a:t>Model Delegator</a:t>
-            </a:r>
-            <a:endParaRPr lang="zh-TW" altLang="en-US" sz="1600" dirty="0"/>
-          </a:p>
-        </p:txBody>
-      </p:sp>
-      <p:sp>
-        <p:nvSpPr>
-          <p:cNvPr id="92" name="矩形 91">
-            <a:extLst>
-              <a:ext uri="{FF2B5EF4-FFF2-40B4-BE49-F238E27FC236}">
-                <a16:creationId xmlns:a16="http://schemas.microsoft.com/office/drawing/2014/main" id="{AAF9FBBC-216E-426D-81DE-718D4445730C}"/>
-              </a:ext>
-            </a:extLst>
-          </p:cNvPr>
-          <p:cNvSpPr/>
-          <p:nvPr/>
-        </p:nvSpPr>
-        <p:spPr bwMode="auto">
-          <a:xfrm>
-            <a:off x="2789417" y="988673"/>
-            <a:ext cx="1357248" cy="338554"/>
-          </a:xfrm>
-          <a:prstGeom prst="rect">
-            <a:avLst/>
-          </a:prstGeom>
-          <a:solidFill>
-            <a:schemeClr val="bg2">
-              <a:lumMod val="75000"/>
-            </a:schemeClr>
-          </a:solidFill>
-          <a:ln w="9525" cap="flat" cmpd="sng" algn="ctr">
-            <a:noFill/>
-            <a:prstDash val="solid"/>
-            <a:round/>
-            <a:headEnd type="none" w="med" len="med"/>
-            <a:tailEnd type="none" w="med" len="med"/>
-          </a:ln>
-          <a:effectLst>
-            <a:outerShdw blurRad="50800" dist="38100" dir="2700000" algn="tl" rotWithShape="0">
-              <a:prstClr val="black">
-                <a:alpha val="40000"/>
-              </a:prstClr>
-            </a:outerShdw>
-          </a:effectLst>
-        </p:spPr>
-        <p:txBody>
-          <a:bodyPr vert="horz" wrap="square" lIns="91440" tIns="45720" rIns="91440" bIns="45720" numCol="3" rtlCol="0" anchor="t" anchorCtr="0" compatLnSpc="1">
-            <a:prstTxWarp prst="textNoShape">
-              <a:avLst/>
-            </a:prstTxWarp>
-          </a:bodyPr>
-          <a:lstStyle/>
-          <a:p>
-            <a:pPr marL="0" marR="0" indent="0" defTabSz="914400" rtl="0" eaLnBrk="1" fontAlgn="base" latinLnBrk="0" hangingPunct="1">
-              <a:lnSpc>
-                <a:spcPct val="200000"/>
-              </a:lnSpc>
-              <a:spcBef>
-                <a:spcPct val="0"/>
-              </a:spcBef>
-              <a:spcAft>
-                <a:spcPct val="0"/>
-              </a:spcAft>
-              <a:buClrTx/>
-              <a:buSzTx/>
-              <a:buFontTx/>
-              <a:buNone/>
-              <a:tabLst/>
-            </a:pPr>
-            <a:endParaRPr kumimoji="1" lang="zh-TW" altLang="en-US" sz="1800" b="0" i="0" u="none" strike="noStrike" cap="none" normalizeH="0" baseline="0" dirty="0">
-              <a:ln>
-                <a:noFill/>
-              </a:ln>
-              <a:solidFill>
-                <a:schemeClr val="bg1"/>
-              </a:solidFill>
-              <a:effectLst/>
-              <a:latin typeface="Arial" charset="0"/>
-              <a:ea typeface="新細明體" pitchFamily="18" charset="-120"/>
-            </a:endParaRPr>
-          </a:p>
-        </p:txBody>
-      </p:sp>
-      <p:sp>
-        <p:nvSpPr>
-          <p:cNvPr id="96" name="矩形 95">
-            <a:extLst>
-              <a:ext uri="{FF2B5EF4-FFF2-40B4-BE49-F238E27FC236}">
-                <a16:creationId xmlns:a16="http://schemas.microsoft.com/office/drawing/2014/main" id="{E06A4FE6-290A-4B7C-8588-999D075B3E24}"/>
-              </a:ext>
-            </a:extLst>
-          </p:cNvPr>
-          <p:cNvSpPr/>
-          <p:nvPr/>
-        </p:nvSpPr>
-        <p:spPr bwMode="auto">
-          <a:xfrm>
-            <a:off x="4237516" y="986442"/>
-            <a:ext cx="1357248" cy="338554"/>
-          </a:xfrm>
-          <a:prstGeom prst="rect">
-            <a:avLst/>
-          </a:prstGeom>
-          <a:solidFill>
-            <a:srgbClr val="76B900"/>
-          </a:solidFill>
-          <a:ln w="9525" cap="flat" cmpd="sng" algn="ctr">
-            <a:noFill/>
-            <a:prstDash val="solid"/>
-            <a:round/>
-            <a:headEnd type="none" w="med" len="med"/>
-            <a:tailEnd type="none" w="med" len="med"/>
-          </a:ln>
-          <a:effectLst>
-            <a:outerShdw blurRad="50800" dist="38100" dir="2700000" algn="tl" rotWithShape="0">
-              <a:prstClr val="black">
-                <a:alpha val="40000"/>
-              </a:prstClr>
-            </a:outerShdw>
-          </a:effectLst>
-        </p:spPr>
-        <p:txBody>
-          <a:bodyPr vert="horz" wrap="square" lIns="91440" tIns="45720" rIns="91440" bIns="45720" numCol="3" rtlCol="0" anchor="t" anchorCtr="0" compatLnSpc="1">
-            <a:prstTxWarp prst="textNoShape">
-              <a:avLst/>
-            </a:prstTxWarp>
-          </a:bodyPr>
-          <a:lstStyle/>
-          <a:p>
-            <a:pPr marL="0" marR="0" indent="0" defTabSz="914400" rtl="0" eaLnBrk="1" fontAlgn="base" latinLnBrk="0" hangingPunct="1">
-              <a:lnSpc>
-                <a:spcPct val="200000"/>
-              </a:lnSpc>
-              <a:spcBef>
-                <a:spcPct val="0"/>
-              </a:spcBef>
-              <a:spcAft>
-                <a:spcPct val="0"/>
-              </a:spcAft>
-              <a:buClrTx/>
-              <a:buSzTx/>
-              <a:buFontTx/>
-              <a:buNone/>
-              <a:tabLst/>
-            </a:pPr>
-            <a:endParaRPr kumimoji="1" lang="zh-TW" altLang="en-US" sz="1800" b="0" i="0" u="none" strike="noStrike" cap="none" normalizeH="0" baseline="0" dirty="0">
-              <a:ln>
-                <a:noFill/>
-              </a:ln>
-              <a:solidFill>
-                <a:schemeClr val="bg1"/>
-              </a:solidFill>
-              <a:effectLst/>
-              <a:latin typeface="Arial" charset="0"/>
-              <a:ea typeface="新細明體" pitchFamily="18" charset="-120"/>
-            </a:endParaRPr>
-          </a:p>
-        </p:txBody>
-      </p:sp>
-      <p:sp>
-        <p:nvSpPr>
-          <p:cNvPr id="97" name="文字方塊 96">
-            <a:extLst>
-              <a:ext uri="{FF2B5EF4-FFF2-40B4-BE49-F238E27FC236}">
-                <a16:creationId xmlns:a16="http://schemas.microsoft.com/office/drawing/2014/main" id="{F1855AA7-2417-481C-B8E9-2DE1CAA68B21}"/>
-              </a:ext>
-            </a:extLst>
-          </p:cNvPr>
-          <p:cNvSpPr txBox="1"/>
-          <p:nvPr/>
-        </p:nvSpPr>
-        <p:spPr>
-          <a:xfrm>
-            <a:off x="4235707" y="995967"/>
-            <a:ext cx="1346929" cy="323165"/>
-          </a:xfrm>
-          <a:prstGeom prst="rect">
-            <a:avLst/>
-          </a:prstGeom>
-          <a:noFill/>
-        </p:spPr>
-        <p:txBody>
-          <a:bodyPr wrap="square" rtlCol="0">
-            <a:spAutoFit/>
-          </a:bodyPr>
-          <a:lstStyle/>
-          <a:p>
-            <a:pPr algn="ctr"/>
-            <a:r>
-              <a:rPr lang="en-US" altLang="zh-TW" sz="1500" dirty="0" err="1">
-                <a:solidFill>
-                  <a:schemeClr val="bg1"/>
-                </a:solidFill>
-              </a:rPr>
-              <a:t>TensorRT</a:t>
-            </a:r>
-            <a:endParaRPr lang="zh-TW" altLang="en-US" sz="1500" dirty="0">
-              <a:solidFill>
-                <a:schemeClr val="bg1"/>
-              </a:solidFill>
-            </a:endParaRPr>
-          </a:p>
-        </p:txBody>
-      </p:sp>
-      <p:sp>
-        <p:nvSpPr>
-          <p:cNvPr id="98" name="文字方塊 97">
-            <a:extLst>
-              <a:ext uri="{FF2B5EF4-FFF2-40B4-BE49-F238E27FC236}">
-                <a16:creationId xmlns:a16="http://schemas.microsoft.com/office/drawing/2014/main" id="{3572FDB6-D58D-431E-9E5F-BBA6F475295A}"/>
-              </a:ext>
-            </a:extLst>
-          </p:cNvPr>
-          <p:cNvSpPr txBox="1"/>
-          <p:nvPr/>
-        </p:nvSpPr>
-        <p:spPr>
-          <a:xfrm>
-            <a:off x="2782591" y="1003574"/>
-            <a:ext cx="1356343" cy="323165"/>
-          </a:xfrm>
-          <a:prstGeom prst="rect">
-            <a:avLst/>
-          </a:prstGeom>
-          <a:noFill/>
-        </p:spPr>
-        <p:txBody>
-          <a:bodyPr wrap="square" rtlCol="0">
-            <a:spAutoFit/>
-          </a:bodyPr>
-          <a:lstStyle/>
-          <a:p>
-            <a:pPr algn="ctr"/>
-            <a:r>
-              <a:rPr lang="en-US" altLang="zh-TW" sz="1500" dirty="0" err="1">
-                <a:solidFill>
-                  <a:schemeClr val="bg1"/>
-                </a:solidFill>
-              </a:rPr>
-              <a:t>NeuronPilot</a:t>
-            </a:r>
-            <a:endParaRPr lang="zh-TW" altLang="en-US" sz="1500" dirty="0">
-              <a:solidFill>
-                <a:schemeClr val="bg1"/>
-              </a:solidFill>
-            </a:endParaRPr>
-          </a:p>
-        </p:txBody>
-      </p:sp>
-      <p:sp>
-        <p:nvSpPr>
-          <p:cNvPr id="129" name="矩形 128">
-            <a:extLst>
-              <a:ext uri="{FF2B5EF4-FFF2-40B4-BE49-F238E27FC236}">
-                <a16:creationId xmlns:a16="http://schemas.microsoft.com/office/drawing/2014/main" id="{3C7A0988-F029-4C05-B15F-99F5E861A647}"/>
-              </a:ext>
-            </a:extLst>
-          </p:cNvPr>
-          <p:cNvSpPr/>
-          <p:nvPr/>
-        </p:nvSpPr>
-        <p:spPr bwMode="auto">
-          <a:xfrm>
-            <a:off x="7401323" y="3388311"/>
-            <a:ext cx="1529390" cy="338554"/>
-          </a:xfrm>
-          <a:prstGeom prst="rect">
-            <a:avLst/>
-          </a:prstGeom>
-          <a:solidFill>
-            <a:srgbClr val="76B900"/>
-          </a:solidFill>
-          <a:ln w="9525" cap="flat" cmpd="sng" algn="ctr">
-            <a:noFill/>
-            <a:prstDash val="solid"/>
-            <a:round/>
-            <a:headEnd type="none" w="med" len="med"/>
-            <a:tailEnd type="none" w="med" len="med"/>
-          </a:ln>
-          <a:effectLst>
-            <a:outerShdw blurRad="50800" dist="38100" dir="2700000" algn="tl" rotWithShape="0">
-              <a:prstClr val="black">
-                <a:alpha val="40000"/>
-              </a:prstClr>
-            </a:outerShdw>
-          </a:effectLst>
-        </p:spPr>
-        <p:txBody>
-          <a:bodyPr vert="horz" wrap="square" lIns="91440" tIns="45720" rIns="91440" bIns="45720" numCol="3" rtlCol="0" anchor="t" anchorCtr="0" compatLnSpc="1">
-            <a:prstTxWarp prst="textNoShape">
-              <a:avLst/>
-            </a:prstTxWarp>
-          </a:bodyPr>
-          <a:lstStyle/>
-          <a:p>
-            <a:pPr marL="0" marR="0" indent="0" defTabSz="914400" rtl="0" eaLnBrk="1" fontAlgn="base" latinLnBrk="0" hangingPunct="1">
-              <a:lnSpc>
-                <a:spcPct val="200000"/>
-              </a:lnSpc>
-              <a:spcBef>
-                <a:spcPct val="0"/>
-              </a:spcBef>
-              <a:spcAft>
-                <a:spcPct val="0"/>
-              </a:spcAft>
-              <a:buClrTx/>
-              <a:buSzTx/>
-              <a:buFontTx/>
-              <a:buNone/>
-              <a:tabLst/>
-            </a:pPr>
-            <a:endParaRPr kumimoji="1" lang="zh-TW" altLang="en-US" sz="1800" b="0" i="0" u="none" strike="noStrike" cap="none" normalizeH="0" baseline="0" dirty="0">
-              <a:ln>
-                <a:noFill/>
-              </a:ln>
-              <a:solidFill>
-                <a:schemeClr val="bg1"/>
-              </a:solidFill>
-              <a:effectLst/>
-              <a:latin typeface="Arial" charset="0"/>
-              <a:ea typeface="新細明體" pitchFamily="18" charset="-120"/>
-            </a:endParaRPr>
-          </a:p>
-        </p:txBody>
-      </p:sp>
-      <p:sp>
-        <p:nvSpPr>
-          <p:cNvPr id="132" name="文字方塊 131">
-            <a:extLst>
-              <a:ext uri="{FF2B5EF4-FFF2-40B4-BE49-F238E27FC236}">
-                <a16:creationId xmlns:a16="http://schemas.microsoft.com/office/drawing/2014/main" id="{10D25963-5F8D-4D54-B4F1-12159310A5B8}"/>
-              </a:ext>
-            </a:extLst>
-          </p:cNvPr>
-          <p:cNvSpPr txBox="1"/>
-          <p:nvPr/>
-        </p:nvSpPr>
-        <p:spPr>
-          <a:xfrm>
-            <a:off x="7417286" y="3399741"/>
-            <a:ext cx="1529390" cy="323165"/>
-          </a:xfrm>
-          <a:prstGeom prst="rect">
-            <a:avLst/>
-          </a:prstGeom>
-          <a:noFill/>
-        </p:spPr>
-        <p:txBody>
-          <a:bodyPr wrap="square" rtlCol="0">
-            <a:spAutoFit/>
-          </a:bodyPr>
-          <a:lstStyle/>
-          <a:p>
-            <a:pPr algn="ctr"/>
-            <a:r>
-              <a:rPr lang="en-US" altLang="zh-TW" sz="1500" b="1" dirty="0">
-                <a:solidFill>
-                  <a:schemeClr val="bg1"/>
-                </a:solidFill>
-              </a:rPr>
-              <a:t>NVIDIA</a:t>
-            </a:r>
-            <a:endParaRPr lang="zh-TW" altLang="en-US" sz="1500" b="1" dirty="0">
-              <a:solidFill>
-                <a:schemeClr val="bg1"/>
-              </a:solidFill>
-            </a:endParaRPr>
-          </a:p>
-        </p:txBody>
-      </p:sp>
-      <p:sp>
-        <p:nvSpPr>
-          <p:cNvPr id="145" name="矩形 144">
-            <a:extLst>
-              <a:ext uri="{FF2B5EF4-FFF2-40B4-BE49-F238E27FC236}">
-                <a16:creationId xmlns:a16="http://schemas.microsoft.com/office/drawing/2014/main" id="{D69F6D39-272C-4E2D-986D-9D11D758069B}"/>
-              </a:ext>
-            </a:extLst>
-          </p:cNvPr>
-          <p:cNvSpPr/>
-          <p:nvPr/>
-        </p:nvSpPr>
-        <p:spPr bwMode="auto">
-          <a:xfrm>
-            <a:off x="5673890" y="987002"/>
-            <a:ext cx="1357248" cy="338554"/>
-          </a:xfrm>
-          <a:prstGeom prst="rect">
-            <a:avLst/>
-          </a:prstGeom>
-          <a:solidFill>
-            <a:srgbClr val="0091BD"/>
-          </a:solidFill>
-          <a:ln w="9525" cap="flat" cmpd="sng" algn="ctr">
-            <a:noFill/>
-            <a:prstDash val="solid"/>
-            <a:round/>
-            <a:headEnd type="none" w="med" len="med"/>
-            <a:tailEnd type="none" w="med" len="med"/>
-          </a:ln>
-          <a:effectLst>
-            <a:outerShdw blurRad="50800" dist="38100" dir="2700000" algn="tl" rotWithShape="0">
-              <a:prstClr val="black">
-                <a:alpha val="40000"/>
-              </a:prstClr>
-            </a:outerShdw>
-          </a:effectLst>
-        </p:spPr>
-        <p:txBody>
-          <a:bodyPr vert="horz" wrap="square" lIns="91440" tIns="45720" rIns="91440" bIns="45720" numCol="3" rtlCol="0" anchor="t" anchorCtr="0" compatLnSpc="1">
-            <a:prstTxWarp prst="textNoShape">
-              <a:avLst/>
-            </a:prstTxWarp>
-          </a:bodyPr>
-          <a:lstStyle/>
-          <a:p>
-            <a:pPr marL="0" marR="0" indent="0" defTabSz="914400" rtl="0" eaLnBrk="1" fontAlgn="base" latinLnBrk="0" hangingPunct="1">
-              <a:lnSpc>
-                <a:spcPct val="200000"/>
-              </a:lnSpc>
-              <a:spcBef>
-                <a:spcPct val="0"/>
-              </a:spcBef>
-              <a:spcAft>
-                <a:spcPct val="0"/>
-              </a:spcAft>
-              <a:buClrTx/>
-              <a:buSzTx/>
-              <a:buFontTx/>
-              <a:buNone/>
-              <a:tabLst/>
-            </a:pPr>
-            <a:endParaRPr kumimoji="1" lang="zh-TW" altLang="en-US" sz="1800" b="0" i="0" u="none" strike="noStrike" cap="none" normalizeH="0" baseline="0" dirty="0">
-              <a:ln>
-                <a:noFill/>
-              </a:ln>
-              <a:solidFill>
-                <a:schemeClr val="bg1"/>
-              </a:solidFill>
-              <a:effectLst/>
-              <a:latin typeface="Arial" charset="0"/>
-              <a:ea typeface="新細明體" pitchFamily="18" charset="-120"/>
-            </a:endParaRPr>
-          </a:p>
-        </p:txBody>
-      </p:sp>
-      <p:sp>
-        <p:nvSpPr>
-          <p:cNvPr id="146" name="文字方塊 145">
-            <a:extLst>
-              <a:ext uri="{FF2B5EF4-FFF2-40B4-BE49-F238E27FC236}">
-                <a16:creationId xmlns:a16="http://schemas.microsoft.com/office/drawing/2014/main" id="{E1FD7208-73A0-455A-A915-0DA294DE5C7D}"/>
-              </a:ext>
-            </a:extLst>
-          </p:cNvPr>
-          <p:cNvSpPr txBox="1"/>
-          <p:nvPr/>
-        </p:nvSpPr>
-        <p:spPr>
-          <a:xfrm>
-            <a:off x="5673890" y="996527"/>
-            <a:ext cx="1356343" cy="323165"/>
-          </a:xfrm>
-          <a:prstGeom prst="rect">
-            <a:avLst/>
-          </a:prstGeom>
-          <a:noFill/>
-        </p:spPr>
-        <p:txBody>
-          <a:bodyPr wrap="square" rtlCol="0">
-            <a:spAutoFit/>
-          </a:bodyPr>
-          <a:lstStyle/>
-          <a:p>
-            <a:pPr algn="ctr"/>
-            <a:r>
-              <a:rPr lang="en-US" altLang="zh-TW" sz="1500" dirty="0" err="1">
-                <a:solidFill>
-                  <a:schemeClr val="bg1"/>
-                </a:solidFill>
-              </a:rPr>
-              <a:t>ArmNN</a:t>
-            </a:r>
-            <a:endParaRPr lang="zh-TW" altLang="en-US" sz="1500" dirty="0">
-              <a:solidFill>
-                <a:schemeClr val="bg1"/>
-              </a:solidFill>
-            </a:endParaRPr>
-          </a:p>
-        </p:txBody>
-      </p:sp>
-      <p:sp>
-        <p:nvSpPr>
-          <p:cNvPr id="149" name="文字方塊 148">
-            <a:extLst>
-              <a:ext uri="{FF2B5EF4-FFF2-40B4-BE49-F238E27FC236}">
-                <a16:creationId xmlns:a16="http://schemas.microsoft.com/office/drawing/2014/main" id="{58EC258D-DE74-45BE-864C-9316BD15539D}"/>
-              </a:ext>
-            </a:extLst>
-          </p:cNvPr>
-          <p:cNvSpPr txBox="1"/>
-          <p:nvPr/>
-        </p:nvSpPr>
-        <p:spPr>
-          <a:xfrm>
-            <a:off x="10228736" y="3040221"/>
-            <a:ext cx="1057962" cy="323165"/>
-          </a:xfrm>
-          <a:prstGeom prst="rect">
-            <a:avLst/>
-          </a:prstGeom>
-          <a:noFill/>
-        </p:spPr>
-        <p:txBody>
-          <a:bodyPr wrap="square" rtlCol="0">
-            <a:spAutoFit/>
-          </a:bodyPr>
-          <a:lstStyle/>
-          <a:p>
-            <a:pPr algn="ctr"/>
-            <a:r>
-              <a:rPr lang="en-US" altLang="zh-TW" sz="1500" dirty="0">
-                <a:solidFill>
-                  <a:schemeClr val="bg1"/>
-                </a:solidFill>
-              </a:rPr>
-              <a:t>MediaTek</a:t>
-            </a:r>
-            <a:endParaRPr lang="zh-TW" altLang="en-US" sz="1500" dirty="0">
-              <a:solidFill>
-                <a:schemeClr val="bg1"/>
-              </a:solidFill>
-            </a:endParaRPr>
-          </a:p>
-        </p:txBody>
-      </p:sp>
-      <p:sp>
-        <p:nvSpPr>
-          <p:cNvPr id="153" name="矩形 152">
-            <a:extLst>
-              <a:ext uri="{FF2B5EF4-FFF2-40B4-BE49-F238E27FC236}">
-                <a16:creationId xmlns:a16="http://schemas.microsoft.com/office/drawing/2014/main" id="{E4CBC0A2-3519-4FAC-8820-F90FF62C4FCF}"/>
-              </a:ext>
-            </a:extLst>
-          </p:cNvPr>
-          <p:cNvSpPr/>
-          <p:nvPr/>
-        </p:nvSpPr>
-        <p:spPr bwMode="auto">
-          <a:xfrm>
-            <a:off x="4198356" y="3415334"/>
+            <a:off x="638859" y="4328366"/>
             <a:ext cx="1519750" cy="338554"/>
           </a:xfrm>
           <a:prstGeom prst="rect">
@@ -15548,10 +14954,10 @@
       </p:sp>
       <p:sp>
         <p:nvSpPr>
-          <p:cNvPr id="154" name="文字方塊 153">
+          <p:cNvPr id="59" name="文字方塊 58">
             <a:extLst>
               <a:ext uri="{FF2B5EF4-FFF2-40B4-BE49-F238E27FC236}">
-                <a16:creationId xmlns:a16="http://schemas.microsoft.com/office/drawing/2014/main" id="{70AB3F65-80FD-41A1-898F-5F8695F64839}"/>
+                <a16:creationId xmlns:a16="http://schemas.microsoft.com/office/drawing/2014/main" id="{E543CB1A-0DBE-417D-9843-6D488C8C56FB}"/>
               </a:ext>
             </a:extLst>
           </p:cNvPr>
@@ -15560,7 +14966,7 @@
         </p:nvSpPr>
         <p:spPr>
           <a:xfrm>
-            <a:off x="4198384" y="3424859"/>
+            <a:off x="638887" y="4337891"/>
             <a:ext cx="1475506" cy="323165"/>
           </a:xfrm>
           <a:prstGeom prst="rect">
@@ -15576,12 +14982,12 @@
           <a:p>
             <a:pPr algn="ctr"/>
             <a:r>
-              <a:rPr lang="en-US" altLang="zh-TW" sz="1500" b="1" dirty="0" err="1">
+              <a:rPr lang="en-US" altLang="zh-TW" sz="1500" b="1" dirty="0">
                 <a:solidFill>
                   <a:schemeClr val="bg1"/>
                 </a:solidFill>
               </a:rPr>
-              <a:t>Hailo</a:t>
+              <a:t>ARM</a:t>
             </a:r>
             <a:endParaRPr lang="zh-TW" altLang="en-US" sz="1500" b="1" dirty="0">
               <a:solidFill>
@@ -15593,10 +14999,10 @@
       </p:sp>
       <p:sp>
         <p:nvSpPr>
-          <p:cNvPr id="164" name="矩形 163">
+          <p:cNvPr id="60" name="矩形 59">
             <a:extLst>
               <a:ext uri="{FF2B5EF4-FFF2-40B4-BE49-F238E27FC236}">
-                <a16:creationId xmlns:a16="http://schemas.microsoft.com/office/drawing/2014/main" id="{E0AE0879-6FBA-4DDE-8434-6EF43B666628}"/>
+                <a16:creationId xmlns:a16="http://schemas.microsoft.com/office/drawing/2014/main" id="{882A4169-765E-432A-A284-ED271C2973AA}"/>
               </a:ext>
             </a:extLst>
           </p:cNvPr>
@@ -15605,7 +15011,256 @@
         </p:nvSpPr>
         <p:spPr bwMode="auto">
           <a:xfrm>
-            <a:off x="5853997" y="3060536"/>
+            <a:off x="3846952" y="3979330"/>
+            <a:ext cx="1468190" cy="338554"/>
+          </a:xfrm>
+          <a:prstGeom prst="rect">
+            <a:avLst/>
+          </a:prstGeom>
+          <a:solidFill>
+            <a:schemeClr val="bg1">
+              <a:lumMod val="50000"/>
+            </a:schemeClr>
+          </a:solidFill>
+          <a:ln w="9525" cap="flat" cmpd="sng" algn="ctr">
+            <a:noFill/>
+            <a:prstDash val="solid"/>
+            <a:round/>
+            <a:headEnd type="none" w="med" len="med"/>
+            <a:tailEnd type="none" w="med" len="med"/>
+          </a:ln>
+          <a:effectLst>
+            <a:outerShdw blurRad="50800" dist="38100" dir="2700000" algn="tl" rotWithShape="0">
+              <a:prstClr val="black">
+                <a:alpha val="40000"/>
+              </a:prstClr>
+            </a:outerShdw>
+          </a:effectLst>
+        </p:spPr>
+        <p:txBody>
+          <a:bodyPr vert="horz" wrap="square" lIns="91440" tIns="45720" rIns="91440" bIns="45720" numCol="3" rtlCol="0" anchor="t" anchorCtr="0" compatLnSpc="1">
+            <a:prstTxWarp prst="textNoShape">
+              <a:avLst/>
+            </a:prstTxWarp>
+          </a:bodyPr>
+          <a:lstStyle/>
+          <a:p>
+            <a:pPr marL="0" marR="0" indent="0" defTabSz="914400" rtl="0" eaLnBrk="1" fontAlgn="base" latinLnBrk="0" hangingPunct="1">
+              <a:lnSpc>
+                <a:spcPct val="200000"/>
+              </a:lnSpc>
+              <a:spcBef>
+                <a:spcPct val="0"/>
+              </a:spcBef>
+              <a:spcAft>
+                <a:spcPct val="0"/>
+              </a:spcAft>
+              <a:buClrTx/>
+              <a:buSzTx/>
+              <a:buFontTx/>
+              <a:buNone/>
+              <a:tabLst/>
+            </a:pPr>
+            <a:endParaRPr kumimoji="1" lang="zh-TW" altLang="en-US" sz="1800" b="0" i="0" u="none" strike="noStrike" cap="none" normalizeH="0" baseline="0" dirty="0">
+              <a:ln>
+                <a:noFill/>
+              </a:ln>
+              <a:solidFill>
+                <a:schemeClr val="bg1"/>
+              </a:solidFill>
+              <a:effectLst/>
+              <a:latin typeface="Arial" charset="0"/>
+              <a:ea typeface="新細明體" pitchFamily="18" charset="-120"/>
+            </a:endParaRPr>
+          </a:p>
+        </p:txBody>
+      </p:sp>
+      <p:sp>
+        <p:nvSpPr>
+          <p:cNvPr id="62" name="文字方塊 61">
+            <a:extLst>
+              <a:ext uri="{FF2B5EF4-FFF2-40B4-BE49-F238E27FC236}">
+                <a16:creationId xmlns:a16="http://schemas.microsoft.com/office/drawing/2014/main" id="{52EC663A-AEF5-4337-930F-4B4A3B936F07}"/>
+              </a:ext>
+            </a:extLst>
+          </p:cNvPr>
+          <p:cNvSpPr txBox="1"/>
+          <p:nvPr/>
+        </p:nvSpPr>
+        <p:spPr>
+          <a:xfrm>
+            <a:off x="3837027" y="3987024"/>
+            <a:ext cx="1470100" cy="338554"/>
+          </a:xfrm>
+          <a:prstGeom prst="rect">
+            <a:avLst/>
+          </a:prstGeom>
+          <a:solidFill>
+            <a:schemeClr val="tx1">
+              <a:lumMod val="65000"/>
+              <a:lumOff val="35000"/>
+            </a:schemeClr>
+          </a:solidFill>
+        </p:spPr>
+        <p:txBody>
+          <a:bodyPr wrap="square" rtlCol="0">
+            <a:spAutoFit/>
+          </a:bodyPr>
+          <a:lstStyle/>
+          <a:p>
+            <a:pPr algn="ctr"/>
+            <a:r>
+              <a:rPr lang="en-US" altLang="zh-TW" sz="1600" b="1" dirty="0" err="1">
+                <a:solidFill>
+                  <a:schemeClr val="bg1"/>
+                </a:solidFill>
+              </a:rPr>
+              <a:t>OpenVINO</a:t>
+            </a:r>
+            <a:endParaRPr lang="zh-TW" altLang="en-US" sz="1600" b="1" dirty="0">
+              <a:solidFill>
+                <a:schemeClr val="bg1"/>
+              </a:solidFill>
+            </a:endParaRPr>
+          </a:p>
+        </p:txBody>
+      </p:sp>
+      <p:sp>
+        <p:nvSpPr>
+          <p:cNvPr id="64" name="矩形 63">
+            <a:extLst>
+              <a:ext uri="{FF2B5EF4-FFF2-40B4-BE49-F238E27FC236}">
+                <a16:creationId xmlns:a16="http://schemas.microsoft.com/office/drawing/2014/main" id="{9A427D50-B34B-4458-A19F-A071BF5EAA4C}"/>
+              </a:ext>
+            </a:extLst>
+          </p:cNvPr>
+          <p:cNvSpPr/>
+          <p:nvPr/>
+        </p:nvSpPr>
+        <p:spPr bwMode="auto">
+          <a:xfrm>
+            <a:off x="3848913" y="4328366"/>
+            <a:ext cx="1460834" cy="338554"/>
+          </a:xfrm>
+          <a:prstGeom prst="rect">
+            <a:avLst/>
+          </a:prstGeom>
+          <a:solidFill>
+            <a:srgbClr val="0071C5"/>
+          </a:solidFill>
+          <a:ln w="9525" cap="flat" cmpd="sng" algn="ctr">
+            <a:noFill/>
+            <a:prstDash val="solid"/>
+            <a:round/>
+            <a:headEnd type="none" w="med" len="med"/>
+            <a:tailEnd type="none" w="med" len="med"/>
+          </a:ln>
+          <a:effectLst>
+            <a:outerShdw blurRad="50800" dist="38100" dir="2700000" algn="tl" rotWithShape="0">
+              <a:prstClr val="black">
+                <a:alpha val="40000"/>
+              </a:prstClr>
+            </a:outerShdw>
+          </a:effectLst>
+        </p:spPr>
+        <p:txBody>
+          <a:bodyPr vert="horz" wrap="square" lIns="91440" tIns="45720" rIns="91440" bIns="45720" numCol="3" rtlCol="0" anchor="t" anchorCtr="0" compatLnSpc="1">
+            <a:prstTxWarp prst="textNoShape">
+              <a:avLst/>
+            </a:prstTxWarp>
+          </a:bodyPr>
+          <a:lstStyle/>
+          <a:p>
+            <a:pPr marL="0" marR="0" indent="0" defTabSz="914400" rtl="0" eaLnBrk="1" fontAlgn="base" latinLnBrk="0" hangingPunct="1">
+              <a:lnSpc>
+                <a:spcPct val="200000"/>
+              </a:lnSpc>
+              <a:spcBef>
+                <a:spcPct val="0"/>
+              </a:spcBef>
+              <a:spcAft>
+                <a:spcPct val="0"/>
+              </a:spcAft>
+              <a:buClrTx/>
+              <a:buSzTx/>
+              <a:buFontTx/>
+              <a:buNone/>
+              <a:tabLst/>
+            </a:pPr>
+            <a:endParaRPr kumimoji="1" lang="zh-TW" altLang="en-US" sz="1800" b="1" i="0" u="none" strike="noStrike" cap="none" normalizeH="0" baseline="0" dirty="0">
+              <a:ln>
+                <a:noFill/>
+              </a:ln>
+              <a:solidFill>
+                <a:schemeClr val="bg1"/>
+              </a:solidFill>
+              <a:effectLst/>
+              <a:latin typeface="Arial" charset="0"/>
+              <a:ea typeface="新細明體" pitchFamily="18" charset="-120"/>
+            </a:endParaRPr>
+          </a:p>
+        </p:txBody>
+      </p:sp>
+      <p:sp>
+        <p:nvSpPr>
+          <p:cNvPr id="65" name="文字方塊 64">
+            <a:extLst>
+              <a:ext uri="{FF2B5EF4-FFF2-40B4-BE49-F238E27FC236}">
+                <a16:creationId xmlns:a16="http://schemas.microsoft.com/office/drawing/2014/main" id="{35C4B8B8-5E43-4BBF-BA9F-C34F7FF17C58}"/>
+              </a:ext>
+            </a:extLst>
+          </p:cNvPr>
+          <p:cNvSpPr txBox="1"/>
+          <p:nvPr/>
+        </p:nvSpPr>
+        <p:spPr>
+          <a:xfrm>
+            <a:off x="3848941" y="4337891"/>
+            <a:ext cx="1418305" cy="323165"/>
+          </a:xfrm>
+          <a:prstGeom prst="rect">
+            <a:avLst/>
+          </a:prstGeom>
+          <a:noFill/>
+        </p:spPr>
+        <p:txBody>
+          <a:bodyPr wrap="square" rtlCol="0">
+            <a:spAutoFit/>
+          </a:bodyPr>
+          <a:lstStyle/>
+          <a:p>
+            <a:pPr algn="ctr"/>
+            <a:r>
+              <a:rPr lang="en-US" altLang="zh-TW" sz="1500" b="1" dirty="0">
+                <a:solidFill>
+                  <a:schemeClr val="bg1"/>
+                </a:solidFill>
+              </a:rPr>
+              <a:t>Intel</a:t>
+            </a:r>
+            <a:endParaRPr lang="zh-TW" altLang="en-US" sz="1500" b="1" dirty="0">
+              <a:solidFill>
+                <a:schemeClr val="bg1"/>
+              </a:solidFill>
+            </a:endParaRPr>
+          </a:p>
+        </p:txBody>
+      </p:sp>
+      <p:sp>
+        <p:nvSpPr>
+          <p:cNvPr id="66" name="矩形 65">
+            <a:extLst>
+              <a:ext uri="{FF2B5EF4-FFF2-40B4-BE49-F238E27FC236}">
+                <a16:creationId xmlns:a16="http://schemas.microsoft.com/office/drawing/2014/main" id="{34BE30B5-E485-4D4F-BAA5-40B831673EB5}"/>
+              </a:ext>
+            </a:extLst>
+          </p:cNvPr>
+          <p:cNvSpPr/>
+          <p:nvPr/>
+        </p:nvSpPr>
+        <p:spPr bwMode="auto">
+          <a:xfrm>
+            <a:off x="2267346" y="3980495"/>
             <a:ext cx="1477072" cy="338554"/>
           </a:xfrm>
           <a:prstGeom prst="rect">
@@ -15672,10 +15327,55 @@
       </p:sp>
       <p:sp>
         <p:nvSpPr>
-          <p:cNvPr id="165" name="矩形 164">
+          <p:cNvPr id="67" name="文字方塊 66">
             <a:extLst>
               <a:ext uri="{FF2B5EF4-FFF2-40B4-BE49-F238E27FC236}">
-                <a16:creationId xmlns:a16="http://schemas.microsoft.com/office/drawing/2014/main" id="{5AEC35C0-5811-4E46-B610-D16A79B4781E}"/>
+                <a16:creationId xmlns:a16="http://schemas.microsoft.com/office/drawing/2014/main" id="{AC7B49EF-6E8B-4F4C-A5C7-D2E69814F8B8}"/>
+              </a:ext>
+            </a:extLst>
+          </p:cNvPr>
+          <p:cNvSpPr txBox="1"/>
+          <p:nvPr/>
+        </p:nvSpPr>
+        <p:spPr>
+          <a:xfrm>
+            <a:off x="2260813" y="3988189"/>
+            <a:ext cx="1486450" cy="323165"/>
+          </a:xfrm>
+          <a:prstGeom prst="rect">
+            <a:avLst/>
+          </a:prstGeom>
+          <a:noFill/>
+        </p:spPr>
+        <p:txBody>
+          <a:bodyPr wrap="square" rtlCol="0">
+            <a:spAutoFit/>
+          </a:bodyPr>
+          <a:lstStyle/>
+          <a:p>
+            <a:pPr algn="ctr"/>
+            <a:r>
+              <a:rPr lang="en-US" altLang="zh-TW" sz="1500" b="1" dirty="0" err="1">
+                <a:solidFill>
+                  <a:schemeClr val="bg1"/>
+                </a:solidFill>
+              </a:rPr>
+              <a:t>NeuronPilot</a:t>
+            </a:r>
+            <a:endParaRPr lang="zh-TW" altLang="en-US" sz="1500" b="1" dirty="0">
+              <a:solidFill>
+                <a:schemeClr val="bg1"/>
+              </a:solidFill>
+            </a:endParaRPr>
+          </a:p>
+        </p:txBody>
+      </p:sp>
+      <p:sp>
+        <p:nvSpPr>
+          <p:cNvPr id="68" name="矩形 67">
+            <a:extLst>
+              <a:ext uri="{FF2B5EF4-FFF2-40B4-BE49-F238E27FC236}">
+                <a16:creationId xmlns:a16="http://schemas.microsoft.com/office/drawing/2014/main" id="{34BB9E51-15DF-43A5-8F01-65BDFE3017C1}"/>
               </a:ext>
             </a:extLst>
           </p:cNvPr>
@@ -15684,7 +15384,219 @@
         </p:nvSpPr>
         <p:spPr bwMode="auto">
           <a:xfrm>
-            <a:off x="5856621" y="3388311"/>
+            <a:off x="2273960" y="4326743"/>
+            <a:ext cx="1473303" cy="338554"/>
+          </a:xfrm>
+          <a:prstGeom prst="rect">
+            <a:avLst/>
+          </a:prstGeom>
+          <a:solidFill>
+            <a:srgbClr val="F39F23"/>
+          </a:solidFill>
+          <a:ln>
+            <a:noFill/>
+            <a:headEnd type="none" w="med" len="med"/>
+            <a:tailEnd type="none" w="med" len="med"/>
+          </a:ln>
+          <a:effectLst>
+            <a:outerShdw blurRad="50800" dist="38100" dir="2700000" algn="tl" rotWithShape="0">
+              <a:prstClr val="black">
+                <a:alpha val="40000"/>
+              </a:prstClr>
+            </a:outerShdw>
+          </a:effectLst>
+        </p:spPr>
+        <p:style>
+          <a:lnRef idx="2">
+            <a:schemeClr val="dk1"/>
+          </a:lnRef>
+          <a:fillRef idx="1">
+            <a:schemeClr val="lt1"/>
+          </a:fillRef>
+          <a:effectRef idx="0">
+            <a:schemeClr val="dk1"/>
+          </a:effectRef>
+          <a:fontRef idx="minor">
+            <a:schemeClr val="dk1"/>
+          </a:fontRef>
+        </p:style>
+        <p:txBody>
+          <a:bodyPr vert="horz" wrap="square" lIns="91440" tIns="45720" rIns="91440" bIns="45720" numCol="3" rtlCol="0" anchor="t" anchorCtr="0" compatLnSpc="1">
+            <a:prstTxWarp prst="textNoShape">
+              <a:avLst/>
+            </a:prstTxWarp>
+          </a:bodyPr>
+          <a:lstStyle/>
+          <a:p>
+            <a:pPr marL="0" marR="0" indent="0" defTabSz="914400" rtl="0" eaLnBrk="1" fontAlgn="base" latinLnBrk="0" hangingPunct="1">
+              <a:lnSpc>
+                <a:spcPct val="200000"/>
+              </a:lnSpc>
+              <a:spcBef>
+                <a:spcPct val="0"/>
+              </a:spcBef>
+              <a:spcAft>
+                <a:spcPct val="0"/>
+              </a:spcAft>
+              <a:buClrTx/>
+              <a:buSzTx/>
+              <a:buFontTx/>
+              <a:buNone/>
+              <a:tabLst/>
+            </a:pPr>
+            <a:endParaRPr kumimoji="1" lang="zh-TW" altLang="en-US" sz="1800" b="0" i="0" u="none" strike="noStrike" cap="none" normalizeH="0" baseline="0" dirty="0">
+              <a:ln>
+                <a:noFill/>
+              </a:ln>
+              <a:solidFill>
+                <a:schemeClr val="bg1"/>
+              </a:solidFill>
+              <a:effectLst/>
+              <a:latin typeface="Arial" charset="0"/>
+              <a:ea typeface="新細明體" pitchFamily="18" charset="-120"/>
+            </a:endParaRPr>
+          </a:p>
+        </p:txBody>
+      </p:sp>
+      <p:sp>
+        <p:nvSpPr>
+          <p:cNvPr id="69" name="文字方塊 68">
+            <a:extLst>
+              <a:ext uri="{FF2B5EF4-FFF2-40B4-BE49-F238E27FC236}">
+                <a16:creationId xmlns:a16="http://schemas.microsoft.com/office/drawing/2014/main" id="{ACA730C8-FA50-4F81-B020-1FE815270B5B}"/>
+              </a:ext>
+            </a:extLst>
+          </p:cNvPr>
+          <p:cNvSpPr txBox="1"/>
+          <p:nvPr/>
+        </p:nvSpPr>
+        <p:spPr>
+          <a:xfrm>
+            <a:off x="2269566" y="4326743"/>
+            <a:ext cx="1518735" cy="323165"/>
+          </a:xfrm>
+          <a:prstGeom prst="rect">
+            <a:avLst/>
+          </a:prstGeom>
+          <a:noFill/>
+        </p:spPr>
+        <p:txBody>
+          <a:bodyPr wrap="square" rtlCol="0">
+            <a:spAutoFit/>
+          </a:bodyPr>
+          <a:lstStyle/>
+          <a:p>
+            <a:pPr algn="ctr"/>
+            <a:r>
+              <a:rPr lang="en-US" altLang="zh-TW" sz="1500" b="1" dirty="0">
+                <a:solidFill>
+                  <a:schemeClr val="bg1"/>
+                </a:solidFill>
+              </a:rPr>
+              <a:t>MediaTek</a:t>
+            </a:r>
+            <a:endParaRPr lang="zh-TW" altLang="en-US" sz="1500" b="1" dirty="0">
+              <a:solidFill>
+                <a:schemeClr val="bg1"/>
+              </a:solidFill>
+            </a:endParaRPr>
+          </a:p>
+        </p:txBody>
+      </p:sp>
+      <p:sp>
+        <p:nvSpPr>
+          <p:cNvPr id="70" name="矩形 69">
+            <a:extLst>
+              <a:ext uri="{FF2B5EF4-FFF2-40B4-BE49-F238E27FC236}">
+                <a16:creationId xmlns:a16="http://schemas.microsoft.com/office/drawing/2014/main" id="{8F45D298-572F-4600-9975-411EC19634DA}"/>
+              </a:ext>
+            </a:extLst>
+          </p:cNvPr>
+          <p:cNvSpPr/>
+          <p:nvPr/>
+        </p:nvSpPr>
+        <p:spPr bwMode="auto">
+          <a:xfrm>
+            <a:off x="1524121" y="4741516"/>
+            <a:ext cx="1477072" cy="338554"/>
+          </a:xfrm>
+          <a:prstGeom prst="rect">
+            <a:avLst/>
+          </a:prstGeom>
+          <a:solidFill>
+            <a:schemeClr val="tx1">
+              <a:lumMod val="65000"/>
+              <a:lumOff val="35000"/>
+            </a:schemeClr>
+          </a:solidFill>
+          <a:ln w="9525" cap="flat" cmpd="sng" algn="ctr">
+            <a:noFill/>
+            <a:prstDash val="solid"/>
+            <a:round/>
+            <a:headEnd type="none" w="med" len="med"/>
+            <a:tailEnd type="none" w="med" len="med"/>
+          </a:ln>
+          <a:effectLst>
+            <a:outerShdw blurRad="50800" dist="38100" dir="2700000" algn="tl" rotWithShape="0">
+              <a:prstClr val="black">
+                <a:alpha val="40000"/>
+              </a:prstClr>
+            </a:outerShdw>
+          </a:effectLst>
+        </p:spPr>
+        <p:txBody>
+          <a:bodyPr vert="horz" wrap="square" lIns="91440" tIns="45720" rIns="91440" bIns="45720" numCol="3" rtlCol="0" anchor="t" anchorCtr="0" compatLnSpc="1">
+            <a:prstTxWarp prst="textNoShape">
+              <a:avLst/>
+            </a:prstTxWarp>
+          </a:bodyPr>
+          <a:lstStyle/>
+          <a:p>
+            <a:pPr marL="0" marR="0" indent="0" defTabSz="914400" rtl="0" eaLnBrk="1" fontAlgn="base" latinLnBrk="0" hangingPunct="1">
+              <a:lnSpc>
+                <a:spcPct val="200000"/>
+              </a:lnSpc>
+              <a:spcBef>
+                <a:spcPct val="0"/>
+              </a:spcBef>
+              <a:spcAft>
+                <a:spcPct val="0"/>
+              </a:spcAft>
+              <a:buClrTx/>
+              <a:buSzTx/>
+              <a:buFontTx/>
+              <a:buNone/>
+              <a:tabLst/>
+            </a:pPr>
+            <a:endParaRPr kumimoji="1" lang="zh-TW" altLang="en-US" sz="1800" b="0" i="0" u="none" strike="noStrike" cap="none" normalizeH="0" baseline="0" dirty="0">
+              <a:ln>
+                <a:noFill/>
+              </a:ln>
+              <a:solidFill>
+                <a:schemeClr val="bg1"/>
+              </a:solidFill>
+              <a:effectLst/>
+              <a:latin typeface="Arial" charset="0"/>
+              <a:ea typeface="新細明體" pitchFamily="18" charset="-120"/>
+            </a:endParaRPr>
+          </a:p>
+        </p:txBody>
+      </p:sp>
+      <p:sp>
+        <p:nvSpPr>
+          <p:cNvPr id="71" name="矩形 70">
+            <a:extLst>
+              <a:ext uri="{FF2B5EF4-FFF2-40B4-BE49-F238E27FC236}">
+                <a16:creationId xmlns:a16="http://schemas.microsoft.com/office/drawing/2014/main" id="{BBE20540-C6E8-4E56-974C-9E2B34602203}"/>
+              </a:ext>
+            </a:extLst>
+          </p:cNvPr>
+          <p:cNvSpPr/>
+          <p:nvPr/>
+        </p:nvSpPr>
+        <p:spPr bwMode="auto">
+          <a:xfrm>
+            <a:off x="1526745" y="5069291"/>
             <a:ext cx="1473303" cy="338554"/>
           </a:xfrm>
           <a:prstGeom prst="rect">
@@ -15760,10 +15672,10 @@
       </p:sp>
       <p:sp>
         <p:nvSpPr>
-          <p:cNvPr id="166" name="文字方塊 165">
+          <p:cNvPr id="72" name="文字方塊 71">
             <a:extLst>
               <a:ext uri="{FF2B5EF4-FFF2-40B4-BE49-F238E27FC236}">
-                <a16:creationId xmlns:a16="http://schemas.microsoft.com/office/drawing/2014/main" id="{81DB3356-A157-46EB-B3A2-A3C11A8B7E12}"/>
+                <a16:creationId xmlns:a16="http://schemas.microsoft.com/office/drawing/2014/main" id="{1AB67CFF-25A1-42E7-A96A-669C91854829}"/>
               </a:ext>
             </a:extLst>
           </p:cNvPr>
@@ -15772,7 +15684,7 @@
         </p:nvSpPr>
         <p:spPr>
           <a:xfrm>
-            <a:off x="5853997" y="3399459"/>
+            <a:off x="1524121" y="5080439"/>
             <a:ext cx="1518735" cy="323165"/>
           </a:xfrm>
           <a:prstGeom prst="rect">
@@ -15805,10 +15717,10 @@
       </p:sp>
       <p:sp>
         <p:nvSpPr>
-          <p:cNvPr id="167" name="文字方塊 166">
+          <p:cNvPr id="73" name="文字方塊 72">
             <a:extLst>
               <a:ext uri="{FF2B5EF4-FFF2-40B4-BE49-F238E27FC236}">
-                <a16:creationId xmlns:a16="http://schemas.microsoft.com/office/drawing/2014/main" id="{19703DBC-130A-4645-9F2A-4316206C05BA}"/>
+                <a16:creationId xmlns:a16="http://schemas.microsoft.com/office/drawing/2014/main" id="{54FEB70F-F0DC-4D04-B7E8-4846F9153FEA}"/>
               </a:ext>
             </a:extLst>
           </p:cNvPr>
@@ -15817,7 +15729,7 @@
         </p:nvSpPr>
         <p:spPr>
           <a:xfrm>
-            <a:off x="5847464" y="3068230"/>
+            <a:off x="1517588" y="4749210"/>
             <a:ext cx="1486450" cy="323165"/>
           </a:xfrm>
           <a:prstGeom prst="rect">
@@ -15838,7 +15750,7 @@
                   <a:schemeClr val="bg1"/>
                 </a:solidFill>
               </a:rPr>
-              <a:t>ROCm</a:t>
+              <a:t>ZenDNN</a:t>
             </a:r>
             <a:endParaRPr lang="zh-TW" altLang="en-US" sz="1500" b="1" dirty="0">
               <a:solidFill>
@@ -15850,10 +15762,10 @@
       </p:sp>
       <p:sp>
         <p:nvSpPr>
-          <p:cNvPr id="171" name="矩形 170">
+          <p:cNvPr id="74" name="矩形 73">
             <a:extLst>
               <a:ext uri="{FF2B5EF4-FFF2-40B4-BE49-F238E27FC236}">
-                <a16:creationId xmlns:a16="http://schemas.microsoft.com/office/drawing/2014/main" id="{2A4F9DA1-3AAD-439A-9C25-44C1CFC9178D}"/>
+                <a16:creationId xmlns:a16="http://schemas.microsoft.com/office/drawing/2014/main" id="{527E4112-6029-4817-8E32-8E09BC8C35E9}"/>
               </a:ext>
             </a:extLst>
           </p:cNvPr>
@@ -15862,120 +15774,7 @@
         </p:nvSpPr>
         <p:spPr bwMode="auto">
           <a:xfrm>
-            <a:off x="2503286" y="3943552"/>
-            <a:ext cx="6640714" cy="930472"/>
-          </a:xfrm>
-          <a:prstGeom prst="rect">
-            <a:avLst/>
-          </a:prstGeom>
-          <a:solidFill>
-            <a:schemeClr val="bg1">
-              <a:lumMod val="85000"/>
-            </a:schemeClr>
-          </a:solidFill>
-          <a:ln w="9525" cap="flat" cmpd="sng" algn="ctr">
-            <a:noFill/>
-            <a:prstDash val="solid"/>
-            <a:round/>
-            <a:headEnd type="none" w="med" len="med"/>
-            <a:tailEnd type="none" w="med" len="med"/>
-          </a:ln>
-          <a:effectLst/>
-        </p:spPr>
-        <p:txBody>
-          <a:bodyPr vert="horz" wrap="square" lIns="91440" tIns="45720" rIns="91440" bIns="45720" numCol="3" rtlCol="0" anchor="t" anchorCtr="0" compatLnSpc="1">
-            <a:prstTxWarp prst="textNoShape">
-              <a:avLst/>
-            </a:prstTxWarp>
-          </a:bodyPr>
-          <a:lstStyle/>
-          <a:p>
-            <a:pPr marL="0" marR="0" indent="0" defTabSz="914400" rtl="0" eaLnBrk="1" fontAlgn="base" latinLnBrk="0" hangingPunct="1">
-              <a:lnSpc>
-                <a:spcPct val="200000"/>
-              </a:lnSpc>
-              <a:spcBef>
-                <a:spcPct val="0"/>
-              </a:spcBef>
-              <a:spcAft>
-                <a:spcPct val="0"/>
-              </a:spcAft>
-              <a:buClrTx/>
-              <a:buSzTx/>
-              <a:buFontTx/>
-              <a:buNone/>
-              <a:tabLst/>
-            </a:pPr>
-            <a:endParaRPr kumimoji="1" lang="zh-TW" altLang="en-US" sz="1800" b="0" i="0" u="none" strike="noStrike" cap="none" normalizeH="0" baseline="0" dirty="0">
-              <a:ln>
-                <a:noFill/>
-              </a:ln>
-              <a:solidFill>
-                <a:schemeClr val="bg1"/>
-              </a:solidFill>
-              <a:effectLst/>
-              <a:latin typeface="Arial" charset="0"/>
-              <a:ea typeface="新細明體" pitchFamily="18" charset="-120"/>
-            </a:endParaRPr>
-          </a:p>
-        </p:txBody>
-      </p:sp>
-      <p:sp>
-        <p:nvSpPr>
-          <p:cNvPr id="173" name="文字方塊 172">
-            <a:extLst>
-              <a:ext uri="{FF2B5EF4-FFF2-40B4-BE49-F238E27FC236}">
-                <a16:creationId xmlns:a16="http://schemas.microsoft.com/office/drawing/2014/main" id="{F6D06C93-A311-4879-B0A1-C02036611F80}"/>
-              </a:ext>
-            </a:extLst>
-          </p:cNvPr>
-          <p:cNvSpPr txBox="1"/>
-          <p:nvPr/>
-        </p:nvSpPr>
-        <p:spPr>
-          <a:xfrm>
-            <a:off x="1278483" y="4063205"/>
-            <a:ext cx="1721182" cy="584775"/>
-          </a:xfrm>
-          <a:prstGeom prst="rect">
-            <a:avLst/>
-          </a:prstGeom>
-          <a:noFill/>
-        </p:spPr>
-        <p:txBody>
-          <a:bodyPr wrap="square" rtlCol="0">
-            <a:spAutoFit/>
-          </a:bodyPr>
-          <a:lstStyle/>
-          <a:p>
-            <a:r>
-              <a:rPr lang="en-US" altLang="zh-TW" sz="1600" dirty="0"/>
-              <a:t>Mother</a:t>
-            </a:r>
-          </a:p>
-          <a:p>
-            <a:r>
-              <a:rPr lang="en-US" altLang="zh-TW" sz="1600" dirty="0"/>
-              <a:t>Board</a:t>
-            </a:r>
-          </a:p>
-        </p:txBody>
-      </p:sp>
-      <p:sp>
-        <p:nvSpPr>
-          <p:cNvPr id="185" name="矩形 184">
-            <a:extLst>
-              <a:ext uri="{FF2B5EF4-FFF2-40B4-BE49-F238E27FC236}">
-                <a16:creationId xmlns:a16="http://schemas.microsoft.com/office/drawing/2014/main" id="{84347354-DF27-4AF8-9473-B82B4119B1FA}"/>
-              </a:ext>
-            </a:extLst>
-          </p:cNvPr>
-          <p:cNvSpPr/>
-          <p:nvPr/>
-        </p:nvSpPr>
-        <p:spPr bwMode="auto">
-          <a:xfrm>
-            <a:off x="2659694" y="4034225"/>
+            <a:off x="3099959" y="4745949"/>
             <a:ext cx="1527403" cy="338554"/>
           </a:xfrm>
           <a:prstGeom prst="rect">
@@ -16041,10 +15840,10 @@
       </p:sp>
       <p:sp>
         <p:nvSpPr>
-          <p:cNvPr id="186" name="文字方塊 185">
+          <p:cNvPr id="75" name="文字方塊 74">
             <a:extLst>
               <a:ext uri="{FF2B5EF4-FFF2-40B4-BE49-F238E27FC236}">
-                <a16:creationId xmlns:a16="http://schemas.microsoft.com/office/drawing/2014/main" id="{21380398-FCE5-46C0-B203-DAE53FB2BFA8}"/>
+                <a16:creationId xmlns:a16="http://schemas.microsoft.com/office/drawing/2014/main" id="{EC1ECA99-416E-4F29-9EEE-34F829909D60}"/>
               </a:ext>
             </a:extLst>
           </p:cNvPr>
@@ -16053,7 +15852,7 @@
         </p:nvSpPr>
         <p:spPr>
           <a:xfrm>
-            <a:off x="2649770" y="4041919"/>
+            <a:off x="3090035" y="4753643"/>
             <a:ext cx="1529390" cy="338554"/>
           </a:xfrm>
           <a:prstGeom prst="rect">
@@ -16074,12 +15873,12 @@
           <a:p>
             <a:pPr algn="ctr"/>
             <a:r>
-              <a:rPr lang="en-US" altLang="zh-TW" sz="1600" b="1" dirty="0">
+              <a:rPr lang="en-US" altLang="zh-TW" sz="1600" b="1" dirty="0" err="1">
                 <a:solidFill>
                   <a:schemeClr val="bg1"/>
                 </a:solidFill>
               </a:rPr>
-              <a:t>ACL</a:t>
+              <a:t>TensorRT</a:t>
             </a:r>
             <a:endParaRPr lang="zh-TW" altLang="en-US" sz="1600" b="1" dirty="0">
               <a:solidFill>
@@ -16091,10 +15890,10 @@
       </p:sp>
       <p:sp>
         <p:nvSpPr>
-          <p:cNvPr id="189" name="矩形 188">
+          <p:cNvPr id="76" name="矩形 75">
             <a:extLst>
               <a:ext uri="{FF2B5EF4-FFF2-40B4-BE49-F238E27FC236}">
-                <a16:creationId xmlns:a16="http://schemas.microsoft.com/office/drawing/2014/main" id="{54176DA5-0D1E-47BA-99E7-0277F6701272}"/>
+                <a16:creationId xmlns:a16="http://schemas.microsoft.com/office/drawing/2014/main" id="{D20B0FA4-7F8C-42FA-B9A8-975A8C1AD613}"/>
               </a:ext>
             </a:extLst>
           </p:cNvPr>
@@ -16103,14 +15902,14 @@
         </p:nvSpPr>
         <p:spPr bwMode="auto">
           <a:xfrm>
-            <a:off x="2661656" y="4383261"/>
-            <a:ext cx="1519750" cy="338554"/>
+            <a:off x="3090034" y="5074889"/>
+            <a:ext cx="1529390" cy="338554"/>
           </a:xfrm>
           <a:prstGeom prst="rect">
             <a:avLst/>
           </a:prstGeom>
           <a:solidFill>
-            <a:srgbClr val="0091BD"/>
+            <a:srgbClr val="76B900"/>
           </a:solidFill>
           <a:ln w="9525" cap="flat" cmpd="sng" algn="ctr">
             <a:noFill/>
@@ -16151,7 +15950,7 @@
               <a:buNone/>
               <a:tabLst/>
             </a:pPr>
-            <a:endParaRPr kumimoji="1" lang="zh-TW" altLang="en-US" sz="1800" b="1" i="0" u="none" strike="noStrike" cap="none" normalizeH="0" baseline="0" dirty="0">
+            <a:endParaRPr kumimoji="1" lang="zh-TW" altLang="en-US" sz="1800" b="0" i="0" u="none" strike="noStrike" cap="none" normalizeH="0" baseline="0" dirty="0">
               <a:ln>
                 <a:noFill/>
               </a:ln>
@@ -16167,10 +15966,10 @@
       </p:sp>
       <p:sp>
         <p:nvSpPr>
-          <p:cNvPr id="190" name="文字方塊 189">
+          <p:cNvPr id="77" name="文字方塊 76">
             <a:extLst>
               <a:ext uri="{FF2B5EF4-FFF2-40B4-BE49-F238E27FC236}">
-                <a16:creationId xmlns:a16="http://schemas.microsoft.com/office/drawing/2014/main" id="{12E5A901-B929-4492-9A02-CE6FD85B9C61}"/>
+                <a16:creationId xmlns:a16="http://schemas.microsoft.com/office/drawing/2014/main" id="{72F8D378-304D-4C32-BC63-BE9C968B3149}"/>
               </a:ext>
             </a:extLst>
           </p:cNvPr>
@@ -16179,8 +15978,8 @@
         </p:nvSpPr>
         <p:spPr>
           <a:xfrm>
-            <a:off x="2661684" y="4392786"/>
-            <a:ext cx="1475506" cy="323165"/>
+            <a:off x="3105997" y="5086319"/>
+            <a:ext cx="1529390" cy="323165"/>
           </a:xfrm>
           <a:prstGeom prst="rect">
             <a:avLst/>
@@ -16200,7 +15999,7 @@
                   <a:schemeClr val="bg1"/>
                 </a:solidFill>
               </a:rPr>
-              <a:t>ARM</a:t>
+              <a:t>NVIDIA</a:t>
             </a:r>
             <a:endParaRPr lang="zh-TW" altLang="en-US" sz="1500" b="1" dirty="0">
               <a:solidFill>
@@ -16212,10 +16011,10 @@
       </p:sp>
       <p:sp>
         <p:nvSpPr>
-          <p:cNvPr id="193" name="矩形 192">
+          <p:cNvPr id="78" name="矩形 77">
             <a:extLst>
               <a:ext uri="{FF2B5EF4-FFF2-40B4-BE49-F238E27FC236}">
-                <a16:creationId xmlns:a16="http://schemas.microsoft.com/office/drawing/2014/main" id="{A4F0FB6A-E18D-450A-AA1F-5B732DA582D9}"/>
+                <a16:creationId xmlns:a16="http://schemas.microsoft.com/office/drawing/2014/main" id="{A481015F-6E6E-49B9-A7A3-3C305D7995BA}"/>
               </a:ext>
             </a:extLst>
           </p:cNvPr>
@@ -16224,8 +16023,80 @@
         </p:nvSpPr>
         <p:spPr bwMode="auto">
           <a:xfrm>
-            <a:off x="5869749" y="4034225"/>
-            <a:ext cx="1468190" cy="338554"/>
+            <a:off x="2616470" y="1347060"/>
+            <a:ext cx="8183861" cy="930472"/>
+          </a:xfrm>
+          <a:prstGeom prst="rect">
+            <a:avLst/>
+          </a:prstGeom>
+          <a:solidFill>
+            <a:schemeClr val="bg1">
+              <a:lumMod val="85000"/>
+            </a:schemeClr>
+          </a:solidFill>
+          <a:ln w="9525" cap="flat" cmpd="sng" algn="ctr">
+            <a:noFill/>
+            <a:prstDash val="solid"/>
+            <a:round/>
+            <a:headEnd type="none" w="med" len="med"/>
+            <a:tailEnd type="none" w="med" len="med"/>
+          </a:ln>
+          <a:effectLst/>
+        </p:spPr>
+        <p:txBody>
+          <a:bodyPr vert="horz" wrap="square" lIns="91440" tIns="45720" rIns="91440" bIns="45720" numCol="3" rtlCol="0" anchor="t" anchorCtr="0" compatLnSpc="1">
+            <a:prstTxWarp prst="textNoShape">
+              <a:avLst/>
+            </a:prstTxWarp>
+          </a:bodyPr>
+          <a:lstStyle/>
+          <a:p>
+            <a:pPr marL="0" marR="0" indent="0" defTabSz="914400" rtl="0" eaLnBrk="1" fontAlgn="base" latinLnBrk="0" hangingPunct="1">
+              <a:lnSpc>
+                <a:spcPct val="200000"/>
+              </a:lnSpc>
+              <a:spcBef>
+                <a:spcPct val="0"/>
+              </a:spcBef>
+              <a:spcAft>
+                <a:spcPct val="0"/>
+              </a:spcAft>
+              <a:buClrTx/>
+              <a:buSzTx/>
+              <a:buFontTx/>
+              <a:buNone/>
+              <a:tabLst/>
+            </a:pPr>
+            <a:endParaRPr kumimoji="1" lang="zh-TW" altLang="en-US" sz="1800" b="0" i="0" u="none" strike="noStrike" cap="none" normalizeH="0" baseline="0" dirty="0">
+              <a:ln>
+                <a:noFill/>
+              </a:ln>
+              <a:solidFill>
+                <a:schemeClr val="bg1"/>
+              </a:solidFill>
+              <a:effectLst/>
+              <a:latin typeface="Arial" charset="0"/>
+              <a:ea typeface="新細明體" pitchFamily="18" charset="-120"/>
+            </a:endParaRPr>
+          </a:p>
+        </p:txBody>
+      </p:sp>
+      <p:sp>
+        <p:nvSpPr>
+          <p:cNvPr id="80" name="矩形 79">
+            <a:extLst>
+              <a:ext uri="{FF2B5EF4-FFF2-40B4-BE49-F238E27FC236}">
+                <a16:creationId xmlns:a16="http://schemas.microsoft.com/office/drawing/2014/main" id="{1C82CAEC-9593-4331-9AE3-ECA8A01ADE22}"/>
+              </a:ext>
+            </a:extLst>
+          </p:cNvPr>
+          <p:cNvSpPr/>
+          <p:nvPr/>
+        </p:nvSpPr>
+        <p:spPr bwMode="auto">
+          <a:xfrm>
+            <a:off x="9126791" y="1489862"/>
+            <a:ext cx="1527403" cy="338554"/>
           </a:xfrm>
           <a:prstGeom prst="rect">
             <a:avLst/>
@@ -16290,10 +16161,10 @@
       </p:sp>
       <p:sp>
         <p:nvSpPr>
-          <p:cNvPr id="194" name="文字方塊 193">
+          <p:cNvPr id="82" name="文字方塊 81">
             <a:extLst>
               <a:ext uri="{FF2B5EF4-FFF2-40B4-BE49-F238E27FC236}">
-                <a16:creationId xmlns:a16="http://schemas.microsoft.com/office/drawing/2014/main" id="{0D370422-F9EB-454A-A5F3-A05E19348A0B}"/>
+                <a16:creationId xmlns:a16="http://schemas.microsoft.com/office/drawing/2014/main" id="{AFD3B7DA-C7B3-481D-9814-60D305191CD3}"/>
               </a:ext>
             </a:extLst>
           </p:cNvPr>
@@ -16302,8 +16173,49 @@
         </p:nvSpPr>
         <p:spPr>
           <a:xfrm>
-            <a:off x="5859824" y="4041919"/>
-            <a:ext cx="1470100" cy="338554"/>
+            <a:off x="1391668" y="1543558"/>
+            <a:ext cx="1721182" cy="584775"/>
+          </a:xfrm>
+          <a:prstGeom prst="rect">
+            <a:avLst/>
+          </a:prstGeom>
+          <a:noFill/>
+        </p:spPr>
+        <p:txBody>
+          <a:bodyPr wrap="square" rtlCol="0">
+            <a:spAutoFit/>
+          </a:bodyPr>
+          <a:lstStyle/>
+          <a:p>
+            <a:r>
+              <a:rPr lang="en-US" altLang="zh-TW" sz="1600" dirty="0"/>
+              <a:t>M.2/ PCIe </a:t>
+            </a:r>
+          </a:p>
+          <a:p>
+            <a:r>
+              <a:rPr lang="en-US" altLang="zh-TW" sz="1600" dirty="0"/>
+              <a:t>Plugins</a:t>
+            </a:r>
+          </a:p>
+        </p:txBody>
+      </p:sp>
+      <p:sp>
+        <p:nvSpPr>
+          <p:cNvPr id="83" name="文字方塊 82">
+            <a:extLst>
+              <a:ext uri="{FF2B5EF4-FFF2-40B4-BE49-F238E27FC236}">
+                <a16:creationId xmlns:a16="http://schemas.microsoft.com/office/drawing/2014/main" id="{81EC61DB-B53B-4F49-BDB3-A5FB9B556985}"/>
+              </a:ext>
+            </a:extLst>
+          </p:cNvPr>
+          <p:cNvSpPr txBox="1"/>
+          <p:nvPr/>
+        </p:nvSpPr>
+        <p:spPr>
+          <a:xfrm>
+            <a:off x="9116867" y="1497556"/>
+            <a:ext cx="1529390" cy="338554"/>
           </a:xfrm>
           <a:prstGeom prst="rect">
             <a:avLst/>
@@ -16323,12 +16235,12 @@
           <a:p>
             <a:pPr algn="ctr"/>
             <a:r>
-              <a:rPr lang="en-US" altLang="zh-TW" sz="1600" b="1" dirty="0" err="1">
+              <a:rPr lang="en-US" altLang="zh-TW" sz="1600" b="1" dirty="0">
                 <a:solidFill>
                   <a:schemeClr val="bg1"/>
                 </a:solidFill>
               </a:rPr>
-              <a:t>OpenVINO</a:t>
+              <a:t>CUDA</a:t>
             </a:r>
             <a:endParaRPr lang="zh-TW" altLang="en-US" sz="1600" b="1" dirty="0">
               <a:solidFill>
@@ -16340,10 +16252,10 @@
       </p:sp>
       <p:sp>
         <p:nvSpPr>
-          <p:cNvPr id="195" name="矩形 194">
+          <p:cNvPr id="84" name="矩形 83">
             <a:extLst>
               <a:ext uri="{FF2B5EF4-FFF2-40B4-BE49-F238E27FC236}">
-                <a16:creationId xmlns:a16="http://schemas.microsoft.com/office/drawing/2014/main" id="{7FD59FC1-4E5B-4442-9A2F-A83A0CCA8377}"/>
+                <a16:creationId xmlns:a16="http://schemas.microsoft.com/office/drawing/2014/main" id="{3B7CF6C3-96A8-47DE-9C24-C81BCE39E716}"/>
               </a:ext>
             </a:extLst>
           </p:cNvPr>
@@ -16352,14 +16264,14 @@
         </p:nvSpPr>
         <p:spPr bwMode="auto">
           <a:xfrm>
-            <a:off x="5871710" y="4383261"/>
-            <a:ext cx="1460834" cy="338554"/>
+            <a:off x="9116866" y="1818802"/>
+            <a:ext cx="1529390" cy="338554"/>
           </a:xfrm>
           <a:prstGeom prst="rect">
             <a:avLst/>
           </a:prstGeom>
           <a:solidFill>
-            <a:srgbClr val="0071C5"/>
+            <a:srgbClr val="76B900"/>
           </a:solidFill>
           <a:ln w="9525" cap="flat" cmpd="sng" algn="ctr">
             <a:noFill/>
@@ -16400,6 +16312,127 @@
               <a:buNone/>
               <a:tabLst/>
             </a:pPr>
+            <a:endParaRPr kumimoji="1" lang="zh-TW" altLang="en-US" sz="1800" b="0" i="0" u="none" strike="noStrike" cap="none" normalizeH="0" baseline="0" dirty="0">
+              <a:ln>
+                <a:noFill/>
+              </a:ln>
+              <a:solidFill>
+                <a:schemeClr val="bg1"/>
+              </a:solidFill>
+              <a:effectLst/>
+              <a:latin typeface="Arial" charset="0"/>
+              <a:ea typeface="新細明體" pitchFamily="18" charset="-120"/>
+            </a:endParaRPr>
+          </a:p>
+        </p:txBody>
+      </p:sp>
+      <p:sp>
+        <p:nvSpPr>
+          <p:cNvPr id="86" name="文字方塊 85">
+            <a:extLst>
+              <a:ext uri="{FF2B5EF4-FFF2-40B4-BE49-F238E27FC236}">
+                <a16:creationId xmlns:a16="http://schemas.microsoft.com/office/drawing/2014/main" id="{180E3CC6-E117-4F84-900D-A4B6136558D9}"/>
+              </a:ext>
+            </a:extLst>
+          </p:cNvPr>
+          <p:cNvSpPr txBox="1"/>
+          <p:nvPr/>
+        </p:nvSpPr>
+        <p:spPr>
+          <a:xfrm>
+            <a:off x="9132829" y="1830232"/>
+            <a:ext cx="1529390" cy="323165"/>
+          </a:xfrm>
+          <a:prstGeom prst="rect">
+            <a:avLst/>
+          </a:prstGeom>
+          <a:noFill/>
+        </p:spPr>
+        <p:txBody>
+          <a:bodyPr wrap="square" rtlCol="0">
+            <a:spAutoFit/>
+          </a:bodyPr>
+          <a:lstStyle/>
+          <a:p>
+            <a:pPr algn="ctr"/>
+            <a:r>
+              <a:rPr lang="en-US" altLang="zh-TW" sz="1500" b="1" dirty="0">
+                <a:solidFill>
+                  <a:schemeClr val="bg1"/>
+                </a:solidFill>
+              </a:rPr>
+              <a:t>NVIDIA</a:t>
+            </a:r>
+            <a:endParaRPr lang="zh-TW" altLang="en-US" sz="1500" b="1" dirty="0">
+              <a:solidFill>
+                <a:schemeClr val="bg1"/>
+              </a:solidFill>
+            </a:endParaRPr>
+          </a:p>
+        </p:txBody>
+      </p:sp>
+      <p:sp>
+        <p:nvSpPr>
+          <p:cNvPr id="87" name="矩形 86">
+            <a:extLst>
+              <a:ext uri="{FF2B5EF4-FFF2-40B4-BE49-F238E27FC236}">
+                <a16:creationId xmlns:a16="http://schemas.microsoft.com/office/drawing/2014/main" id="{8D67529C-D8B4-4423-A33D-3EB0382DB464}"/>
+              </a:ext>
+            </a:extLst>
+          </p:cNvPr>
+          <p:cNvSpPr/>
+          <p:nvPr/>
+        </p:nvSpPr>
+        <p:spPr bwMode="auto">
+          <a:xfrm>
+            <a:off x="5991860" y="1800939"/>
+            <a:ext cx="1519750" cy="338554"/>
+          </a:xfrm>
+          <a:prstGeom prst="rect">
+            <a:avLst/>
+          </a:prstGeom>
+          <a:solidFill>
+            <a:srgbClr val="0091BD"/>
+          </a:solidFill>
+          <a:ln w="9525" cap="flat" cmpd="sng" algn="ctr">
+            <a:noFill/>
+            <a:prstDash val="solid"/>
+            <a:round/>
+            <a:headEnd type="none" w="med" len="med"/>
+            <a:tailEnd type="none" w="med" len="med"/>
+          </a:ln>
+          <a:effectLst>
+            <a:outerShdw blurRad="50800" dist="38100" dir="2700000" algn="tl" rotWithShape="0">
+              <a:prstClr val="black">
+                <a:alpha val="40000"/>
+              </a:prstClr>
+            </a:outerShdw>
+          </a:effectLst>
+        </p:spPr>
+        <p:txBody>
+          <a:bodyPr vert="horz" wrap="square" lIns="91440" tIns="45720" rIns="91440" bIns="45720" numCol="3" rtlCol="0" anchor="t" anchorCtr="0" compatLnSpc="1">
+            <a:prstTxWarp prst="textNoShape">
+              <a:avLst/>
+            </a:prstTxWarp>
+          </a:bodyPr>
+          <a:lstStyle/>
+          <a:p>
+            <a:pPr marL="0" marR="0" indent="0" defTabSz="914400" rtl="0" eaLnBrk="1" fontAlgn="base" latinLnBrk="0" hangingPunct="1">
+              <a:lnSpc>
+                <a:spcPct val="200000"/>
+              </a:lnSpc>
+              <a:spcBef>
+                <a:spcPct val="0"/>
+              </a:spcBef>
+              <a:spcAft>
+                <a:spcPct val="0"/>
+              </a:spcAft>
+              <a:buClrTx/>
+              <a:buSzTx/>
+              <a:buFontTx/>
+              <a:buNone/>
+              <a:tabLst/>
+            </a:pPr>
             <a:endParaRPr kumimoji="1" lang="zh-TW" altLang="en-US" sz="1800" b="1" i="0" u="none" strike="noStrike" cap="none" normalizeH="0" baseline="0" dirty="0">
               <a:ln>
                 <a:noFill/>
@@ -16416,10 +16449,10 @@
       </p:sp>
       <p:sp>
         <p:nvSpPr>
-          <p:cNvPr id="197" name="文字方塊 196">
+          <p:cNvPr id="89" name="文字方塊 88">
             <a:extLst>
               <a:ext uri="{FF2B5EF4-FFF2-40B4-BE49-F238E27FC236}">
-                <a16:creationId xmlns:a16="http://schemas.microsoft.com/office/drawing/2014/main" id="{93E9AE7C-A97E-41D4-84B4-73DB56C63452}"/>
+                <a16:creationId xmlns:a16="http://schemas.microsoft.com/office/drawing/2014/main" id="{66426F59-2EA6-48FD-B6EA-DCB3269DDF62}"/>
               </a:ext>
             </a:extLst>
           </p:cNvPr>
@@ -16428,8 +16461,8 @@
         </p:nvSpPr>
         <p:spPr>
           <a:xfrm>
-            <a:off x="5871738" y="4392786"/>
-            <a:ext cx="1418305" cy="323165"/>
+            <a:off x="5991888" y="1810464"/>
+            <a:ext cx="1475506" cy="323165"/>
           </a:xfrm>
           <a:prstGeom prst="rect">
             <a:avLst/>
@@ -16444,12 +16477,12 @@
           <a:p>
             <a:pPr algn="ctr"/>
             <a:r>
-              <a:rPr lang="en-US" altLang="zh-TW" sz="1500" b="1" dirty="0">
+              <a:rPr lang="en-US" altLang="zh-TW" sz="1500" b="1" dirty="0" err="1">
                 <a:solidFill>
                   <a:schemeClr val="bg1"/>
                 </a:solidFill>
               </a:rPr>
-              <a:t>Intel</a:t>
+              <a:t>Hailo</a:t>
             </a:r>
             <a:endParaRPr lang="zh-TW" altLang="en-US" sz="1500" b="1" dirty="0">
               <a:solidFill>
@@ -16461,10 +16494,10 @@
       </p:sp>
       <p:sp>
         <p:nvSpPr>
-          <p:cNvPr id="198" name="矩形 197">
+          <p:cNvPr id="90" name="矩形 89">
             <a:extLst>
               <a:ext uri="{FF2B5EF4-FFF2-40B4-BE49-F238E27FC236}">
-                <a16:creationId xmlns:a16="http://schemas.microsoft.com/office/drawing/2014/main" id="{46656CEF-CF5B-490D-9922-6AF7AA1873A8}"/>
+                <a16:creationId xmlns:a16="http://schemas.microsoft.com/office/drawing/2014/main" id="{3AB0F1D5-29AE-4C40-8F46-DC47B9BD7A7A}"/>
               </a:ext>
             </a:extLst>
           </p:cNvPr>
@@ -16473,7 +16506,7 @@
         </p:nvSpPr>
         <p:spPr bwMode="auto">
           <a:xfrm>
-            <a:off x="4290143" y="4035390"/>
+            <a:off x="7543016" y="1482689"/>
             <a:ext cx="1477072" cy="338554"/>
           </a:xfrm>
           <a:prstGeom prst="rect">
@@ -16540,55 +16573,10 @@
       </p:sp>
       <p:sp>
         <p:nvSpPr>
-          <p:cNvPr id="199" name="文字方塊 198">
+          <p:cNvPr id="91" name="矩形 90">
             <a:extLst>
               <a:ext uri="{FF2B5EF4-FFF2-40B4-BE49-F238E27FC236}">
-                <a16:creationId xmlns:a16="http://schemas.microsoft.com/office/drawing/2014/main" id="{0C4E98DD-E8FD-4A88-8025-6FBCE50AD2A6}"/>
-              </a:ext>
-            </a:extLst>
-          </p:cNvPr>
-          <p:cNvSpPr txBox="1"/>
-          <p:nvPr/>
-        </p:nvSpPr>
-        <p:spPr>
-          <a:xfrm>
-            <a:off x="4283610" y="4043084"/>
-            <a:ext cx="1486450" cy="323165"/>
-          </a:xfrm>
-          <a:prstGeom prst="rect">
-            <a:avLst/>
-          </a:prstGeom>
-          <a:noFill/>
-        </p:spPr>
-        <p:txBody>
-          <a:bodyPr wrap="square" rtlCol="0">
-            <a:spAutoFit/>
-          </a:bodyPr>
-          <a:lstStyle/>
-          <a:p>
-            <a:pPr algn="ctr"/>
-            <a:r>
-              <a:rPr lang="en-US" altLang="zh-TW" sz="1500" b="1" dirty="0" err="1">
-                <a:solidFill>
-                  <a:schemeClr val="bg1"/>
-                </a:solidFill>
-              </a:rPr>
-              <a:t>NeuronPilot</a:t>
-            </a:r>
-            <a:endParaRPr lang="zh-TW" altLang="en-US" sz="1500" b="1" dirty="0">
-              <a:solidFill>
-                <a:schemeClr val="bg1"/>
-              </a:solidFill>
-            </a:endParaRPr>
-          </a:p>
-        </p:txBody>
-      </p:sp>
-      <p:sp>
-        <p:nvSpPr>
-          <p:cNvPr id="200" name="矩形 199">
-            <a:extLst>
-              <a:ext uri="{FF2B5EF4-FFF2-40B4-BE49-F238E27FC236}">
-                <a16:creationId xmlns:a16="http://schemas.microsoft.com/office/drawing/2014/main" id="{B836588A-886A-46AD-B427-542A5E48C78E}"/>
+                <a16:creationId xmlns:a16="http://schemas.microsoft.com/office/drawing/2014/main" id="{90AF6B94-146A-4F1E-B2A3-CA3BB00407C1}"/>
               </a:ext>
             </a:extLst>
           </p:cNvPr>
@@ -16597,219 +16585,7 @@
         </p:nvSpPr>
         <p:spPr bwMode="auto">
           <a:xfrm>
-            <a:off x="4296757" y="4381638"/>
-            <a:ext cx="1473303" cy="338554"/>
-          </a:xfrm>
-          <a:prstGeom prst="rect">
-            <a:avLst/>
-          </a:prstGeom>
-          <a:solidFill>
-            <a:srgbClr val="F39F23"/>
-          </a:solidFill>
-          <a:ln>
-            <a:noFill/>
-            <a:headEnd type="none" w="med" len="med"/>
-            <a:tailEnd type="none" w="med" len="med"/>
-          </a:ln>
-          <a:effectLst>
-            <a:outerShdw blurRad="50800" dist="38100" dir="2700000" algn="tl" rotWithShape="0">
-              <a:prstClr val="black">
-                <a:alpha val="40000"/>
-              </a:prstClr>
-            </a:outerShdw>
-          </a:effectLst>
-        </p:spPr>
-        <p:style>
-          <a:lnRef idx="2">
-            <a:schemeClr val="dk1"/>
-          </a:lnRef>
-          <a:fillRef idx="1">
-            <a:schemeClr val="lt1"/>
-          </a:fillRef>
-          <a:effectRef idx="0">
-            <a:schemeClr val="dk1"/>
-          </a:effectRef>
-          <a:fontRef idx="minor">
-            <a:schemeClr val="dk1"/>
-          </a:fontRef>
-        </p:style>
-        <p:txBody>
-          <a:bodyPr vert="horz" wrap="square" lIns="91440" tIns="45720" rIns="91440" bIns="45720" numCol="3" rtlCol="0" anchor="t" anchorCtr="0" compatLnSpc="1">
-            <a:prstTxWarp prst="textNoShape">
-              <a:avLst/>
-            </a:prstTxWarp>
-          </a:bodyPr>
-          <a:lstStyle/>
-          <a:p>
-            <a:pPr marL="0" marR="0" indent="0" defTabSz="914400" rtl="0" eaLnBrk="1" fontAlgn="base" latinLnBrk="0" hangingPunct="1">
-              <a:lnSpc>
-                <a:spcPct val="200000"/>
-              </a:lnSpc>
-              <a:spcBef>
-                <a:spcPct val="0"/>
-              </a:spcBef>
-              <a:spcAft>
-                <a:spcPct val="0"/>
-              </a:spcAft>
-              <a:buClrTx/>
-              <a:buSzTx/>
-              <a:buFontTx/>
-              <a:buNone/>
-              <a:tabLst/>
-            </a:pPr>
-            <a:endParaRPr kumimoji="1" lang="zh-TW" altLang="en-US" sz="1800" b="0" i="0" u="none" strike="noStrike" cap="none" normalizeH="0" baseline="0" dirty="0">
-              <a:ln>
-                <a:noFill/>
-              </a:ln>
-              <a:solidFill>
-                <a:schemeClr val="bg1"/>
-              </a:solidFill>
-              <a:effectLst/>
-              <a:latin typeface="Arial" charset="0"/>
-              <a:ea typeface="新細明體" pitchFamily="18" charset="-120"/>
-            </a:endParaRPr>
-          </a:p>
-        </p:txBody>
-      </p:sp>
-      <p:sp>
-        <p:nvSpPr>
-          <p:cNvPr id="201" name="文字方塊 200">
-            <a:extLst>
-              <a:ext uri="{FF2B5EF4-FFF2-40B4-BE49-F238E27FC236}">
-                <a16:creationId xmlns:a16="http://schemas.microsoft.com/office/drawing/2014/main" id="{4F233F1B-E4CF-486F-AA31-69D3CF78A7F3}"/>
-              </a:ext>
-            </a:extLst>
-          </p:cNvPr>
-          <p:cNvSpPr txBox="1"/>
-          <p:nvPr/>
-        </p:nvSpPr>
-        <p:spPr>
-          <a:xfrm>
-            <a:off x="4292363" y="4381638"/>
-            <a:ext cx="1518735" cy="323165"/>
-          </a:xfrm>
-          <a:prstGeom prst="rect">
-            <a:avLst/>
-          </a:prstGeom>
-          <a:noFill/>
-        </p:spPr>
-        <p:txBody>
-          <a:bodyPr wrap="square" rtlCol="0">
-            <a:spAutoFit/>
-          </a:bodyPr>
-          <a:lstStyle/>
-          <a:p>
-            <a:pPr algn="ctr"/>
-            <a:r>
-              <a:rPr lang="en-US" altLang="zh-TW" sz="1500" b="1" dirty="0">
-                <a:solidFill>
-                  <a:schemeClr val="bg1"/>
-                </a:solidFill>
-              </a:rPr>
-              <a:t>MediaTek</a:t>
-            </a:r>
-            <a:endParaRPr lang="zh-TW" altLang="en-US" sz="1500" b="1" dirty="0">
-              <a:solidFill>
-                <a:schemeClr val="bg1"/>
-              </a:solidFill>
-            </a:endParaRPr>
-          </a:p>
-        </p:txBody>
-      </p:sp>
-      <p:sp>
-        <p:nvSpPr>
-          <p:cNvPr id="202" name="矩形 201">
-            <a:extLst>
-              <a:ext uri="{FF2B5EF4-FFF2-40B4-BE49-F238E27FC236}">
-                <a16:creationId xmlns:a16="http://schemas.microsoft.com/office/drawing/2014/main" id="{35C61DF8-F0B3-4E7D-BA15-961CAB0640F4}"/>
-              </a:ext>
-            </a:extLst>
-          </p:cNvPr>
-          <p:cNvSpPr/>
-          <p:nvPr/>
-        </p:nvSpPr>
-        <p:spPr bwMode="auto">
-          <a:xfrm>
-            <a:off x="7417286" y="4040968"/>
-            <a:ext cx="1477072" cy="338554"/>
-          </a:xfrm>
-          <a:prstGeom prst="rect">
-            <a:avLst/>
-          </a:prstGeom>
-          <a:solidFill>
-            <a:schemeClr val="tx1">
-              <a:lumMod val="65000"/>
-              <a:lumOff val="35000"/>
-            </a:schemeClr>
-          </a:solidFill>
-          <a:ln w="9525" cap="flat" cmpd="sng" algn="ctr">
-            <a:noFill/>
-            <a:prstDash val="solid"/>
-            <a:round/>
-            <a:headEnd type="none" w="med" len="med"/>
-            <a:tailEnd type="none" w="med" len="med"/>
-          </a:ln>
-          <a:effectLst>
-            <a:outerShdw blurRad="50800" dist="38100" dir="2700000" algn="tl" rotWithShape="0">
-              <a:prstClr val="black">
-                <a:alpha val="40000"/>
-              </a:prstClr>
-            </a:outerShdw>
-          </a:effectLst>
-        </p:spPr>
-        <p:txBody>
-          <a:bodyPr vert="horz" wrap="square" lIns="91440" tIns="45720" rIns="91440" bIns="45720" numCol="3" rtlCol="0" anchor="t" anchorCtr="0" compatLnSpc="1">
-            <a:prstTxWarp prst="textNoShape">
-              <a:avLst/>
-            </a:prstTxWarp>
-          </a:bodyPr>
-          <a:lstStyle/>
-          <a:p>
-            <a:pPr marL="0" marR="0" indent="0" defTabSz="914400" rtl="0" eaLnBrk="1" fontAlgn="base" latinLnBrk="0" hangingPunct="1">
-              <a:lnSpc>
-                <a:spcPct val="200000"/>
-              </a:lnSpc>
-              <a:spcBef>
-                <a:spcPct val="0"/>
-              </a:spcBef>
-              <a:spcAft>
-                <a:spcPct val="0"/>
-              </a:spcAft>
-              <a:buClrTx/>
-              <a:buSzTx/>
-              <a:buFontTx/>
-              <a:buNone/>
-              <a:tabLst/>
-            </a:pPr>
-            <a:endParaRPr kumimoji="1" lang="zh-TW" altLang="en-US" sz="1800" b="0" i="0" u="none" strike="noStrike" cap="none" normalizeH="0" baseline="0" dirty="0">
-              <a:ln>
-                <a:noFill/>
-              </a:ln>
-              <a:solidFill>
-                <a:schemeClr val="bg1"/>
-              </a:solidFill>
-              <a:effectLst/>
-              <a:latin typeface="Arial" charset="0"/>
-              <a:ea typeface="新細明體" pitchFamily="18" charset="-120"/>
-            </a:endParaRPr>
-          </a:p>
-        </p:txBody>
-      </p:sp>
-      <p:sp>
-        <p:nvSpPr>
-          <p:cNvPr id="203" name="矩形 202">
-            <a:extLst>
-              <a:ext uri="{FF2B5EF4-FFF2-40B4-BE49-F238E27FC236}">
-                <a16:creationId xmlns:a16="http://schemas.microsoft.com/office/drawing/2014/main" id="{65C7AA48-2A93-446B-A0F0-250DDDAC9CA9}"/>
-              </a:ext>
-            </a:extLst>
-          </p:cNvPr>
-          <p:cNvSpPr/>
-          <p:nvPr/>
-        </p:nvSpPr>
-        <p:spPr bwMode="auto">
-          <a:xfrm>
-            <a:off x="7419910" y="4368743"/>
+            <a:off x="7545640" y="1810464"/>
             <a:ext cx="1473303" cy="338554"/>
           </a:xfrm>
           <a:prstGeom prst="rect">
@@ -16885,10 +16661,10 @@
       </p:sp>
       <p:sp>
         <p:nvSpPr>
-          <p:cNvPr id="204" name="文字方塊 203">
+          <p:cNvPr id="93" name="文字方塊 92">
             <a:extLst>
               <a:ext uri="{FF2B5EF4-FFF2-40B4-BE49-F238E27FC236}">
-                <a16:creationId xmlns:a16="http://schemas.microsoft.com/office/drawing/2014/main" id="{058436A7-0159-451C-9515-31511CBF836F}"/>
+                <a16:creationId xmlns:a16="http://schemas.microsoft.com/office/drawing/2014/main" id="{AB278F3A-D399-44F3-90EC-B7BCEB8B5191}"/>
               </a:ext>
             </a:extLst>
           </p:cNvPr>
@@ -16897,7 +16673,7 @@
         </p:nvSpPr>
         <p:spPr>
           <a:xfrm>
-            <a:off x="7417286" y="4379891"/>
+            <a:off x="7543016" y="1821612"/>
             <a:ext cx="1518735" cy="323165"/>
           </a:xfrm>
           <a:prstGeom prst="rect">
@@ -16930,10 +16706,10 @@
       </p:sp>
       <p:sp>
         <p:nvSpPr>
-          <p:cNvPr id="205" name="文字方塊 204">
+          <p:cNvPr id="94" name="文字方塊 93">
             <a:extLst>
               <a:ext uri="{FF2B5EF4-FFF2-40B4-BE49-F238E27FC236}">
-                <a16:creationId xmlns:a16="http://schemas.microsoft.com/office/drawing/2014/main" id="{31E7A558-1B22-42FF-9305-1F7E2ACE70A8}"/>
+                <a16:creationId xmlns:a16="http://schemas.microsoft.com/office/drawing/2014/main" id="{B33E377E-A912-4AF8-B3E3-7CC1A067BD5B}"/>
               </a:ext>
             </a:extLst>
           </p:cNvPr>
@@ -16942,7 +16718,7 @@
         </p:nvSpPr>
         <p:spPr>
           <a:xfrm>
-            <a:off x="7410753" y="4048662"/>
+            <a:off x="7536483" y="1490383"/>
             <a:ext cx="1486450" cy="323165"/>
           </a:xfrm>
           <a:prstGeom prst="rect">
@@ -16963,7 +16739,7 @@
                   <a:schemeClr val="bg1"/>
                 </a:solidFill>
               </a:rPr>
-              <a:t>ZenDNN</a:t>
+              <a:t>ROCm</a:t>
             </a:r>
             <a:endParaRPr lang="zh-TW" altLang="en-US" sz="1500" b="1" dirty="0">
               <a:solidFill>
@@ -20071,15 +19847,6 @@
 </file>
 
 <file path=customXml/item1.xml><?xml version="1.0" encoding="utf-8"?>
-<?mso-contentType ?>
-<FormTemplates xmlns="http://schemas.microsoft.com/sharepoint/v3/contenttype/forms">
-  <Display>DocumentLibraryForm</Display>
-  <Edit>DocumentLibraryForm</Edit>
-  <New>DocumentLibraryForm</New>
-</FormTemplates>
-</file>
-
-<file path=customXml/item2.xml><?xml version="1.0" encoding="utf-8"?>
 <ct:contentTypeSchema xmlns:ct="http://schemas.microsoft.com/office/2006/metadata/contentType" xmlns:ma="http://schemas.microsoft.com/office/2006/metadata/properties/metaAttributes" ct:_="" ma:_="" ma:contentTypeName="Document" ma:contentTypeID="0x010100085D35F6141B534892DDB72C1AF70815" ma:contentTypeVersion="3" ma:contentTypeDescription="Create a new document." ma:contentTypeScope="" ma:versionID="b659d664bf3ce40de54a2ffe6a34c0dd">
   <xsd:schema xmlns:xsd="http://www.w3.org/2001/XMLSchema" xmlns:xs="http://www.w3.org/2001/XMLSchema" xmlns:p="http://schemas.microsoft.com/office/2006/metadata/properties" xmlns:ns2="2ae71aaa-6310-4ecb-9baa-8d5cf672e3d2" targetNamespace="http://schemas.microsoft.com/office/2006/metadata/properties" ma:root="true" ma:fieldsID="87d9f9c2b21dd49a2636f8b6d55849ad" ns2:_="">
     <xsd:import namespace="2ae71aaa-6310-4ecb-9baa-8d5cf672e3d2"/>
@@ -20217,15 +19984,16 @@
 </ct:contentTypeSchema>
 </file>
 
-<file path=customXml/itemProps1.xml><?xml version="1.0" encoding="utf-8"?>
-<ds:datastoreItem xmlns:ds="http://schemas.openxmlformats.org/officeDocument/2006/customXml" ds:itemID="{CAABC409-4141-477E-8EF5-C08D310ABBC5}">
-  <ds:schemaRefs>
-    <ds:schemaRef ds:uri="http://schemas.microsoft.com/sharepoint/v3/contenttype/forms"/>
-  </ds:schemaRefs>
-</ds:datastoreItem>
+<file path=customXml/item2.xml><?xml version="1.0" encoding="utf-8"?>
+<?mso-contentType ?>
+<FormTemplates xmlns="http://schemas.microsoft.com/sharepoint/v3/contenttype/forms">
+  <Display>DocumentLibraryForm</Display>
+  <Edit>DocumentLibraryForm</Edit>
+  <New>DocumentLibraryForm</New>
+</FormTemplates>
 </file>
 
-<file path=customXml/itemProps2.xml><?xml version="1.0" encoding="utf-8"?>
+<file path=customXml/itemProps1.xml><?xml version="1.0" encoding="utf-8"?>
 <ds:datastoreItem xmlns:ds="http://schemas.openxmlformats.org/officeDocument/2006/customXml" ds:itemID="{BD5E0B4A-6262-452A-B0B9-4C3A8A4C81F3}">
   <ds:schemaRefs>
     <ds:schemaRef ds:uri="2ae71aaa-6310-4ecb-9baa-8d5cf672e3d2"/>
@@ -20241,4 +20009,12 @@
     <ds:schemaRef ds:uri="http://www.w3.org/2001/XMLSchema"/>
   </ds:schemaRefs>
 </ds:datastoreItem>
+</file>
+
+<file path=customXml/itemProps2.xml><?xml version="1.0" encoding="utf-8"?>
+<ds:datastoreItem xmlns:ds="http://schemas.openxmlformats.org/officeDocument/2006/customXml" ds:itemID="{CAABC409-4141-477E-8EF5-C08D310ABBC5}">
+  <ds:schemaRefs>
+    <ds:schemaRef ds:uri="http://schemas.microsoft.com/sharepoint/v3/contenttype/forms"/>
+  </ds:schemaRefs>
+</ds:datastoreItem>
 </file>
--- a/notebooks/software-support-metric.pptx
+++ b/notebooks/software-support-metric.pptx
@@ -7,13 +7,14 @@
     <p:sldMasterId id="2147483932" r:id="rId5"/>
   </p:sldMasterIdLst>
   <p:notesMasterIdLst>
-    <p:notesMasterId r:id="rId7"/>
+    <p:notesMasterId r:id="rId8"/>
   </p:notesMasterIdLst>
   <p:handoutMasterIdLst>
-    <p:handoutMasterId r:id="rId8"/>
+    <p:handoutMasterId r:id="rId9"/>
   </p:handoutMasterIdLst>
   <p:sldIdLst>
     <p:sldId id="9472" r:id="rId6"/>
+    <p:sldId id="9473" r:id="rId7"/>
   </p:sldIdLst>
   <p:sldSz cx="12192000" cy="6858000"/>
   <p:notesSz cx="6797675" cy="9928225"/>
@@ -505,7 +506,7 @@
               <a:pPr>
                 <a:defRPr/>
               </a:pPr>
-              <a:t>2024/10/9</a:t>
+              <a:t>2024/10/30</a:t>
             </a:fld>
             <a:endParaRPr lang="zh-TW" altLang="en-US"/>
           </a:p>
@@ -16753,6 +16754,1429 @@
     <p:extLst>
       <p:ext uri="{BB962C8B-B14F-4D97-AF65-F5344CB8AC3E}">
         <p14:creationId xmlns:p14="http://schemas.microsoft.com/office/powerpoint/2010/main" val="2244851505"/>
+      </p:ext>
+    </p:extLst>
+  </p:cSld>
+  <p:clrMapOvr>
+    <a:masterClrMapping/>
+  </p:clrMapOvr>
+</p:sld>
+</file>
+
+<file path=ppt/slides/slide2.xml><?xml version="1.0" encoding="utf-8"?>
+<p:sld xmlns:a="http://schemas.openxmlformats.org/drawingml/2006/main" xmlns:r="http://schemas.openxmlformats.org/officeDocument/2006/relationships" xmlns:p="http://schemas.openxmlformats.org/presentationml/2006/main">
+  <p:cSld>
+    <p:spTree>
+      <p:nvGrpSpPr>
+        <p:cNvPr id="1" name=""/>
+        <p:cNvGrpSpPr/>
+        <p:nvPr/>
+      </p:nvGrpSpPr>
+      <p:grpSpPr>
+        <a:xfrm>
+          <a:off x="0" y="0"/>
+          <a:ext cx="0" cy="0"/>
+          <a:chOff x="0" y="0"/>
+          <a:chExt cx="0" cy="0"/>
+        </a:xfrm>
+      </p:grpSpPr>
+      <p:sp>
+        <p:nvSpPr>
+          <p:cNvPr id="4" name="矩形 3">
+            <a:extLst>
+              <a:ext uri="{FF2B5EF4-FFF2-40B4-BE49-F238E27FC236}">
+                <a16:creationId xmlns:a16="http://schemas.microsoft.com/office/drawing/2014/main" id="{54B3B053-3A97-44FA-B2BE-4D01609DF15E}"/>
+              </a:ext>
+            </a:extLst>
+          </p:cNvPr>
+          <p:cNvSpPr/>
+          <p:nvPr/>
+        </p:nvSpPr>
+        <p:spPr bwMode="auto">
+          <a:xfrm>
+            <a:off x="1467714" y="727010"/>
+            <a:ext cx="3618636" cy="378313"/>
+          </a:xfrm>
+          <a:prstGeom prst="rect">
+            <a:avLst/>
+          </a:prstGeom>
+          <a:solidFill>
+            <a:schemeClr val="accent1">
+              <a:lumMod val="50000"/>
+            </a:schemeClr>
+          </a:solidFill>
+          <a:ln w="9525" cap="flat" cmpd="sng" algn="ctr">
+            <a:noFill/>
+            <a:prstDash val="solid"/>
+            <a:round/>
+            <a:headEnd type="none" w="med" len="med"/>
+            <a:tailEnd type="none" w="med" len="med"/>
+          </a:ln>
+          <a:effectLst/>
+        </p:spPr>
+        <p:txBody>
+          <a:bodyPr vert="horz" wrap="square" lIns="91440" tIns="45720" rIns="91440" bIns="45720" numCol="1" rtlCol="0" anchor="t" anchorCtr="0" compatLnSpc="1">
+            <a:prstTxWarp prst="textNoShape">
+              <a:avLst/>
+            </a:prstTxWarp>
+          </a:bodyPr>
+          <a:lstStyle/>
+          <a:p>
+            <a:pPr marL="0" marR="0" indent="0" algn="ctr" defTabSz="914400" rtl="0" eaLnBrk="1" fontAlgn="base" latinLnBrk="0" hangingPunct="1">
+              <a:lnSpc>
+                <a:spcPct val="100000"/>
+              </a:lnSpc>
+              <a:spcBef>
+                <a:spcPct val="0"/>
+              </a:spcBef>
+              <a:spcAft>
+                <a:spcPct val="0"/>
+              </a:spcAft>
+              <a:buClrTx/>
+              <a:buSzTx/>
+              <a:buFontTx/>
+              <a:buNone/>
+              <a:tabLst/>
+            </a:pPr>
+            <a:r>
+              <a:rPr kumimoji="1" lang="en-US" altLang="zh-TW" sz="1600" b="0" i="0" u="none" strike="noStrike" cap="none" normalizeH="0" baseline="0" dirty="0">
+                <a:ln>
+                  <a:noFill/>
+                </a:ln>
+                <a:solidFill>
+                  <a:schemeClr val="bg1"/>
+                </a:solidFill>
+                <a:effectLst/>
+                <a:latin typeface="Arial" charset="0"/>
+                <a:ea typeface="新細明體" pitchFamily="18" charset="-120"/>
+              </a:rPr>
+              <a:t>Model Zoo</a:t>
+            </a:r>
+            <a:endParaRPr kumimoji="1" lang="zh-TW" altLang="en-US" sz="1600" b="0" i="0" u="none" strike="noStrike" cap="none" normalizeH="0" baseline="0" dirty="0">
+              <a:ln>
+                <a:noFill/>
+              </a:ln>
+              <a:solidFill>
+                <a:schemeClr val="bg1"/>
+              </a:solidFill>
+              <a:effectLst/>
+              <a:latin typeface="Arial" charset="0"/>
+              <a:ea typeface="新細明體" pitchFamily="18" charset="-120"/>
+            </a:endParaRPr>
+          </a:p>
+        </p:txBody>
+      </p:sp>
+      <p:sp>
+        <p:nvSpPr>
+          <p:cNvPr id="45" name="矩形 44">
+            <a:extLst>
+              <a:ext uri="{FF2B5EF4-FFF2-40B4-BE49-F238E27FC236}">
+                <a16:creationId xmlns:a16="http://schemas.microsoft.com/office/drawing/2014/main" id="{CABE06CF-E345-42FD-BB29-348952682297}"/>
+              </a:ext>
+            </a:extLst>
+          </p:cNvPr>
+          <p:cNvSpPr/>
+          <p:nvPr/>
+        </p:nvSpPr>
+        <p:spPr bwMode="auto">
+          <a:xfrm>
+            <a:off x="2629016" y="4067175"/>
+            <a:ext cx="8428892" cy="1374082"/>
+          </a:xfrm>
+          <a:prstGeom prst="rect">
+            <a:avLst/>
+          </a:prstGeom>
+          <a:solidFill>
+            <a:schemeClr val="bg1">
+              <a:lumMod val="85000"/>
+            </a:schemeClr>
+          </a:solidFill>
+          <a:ln w="9525" cap="flat" cmpd="sng" algn="ctr">
+            <a:noFill/>
+            <a:prstDash val="solid"/>
+            <a:round/>
+            <a:headEnd type="none" w="med" len="med"/>
+            <a:tailEnd type="none" w="med" len="med"/>
+          </a:ln>
+          <a:effectLst/>
+        </p:spPr>
+        <p:txBody>
+          <a:bodyPr vert="horz" wrap="square" lIns="91440" tIns="45720" rIns="91440" bIns="45720" numCol="3" rtlCol="0" anchor="t" anchorCtr="0" compatLnSpc="1">
+            <a:prstTxWarp prst="textNoShape">
+              <a:avLst/>
+            </a:prstTxWarp>
+          </a:bodyPr>
+          <a:lstStyle/>
+          <a:p>
+            <a:pPr marL="0" marR="0" indent="0" defTabSz="914400" rtl="0" eaLnBrk="1" fontAlgn="base" latinLnBrk="0" hangingPunct="1">
+              <a:lnSpc>
+                <a:spcPct val="200000"/>
+              </a:lnSpc>
+              <a:spcBef>
+                <a:spcPct val="0"/>
+              </a:spcBef>
+              <a:spcAft>
+                <a:spcPct val="0"/>
+              </a:spcAft>
+              <a:buClrTx/>
+              <a:buSzTx/>
+              <a:buFontTx/>
+              <a:buNone/>
+              <a:tabLst/>
+            </a:pPr>
+            <a:endParaRPr kumimoji="1" lang="zh-TW" altLang="en-US" sz="1800" b="0" i="0" u="none" strike="noStrike" cap="none" normalizeH="0" baseline="0" dirty="0">
+              <a:ln>
+                <a:noFill/>
+              </a:ln>
+              <a:solidFill>
+                <a:schemeClr val="bg1"/>
+              </a:solidFill>
+              <a:effectLst/>
+              <a:latin typeface="Arial" charset="0"/>
+              <a:ea typeface="新細明體" pitchFamily="18" charset="-120"/>
+            </a:endParaRPr>
+          </a:p>
+        </p:txBody>
+      </p:sp>
+      <p:sp>
+        <p:nvSpPr>
+          <p:cNvPr id="63" name="矩形 62">
+            <a:extLst>
+              <a:ext uri="{FF2B5EF4-FFF2-40B4-BE49-F238E27FC236}">
+                <a16:creationId xmlns:a16="http://schemas.microsoft.com/office/drawing/2014/main" id="{8B824215-2D0E-40B4-A4A1-8B9BA19762F1}"/>
+              </a:ext>
+            </a:extLst>
+          </p:cNvPr>
+          <p:cNvSpPr/>
+          <p:nvPr/>
+        </p:nvSpPr>
+        <p:spPr bwMode="auto">
+          <a:xfrm>
+            <a:off x="2798098" y="4987569"/>
+            <a:ext cx="4677572" cy="369702"/>
+          </a:xfrm>
+          <a:prstGeom prst="rect">
+            <a:avLst/>
+          </a:prstGeom>
+          <a:solidFill>
+            <a:schemeClr val="accent5">
+              <a:lumMod val="25000"/>
+            </a:schemeClr>
+          </a:solidFill>
+          <a:ln w="9525" cap="flat" cmpd="sng" algn="ctr">
+            <a:noFill/>
+            <a:prstDash val="solid"/>
+            <a:round/>
+            <a:headEnd type="none" w="med" len="med"/>
+            <a:tailEnd type="none" w="med" len="med"/>
+          </a:ln>
+          <a:effectLst>
+            <a:outerShdw blurRad="50800" dist="38100" dir="2700000" algn="tl" rotWithShape="0">
+              <a:prstClr val="black">
+                <a:alpha val="40000"/>
+              </a:prstClr>
+            </a:outerShdw>
+          </a:effectLst>
+        </p:spPr>
+        <p:txBody>
+          <a:bodyPr vert="horz" wrap="square" lIns="91440" tIns="45720" rIns="91440" bIns="45720" numCol="3" rtlCol="0" anchor="t" anchorCtr="0" compatLnSpc="1">
+            <a:prstTxWarp prst="textNoShape">
+              <a:avLst/>
+            </a:prstTxWarp>
+          </a:bodyPr>
+          <a:lstStyle/>
+          <a:p>
+            <a:pPr marL="0" marR="0" indent="0" defTabSz="914400" rtl="0" eaLnBrk="1" fontAlgn="base" latinLnBrk="0" hangingPunct="1">
+              <a:lnSpc>
+                <a:spcPct val="200000"/>
+              </a:lnSpc>
+              <a:spcBef>
+                <a:spcPct val="0"/>
+              </a:spcBef>
+              <a:spcAft>
+                <a:spcPct val="0"/>
+              </a:spcAft>
+              <a:buClrTx/>
+              <a:buSzTx/>
+              <a:buFontTx/>
+              <a:buNone/>
+              <a:tabLst/>
+            </a:pPr>
+            <a:endParaRPr kumimoji="1" lang="zh-TW" altLang="en-US" sz="1800" b="0" i="0" u="none" strike="noStrike" cap="none" normalizeH="0" baseline="0" dirty="0">
+              <a:ln>
+                <a:noFill/>
+              </a:ln>
+              <a:solidFill>
+                <a:schemeClr val="bg1"/>
+              </a:solidFill>
+              <a:effectLst/>
+              <a:latin typeface="Arial" charset="0"/>
+              <a:ea typeface="新細明體" pitchFamily="18" charset="-120"/>
+            </a:endParaRPr>
+          </a:p>
+        </p:txBody>
+      </p:sp>
+      <p:sp>
+        <p:nvSpPr>
+          <p:cNvPr id="88" name="文字方塊 87">
+            <a:extLst>
+              <a:ext uri="{FF2B5EF4-FFF2-40B4-BE49-F238E27FC236}">
+                <a16:creationId xmlns:a16="http://schemas.microsoft.com/office/drawing/2014/main" id="{A84E24A9-33F4-4F35-8F3B-1001E9867F2B}"/>
+              </a:ext>
+            </a:extLst>
+          </p:cNvPr>
+          <p:cNvSpPr txBox="1"/>
+          <p:nvPr/>
+        </p:nvSpPr>
+        <p:spPr>
+          <a:xfrm>
+            <a:off x="2798096" y="5019019"/>
+            <a:ext cx="4669297" cy="323165"/>
+          </a:xfrm>
+          <a:prstGeom prst="rect">
+            <a:avLst/>
+          </a:prstGeom>
+          <a:noFill/>
+        </p:spPr>
+        <p:txBody>
+          <a:bodyPr wrap="square" rtlCol="0">
+            <a:spAutoFit/>
+          </a:bodyPr>
+          <a:lstStyle/>
+          <a:p>
+            <a:pPr algn="ctr"/>
+            <a:r>
+              <a:rPr lang="en-US" altLang="zh-TW" sz="1500" dirty="0">
+                <a:solidFill>
+                  <a:schemeClr val="bg1"/>
+                </a:solidFill>
+              </a:rPr>
+              <a:t>WorkStation</a:t>
+            </a:r>
+            <a:endParaRPr lang="zh-TW" altLang="en-US" sz="1500" dirty="0">
+              <a:solidFill>
+                <a:schemeClr val="bg1"/>
+              </a:solidFill>
+            </a:endParaRPr>
+          </a:p>
+        </p:txBody>
+      </p:sp>
+      <p:sp>
+        <p:nvSpPr>
+          <p:cNvPr id="53" name="矩形 52">
+            <a:extLst>
+              <a:ext uri="{FF2B5EF4-FFF2-40B4-BE49-F238E27FC236}">
+                <a16:creationId xmlns:a16="http://schemas.microsoft.com/office/drawing/2014/main" id="{51724946-FC27-4A8C-A53A-AA1336101D9D}"/>
+              </a:ext>
+            </a:extLst>
+          </p:cNvPr>
+          <p:cNvSpPr/>
+          <p:nvPr/>
+        </p:nvSpPr>
+        <p:spPr bwMode="auto">
+          <a:xfrm>
+            <a:off x="2629016" y="2340739"/>
+            <a:ext cx="8190114" cy="930472"/>
+          </a:xfrm>
+          <a:prstGeom prst="rect">
+            <a:avLst/>
+          </a:prstGeom>
+          <a:solidFill>
+            <a:schemeClr val="bg1">
+              <a:lumMod val="85000"/>
+            </a:schemeClr>
+          </a:solidFill>
+          <a:ln w="9525" cap="flat" cmpd="sng" algn="ctr">
+            <a:noFill/>
+            <a:prstDash val="solid"/>
+            <a:round/>
+            <a:headEnd type="none" w="med" len="med"/>
+            <a:tailEnd type="none" w="med" len="med"/>
+          </a:ln>
+          <a:effectLst/>
+        </p:spPr>
+        <p:txBody>
+          <a:bodyPr vert="horz" wrap="square" lIns="91440" tIns="45720" rIns="91440" bIns="45720" numCol="3" rtlCol="0" anchor="t" anchorCtr="0" compatLnSpc="1">
+            <a:prstTxWarp prst="textNoShape">
+              <a:avLst/>
+            </a:prstTxWarp>
+          </a:bodyPr>
+          <a:lstStyle/>
+          <a:p>
+            <a:pPr marL="0" marR="0" indent="0" defTabSz="914400" rtl="0" eaLnBrk="1" fontAlgn="base" latinLnBrk="0" hangingPunct="1">
+              <a:lnSpc>
+                <a:spcPct val="200000"/>
+              </a:lnSpc>
+              <a:spcBef>
+                <a:spcPct val="0"/>
+              </a:spcBef>
+              <a:spcAft>
+                <a:spcPct val="0"/>
+              </a:spcAft>
+              <a:buClrTx/>
+              <a:buSzTx/>
+              <a:buFontTx/>
+              <a:buNone/>
+              <a:tabLst/>
+            </a:pPr>
+            <a:endParaRPr kumimoji="1" lang="zh-TW" altLang="en-US" sz="1800" b="0" i="0" u="none" strike="noStrike" cap="none" normalizeH="0" baseline="0" dirty="0">
+              <a:ln>
+                <a:noFill/>
+              </a:ln>
+              <a:solidFill>
+                <a:schemeClr val="bg1"/>
+              </a:solidFill>
+              <a:effectLst/>
+              <a:latin typeface="Arial" charset="0"/>
+              <a:ea typeface="新細明體" pitchFamily="18" charset="-120"/>
+            </a:endParaRPr>
+          </a:p>
+        </p:txBody>
+      </p:sp>
+      <p:sp>
+        <p:nvSpPr>
+          <p:cNvPr id="54" name="文字方塊 53">
+            <a:extLst>
+              <a:ext uri="{FF2B5EF4-FFF2-40B4-BE49-F238E27FC236}">
+                <a16:creationId xmlns:a16="http://schemas.microsoft.com/office/drawing/2014/main" id="{A47BEFA9-3388-4E87-9B8A-7271EF00D6E8}"/>
+              </a:ext>
+            </a:extLst>
+          </p:cNvPr>
+          <p:cNvSpPr txBox="1"/>
+          <p:nvPr/>
+        </p:nvSpPr>
+        <p:spPr>
+          <a:xfrm>
+            <a:off x="1404213" y="2483252"/>
+            <a:ext cx="1721182" cy="584775"/>
+          </a:xfrm>
+          <a:prstGeom prst="rect">
+            <a:avLst/>
+          </a:prstGeom>
+          <a:noFill/>
+        </p:spPr>
+        <p:txBody>
+          <a:bodyPr wrap="square" rtlCol="0">
+            <a:spAutoFit/>
+          </a:bodyPr>
+          <a:lstStyle/>
+          <a:p>
+            <a:r>
+              <a:rPr lang="en-US" altLang="zh-TW" sz="1600" dirty="0"/>
+              <a:t>Mother</a:t>
+            </a:r>
+          </a:p>
+          <a:p>
+            <a:r>
+              <a:rPr lang="en-US" altLang="zh-TW" sz="1600" dirty="0"/>
+              <a:t>Board</a:t>
+            </a:r>
+          </a:p>
+        </p:txBody>
+      </p:sp>
+      <p:sp>
+        <p:nvSpPr>
+          <p:cNvPr id="78" name="矩形 77">
+            <a:extLst>
+              <a:ext uri="{FF2B5EF4-FFF2-40B4-BE49-F238E27FC236}">
+                <a16:creationId xmlns:a16="http://schemas.microsoft.com/office/drawing/2014/main" id="{A481015F-6E6E-49B9-A7A3-3C305D7995BA}"/>
+              </a:ext>
+            </a:extLst>
+          </p:cNvPr>
+          <p:cNvSpPr/>
+          <p:nvPr/>
+        </p:nvSpPr>
+        <p:spPr bwMode="auto">
+          <a:xfrm>
+            <a:off x="2616470" y="1347060"/>
+            <a:ext cx="8183861" cy="930472"/>
+          </a:xfrm>
+          <a:prstGeom prst="rect">
+            <a:avLst/>
+          </a:prstGeom>
+          <a:solidFill>
+            <a:schemeClr val="bg1">
+              <a:lumMod val="85000"/>
+            </a:schemeClr>
+          </a:solidFill>
+          <a:ln w="9525" cap="flat" cmpd="sng" algn="ctr">
+            <a:noFill/>
+            <a:prstDash val="solid"/>
+            <a:round/>
+            <a:headEnd type="none" w="med" len="med"/>
+            <a:tailEnd type="none" w="med" len="med"/>
+          </a:ln>
+          <a:effectLst/>
+        </p:spPr>
+        <p:txBody>
+          <a:bodyPr vert="horz" wrap="square" lIns="91440" tIns="45720" rIns="91440" bIns="45720" numCol="3" rtlCol="0" anchor="t" anchorCtr="0" compatLnSpc="1">
+            <a:prstTxWarp prst="textNoShape">
+              <a:avLst/>
+            </a:prstTxWarp>
+          </a:bodyPr>
+          <a:lstStyle/>
+          <a:p>
+            <a:pPr marL="0" marR="0" indent="0" defTabSz="914400" rtl="0" eaLnBrk="1" fontAlgn="base" latinLnBrk="0" hangingPunct="1">
+              <a:lnSpc>
+                <a:spcPct val="200000"/>
+              </a:lnSpc>
+              <a:spcBef>
+                <a:spcPct val="0"/>
+              </a:spcBef>
+              <a:spcAft>
+                <a:spcPct val="0"/>
+              </a:spcAft>
+              <a:buClrTx/>
+              <a:buSzTx/>
+              <a:buFontTx/>
+              <a:buNone/>
+              <a:tabLst/>
+            </a:pPr>
+            <a:endParaRPr kumimoji="1" lang="zh-TW" altLang="en-US" sz="1800" b="0" i="0" u="none" strike="noStrike" cap="none" normalizeH="0" baseline="0" dirty="0">
+              <a:ln>
+                <a:noFill/>
+              </a:ln>
+              <a:solidFill>
+                <a:schemeClr val="bg1"/>
+              </a:solidFill>
+              <a:effectLst/>
+              <a:latin typeface="Arial" charset="0"/>
+              <a:ea typeface="新細明體" pitchFamily="18" charset="-120"/>
+            </a:endParaRPr>
+          </a:p>
+        </p:txBody>
+      </p:sp>
+      <p:sp>
+        <p:nvSpPr>
+          <p:cNvPr id="82" name="文字方塊 81">
+            <a:extLst>
+              <a:ext uri="{FF2B5EF4-FFF2-40B4-BE49-F238E27FC236}">
+                <a16:creationId xmlns:a16="http://schemas.microsoft.com/office/drawing/2014/main" id="{AFD3B7DA-C7B3-481D-9814-60D305191CD3}"/>
+              </a:ext>
+            </a:extLst>
+          </p:cNvPr>
+          <p:cNvSpPr txBox="1"/>
+          <p:nvPr/>
+        </p:nvSpPr>
+        <p:spPr>
+          <a:xfrm>
+            <a:off x="1391668" y="1543558"/>
+            <a:ext cx="1721182" cy="584775"/>
+          </a:xfrm>
+          <a:prstGeom prst="rect">
+            <a:avLst/>
+          </a:prstGeom>
+          <a:noFill/>
+        </p:spPr>
+        <p:txBody>
+          <a:bodyPr wrap="square" rtlCol="0">
+            <a:spAutoFit/>
+          </a:bodyPr>
+          <a:lstStyle/>
+          <a:p>
+            <a:r>
+              <a:rPr lang="en-US" altLang="zh-TW" sz="1600" dirty="0"/>
+              <a:t>M.2/ PCIe </a:t>
+            </a:r>
+          </a:p>
+          <a:p>
+            <a:r>
+              <a:rPr lang="en-US" altLang="zh-TW" sz="1600" dirty="0"/>
+              <a:t>Plugins</a:t>
+            </a:r>
+          </a:p>
+        </p:txBody>
+      </p:sp>
+      <p:sp>
+        <p:nvSpPr>
+          <p:cNvPr id="44" name="矩形 43">
+            <a:extLst>
+              <a:ext uri="{FF2B5EF4-FFF2-40B4-BE49-F238E27FC236}">
+                <a16:creationId xmlns:a16="http://schemas.microsoft.com/office/drawing/2014/main" id="{9A04A3BF-70B5-4F12-9F6E-4D526FA32D17}"/>
+              </a:ext>
+            </a:extLst>
+          </p:cNvPr>
+          <p:cNvSpPr/>
+          <p:nvPr/>
+        </p:nvSpPr>
+        <p:spPr bwMode="auto">
+          <a:xfrm>
+            <a:off x="7545487" y="4987569"/>
+            <a:ext cx="3281920" cy="369702"/>
+          </a:xfrm>
+          <a:prstGeom prst="rect">
+            <a:avLst/>
+          </a:prstGeom>
+          <a:solidFill>
+            <a:schemeClr val="accent1">
+              <a:lumMod val="50000"/>
+            </a:schemeClr>
+          </a:solidFill>
+          <a:ln w="9525" cap="flat" cmpd="sng" algn="ctr">
+            <a:noFill/>
+            <a:prstDash val="solid"/>
+            <a:round/>
+            <a:headEnd type="none" w="med" len="med"/>
+            <a:tailEnd type="none" w="med" len="med"/>
+          </a:ln>
+          <a:effectLst>
+            <a:outerShdw blurRad="50800" dist="38100" dir="2700000" algn="tl" rotWithShape="0">
+              <a:prstClr val="black">
+                <a:alpha val="40000"/>
+              </a:prstClr>
+            </a:outerShdw>
+          </a:effectLst>
+        </p:spPr>
+        <p:txBody>
+          <a:bodyPr vert="horz" wrap="square" lIns="91440" tIns="45720" rIns="91440" bIns="45720" numCol="3" rtlCol="0" anchor="t" anchorCtr="0" compatLnSpc="1">
+            <a:prstTxWarp prst="textNoShape">
+              <a:avLst/>
+            </a:prstTxWarp>
+          </a:bodyPr>
+          <a:lstStyle/>
+          <a:p>
+            <a:pPr marL="0" marR="0" indent="0" defTabSz="914400" rtl="0" eaLnBrk="1" fontAlgn="base" latinLnBrk="0" hangingPunct="1">
+              <a:lnSpc>
+                <a:spcPct val="200000"/>
+              </a:lnSpc>
+              <a:spcBef>
+                <a:spcPct val="0"/>
+              </a:spcBef>
+              <a:spcAft>
+                <a:spcPct val="0"/>
+              </a:spcAft>
+              <a:buClrTx/>
+              <a:buSzTx/>
+              <a:buFontTx/>
+              <a:buNone/>
+              <a:tabLst/>
+            </a:pPr>
+            <a:endParaRPr kumimoji="1" lang="zh-TW" altLang="en-US" sz="1800" b="0" i="0" u="none" strike="noStrike" cap="none" normalizeH="0" baseline="0" dirty="0">
+              <a:ln>
+                <a:noFill/>
+              </a:ln>
+              <a:solidFill>
+                <a:schemeClr val="bg1"/>
+              </a:solidFill>
+              <a:effectLst/>
+              <a:latin typeface="Arial" charset="0"/>
+              <a:ea typeface="新細明體" pitchFamily="18" charset="-120"/>
+            </a:endParaRPr>
+          </a:p>
+        </p:txBody>
+      </p:sp>
+      <p:sp>
+        <p:nvSpPr>
+          <p:cNvPr id="47" name="文字方塊 46">
+            <a:extLst>
+              <a:ext uri="{FF2B5EF4-FFF2-40B4-BE49-F238E27FC236}">
+                <a16:creationId xmlns:a16="http://schemas.microsoft.com/office/drawing/2014/main" id="{DB228C11-79B5-4836-B08D-FC77B0218D08}"/>
+              </a:ext>
+            </a:extLst>
+          </p:cNvPr>
+          <p:cNvSpPr txBox="1"/>
+          <p:nvPr/>
+        </p:nvSpPr>
+        <p:spPr>
+          <a:xfrm>
+            <a:off x="7543016" y="5019019"/>
+            <a:ext cx="3276114" cy="323165"/>
+          </a:xfrm>
+          <a:prstGeom prst="rect">
+            <a:avLst/>
+          </a:prstGeom>
+          <a:noFill/>
+        </p:spPr>
+        <p:txBody>
+          <a:bodyPr wrap="square" rtlCol="0">
+            <a:spAutoFit/>
+          </a:bodyPr>
+          <a:lstStyle/>
+          <a:p>
+            <a:pPr algn="ctr"/>
+            <a:r>
+              <a:rPr lang="en-US" altLang="zh-TW" sz="1500" dirty="0">
+                <a:solidFill>
+                  <a:schemeClr val="bg1"/>
+                </a:solidFill>
+              </a:rPr>
+              <a:t>Board</a:t>
+            </a:r>
+            <a:endParaRPr lang="zh-TW" altLang="en-US" sz="1500" dirty="0">
+              <a:solidFill>
+                <a:schemeClr val="bg1"/>
+              </a:solidFill>
+            </a:endParaRPr>
+          </a:p>
+        </p:txBody>
+      </p:sp>
+      <p:sp>
+        <p:nvSpPr>
+          <p:cNvPr id="48" name="矩形 47">
+            <a:extLst>
+              <a:ext uri="{FF2B5EF4-FFF2-40B4-BE49-F238E27FC236}">
+                <a16:creationId xmlns:a16="http://schemas.microsoft.com/office/drawing/2014/main" id="{DA438423-EFC5-4B36-902D-2F0DF4B4B90E}"/>
+              </a:ext>
+            </a:extLst>
+          </p:cNvPr>
+          <p:cNvSpPr/>
+          <p:nvPr/>
+        </p:nvSpPr>
+        <p:spPr bwMode="auto">
+          <a:xfrm>
+            <a:off x="4388404" y="4186285"/>
+            <a:ext cx="1527403" cy="338554"/>
+          </a:xfrm>
+          <a:prstGeom prst="rect">
+            <a:avLst/>
+          </a:prstGeom>
+          <a:solidFill>
+            <a:schemeClr val="bg1">
+              <a:lumMod val="50000"/>
+            </a:schemeClr>
+          </a:solidFill>
+          <a:ln w="9525" cap="flat" cmpd="sng" algn="ctr">
+            <a:noFill/>
+            <a:prstDash val="solid"/>
+            <a:round/>
+            <a:headEnd type="none" w="med" len="med"/>
+            <a:tailEnd type="none" w="med" len="med"/>
+          </a:ln>
+          <a:effectLst>
+            <a:outerShdw blurRad="50800" dist="38100" dir="2700000" algn="tl" rotWithShape="0">
+              <a:prstClr val="black">
+                <a:alpha val="40000"/>
+              </a:prstClr>
+            </a:outerShdw>
+          </a:effectLst>
+        </p:spPr>
+        <p:txBody>
+          <a:bodyPr vert="horz" wrap="square" lIns="91440" tIns="45720" rIns="91440" bIns="45720" numCol="3" rtlCol="0" anchor="t" anchorCtr="0" compatLnSpc="1">
+            <a:prstTxWarp prst="textNoShape">
+              <a:avLst/>
+            </a:prstTxWarp>
+          </a:bodyPr>
+          <a:lstStyle/>
+          <a:p>
+            <a:pPr marL="0" marR="0" indent="0" defTabSz="914400" rtl="0" eaLnBrk="1" fontAlgn="base" latinLnBrk="0" hangingPunct="1">
+              <a:lnSpc>
+                <a:spcPct val="200000"/>
+              </a:lnSpc>
+              <a:spcBef>
+                <a:spcPct val="0"/>
+              </a:spcBef>
+              <a:spcAft>
+                <a:spcPct val="0"/>
+              </a:spcAft>
+              <a:buClrTx/>
+              <a:buSzTx/>
+              <a:buFontTx/>
+              <a:buNone/>
+              <a:tabLst/>
+            </a:pPr>
+            <a:endParaRPr kumimoji="1" lang="zh-TW" altLang="en-US" sz="1800" b="0" i="0" u="none" strike="noStrike" cap="none" normalizeH="0" baseline="0" dirty="0">
+              <a:ln>
+                <a:noFill/>
+              </a:ln>
+              <a:solidFill>
+                <a:schemeClr val="bg1"/>
+              </a:solidFill>
+              <a:effectLst/>
+              <a:latin typeface="Arial" charset="0"/>
+              <a:ea typeface="新細明體" pitchFamily="18" charset="-120"/>
+            </a:endParaRPr>
+          </a:p>
+        </p:txBody>
+      </p:sp>
+      <p:sp>
+        <p:nvSpPr>
+          <p:cNvPr id="49" name="文字方塊 48">
+            <a:extLst>
+              <a:ext uri="{FF2B5EF4-FFF2-40B4-BE49-F238E27FC236}">
+                <a16:creationId xmlns:a16="http://schemas.microsoft.com/office/drawing/2014/main" id="{4F9882F6-7D4C-41D8-944E-8A6DDD4AE5A6}"/>
+              </a:ext>
+            </a:extLst>
+          </p:cNvPr>
+          <p:cNvSpPr txBox="1"/>
+          <p:nvPr/>
+        </p:nvSpPr>
+        <p:spPr>
+          <a:xfrm>
+            <a:off x="4378480" y="4193979"/>
+            <a:ext cx="1529390" cy="338554"/>
+          </a:xfrm>
+          <a:prstGeom prst="rect">
+            <a:avLst/>
+          </a:prstGeom>
+          <a:solidFill>
+            <a:schemeClr val="tx1">
+              <a:lumMod val="65000"/>
+              <a:lumOff val="35000"/>
+            </a:schemeClr>
+          </a:solidFill>
+        </p:spPr>
+        <p:txBody>
+          <a:bodyPr wrap="square" rtlCol="0">
+            <a:spAutoFit/>
+          </a:bodyPr>
+          <a:lstStyle/>
+          <a:p>
+            <a:pPr algn="ctr"/>
+            <a:r>
+              <a:rPr lang="en-US" altLang="zh-TW" sz="1600" b="1" dirty="0">
+                <a:solidFill>
+                  <a:schemeClr val="bg1"/>
+                </a:solidFill>
+              </a:rPr>
+              <a:t>CUDA</a:t>
+            </a:r>
+            <a:endParaRPr lang="zh-TW" altLang="en-US" sz="1600" b="1" dirty="0">
+              <a:solidFill>
+                <a:schemeClr val="bg1"/>
+              </a:solidFill>
+            </a:endParaRPr>
+          </a:p>
+        </p:txBody>
+      </p:sp>
+      <p:sp>
+        <p:nvSpPr>
+          <p:cNvPr id="50" name="矩形 49">
+            <a:extLst>
+              <a:ext uri="{FF2B5EF4-FFF2-40B4-BE49-F238E27FC236}">
+                <a16:creationId xmlns:a16="http://schemas.microsoft.com/office/drawing/2014/main" id="{77DB8C39-4D0A-4AEC-822A-E07F66DB7D94}"/>
+              </a:ext>
+            </a:extLst>
+          </p:cNvPr>
+          <p:cNvSpPr/>
+          <p:nvPr/>
+        </p:nvSpPr>
+        <p:spPr bwMode="auto">
+          <a:xfrm>
+            <a:off x="4378479" y="4515225"/>
+            <a:ext cx="1529390" cy="338554"/>
+          </a:xfrm>
+          <a:prstGeom prst="rect">
+            <a:avLst/>
+          </a:prstGeom>
+          <a:solidFill>
+            <a:srgbClr val="76B900"/>
+          </a:solidFill>
+          <a:ln w="9525" cap="flat" cmpd="sng" algn="ctr">
+            <a:noFill/>
+            <a:prstDash val="solid"/>
+            <a:round/>
+            <a:headEnd type="none" w="med" len="med"/>
+            <a:tailEnd type="none" w="med" len="med"/>
+          </a:ln>
+          <a:effectLst>
+            <a:outerShdw blurRad="50800" dist="38100" dir="2700000" algn="tl" rotWithShape="0">
+              <a:prstClr val="black">
+                <a:alpha val="40000"/>
+              </a:prstClr>
+            </a:outerShdw>
+          </a:effectLst>
+        </p:spPr>
+        <p:txBody>
+          <a:bodyPr vert="horz" wrap="square" lIns="91440" tIns="45720" rIns="91440" bIns="45720" numCol="3" rtlCol="0" anchor="t" anchorCtr="0" compatLnSpc="1">
+            <a:prstTxWarp prst="textNoShape">
+              <a:avLst/>
+            </a:prstTxWarp>
+          </a:bodyPr>
+          <a:lstStyle/>
+          <a:p>
+            <a:pPr marL="0" marR="0" indent="0" defTabSz="914400" rtl="0" eaLnBrk="1" fontAlgn="base" latinLnBrk="0" hangingPunct="1">
+              <a:lnSpc>
+                <a:spcPct val="200000"/>
+              </a:lnSpc>
+              <a:spcBef>
+                <a:spcPct val="0"/>
+              </a:spcBef>
+              <a:spcAft>
+                <a:spcPct val="0"/>
+              </a:spcAft>
+              <a:buClrTx/>
+              <a:buSzTx/>
+              <a:buFontTx/>
+              <a:buNone/>
+              <a:tabLst/>
+            </a:pPr>
+            <a:endParaRPr kumimoji="1" lang="zh-TW" altLang="en-US" sz="1800" b="0" i="0" u="none" strike="noStrike" cap="none" normalizeH="0" baseline="0" dirty="0">
+              <a:ln>
+                <a:noFill/>
+              </a:ln>
+              <a:solidFill>
+                <a:schemeClr val="bg1"/>
+              </a:solidFill>
+              <a:effectLst/>
+              <a:latin typeface="Arial" charset="0"/>
+              <a:ea typeface="新細明體" pitchFamily="18" charset="-120"/>
+            </a:endParaRPr>
+          </a:p>
+        </p:txBody>
+      </p:sp>
+      <p:sp>
+        <p:nvSpPr>
+          <p:cNvPr id="51" name="文字方塊 50">
+            <a:extLst>
+              <a:ext uri="{FF2B5EF4-FFF2-40B4-BE49-F238E27FC236}">
+                <a16:creationId xmlns:a16="http://schemas.microsoft.com/office/drawing/2014/main" id="{AF04CD59-57E4-4BB6-BFA2-967C5B6D231B}"/>
+              </a:ext>
+            </a:extLst>
+          </p:cNvPr>
+          <p:cNvSpPr txBox="1"/>
+          <p:nvPr/>
+        </p:nvSpPr>
+        <p:spPr>
+          <a:xfrm>
+            <a:off x="4394442" y="4526655"/>
+            <a:ext cx="1529390" cy="323165"/>
+          </a:xfrm>
+          <a:prstGeom prst="rect">
+            <a:avLst/>
+          </a:prstGeom>
+          <a:noFill/>
+        </p:spPr>
+        <p:txBody>
+          <a:bodyPr wrap="square" rtlCol="0">
+            <a:spAutoFit/>
+          </a:bodyPr>
+          <a:lstStyle/>
+          <a:p>
+            <a:pPr algn="ctr"/>
+            <a:r>
+              <a:rPr lang="en-US" altLang="zh-TW" sz="1500" b="1" dirty="0">
+                <a:solidFill>
+                  <a:schemeClr val="bg1"/>
+                </a:solidFill>
+              </a:rPr>
+              <a:t>NVIDIA</a:t>
+            </a:r>
+            <a:endParaRPr lang="zh-TW" altLang="en-US" sz="1500" b="1" dirty="0">
+              <a:solidFill>
+                <a:schemeClr val="bg1"/>
+              </a:solidFill>
+            </a:endParaRPr>
+          </a:p>
+        </p:txBody>
+      </p:sp>
+      <p:sp>
+        <p:nvSpPr>
+          <p:cNvPr id="52" name="矩形 51">
+            <a:extLst>
+              <a:ext uri="{FF2B5EF4-FFF2-40B4-BE49-F238E27FC236}">
+                <a16:creationId xmlns:a16="http://schemas.microsoft.com/office/drawing/2014/main" id="{D1BF7C65-8C8A-48C7-AC8D-F0F1726FB300}"/>
+              </a:ext>
+            </a:extLst>
+          </p:cNvPr>
+          <p:cNvSpPr/>
+          <p:nvPr/>
+        </p:nvSpPr>
+        <p:spPr bwMode="auto">
+          <a:xfrm>
+            <a:off x="2804629" y="4179112"/>
+            <a:ext cx="1477072" cy="338554"/>
+          </a:xfrm>
+          <a:prstGeom prst="rect">
+            <a:avLst/>
+          </a:prstGeom>
+          <a:solidFill>
+            <a:schemeClr val="tx1">
+              <a:lumMod val="65000"/>
+              <a:lumOff val="35000"/>
+            </a:schemeClr>
+          </a:solidFill>
+          <a:ln w="9525" cap="flat" cmpd="sng" algn="ctr">
+            <a:noFill/>
+            <a:prstDash val="solid"/>
+            <a:round/>
+            <a:headEnd type="none" w="med" len="med"/>
+            <a:tailEnd type="none" w="med" len="med"/>
+          </a:ln>
+          <a:effectLst>
+            <a:outerShdw blurRad="50800" dist="38100" dir="2700000" algn="tl" rotWithShape="0">
+              <a:prstClr val="black">
+                <a:alpha val="40000"/>
+              </a:prstClr>
+            </a:outerShdw>
+          </a:effectLst>
+        </p:spPr>
+        <p:txBody>
+          <a:bodyPr vert="horz" wrap="square" lIns="91440" tIns="45720" rIns="91440" bIns="45720" numCol="3" rtlCol="0" anchor="t" anchorCtr="0" compatLnSpc="1">
+            <a:prstTxWarp prst="textNoShape">
+              <a:avLst/>
+            </a:prstTxWarp>
+          </a:bodyPr>
+          <a:lstStyle/>
+          <a:p>
+            <a:pPr marL="0" marR="0" indent="0" defTabSz="914400" rtl="0" eaLnBrk="1" fontAlgn="base" latinLnBrk="0" hangingPunct="1">
+              <a:lnSpc>
+                <a:spcPct val="200000"/>
+              </a:lnSpc>
+              <a:spcBef>
+                <a:spcPct val="0"/>
+              </a:spcBef>
+              <a:spcAft>
+                <a:spcPct val="0"/>
+              </a:spcAft>
+              <a:buClrTx/>
+              <a:buSzTx/>
+              <a:buFontTx/>
+              <a:buNone/>
+              <a:tabLst/>
+            </a:pPr>
+            <a:endParaRPr kumimoji="1" lang="zh-TW" altLang="en-US" sz="1800" b="0" i="0" u="none" strike="noStrike" cap="none" normalizeH="0" baseline="0" dirty="0">
+              <a:ln>
+                <a:noFill/>
+              </a:ln>
+              <a:solidFill>
+                <a:schemeClr val="bg1"/>
+              </a:solidFill>
+              <a:effectLst/>
+              <a:latin typeface="Arial" charset="0"/>
+              <a:ea typeface="新細明體" pitchFamily="18" charset="-120"/>
+            </a:endParaRPr>
+          </a:p>
+        </p:txBody>
+      </p:sp>
+      <p:sp>
+        <p:nvSpPr>
+          <p:cNvPr id="79" name="矩形 78">
+            <a:extLst>
+              <a:ext uri="{FF2B5EF4-FFF2-40B4-BE49-F238E27FC236}">
+                <a16:creationId xmlns:a16="http://schemas.microsoft.com/office/drawing/2014/main" id="{0E81BF5E-1175-449A-BFA7-251BE6A8EF5F}"/>
+              </a:ext>
+            </a:extLst>
+          </p:cNvPr>
+          <p:cNvSpPr/>
+          <p:nvPr/>
+        </p:nvSpPr>
+        <p:spPr bwMode="auto">
+          <a:xfrm>
+            <a:off x="2807253" y="4506887"/>
+            <a:ext cx="1473303" cy="338554"/>
+          </a:xfrm>
+          <a:prstGeom prst="rect">
+            <a:avLst/>
+          </a:prstGeom>
+          <a:solidFill>
+            <a:schemeClr val="tx1"/>
+          </a:solidFill>
+          <a:ln>
+            <a:noFill/>
+            <a:headEnd type="none" w="med" len="med"/>
+            <a:tailEnd type="none" w="med" len="med"/>
+          </a:ln>
+          <a:effectLst>
+            <a:outerShdw blurRad="50800" dist="38100" dir="2700000" algn="tl" rotWithShape="0">
+              <a:prstClr val="black">
+                <a:alpha val="40000"/>
+              </a:prstClr>
+            </a:outerShdw>
+          </a:effectLst>
+        </p:spPr>
+        <p:style>
+          <a:lnRef idx="2">
+            <a:schemeClr val="dk1"/>
+          </a:lnRef>
+          <a:fillRef idx="1">
+            <a:schemeClr val="lt1"/>
+          </a:fillRef>
+          <a:effectRef idx="0">
+            <a:schemeClr val="dk1"/>
+          </a:effectRef>
+          <a:fontRef idx="minor">
+            <a:schemeClr val="dk1"/>
+          </a:fontRef>
+        </p:style>
+        <p:txBody>
+          <a:bodyPr vert="horz" wrap="square" lIns="91440" tIns="45720" rIns="91440" bIns="45720" numCol="3" rtlCol="0" anchor="t" anchorCtr="0" compatLnSpc="1">
+            <a:prstTxWarp prst="textNoShape">
+              <a:avLst/>
+            </a:prstTxWarp>
+          </a:bodyPr>
+          <a:lstStyle/>
+          <a:p>
+            <a:pPr marL="0" marR="0" indent="0" defTabSz="914400" rtl="0" eaLnBrk="1" fontAlgn="base" latinLnBrk="0" hangingPunct="1">
+              <a:lnSpc>
+                <a:spcPct val="200000"/>
+              </a:lnSpc>
+              <a:spcBef>
+                <a:spcPct val="0"/>
+              </a:spcBef>
+              <a:spcAft>
+                <a:spcPct val="0"/>
+              </a:spcAft>
+              <a:buClrTx/>
+              <a:buSzTx/>
+              <a:buFontTx/>
+              <a:buNone/>
+              <a:tabLst/>
+            </a:pPr>
+            <a:endParaRPr kumimoji="1" lang="zh-TW" altLang="en-US" sz="1800" b="0" i="0" u="none" strike="noStrike" cap="none" normalizeH="0" baseline="0" dirty="0">
+              <a:ln>
+                <a:noFill/>
+              </a:ln>
+              <a:solidFill>
+                <a:schemeClr val="bg1"/>
+              </a:solidFill>
+              <a:effectLst/>
+              <a:latin typeface="Arial" charset="0"/>
+              <a:ea typeface="新細明體" pitchFamily="18" charset="-120"/>
+            </a:endParaRPr>
+          </a:p>
+        </p:txBody>
+      </p:sp>
+      <p:sp>
+        <p:nvSpPr>
+          <p:cNvPr id="81" name="文字方塊 80">
+            <a:extLst>
+              <a:ext uri="{FF2B5EF4-FFF2-40B4-BE49-F238E27FC236}">
+                <a16:creationId xmlns:a16="http://schemas.microsoft.com/office/drawing/2014/main" id="{EBE7349C-6C22-49EB-879D-E89B11F41EBA}"/>
+              </a:ext>
+            </a:extLst>
+          </p:cNvPr>
+          <p:cNvSpPr txBox="1"/>
+          <p:nvPr/>
+        </p:nvSpPr>
+        <p:spPr>
+          <a:xfrm>
+            <a:off x="2804629" y="4518035"/>
+            <a:ext cx="1518735" cy="323165"/>
+          </a:xfrm>
+          <a:prstGeom prst="rect">
+            <a:avLst/>
+          </a:prstGeom>
+          <a:noFill/>
+        </p:spPr>
+        <p:txBody>
+          <a:bodyPr wrap="square" rtlCol="0">
+            <a:spAutoFit/>
+          </a:bodyPr>
+          <a:lstStyle/>
+          <a:p>
+            <a:pPr algn="ctr"/>
+            <a:r>
+              <a:rPr lang="en-US" altLang="zh-TW" sz="1500" b="1" dirty="0">
+                <a:solidFill>
+                  <a:schemeClr val="bg1"/>
+                </a:solidFill>
+              </a:rPr>
+              <a:t>AMD</a:t>
+            </a:r>
+            <a:endParaRPr lang="zh-TW" altLang="en-US" sz="1500" b="1" dirty="0">
+              <a:solidFill>
+                <a:schemeClr val="bg1"/>
+              </a:solidFill>
+            </a:endParaRPr>
+          </a:p>
+        </p:txBody>
+      </p:sp>
+      <p:sp>
+        <p:nvSpPr>
+          <p:cNvPr id="92" name="文字方塊 91">
+            <a:extLst>
+              <a:ext uri="{FF2B5EF4-FFF2-40B4-BE49-F238E27FC236}">
+                <a16:creationId xmlns:a16="http://schemas.microsoft.com/office/drawing/2014/main" id="{F87D10DE-2C1E-471D-8032-F9786DFF638F}"/>
+              </a:ext>
+            </a:extLst>
+          </p:cNvPr>
+          <p:cNvSpPr txBox="1"/>
+          <p:nvPr/>
+        </p:nvSpPr>
+        <p:spPr>
+          <a:xfrm>
+            <a:off x="2798096" y="4186806"/>
+            <a:ext cx="1486450" cy="323165"/>
+          </a:xfrm>
+          <a:prstGeom prst="rect">
+            <a:avLst/>
+          </a:prstGeom>
+          <a:noFill/>
+        </p:spPr>
+        <p:txBody>
+          <a:bodyPr wrap="square" rtlCol="0">
+            <a:spAutoFit/>
+          </a:bodyPr>
+          <a:lstStyle/>
+          <a:p>
+            <a:pPr algn="ctr"/>
+            <a:r>
+              <a:rPr lang="en-US" altLang="zh-TW" sz="1500" b="1" dirty="0" err="1">
+                <a:solidFill>
+                  <a:schemeClr val="bg1"/>
+                </a:solidFill>
+              </a:rPr>
+              <a:t>ROCm</a:t>
+            </a:r>
+            <a:endParaRPr lang="zh-TW" altLang="en-US" sz="1500" b="1" dirty="0">
+              <a:solidFill>
+                <a:schemeClr val="bg1"/>
+              </a:solidFill>
+            </a:endParaRPr>
+          </a:p>
+        </p:txBody>
+      </p:sp>
+      <p:sp>
+        <p:nvSpPr>
+          <p:cNvPr id="95" name="矩形 94">
+            <a:extLst>
+              <a:ext uri="{FF2B5EF4-FFF2-40B4-BE49-F238E27FC236}">
+                <a16:creationId xmlns:a16="http://schemas.microsoft.com/office/drawing/2014/main" id="{0631AAC5-6FF9-4CE6-B997-223878003012}"/>
+              </a:ext>
+            </a:extLst>
+          </p:cNvPr>
+          <p:cNvSpPr/>
+          <p:nvPr/>
+        </p:nvSpPr>
+        <p:spPr bwMode="auto">
+          <a:xfrm>
+            <a:off x="5987476" y="4186285"/>
+            <a:ext cx="1477072" cy="338554"/>
+          </a:xfrm>
+          <a:prstGeom prst="rect">
+            <a:avLst/>
+          </a:prstGeom>
+          <a:solidFill>
+            <a:schemeClr val="tx1">
+              <a:lumMod val="65000"/>
+              <a:lumOff val="35000"/>
+            </a:schemeClr>
+          </a:solidFill>
+          <a:ln w="9525" cap="flat" cmpd="sng" algn="ctr">
+            <a:noFill/>
+            <a:prstDash val="solid"/>
+            <a:round/>
+            <a:headEnd type="none" w="med" len="med"/>
+            <a:tailEnd type="none" w="med" len="med"/>
+          </a:ln>
+          <a:effectLst>
+            <a:outerShdw blurRad="50800" dist="38100" dir="2700000" algn="tl" rotWithShape="0">
+              <a:prstClr val="black">
+                <a:alpha val="40000"/>
+              </a:prstClr>
+            </a:outerShdw>
+          </a:effectLst>
+        </p:spPr>
+        <p:txBody>
+          <a:bodyPr vert="horz" wrap="square" lIns="91440" tIns="45720" rIns="91440" bIns="45720" numCol="3" rtlCol="0" anchor="t" anchorCtr="0" compatLnSpc="1">
+            <a:prstTxWarp prst="textNoShape">
+              <a:avLst/>
+            </a:prstTxWarp>
+          </a:bodyPr>
+          <a:lstStyle/>
+          <a:p>
+            <a:pPr marL="0" marR="0" indent="0" defTabSz="914400" rtl="0" eaLnBrk="1" fontAlgn="base" latinLnBrk="0" hangingPunct="1">
+              <a:lnSpc>
+                <a:spcPct val="200000"/>
+              </a:lnSpc>
+              <a:spcBef>
+                <a:spcPct val="0"/>
+              </a:spcBef>
+              <a:spcAft>
+                <a:spcPct val="0"/>
+              </a:spcAft>
+              <a:buClrTx/>
+              <a:buSzTx/>
+              <a:buFontTx/>
+              <a:buNone/>
+              <a:tabLst/>
+            </a:pPr>
+            <a:endParaRPr kumimoji="1" lang="zh-TW" altLang="en-US" sz="1800" b="0" i="0" u="none" strike="noStrike" cap="none" normalizeH="0" baseline="0" dirty="0">
+              <a:ln>
+                <a:noFill/>
+              </a:ln>
+              <a:solidFill>
+                <a:schemeClr val="bg1"/>
+              </a:solidFill>
+              <a:effectLst/>
+              <a:latin typeface="Arial" charset="0"/>
+              <a:ea typeface="新細明體" pitchFamily="18" charset="-120"/>
+            </a:endParaRPr>
+          </a:p>
+        </p:txBody>
+      </p:sp>
+      <p:sp>
+        <p:nvSpPr>
+          <p:cNvPr id="96" name="文字方塊 95">
+            <a:extLst>
+              <a:ext uri="{FF2B5EF4-FFF2-40B4-BE49-F238E27FC236}">
+                <a16:creationId xmlns:a16="http://schemas.microsoft.com/office/drawing/2014/main" id="{9B73178F-AB68-4E98-818B-576DD8CCAF27}"/>
+              </a:ext>
+            </a:extLst>
+          </p:cNvPr>
+          <p:cNvSpPr txBox="1"/>
+          <p:nvPr/>
+        </p:nvSpPr>
+        <p:spPr>
+          <a:xfrm>
+            <a:off x="5980943" y="4193979"/>
+            <a:ext cx="1486450" cy="323165"/>
+          </a:xfrm>
+          <a:prstGeom prst="rect">
+            <a:avLst/>
+          </a:prstGeom>
+          <a:noFill/>
+        </p:spPr>
+        <p:txBody>
+          <a:bodyPr wrap="square" rtlCol="0">
+            <a:spAutoFit/>
+          </a:bodyPr>
+          <a:lstStyle/>
+          <a:p>
+            <a:pPr algn="ctr"/>
+            <a:r>
+              <a:rPr lang="en-US" altLang="zh-TW" sz="1500" b="1" dirty="0" err="1">
+                <a:solidFill>
+                  <a:schemeClr val="bg1"/>
+                </a:solidFill>
+              </a:rPr>
+              <a:t>NeuronPilot</a:t>
+            </a:r>
+            <a:endParaRPr lang="zh-TW" altLang="en-US" sz="1500" b="1" dirty="0">
+              <a:solidFill>
+                <a:schemeClr val="bg1"/>
+              </a:solidFill>
+            </a:endParaRPr>
+          </a:p>
+        </p:txBody>
+      </p:sp>
+      <p:sp>
+        <p:nvSpPr>
+          <p:cNvPr id="97" name="矩形 96">
+            <a:extLst>
+              <a:ext uri="{FF2B5EF4-FFF2-40B4-BE49-F238E27FC236}">
+                <a16:creationId xmlns:a16="http://schemas.microsoft.com/office/drawing/2014/main" id="{764F02F3-6DF6-46FF-8D08-5C2BD5E9605D}"/>
+              </a:ext>
+            </a:extLst>
+          </p:cNvPr>
+          <p:cNvSpPr/>
+          <p:nvPr/>
+        </p:nvSpPr>
+        <p:spPr bwMode="auto">
+          <a:xfrm>
+            <a:off x="5994090" y="4532533"/>
+            <a:ext cx="1473303" cy="338554"/>
+          </a:xfrm>
+          <a:prstGeom prst="rect">
+            <a:avLst/>
+          </a:prstGeom>
+          <a:solidFill>
+            <a:srgbClr val="F39F23"/>
+          </a:solidFill>
+          <a:ln>
+            <a:noFill/>
+            <a:headEnd type="none" w="med" len="med"/>
+            <a:tailEnd type="none" w="med" len="med"/>
+          </a:ln>
+          <a:effectLst>
+            <a:outerShdw blurRad="50800" dist="38100" dir="2700000" algn="tl" rotWithShape="0">
+              <a:prstClr val="black">
+                <a:alpha val="40000"/>
+              </a:prstClr>
+            </a:outerShdw>
+          </a:effectLst>
+        </p:spPr>
+        <p:style>
+          <a:lnRef idx="2">
+            <a:schemeClr val="dk1"/>
+          </a:lnRef>
+          <a:fillRef idx="1">
+            <a:schemeClr val="lt1"/>
+          </a:fillRef>
+          <a:effectRef idx="0">
+            <a:schemeClr val="dk1"/>
+          </a:effectRef>
+          <a:fontRef idx="minor">
+            <a:schemeClr val="dk1"/>
+          </a:fontRef>
+        </p:style>
+        <p:txBody>
+          <a:bodyPr vert="horz" wrap="square" lIns="91440" tIns="45720" rIns="91440" bIns="45720" numCol="3" rtlCol="0" anchor="t" anchorCtr="0" compatLnSpc="1">
+            <a:prstTxWarp prst="textNoShape">
+              <a:avLst/>
+            </a:prstTxWarp>
+          </a:bodyPr>
+          <a:lstStyle/>
+          <a:p>
+            <a:pPr marL="0" marR="0" indent="0" defTabSz="914400" rtl="0" eaLnBrk="1" fontAlgn="base" latinLnBrk="0" hangingPunct="1">
+              <a:lnSpc>
+                <a:spcPct val="200000"/>
+              </a:lnSpc>
+              <a:spcBef>
+                <a:spcPct val="0"/>
+              </a:spcBef>
+              <a:spcAft>
+                <a:spcPct val="0"/>
+              </a:spcAft>
+              <a:buClrTx/>
+              <a:buSzTx/>
+              <a:buFontTx/>
+              <a:buNone/>
+              <a:tabLst/>
+            </a:pPr>
+            <a:endParaRPr kumimoji="1" lang="zh-TW" altLang="en-US" sz="1800" b="0" i="0" u="none" strike="noStrike" cap="none" normalizeH="0" baseline="0" dirty="0">
+              <a:ln>
+                <a:noFill/>
+              </a:ln>
+              <a:solidFill>
+                <a:schemeClr val="bg1"/>
+              </a:solidFill>
+              <a:effectLst/>
+              <a:latin typeface="Arial" charset="0"/>
+              <a:ea typeface="新細明體" pitchFamily="18" charset="-120"/>
+            </a:endParaRPr>
+          </a:p>
+        </p:txBody>
+      </p:sp>
+      <p:sp>
+        <p:nvSpPr>
+          <p:cNvPr id="98" name="文字方塊 97">
+            <a:extLst>
+              <a:ext uri="{FF2B5EF4-FFF2-40B4-BE49-F238E27FC236}">
+                <a16:creationId xmlns:a16="http://schemas.microsoft.com/office/drawing/2014/main" id="{81D9C293-AF4C-4B28-AF88-6C8ED54C6879}"/>
+              </a:ext>
+            </a:extLst>
+          </p:cNvPr>
+          <p:cNvSpPr txBox="1"/>
+          <p:nvPr/>
+        </p:nvSpPr>
+        <p:spPr>
+          <a:xfrm>
+            <a:off x="5989696" y="4532533"/>
+            <a:ext cx="1518735" cy="323165"/>
+          </a:xfrm>
+          <a:prstGeom prst="rect">
+            <a:avLst/>
+          </a:prstGeom>
+          <a:noFill/>
+        </p:spPr>
+        <p:txBody>
+          <a:bodyPr wrap="square" rtlCol="0">
+            <a:spAutoFit/>
+          </a:bodyPr>
+          <a:lstStyle/>
+          <a:p>
+            <a:pPr algn="ctr"/>
+            <a:r>
+              <a:rPr lang="en-US" altLang="zh-TW" sz="1500" b="1" dirty="0">
+                <a:solidFill>
+                  <a:schemeClr val="bg1"/>
+                </a:solidFill>
+              </a:rPr>
+              <a:t>MediaTek</a:t>
+            </a:r>
+            <a:endParaRPr lang="zh-TW" altLang="en-US" sz="1500" b="1" dirty="0">
+              <a:solidFill>
+                <a:schemeClr val="bg1"/>
+              </a:solidFill>
+            </a:endParaRPr>
+          </a:p>
+        </p:txBody>
+      </p:sp>
+    </p:spTree>
+    <p:extLst>
+      <p:ext uri="{BB962C8B-B14F-4D97-AF65-F5344CB8AC3E}">
+        <p14:creationId xmlns:p14="http://schemas.microsoft.com/office/powerpoint/2010/main" val="1438075317"/>
       </p:ext>
     </p:extLst>
   </p:cSld>
@@ -19847,6 +21271,15 @@
 </file>
 
 <file path=customXml/item1.xml><?xml version="1.0" encoding="utf-8"?>
+<?mso-contentType ?>
+<FormTemplates xmlns="http://schemas.microsoft.com/sharepoint/v3/contenttype/forms">
+  <Display>DocumentLibraryForm</Display>
+  <Edit>DocumentLibraryForm</Edit>
+  <New>DocumentLibraryForm</New>
+</FormTemplates>
+</file>
+
+<file path=customXml/item2.xml><?xml version="1.0" encoding="utf-8"?>
 <ct:contentTypeSchema xmlns:ct="http://schemas.microsoft.com/office/2006/metadata/contentType" xmlns:ma="http://schemas.microsoft.com/office/2006/metadata/properties/metaAttributes" ct:_="" ma:_="" ma:contentTypeName="Document" ma:contentTypeID="0x010100085D35F6141B534892DDB72C1AF70815" ma:contentTypeVersion="3" ma:contentTypeDescription="Create a new document." ma:contentTypeScope="" ma:versionID="b659d664bf3ce40de54a2ffe6a34c0dd">
   <xsd:schema xmlns:xsd="http://www.w3.org/2001/XMLSchema" xmlns:xs="http://www.w3.org/2001/XMLSchema" xmlns:p="http://schemas.microsoft.com/office/2006/metadata/properties" xmlns:ns2="2ae71aaa-6310-4ecb-9baa-8d5cf672e3d2" targetNamespace="http://schemas.microsoft.com/office/2006/metadata/properties" ma:root="true" ma:fieldsID="87d9f9c2b21dd49a2636f8b6d55849ad" ns2:_="">
     <xsd:import namespace="2ae71aaa-6310-4ecb-9baa-8d5cf672e3d2"/>
@@ -19984,16 +21417,15 @@
 </ct:contentTypeSchema>
 </file>
 
-<file path=customXml/item2.xml><?xml version="1.0" encoding="utf-8"?>
-<?mso-contentType ?>
-<FormTemplates xmlns="http://schemas.microsoft.com/sharepoint/v3/contenttype/forms">
-  <Display>DocumentLibraryForm</Display>
-  <Edit>DocumentLibraryForm</Edit>
-  <New>DocumentLibraryForm</New>
-</FormTemplates>
+<file path=customXml/itemProps1.xml><?xml version="1.0" encoding="utf-8"?>
+<ds:datastoreItem xmlns:ds="http://schemas.openxmlformats.org/officeDocument/2006/customXml" ds:itemID="{CAABC409-4141-477E-8EF5-C08D310ABBC5}">
+  <ds:schemaRefs>
+    <ds:schemaRef ds:uri="http://schemas.microsoft.com/sharepoint/v3/contenttype/forms"/>
+  </ds:schemaRefs>
+</ds:datastoreItem>
 </file>
 
-<file path=customXml/itemProps1.xml><?xml version="1.0" encoding="utf-8"?>
+<file path=customXml/itemProps2.xml><?xml version="1.0" encoding="utf-8"?>
 <ds:datastoreItem xmlns:ds="http://schemas.openxmlformats.org/officeDocument/2006/customXml" ds:itemID="{BD5E0B4A-6262-452A-B0B9-4C3A8A4C81F3}">
   <ds:schemaRefs>
     <ds:schemaRef ds:uri="2ae71aaa-6310-4ecb-9baa-8d5cf672e3d2"/>
@@ -20009,12 +21441,4 @@
     <ds:schemaRef ds:uri="http://www.w3.org/2001/XMLSchema"/>
   </ds:schemaRefs>
 </ds:datastoreItem>
-</file>
-
-<file path=customXml/itemProps2.xml><?xml version="1.0" encoding="utf-8"?>
-<ds:datastoreItem xmlns:ds="http://schemas.openxmlformats.org/officeDocument/2006/customXml" ds:itemID="{CAABC409-4141-477E-8EF5-C08D310ABBC5}">
-  <ds:schemaRefs>
-    <ds:schemaRef ds:uri="http://schemas.microsoft.com/sharepoint/v3/contenttype/forms"/>
-  </ds:schemaRefs>
-</ds:datastoreItem>
 </file>
--- a/notebooks/software-support-metric.pptx
+++ b/notebooks/software-support-metric.pptx
@@ -7,14 +7,16 @@
     <p:sldMasterId id="2147483932" r:id="rId5"/>
   </p:sldMasterIdLst>
   <p:notesMasterIdLst>
-    <p:notesMasterId r:id="rId8"/>
+    <p:notesMasterId r:id="rId10"/>
   </p:notesMasterIdLst>
   <p:handoutMasterIdLst>
-    <p:handoutMasterId r:id="rId9"/>
+    <p:handoutMasterId r:id="rId11"/>
   </p:handoutMasterIdLst>
   <p:sldIdLst>
-    <p:sldId id="9472" r:id="rId6"/>
+    <p:sldId id="9474" r:id="rId6"/>
     <p:sldId id="9473" r:id="rId7"/>
+    <p:sldId id="9475" r:id="rId8"/>
+    <p:sldId id="9476" r:id="rId9"/>
   </p:sldIdLst>
   <p:sldSz cx="12192000" cy="6858000"/>
   <p:notesSz cx="6797675" cy="9928225"/>
@@ -506,7 +508,7 @@
               <a:pPr>
                 <a:defRPr/>
               </a:pPr>
-              <a:t>2024/10/30</a:t>
+              <a:t>2024/11/1</a:t>
             </a:fld>
             <a:endParaRPr lang="zh-TW" altLang="en-US"/>
           </a:p>
@@ -811,6 +813,99 @@
     </a:lvl9pPr>
   </p:notesStyle>
 </p:notesMaster>
+</file>
+
+<file path=ppt/notesSlides/notesSlide1.xml><?xml version="1.0" encoding="utf-8"?>
+<p:notes xmlns:a="http://schemas.openxmlformats.org/drawingml/2006/main" xmlns:r="http://schemas.openxmlformats.org/officeDocument/2006/relationships" xmlns:p="http://schemas.openxmlformats.org/presentationml/2006/main">
+  <p:cSld>
+    <p:spTree>
+      <p:nvGrpSpPr>
+        <p:cNvPr id="1" name=""/>
+        <p:cNvGrpSpPr/>
+        <p:nvPr/>
+      </p:nvGrpSpPr>
+      <p:grpSpPr>
+        <a:xfrm>
+          <a:off x="0" y="0"/>
+          <a:ext cx="0" cy="0"/>
+          <a:chOff x="0" y="0"/>
+          <a:chExt cx="0" cy="0"/>
+        </a:xfrm>
+      </p:grpSpPr>
+      <p:sp>
+        <p:nvSpPr>
+          <p:cNvPr id="2" name="投影片影像版面配置區 1"/>
+          <p:cNvSpPr>
+            <a:spLocks noGrp="1" noRot="1" noChangeAspect="1"/>
+          </p:cNvSpPr>
+          <p:nvPr>
+            <p:ph type="sldImg"/>
+          </p:nvPr>
+        </p:nvSpPr>
+        <p:spPr/>
+      </p:sp>
+      <p:sp>
+        <p:nvSpPr>
+          <p:cNvPr id="3" name="備忘稿版面配置區 2"/>
+          <p:cNvSpPr>
+            <a:spLocks noGrp="1"/>
+          </p:cNvSpPr>
+          <p:nvPr>
+            <p:ph type="body" idx="1"/>
+          </p:nvPr>
+        </p:nvSpPr>
+        <p:spPr/>
+        <p:txBody>
+          <a:bodyPr/>
+          <a:lstStyle/>
+          <a:p>
+            <a:r>
+              <a:rPr lang="zh-TW" altLang="en-US" dirty="0"/>
+              <a:t>客戶不知道如何使用它以及客戶不願意做嘗試</a:t>
+            </a:r>
+          </a:p>
+        </p:txBody>
+      </p:sp>
+      <p:sp>
+        <p:nvSpPr>
+          <p:cNvPr id="4" name="投影片編號版面配置區 3"/>
+          <p:cNvSpPr>
+            <a:spLocks noGrp="1"/>
+          </p:cNvSpPr>
+          <p:nvPr>
+            <p:ph type="sldNum" sz="quarter" idx="5"/>
+          </p:nvPr>
+        </p:nvSpPr>
+        <p:spPr/>
+        <p:txBody>
+          <a:bodyPr/>
+          <a:lstStyle/>
+          <a:p>
+            <a:pPr>
+              <a:defRPr/>
+            </a:pPr>
+            <a:fld id="{96D86CCB-8F76-4AE6-907E-95309338C679}" type="slidenum">
+              <a:rPr lang="zh-TW" altLang="en-US" smtClean="0"/>
+              <a:pPr>
+                <a:defRPr/>
+              </a:pPr>
+              <a:t>1</a:t>
+            </a:fld>
+            <a:endParaRPr lang="zh-TW" altLang="en-US"/>
+          </a:p>
+        </p:txBody>
+      </p:sp>
+    </p:spTree>
+    <p:extLst>
+      <p:ext uri="{BB962C8B-B14F-4D97-AF65-F5344CB8AC3E}">
+        <p14:creationId xmlns:p14="http://schemas.microsoft.com/office/powerpoint/2010/main" val="736907672"/>
+      </p:ext>
+    </p:extLst>
+  </p:cSld>
+  <p:clrMapOvr>
+    <a:masterClrMapping/>
+  </p:clrMapOvr>
+</p:notes>
 </file>
 
 <file path=ppt/slideLayouts/slideLayout1.xml><?xml version="1.0" encoding="utf-8"?>
@@ -14158,31 +14253,493 @@
       </p:grpSpPr>
       <p:sp>
         <p:nvSpPr>
-          <p:cNvPr id="4" name="矩形 3">
+          <p:cNvPr id="2" name="標題 1">
             <a:extLst>
               <a:ext uri="{FF2B5EF4-FFF2-40B4-BE49-F238E27FC236}">
-                <a16:creationId xmlns:a16="http://schemas.microsoft.com/office/drawing/2014/main" id="{54B3B053-3A97-44FA-B2BE-4D01609DF15E}"/>
+                <a16:creationId xmlns:a16="http://schemas.microsoft.com/office/drawing/2014/main" id="{E0DEC086-EE6E-4061-B2D3-791119A12A82}"/>
+              </a:ext>
+            </a:extLst>
+          </p:cNvPr>
+          <p:cNvSpPr>
+            <a:spLocks noGrp="1"/>
+          </p:cNvSpPr>
+          <p:nvPr>
+            <p:ph type="title"/>
+          </p:nvPr>
+        </p:nvSpPr>
+        <p:spPr/>
+        <p:txBody>
+          <a:bodyPr/>
+          <a:lstStyle/>
+          <a:p>
+            <a:r>
+              <a:rPr lang="zh-TW" altLang="en-US" dirty="0"/>
+              <a:t>分項三</a:t>
+            </a:r>
+            <a:r>
+              <a:rPr lang="en-US" altLang="zh-TW" dirty="0"/>
+              <a:t>.2 </a:t>
+            </a:r>
+            <a:r>
+              <a:rPr lang="zh-TW" altLang="en-US" dirty="0"/>
+              <a:t>智慧應用系統測試服務</a:t>
+            </a:r>
+          </a:p>
+        </p:txBody>
+      </p:sp>
+      <p:sp>
+        <p:nvSpPr>
+          <p:cNvPr id="8" name="矩形 7">
+            <a:extLst>
+              <a:ext uri="{FF2B5EF4-FFF2-40B4-BE49-F238E27FC236}">
+                <a16:creationId xmlns:a16="http://schemas.microsoft.com/office/drawing/2014/main" id="{36C81C3F-1081-42D6-A580-50C2B2830DB0}"/>
               </a:ext>
             </a:extLst>
           </p:cNvPr>
           <p:cNvSpPr/>
           <p:nvPr/>
         </p:nvSpPr>
-        <p:spPr bwMode="auto">
+        <p:spPr>
           <a:xfrm>
-            <a:off x="1467714" y="727010"/>
-            <a:ext cx="3618636" cy="378313"/>
+            <a:off x="377653" y="984496"/>
+            <a:ext cx="1567261" cy="1636446"/>
           </a:xfrm>
           <a:prstGeom prst="rect">
             <a:avLst/>
           </a:prstGeom>
           <a:solidFill>
-            <a:schemeClr val="accent1">
-              <a:lumMod val="50000"/>
-            </a:schemeClr>
+            <a:srgbClr val="FFFFCC"/>
+          </a:solidFill>
+          <a:ln w="28575">
+            <a:solidFill>
+              <a:srgbClr val="A2F1F5">
+                <a:lumMod val="50000"/>
+              </a:srgbClr>
+            </a:solidFill>
+          </a:ln>
+        </p:spPr>
+        <p:txBody>
+          <a:bodyPr wrap="square" lIns="36000" tIns="72000" rIns="36000" bIns="72000" anchor="ctr" anchorCtr="0">
+            <a:noAutofit/>
+          </a:bodyPr>
+          <a:lstStyle/>
+          <a:p>
+            <a:pPr algn="ctr">
+              <a:spcAft>
+                <a:spcPts val="600"/>
+              </a:spcAft>
+              <a:defRPr/>
+            </a:pPr>
+            <a:r>
+              <a:rPr lang="zh-TW" altLang="en-US" sz="2800" b="1" kern="0" dirty="0">
+                <a:solidFill>
+                  <a:srgbClr val="0000FF"/>
+                </a:solidFill>
+                <a:latin typeface="微軟正黑體" panose="020B0604030504040204" pitchFamily="34" charset="-120"/>
+                <a:ea typeface="微軟正黑體" panose="020B0604030504040204" pitchFamily="34" charset="-120"/>
+              </a:rPr>
+              <a:t>擴散應用的瓶頸</a:t>
+            </a:r>
+            <a:endParaRPr lang="en-US" altLang="zh-TW" sz="2800" b="1" kern="0" dirty="0">
+              <a:solidFill>
+                <a:srgbClr val="0000FF"/>
+              </a:solidFill>
+              <a:latin typeface="微軟正黑體" panose="020B0604030504040204" pitchFamily="34" charset="-120"/>
+              <a:ea typeface="微軟正黑體" panose="020B0604030504040204" pitchFamily="34" charset="-120"/>
+            </a:endParaRPr>
+          </a:p>
+          <a:p>
+            <a:pPr algn="ctr">
+              <a:spcAft>
+                <a:spcPts val="600"/>
+              </a:spcAft>
+              <a:defRPr/>
+            </a:pPr>
+            <a:r>
+              <a:rPr lang="en-US" altLang="zh-TW" b="1" kern="0" dirty="0">
+                <a:solidFill>
+                  <a:srgbClr val="0000FF"/>
+                </a:solidFill>
+                <a:latin typeface="微軟正黑體" panose="020B0604030504040204" pitchFamily="34" charset="-120"/>
+                <a:ea typeface="微軟正黑體" panose="020B0604030504040204" pitchFamily="34" charset="-120"/>
+              </a:rPr>
+              <a:t>(</a:t>
+            </a:r>
+            <a:r>
+              <a:rPr lang="zh-TW" altLang="en-US" b="1" kern="0" dirty="0">
+                <a:solidFill>
+                  <a:srgbClr val="0000FF"/>
+                </a:solidFill>
+                <a:latin typeface="微軟正黑體" panose="020B0604030504040204" pitchFamily="34" charset="-120"/>
+                <a:ea typeface="微軟正黑體" panose="020B0604030504040204" pitchFamily="34" charset="-120"/>
+              </a:rPr>
+              <a:t>百工百業</a:t>
+            </a:r>
+            <a:r>
+              <a:rPr lang="en-US" altLang="zh-TW" b="1" kern="0" dirty="0">
+                <a:solidFill>
+                  <a:srgbClr val="0000FF"/>
+                </a:solidFill>
+                <a:latin typeface="微軟正黑體" panose="020B0604030504040204" pitchFamily="34" charset="-120"/>
+                <a:ea typeface="微軟正黑體" panose="020B0604030504040204" pitchFamily="34" charset="-120"/>
+              </a:rPr>
+              <a:t>)</a:t>
+            </a:r>
+          </a:p>
+        </p:txBody>
+      </p:sp>
+      <p:sp>
+        <p:nvSpPr>
+          <p:cNvPr id="14" name="文字方塊 13">
+            <a:extLst>
+              <a:ext uri="{FF2B5EF4-FFF2-40B4-BE49-F238E27FC236}">
+                <a16:creationId xmlns:a16="http://schemas.microsoft.com/office/drawing/2014/main" id="{4345835F-E98B-4D0F-B485-A83A6213C52E}"/>
+              </a:ext>
+            </a:extLst>
+          </p:cNvPr>
+          <p:cNvSpPr txBox="1"/>
+          <p:nvPr/>
+        </p:nvSpPr>
+        <p:spPr>
+          <a:xfrm>
+            <a:off x="301453" y="5595213"/>
+            <a:ext cx="4218561" cy="830997"/>
+          </a:xfrm>
+          <a:prstGeom prst="rect">
+            <a:avLst/>
+          </a:prstGeom>
+          <a:noFill/>
+        </p:spPr>
+        <p:txBody>
+          <a:bodyPr wrap="square" rtlCol="0">
+            <a:spAutoFit/>
+          </a:bodyPr>
+          <a:lstStyle/>
+          <a:p>
+            <a:pPr algn="ctr"/>
+            <a:r>
+              <a:rPr lang="zh-TW" altLang="en-US" sz="2400" b="1" dirty="0">
+                <a:latin typeface="微軟正黑體" panose="020B0604030504040204" pitchFamily="34" charset="-120"/>
+                <a:ea typeface="微軟正黑體" panose="020B0604030504040204" pitchFamily="34" charset="-120"/>
+              </a:rPr>
+              <a:t>引導網站</a:t>
+            </a:r>
+            <a:endParaRPr lang="en-US" altLang="zh-TW" sz="2400" b="1" dirty="0">
+              <a:latin typeface="微軟正黑體" panose="020B0604030504040204" pitchFamily="34" charset="-120"/>
+              <a:ea typeface="微軟正黑體" panose="020B0604030504040204" pitchFamily="34" charset="-120"/>
+            </a:endParaRPr>
+          </a:p>
+          <a:p>
+            <a:pPr algn="ctr"/>
+            <a:r>
+              <a:rPr lang="en-US" altLang="zh-TW" sz="2400" b="1" dirty="0">
+                <a:latin typeface="微軟正黑體" panose="020B0604030504040204" pitchFamily="34" charset="-120"/>
+                <a:ea typeface="微軟正黑體" panose="020B0604030504040204" pitchFamily="34" charset="-120"/>
+              </a:rPr>
+              <a:t>(</a:t>
+            </a:r>
+            <a:r>
+              <a:rPr lang="zh-TW" altLang="en-US" sz="2400" b="1" dirty="0">
+                <a:latin typeface="微軟正黑體" panose="020B0604030504040204" pitchFamily="34" charset="-120"/>
+                <a:ea typeface="微軟正黑體" panose="020B0604030504040204" pitchFamily="34" charset="-120"/>
+              </a:rPr>
+              <a:t>需求</a:t>
+            </a:r>
+            <a:r>
+              <a:rPr lang="en-US" altLang="zh-TW" sz="2400" b="1" dirty="0">
+                <a:latin typeface="微軟正黑體" panose="020B0604030504040204" pitchFamily="34" charset="-120"/>
+                <a:ea typeface="微軟正黑體" panose="020B0604030504040204" pitchFamily="34" charset="-120"/>
+              </a:rPr>
+              <a:t>&gt;</a:t>
+            </a:r>
+            <a:r>
+              <a:rPr lang="zh-TW" altLang="en-US" sz="2400" b="1" dirty="0">
+                <a:latin typeface="微軟正黑體" panose="020B0604030504040204" pitchFamily="34" charset="-120"/>
+                <a:ea typeface="微軟正黑體" panose="020B0604030504040204" pitchFamily="34" charset="-120"/>
+              </a:rPr>
+              <a:t>驗測報告</a:t>
+            </a:r>
+            <a:r>
+              <a:rPr lang="en-US" altLang="zh-TW" sz="2400" b="1" dirty="0">
+                <a:latin typeface="微軟正黑體" panose="020B0604030504040204" pitchFamily="34" charset="-120"/>
+                <a:ea typeface="微軟正黑體" panose="020B0604030504040204" pitchFamily="34" charset="-120"/>
+              </a:rPr>
+              <a:t>&gt;</a:t>
+            </a:r>
+            <a:r>
+              <a:rPr lang="zh-TW" altLang="en-US" sz="2400" b="1" dirty="0">
+                <a:latin typeface="微軟正黑體" panose="020B0604030504040204" pitchFamily="34" charset="-120"/>
+                <a:ea typeface="微軟正黑體" panose="020B0604030504040204" pitchFamily="34" charset="-120"/>
+              </a:rPr>
+              <a:t>選開發方案</a:t>
+            </a:r>
+            <a:r>
+              <a:rPr lang="en-US" altLang="zh-TW" sz="2400" b="1" dirty="0">
+                <a:latin typeface="微軟正黑體" panose="020B0604030504040204" pitchFamily="34" charset="-120"/>
+                <a:ea typeface="微軟正黑體" panose="020B0604030504040204" pitchFamily="34" charset="-120"/>
+              </a:rPr>
+              <a:t>)</a:t>
+            </a:r>
+          </a:p>
+        </p:txBody>
+      </p:sp>
+      <p:sp>
+        <p:nvSpPr>
+          <p:cNvPr id="15" name="文字方塊 14">
+            <a:extLst>
+              <a:ext uri="{FF2B5EF4-FFF2-40B4-BE49-F238E27FC236}">
+                <a16:creationId xmlns:a16="http://schemas.microsoft.com/office/drawing/2014/main" id="{5C9C729B-D5D0-4AFB-8C10-BF2A4AD2AE21}"/>
+              </a:ext>
+            </a:extLst>
+          </p:cNvPr>
+          <p:cNvSpPr txBox="1"/>
+          <p:nvPr/>
+        </p:nvSpPr>
+        <p:spPr>
+          <a:xfrm>
+            <a:off x="4960381" y="5620623"/>
+            <a:ext cx="3516599" cy="830997"/>
+          </a:xfrm>
+          <a:prstGeom prst="rect">
+            <a:avLst/>
+          </a:prstGeom>
+          <a:noFill/>
+        </p:spPr>
+        <p:txBody>
+          <a:bodyPr wrap="square" rtlCol="0">
+            <a:spAutoFit/>
+          </a:bodyPr>
+          <a:lstStyle/>
+          <a:p>
+            <a:pPr algn="ctr"/>
+            <a:r>
+              <a:rPr lang="zh-TW" altLang="en-US" sz="2400" b="1" dirty="0">
+                <a:latin typeface="微軟正黑體" panose="020B0604030504040204" pitchFamily="34" charset="-120"/>
+                <a:ea typeface="微軟正黑體" panose="020B0604030504040204" pitchFamily="34" charset="-120"/>
+              </a:rPr>
+              <a:t>開發者白皮書</a:t>
+            </a:r>
+            <a:endParaRPr lang="en-US" altLang="zh-TW" sz="2400" b="1" dirty="0">
+              <a:latin typeface="微軟正黑體" panose="020B0604030504040204" pitchFamily="34" charset="-120"/>
+              <a:ea typeface="微軟正黑體" panose="020B0604030504040204" pitchFamily="34" charset="-120"/>
+            </a:endParaRPr>
+          </a:p>
+          <a:p>
+            <a:pPr algn="ctr"/>
+            <a:r>
+              <a:rPr lang="en-US" altLang="zh-TW" sz="2400" b="1" dirty="0">
+                <a:latin typeface="微軟正黑體" panose="020B0604030504040204" pitchFamily="34" charset="-120"/>
+                <a:ea typeface="微軟正黑體" panose="020B0604030504040204" pitchFamily="34" charset="-120"/>
+              </a:rPr>
+              <a:t>(</a:t>
+            </a:r>
+            <a:r>
+              <a:rPr lang="zh-TW" altLang="en-US" sz="2400" b="1" dirty="0">
+                <a:latin typeface="微軟正黑體" panose="020B0604030504040204" pitchFamily="34" charset="-120"/>
+                <a:ea typeface="微軟正黑體" panose="020B0604030504040204" pitchFamily="34" charset="-120"/>
+              </a:rPr>
+              <a:t>已驗證的開發流程</a:t>
+            </a:r>
+            <a:r>
+              <a:rPr lang="en-US" altLang="zh-TW" sz="2400" b="1" dirty="0">
+                <a:latin typeface="微軟正黑體" panose="020B0604030504040204" pitchFamily="34" charset="-120"/>
+                <a:ea typeface="微軟正黑體" panose="020B0604030504040204" pitchFamily="34" charset="-120"/>
+              </a:rPr>
+              <a:t>)</a:t>
+            </a:r>
+          </a:p>
+        </p:txBody>
+      </p:sp>
+      <p:sp>
+        <p:nvSpPr>
+          <p:cNvPr id="16" name="文字方塊 15">
+            <a:extLst>
+              <a:ext uri="{FF2B5EF4-FFF2-40B4-BE49-F238E27FC236}">
+                <a16:creationId xmlns:a16="http://schemas.microsoft.com/office/drawing/2014/main" id="{EC90D0B9-C849-4DBD-B8CF-B11A8D62A285}"/>
+              </a:ext>
+            </a:extLst>
+          </p:cNvPr>
+          <p:cNvSpPr txBox="1"/>
+          <p:nvPr/>
+        </p:nvSpPr>
+        <p:spPr>
+          <a:xfrm>
+            <a:off x="8942748" y="5595213"/>
+            <a:ext cx="2666208" cy="461665"/>
+          </a:xfrm>
+          <a:prstGeom prst="rect">
+            <a:avLst/>
+          </a:prstGeom>
+          <a:noFill/>
+        </p:spPr>
+        <p:txBody>
+          <a:bodyPr wrap="square" rtlCol="0">
+            <a:spAutoFit/>
+          </a:bodyPr>
+          <a:lstStyle/>
+          <a:p>
+            <a:pPr algn="ctr"/>
+            <a:r>
+              <a:rPr lang="zh-TW" altLang="en-US" sz="2400" b="1" dirty="0">
+                <a:latin typeface="微軟正黑體" panose="020B0604030504040204" pitchFamily="34" charset="-120"/>
+                <a:ea typeface="微軟正黑體" panose="020B0604030504040204" pitchFamily="34" charset="-120"/>
+              </a:rPr>
+              <a:t>應用範例程式庫</a:t>
+            </a:r>
+            <a:endParaRPr lang="en-US" altLang="zh-TW" sz="2400" b="1" dirty="0">
+              <a:latin typeface="微軟正黑體" panose="020B0604030504040204" pitchFamily="34" charset="-120"/>
+              <a:ea typeface="微軟正黑體" panose="020B0604030504040204" pitchFamily="34" charset="-120"/>
+            </a:endParaRPr>
+          </a:p>
+        </p:txBody>
+      </p:sp>
+      <p:pic>
+        <p:nvPicPr>
+          <p:cNvPr id="17" name="圖片 16">
+            <a:extLst>
+              <a:ext uri="{FF2B5EF4-FFF2-40B4-BE49-F238E27FC236}">
+                <a16:creationId xmlns:a16="http://schemas.microsoft.com/office/drawing/2014/main" id="{4DFA7F1B-E762-4114-842B-FB9D6DE4C673}"/>
+              </a:ext>
+            </a:extLst>
+          </p:cNvPr>
+          <p:cNvPicPr>
+            <a:picLocks noChangeAspect="1"/>
+          </p:cNvPicPr>
+          <p:nvPr/>
+        </p:nvPicPr>
+        <p:blipFill>
+          <a:blip r:embed="rId3"/>
+          <a:stretch>
+            <a:fillRect/>
+          </a:stretch>
+        </p:blipFill>
+        <p:spPr>
+          <a:xfrm>
+            <a:off x="242804" y="2938161"/>
+            <a:ext cx="4353410" cy="2662371"/>
+          </a:xfrm>
+          <a:prstGeom prst="rect">
+            <a:avLst/>
+          </a:prstGeom>
+        </p:spPr>
+      </p:pic>
+      <p:sp>
+        <p:nvSpPr>
+          <p:cNvPr id="20" name="矩形 19">
+            <a:extLst>
+              <a:ext uri="{FF2B5EF4-FFF2-40B4-BE49-F238E27FC236}">
+                <a16:creationId xmlns:a16="http://schemas.microsoft.com/office/drawing/2014/main" id="{E314852D-FDFC-4F27-9EFC-B57EA4BF0E80}"/>
+              </a:ext>
+            </a:extLst>
+          </p:cNvPr>
+          <p:cNvSpPr/>
+          <p:nvPr/>
+        </p:nvSpPr>
+        <p:spPr>
+          <a:xfrm>
+            <a:off x="6126903" y="1000818"/>
+            <a:ext cx="1119220" cy="1028641"/>
+          </a:xfrm>
+          <a:prstGeom prst="rect">
+            <a:avLst/>
+          </a:prstGeom>
+          <a:solidFill>
+            <a:srgbClr val="FFFFCC"/>
+          </a:solidFill>
+          <a:ln w="28575">
+            <a:solidFill>
+              <a:srgbClr val="A2F1F5">
+                <a:lumMod val="50000"/>
+              </a:srgbClr>
+            </a:solidFill>
+          </a:ln>
+        </p:spPr>
+        <p:txBody>
+          <a:bodyPr wrap="square" lIns="36000" tIns="72000" rIns="36000" bIns="72000" anchor="ctr" anchorCtr="0">
+            <a:noAutofit/>
+          </a:bodyPr>
+          <a:lstStyle/>
+          <a:p>
+            <a:pPr algn="ctr">
+              <a:spcAft>
+                <a:spcPts val="600"/>
+              </a:spcAft>
+              <a:defRPr/>
+            </a:pPr>
+            <a:r>
+              <a:rPr lang="zh-TW" altLang="en-US" sz="2800" b="1" kern="0" dirty="0">
+                <a:solidFill>
+                  <a:srgbClr val="0000FF"/>
+                </a:solidFill>
+                <a:latin typeface="微軟正黑體" panose="020B0604030504040204" pitchFamily="34" charset="-120"/>
+                <a:ea typeface="微軟正黑體" panose="020B0604030504040204" pitchFamily="34" charset="-120"/>
+              </a:rPr>
+              <a:t>解決</a:t>
+            </a:r>
+            <a:endParaRPr lang="en-US" altLang="zh-TW" sz="2800" b="1" kern="0" dirty="0">
+              <a:solidFill>
+                <a:srgbClr val="0000FF"/>
+              </a:solidFill>
+              <a:latin typeface="微軟正黑體" panose="020B0604030504040204" pitchFamily="34" charset="-120"/>
+              <a:ea typeface="微軟正黑體" panose="020B0604030504040204" pitchFamily="34" charset="-120"/>
+            </a:endParaRPr>
+          </a:p>
+          <a:p>
+            <a:pPr algn="ctr">
+              <a:spcAft>
+                <a:spcPts val="600"/>
+              </a:spcAft>
+              <a:defRPr/>
+            </a:pPr>
+            <a:r>
+              <a:rPr lang="zh-TW" altLang="en-US" sz="2800" b="1" kern="0" dirty="0">
+                <a:solidFill>
+                  <a:srgbClr val="0000FF"/>
+                </a:solidFill>
+                <a:latin typeface="微軟正黑體" panose="020B0604030504040204" pitchFamily="34" charset="-120"/>
+                <a:ea typeface="微軟正黑體" panose="020B0604030504040204" pitchFamily="34" charset="-120"/>
+              </a:rPr>
+              <a:t>方案</a:t>
+            </a:r>
+            <a:endParaRPr lang="en-US" altLang="zh-TW" sz="2800" b="1" kern="0" dirty="0">
+              <a:solidFill>
+                <a:srgbClr val="0000FF"/>
+              </a:solidFill>
+              <a:latin typeface="微軟正黑體" panose="020B0604030504040204" pitchFamily="34" charset="-120"/>
+              <a:ea typeface="微軟正黑體" panose="020B0604030504040204" pitchFamily="34" charset="-120"/>
+            </a:endParaRPr>
+          </a:p>
+        </p:txBody>
+      </p:sp>
+      <p:cxnSp>
+        <p:nvCxnSpPr>
+          <p:cNvPr id="21" name="直線接點 20">
+            <a:extLst>
+              <a:ext uri="{FF2B5EF4-FFF2-40B4-BE49-F238E27FC236}">
+                <a16:creationId xmlns:a16="http://schemas.microsoft.com/office/drawing/2014/main" id="{554EF810-D31D-4288-9BBC-F5F85E7EFD67}"/>
+              </a:ext>
+            </a:extLst>
+          </p:cNvPr>
+          <p:cNvCxnSpPr>
+            <a:cxnSpLocks/>
+          </p:cNvCxnSpPr>
+          <p:nvPr/>
+        </p:nvCxnSpPr>
+        <p:spPr bwMode="auto">
+          <a:xfrm flipH="1">
+            <a:off x="377654" y="2776023"/>
+            <a:ext cx="11088632" cy="0"/>
+          </a:xfrm>
+          <a:prstGeom prst="line">
+            <a:avLst/>
+          </a:prstGeom>
+          <a:solidFill>
+            <a:schemeClr val="accent1"/>
           </a:solidFill>
           <a:ln w="9525" cap="flat" cmpd="sng" algn="ctr">
-            <a:noFill/>
+            <a:solidFill>
+              <a:schemeClr val="bg2"/>
+            </a:solidFill>
             <a:prstDash val="solid"/>
             <a:round/>
             <a:headEnd type="none" w="med" len="med"/>
@@ -14190,136 +14747,143 @@
           </a:ln>
           <a:effectLst/>
         </p:spPr>
-        <p:txBody>
-          <a:bodyPr vert="horz" wrap="square" lIns="91440" tIns="45720" rIns="91440" bIns="45720" numCol="1" rtlCol="0" anchor="t" anchorCtr="0" compatLnSpc="1">
-            <a:prstTxWarp prst="textNoShape">
-              <a:avLst/>
-            </a:prstTxWarp>
+      </p:cxnSp>
+      <p:sp>
+        <p:nvSpPr>
+          <p:cNvPr id="24" name="文字方塊 23">
+            <a:extLst>
+              <a:ext uri="{FF2B5EF4-FFF2-40B4-BE49-F238E27FC236}">
+                <a16:creationId xmlns:a16="http://schemas.microsoft.com/office/drawing/2014/main" id="{B73612C5-15CE-4A6A-AAFA-B01A4287BC4B}"/>
+              </a:ext>
+            </a:extLst>
+          </p:cNvPr>
+          <p:cNvSpPr txBox="1"/>
+          <p:nvPr/>
+        </p:nvSpPr>
+        <p:spPr>
+          <a:xfrm>
+            <a:off x="7303003" y="2145299"/>
+            <a:ext cx="4046489" cy="461665"/>
+          </a:xfrm>
+          <a:prstGeom prst="rect">
+            <a:avLst/>
+          </a:prstGeom>
+          <a:noFill/>
+        </p:spPr>
+        <p:txBody>
+          <a:bodyPr wrap="square">
+            <a:spAutoFit/>
           </a:bodyPr>
           <a:lstStyle/>
           <a:p>
-            <a:pPr marL="0" marR="0" indent="0" algn="ctr" defTabSz="914400" rtl="0" eaLnBrk="1" fontAlgn="base" latinLnBrk="0" hangingPunct="1">
-              <a:lnSpc>
-                <a:spcPct val="100000"/>
-              </a:lnSpc>
-              <a:spcBef>
-                <a:spcPct val="0"/>
-              </a:spcBef>
-              <a:spcAft>
-                <a:spcPct val="0"/>
-              </a:spcAft>
-              <a:buClrTx/>
-              <a:buSzTx/>
-              <a:buFontTx/>
-              <a:buNone/>
-              <a:tabLst/>
+            <a:pPr marL="342900" indent="-342900">
+              <a:buFont typeface="Arial" panose="020B0604020202020204" pitchFamily="34" charset="0"/>
+              <a:buChar char="•"/>
             </a:pPr>
             <a:r>
-              <a:rPr kumimoji="1" lang="en-US" altLang="zh-TW" sz="1600" b="0" i="0" u="none" strike="noStrike" cap="none" normalizeH="0" baseline="0" dirty="0">
-                <a:ln>
-                  <a:noFill/>
-                </a:ln>
-                <a:solidFill>
-                  <a:schemeClr val="bg1"/>
-                </a:solidFill>
-                <a:effectLst/>
-                <a:latin typeface="Arial" charset="0"/>
-                <a:ea typeface="新細明體" pitchFamily="18" charset="-120"/>
+              <a:rPr lang="zh-TW" altLang="en-US" sz="2400" dirty="0">
+                <a:latin typeface="+mn-ea"/>
+                <a:ea typeface="+mn-ea"/>
               </a:rPr>
-              <a:t>Model Zoo</a:t>
-            </a:r>
-            <a:endParaRPr kumimoji="1" lang="zh-TW" altLang="en-US" sz="1600" b="0" i="0" u="none" strike="noStrike" cap="none" normalizeH="0" baseline="0" dirty="0">
-              <a:ln>
-                <a:noFill/>
-              </a:ln>
-              <a:solidFill>
-                <a:schemeClr val="bg1"/>
-              </a:solidFill>
-              <a:effectLst/>
-              <a:latin typeface="Arial" charset="0"/>
-              <a:ea typeface="新細明體" pitchFamily="18" charset="-120"/>
-            </a:endParaRPr>
-          </a:p>
-        </p:txBody>
-      </p:sp>
-      <p:sp>
-        <p:nvSpPr>
-          <p:cNvPr id="45" name="矩形 44">
+              <a:t>開發時程由</a:t>
+            </a:r>
+            <a:r>
+              <a:rPr lang="en-US" altLang="zh-TW" sz="2400" b="1" dirty="0">
+                <a:latin typeface="+mn-ea"/>
+                <a:ea typeface="+mn-ea"/>
+              </a:rPr>
+              <a:t>95%</a:t>
+            </a:r>
+            <a:r>
+              <a:rPr lang="zh-TW" altLang="en-US" sz="2400" dirty="0">
+                <a:latin typeface="+mn-ea"/>
+                <a:ea typeface="+mn-ea"/>
+              </a:rPr>
+              <a:t>降至</a:t>
+            </a:r>
+            <a:r>
+              <a:rPr lang="en-US" altLang="zh-TW" sz="2400" b="1" dirty="0">
+                <a:solidFill>
+                  <a:srgbClr val="00B0F0"/>
+                </a:solidFill>
+                <a:latin typeface="+mn-ea"/>
+                <a:ea typeface="+mn-ea"/>
+              </a:rPr>
+              <a:t>5%</a:t>
+            </a:r>
+            <a:endParaRPr lang="zh-TW" altLang="en-US" sz="2400" b="1" dirty="0"/>
+          </a:p>
+        </p:txBody>
+      </p:sp>
+      <p:sp>
+        <p:nvSpPr>
+          <p:cNvPr id="25" name="矩形 24">
             <a:extLst>
               <a:ext uri="{FF2B5EF4-FFF2-40B4-BE49-F238E27FC236}">
-                <a16:creationId xmlns:a16="http://schemas.microsoft.com/office/drawing/2014/main" id="{CABE06CF-E345-42FD-BB29-348952682297}"/>
+                <a16:creationId xmlns:a16="http://schemas.microsoft.com/office/drawing/2014/main" id="{B2B888CE-8E0E-4DCB-A9ED-86BDE0FAA5E0}"/>
               </a:ext>
             </a:extLst>
           </p:cNvPr>
           <p:cNvSpPr/>
           <p:nvPr/>
         </p:nvSpPr>
-        <p:spPr bwMode="auto">
+        <p:spPr>
           <a:xfrm>
-            <a:off x="4576674" y="4946293"/>
-            <a:ext cx="6481234" cy="494963"/>
+            <a:off x="6126903" y="2132521"/>
+            <a:ext cx="1119220" cy="492908"/>
           </a:xfrm>
           <a:prstGeom prst="rect">
             <a:avLst/>
           </a:prstGeom>
           <a:solidFill>
-            <a:schemeClr val="bg1">
-              <a:lumMod val="85000"/>
-            </a:schemeClr>
+            <a:srgbClr val="FFFFCC"/>
           </a:solidFill>
-          <a:ln w="9525" cap="flat" cmpd="sng" algn="ctr">
-            <a:noFill/>
-            <a:prstDash val="solid"/>
-            <a:round/>
-            <a:headEnd type="none" w="med" len="med"/>
-            <a:tailEnd type="none" w="med" len="med"/>
+          <a:ln w="28575">
+            <a:solidFill>
+              <a:srgbClr val="A2F1F5">
+                <a:lumMod val="50000"/>
+              </a:srgbClr>
+            </a:solidFill>
           </a:ln>
-          <a:effectLst/>
-        </p:spPr>
-        <p:txBody>
-          <a:bodyPr vert="horz" wrap="square" lIns="91440" tIns="45720" rIns="91440" bIns="45720" numCol="3" rtlCol="0" anchor="t" anchorCtr="0" compatLnSpc="1">
-            <a:prstTxWarp prst="textNoShape">
-              <a:avLst/>
-            </a:prstTxWarp>
+        </p:spPr>
+        <p:txBody>
+          <a:bodyPr wrap="square" lIns="36000" tIns="72000" rIns="36000" bIns="72000" anchor="ctr" anchorCtr="0">
+            <a:noAutofit/>
           </a:bodyPr>
           <a:lstStyle/>
           <a:p>
-            <a:pPr marL="0" marR="0" indent="0" defTabSz="914400" rtl="0" eaLnBrk="1" fontAlgn="base" latinLnBrk="0" hangingPunct="1">
-              <a:lnSpc>
-                <a:spcPct val="200000"/>
-              </a:lnSpc>
-              <a:spcBef>
-                <a:spcPct val="0"/>
-              </a:spcBef>
+            <a:pPr algn="ctr">
               <a:spcAft>
-                <a:spcPct val="0"/>
+                <a:spcPts val="600"/>
               </a:spcAft>
-              <a:buClrTx/>
-              <a:buSzTx/>
-              <a:buFontTx/>
-              <a:buNone/>
-              <a:tabLst/>
+              <a:defRPr/>
             </a:pPr>
-            <a:endParaRPr kumimoji="1" lang="zh-TW" altLang="en-US" sz="1800" b="0" i="0" u="none" strike="noStrike" cap="none" normalizeH="0" baseline="0" dirty="0">
-              <a:ln>
-                <a:noFill/>
-              </a:ln>
+            <a:r>
+              <a:rPr lang="zh-TW" altLang="en-US" sz="2800" b="1" kern="0" dirty="0">
+                <a:solidFill>
+                  <a:srgbClr val="0000FF"/>
+                </a:solidFill>
+                <a:latin typeface="微軟正黑體" panose="020B0604030504040204" pitchFamily="34" charset="-120"/>
+                <a:ea typeface="微軟正黑體" panose="020B0604030504040204" pitchFamily="34" charset="-120"/>
+              </a:rPr>
+              <a:t>效益</a:t>
+            </a:r>
+            <a:endParaRPr lang="en-US" altLang="zh-TW" sz="2800" b="1" kern="0" dirty="0">
               <a:solidFill>
-                <a:schemeClr val="bg1"/>
+                <a:srgbClr val="0000FF"/>
               </a:solidFill>
-              <a:effectLst/>
-              <a:latin typeface="Arial" charset="0"/>
-              <a:ea typeface="新細明體" pitchFamily="18" charset="-120"/>
+              <a:latin typeface="微軟正黑體" panose="020B0604030504040204" pitchFamily="34" charset="-120"/>
+              <a:ea typeface="微軟正黑體" panose="020B0604030504040204" pitchFamily="34" charset="-120"/>
             </a:endParaRPr>
           </a:p>
         </p:txBody>
       </p:sp>
       <p:sp>
         <p:nvSpPr>
-          <p:cNvPr id="56" name="文字方塊 55">
+          <p:cNvPr id="32" name="文字方塊 31">
             <a:extLst>
               <a:ext uri="{FF2B5EF4-FFF2-40B4-BE49-F238E27FC236}">
-                <a16:creationId xmlns:a16="http://schemas.microsoft.com/office/drawing/2014/main" id="{C090B1B9-5636-4899-913A-4FE8D8E5A0FD}"/>
+                <a16:creationId xmlns:a16="http://schemas.microsoft.com/office/drawing/2014/main" id="{C3156F55-2D81-4116-B4B6-70A51EDD908B}"/>
               </a:ext>
             </a:extLst>
           </p:cNvPr>
@@ -14328,8 +14892,8 @@
         </p:nvSpPr>
         <p:spPr>
           <a:xfrm>
-            <a:off x="4642532" y="5028878"/>
-            <a:ext cx="1221391" cy="338554"/>
+            <a:off x="1961826" y="920271"/>
+            <a:ext cx="4152377" cy="1686487"/>
           </a:xfrm>
           <a:prstGeom prst="rect">
             <a:avLst/>
@@ -14337,2423 +14901,233 @@
           <a:noFill/>
         </p:spPr>
         <p:txBody>
-          <a:bodyPr wrap="square" rtlCol="0">
+          <a:bodyPr wrap="square">
             <a:spAutoFit/>
           </a:bodyPr>
           <a:lstStyle/>
           <a:p>
-            <a:r>
-              <a:rPr lang="en-US" altLang="zh-TW" sz="1600" dirty="0"/>
-              <a:t>Framework</a:t>
-            </a:r>
-          </a:p>
-        </p:txBody>
-      </p:sp>
-      <p:sp>
-        <p:nvSpPr>
-          <p:cNvPr id="61" name="矩形 60">
+            <a:pPr>
+              <a:lnSpc>
+                <a:spcPct val="150000"/>
+              </a:lnSpc>
+            </a:pPr>
+            <a:r>
+              <a:rPr lang="zh-TW" altLang="en-US" sz="2400" dirty="0">
+                <a:latin typeface="+mj-ea"/>
+                <a:ea typeface="+mj-ea"/>
+              </a:rPr>
+              <a:t>即使晶片性能明顯具有優勢，</a:t>
+            </a:r>
+            <a:endParaRPr lang="en-US" altLang="zh-TW" sz="2400" dirty="0">
+              <a:latin typeface="+mj-ea"/>
+              <a:ea typeface="+mj-ea"/>
+            </a:endParaRPr>
+          </a:p>
+          <a:p>
+            <a:pPr>
+              <a:lnSpc>
+                <a:spcPct val="150000"/>
+              </a:lnSpc>
+            </a:pPr>
+            <a:r>
+              <a:rPr lang="zh-TW" altLang="en-US" sz="2400" dirty="0">
+                <a:latin typeface="+mj-ea"/>
+                <a:ea typeface="+mj-ea"/>
+              </a:rPr>
+              <a:t>但客戶不知道如何使用它，</a:t>
+            </a:r>
+            <a:endParaRPr lang="en-US" altLang="zh-TW" sz="2400" dirty="0">
+              <a:latin typeface="+mj-ea"/>
+              <a:ea typeface="+mj-ea"/>
+            </a:endParaRPr>
+          </a:p>
+          <a:p>
+            <a:pPr>
+              <a:lnSpc>
+                <a:spcPct val="150000"/>
+              </a:lnSpc>
+            </a:pPr>
+            <a:r>
+              <a:rPr lang="zh-TW" altLang="en-US" sz="2400" dirty="0">
+                <a:latin typeface="+mj-ea"/>
+                <a:ea typeface="+mj-ea"/>
+              </a:rPr>
+              <a:t>甚至不願意做新的嘗試。</a:t>
+            </a:r>
+          </a:p>
+        </p:txBody>
+      </p:sp>
+      <p:sp>
+        <p:nvSpPr>
+          <p:cNvPr id="33" name="文字方塊 32">
             <a:extLst>
               <a:ext uri="{FF2B5EF4-FFF2-40B4-BE49-F238E27FC236}">
-                <a16:creationId xmlns:a16="http://schemas.microsoft.com/office/drawing/2014/main" id="{8DBE7CEC-4BFA-4231-A155-93E81D2ACAE5}"/>
+                <a16:creationId xmlns:a16="http://schemas.microsoft.com/office/drawing/2014/main" id="{93D132F7-F18E-4B77-A8B5-BB37EA82A958}"/>
               </a:ext>
             </a:extLst>
           </p:cNvPr>
-          <p:cNvSpPr/>
+          <p:cNvSpPr txBox="1"/>
           <p:nvPr/>
         </p:nvSpPr>
-        <p:spPr bwMode="auto">
+        <p:spPr>
           <a:xfrm>
-            <a:off x="8697581" y="5019018"/>
-            <a:ext cx="2051386" cy="338554"/>
+            <a:off x="7303003" y="895410"/>
+            <a:ext cx="4400933" cy="1132361"/>
           </a:xfrm>
           <a:prstGeom prst="rect">
             <a:avLst/>
           </a:prstGeom>
-          <a:solidFill>
-            <a:srgbClr val="DD8C21"/>
-          </a:solidFill>
-          <a:ln w="9525" cap="flat" cmpd="sng" algn="ctr">
+          <a:noFill/>
+        </p:spPr>
+        <p:txBody>
+          <a:bodyPr wrap="square">
+            <a:spAutoFit/>
+          </a:bodyPr>
+          <a:lstStyle/>
+          <a:p>
+            <a:pPr marL="342900" indent="-342900">
+              <a:lnSpc>
+                <a:spcPct val="150000"/>
+              </a:lnSpc>
+              <a:buFont typeface="Arial" panose="020B0604020202020204" pitchFamily="34" charset="0"/>
+              <a:buChar char="•"/>
+            </a:pPr>
+            <a:r>
+              <a:rPr lang="zh-TW" altLang="en-US" sz="2400" dirty="0">
+                <a:latin typeface="+mn-ea"/>
+                <a:ea typeface="+mn-ea"/>
+              </a:rPr>
+              <a:t>提供 </a:t>
+            </a:r>
+            <a:r>
+              <a:rPr lang="en-US" altLang="zh-TW" sz="2400" dirty="0">
+                <a:latin typeface="+mn-ea"/>
+                <a:ea typeface="+mn-ea"/>
+              </a:rPr>
+              <a:t>AI</a:t>
+            </a:r>
+            <a:r>
+              <a:rPr lang="zh-TW" altLang="en-US" sz="2400" dirty="0">
+                <a:latin typeface="+mn-ea"/>
+                <a:ea typeface="+mn-ea"/>
+              </a:rPr>
+              <a:t>基礎功能</a:t>
+            </a:r>
+            <a:r>
+              <a:rPr lang="zh-TW" altLang="en-US" sz="2400" dirty="0">
+                <a:latin typeface="+mj-ea"/>
+                <a:ea typeface="+mj-ea"/>
+              </a:rPr>
+              <a:t>的實作模板</a:t>
+            </a:r>
+            <a:endParaRPr lang="en-US" altLang="zh-TW" sz="2400" dirty="0">
+              <a:latin typeface="+mj-ea"/>
+              <a:ea typeface="+mj-ea"/>
+            </a:endParaRPr>
+          </a:p>
+          <a:p>
+            <a:pPr marL="342900" indent="-342900">
+              <a:lnSpc>
+                <a:spcPct val="150000"/>
+              </a:lnSpc>
+              <a:buFont typeface="Arial" panose="020B0604020202020204" pitchFamily="34" charset="0"/>
+              <a:buChar char="•"/>
+            </a:pPr>
+            <a:r>
+              <a:rPr lang="zh-TW" altLang="en-US" sz="2400" dirty="0">
+                <a:latin typeface="+mj-ea"/>
+                <a:ea typeface="+mj-ea"/>
+              </a:rPr>
+              <a:t>落實共享開源軟體研發筆記</a:t>
+            </a:r>
+            <a:endParaRPr lang="zh-TW" altLang="en-US" sz="2400" dirty="0"/>
+          </a:p>
+        </p:txBody>
+      </p:sp>
+      <p:pic>
+        <p:nvPicPr>
+          <p:cNvPr id="35" name="圖片 34">
+            <a:extLst>
+              <a:ext uri="{FF2B5EF4-FFF2-40B4-BE49-F238E27FC236}">
+                <a16:creationId xmlns:a16="http://schemas.microsoft.com/office/drawing/2014/main" id="{1915598D-3071-410F-BE29-03E6485FF976}"/>
+              </a:ext>
+            </a:extLst>
+          </p:cNvPr>
+          <p:cNvPicPr>
+            <a:picLocks noChangeAspect="1"/>
+          </p:cNvPicPr>
+          <p:nvPr/>
+        </p:nvPicPr>
+        <p:blipFill>
+          <a:blip r:embed="rId4"/>
+          <a:stretch>
+            <a:fillRect/>
+          </a:stretch>
+        </p:blipFill>
+        <p:spPr>
+          <a:xfrm>
+            <a:off x="8968148" y="2985680"/>
+            <a:ext cx="2678908" cy="2485252"/>
+          </a:xfrm>
+          <a:prstGeom prst="rect">
+            <a:avLst/>
+          </a:prstGeom>
+          <a:ln>
             <a:noFill/>
-            <a:prstDash val="solid"/>
-            <a:round/>
-            <a:headEnd type="none" w="med" len="med"/>
-            <a:tailEnd type="none" w="med" len="med"/>
           </a:ln>
           <a:effectLst>
-            <a:outerShdw blurRad="50800" dist="38100" dir="2700000" algn="tl" rotWithShape="0">
+            <a:outerShdw blurRad="50800" dist="38100" dir="5400000" algn="t" rotWithShape="0">
               <a:prstClr val="black">
                 <a:alpha val="40000"/>
               </a:prstClr>
             </a:outerShdw>
           </a:effectLst>
         </p:spPr>
-        <p:txBody>
-          <a:bodyPr vert="horz" wrap="square" lIns="91440" tIns="45720" rIns="91440" bIns="45720" numCol="3" rtlCol="0" anchor="t" anchorCtr="0" compatLnSpc="1">
-            <a:prstTxWarp prst="textNoShape">
-              <a:avLst/>
-            </a:prstTxWarp>
-          </a:bodyPr>
-          <a:lstStyle/>
-          <a:p>
-            <a:pPr marL="0" marR="0" indent="0" defTabSz="914400" rtl="0" eaLnBrk="1" fontAlgn="base" latinLnBrk="0" hangingPunct="1">
-              <a:lnSpc>
-                <a:spcPct val="200000"/>
-              </a:lnSpc>
-              <a:spcBef>
-                <a:spcPct val="0"/>
-              </a:spcBef>
-              <a:spcAft>
-                <a:spcPct val="0"/>
-              </a:spcAft>
-              <a:buClrTx/>
-              <a:buSzTx/>
-              <a:buFontTx/>
-              <a:buNone/>
-              <a:tabLst/>
-            </a:pPr>
-            <a:endParaRPr kumimoji="1" lang="zh-TW" altLang="en-US" sz="1800" b="0" i="0" u="none" strike="noStrike" cap="none" normalizeH="0" baseline="0" dirty="0">
-              <a:ln>
-                <a:noFill/>
-              </a:ln>
-              <a:solidFill>
-                <a:schemeClr val="bg1"/>
-              </a:solidFill>
-              <a:effectLst/>
-              <a:latin typeface="Arial" charset="0"/>
-              <a:ea typeface="新細明體" pitchFamily="18" charset="-120"/>
-            </a:endParaRPr>
-          </a:p>
-        </p:txBody>
-      </p:sp>
-      <p:sp>
-        <p:nvSpPr>
-          <p:cNvPr id="63" name="矩形 62">
+      </p:pic>
+      <p:pic>
+        <p:nvPicPr>
+          <p:cNvPr id="36" name="圖片 35">
             <a:extLst>
               <a:ext uri="{FF2B5EF4-FFF2-40B4-BE49-F238E27FC236}">
-                <a16:creationId xmlns:a16="http://schemas.microsoft.com/office/drawing/2014/main" id="{8B824215-2D0E-40B4-A4A1-8B9BA19762F1}"/>
+                <a16:creationId xmlns:a16="http://schemas.microsoft.com/office/drawing/2014/main" id="{544890E7-528C-4A2A-9F63-8A1463E08966}"/>
               </a:ext>
             </a:extLst>
           </p:cNvPr>
-          <p:cNvSpPr/>
+          <p:cNvPicPr>
+            <a:picLocks noChangeAspect="1"/>
+          </p:cNvPicPr>
           <p:nvPr/>
-        </p:nvSpPr>
-        <p:spPr bwMode="auto">
+        </p:nvPicPr>
+        <p:blipFill>
+          <a:blip r:embed="rId5"/>
+          <a:stretch>
+            <a:fillRect/>
+          </a:stretch>
+        </p:blipFill>
+        <p:spPr>
           <a:xfrm>
-            <a:off x="6532817" y="5028461"/>
-            <a:ext cx="2051386" cy="338554"/>
+            <a:off x="4738781" y="3000174"/>
+            <a:ext cx="3865199" cy="2438611"/>
           </a:xfrm>
           <a:prstGeom prst="rect">
             <a:avLst/>
           </a:prstGeom>
-          <a:solidFill>
-            <a:srgbClr val="F25621"/>
-          </a:solidFill>
-          <a:ln w="9525" cap="flat" cmpd="sng" algn="ctr">
+          <a:ln>
             <a:noFill/>
-            <a:prstDash val="solid"/>
-            <a:round/>
-            <a:headEnd type="none" w="med" len="med"/>
-            <a:tailEnd type="none" w="med" len="med"/>
           </a:ln>
           <a:effectLst>
-            <a:outerShdw blurRad="50800" dist="38100" dir="2700000" algn="tl" rotWithShape="0">
+            <a:outerShdw blurRad="50800" dist="38100" dir="5400000" algn="t" rotWithShape="0">
               <a:prstClr val="black">
                 <a:alpha val="40000"/>
               </a:prstClr>
             </a:outerShdw>
           </a:effectLst>
         </p:spPr>
-        <p:txBody>
-          <a:bodyPr vert="horz" wrap="square" lIns="91440" tIns="45720" rIns="91440" bIns="45720" numCol="3" rtlCol="0" anchor="t" anchorCtr="0" compatLnSpc="1">
-            <a:prstTxWarp prst="textNoShape">
-              <a:avLst/>
-            </a:prstTxWarp>
-          </a:bodyPr>
-          <a:lstStyle/>
-          <a:p>
-            <a:pPr marL="0" marR="0" indent="0" defTabSz="914400" rtl="0" eaLnBrk="1" fontAlgn="base" latinLnBrk="0" hangingPunct="1">
-              <a:lnSpc>
-                <a:spcPct val="200000"/>
-              </a:lnSpc>
-              <a:spcBef>
-                <a:spcPct val="0"/>
-              </a:spcBef>
-              <a:spcAft>
-                <a:spcPct val="0"/>
-              </a:spcAft>
-              <a:buClrTx/>
-              <a:buSzTx/>
-              <a:buFontTx/>
-              <a:buNone/>
-              <a:tabLst/>
-            </a:pPr>
-            <a:endParaRPr kumimoji="1" lang="zh-TW" altLang="en-US" sz="1800" b="0" i="0" u="none" strike="noStrike" cap="none" normalizeH="0" baseline="0" dirty="0">
-              <a:ln>
-                <a:noFill/>
-              </a:ln>
-              <a:solidFill>
-                <a:schemeClr val="bg1"/>
-              </a:solidFill>
-              <a:effectLst/>
-              <a:latin typeface="Arial" charset="0"/>
-              <a:ea typeface="新細明體" pitchFamily="18" charset="-120"/>
-            </a:endParaRPr>
-          </a:p>
-        </p:txBody>
-      </p:sp>
-      <p:sp>
-        <p:nvSpPr>
-          <p:cNvPr id="85" name="文字方塊 84">
-            <a:extLst>
-              <a:ext uri="{FF2B5EF4-FFF2-40B4-BE49-F238E27FC236}">
-                <a16:creationId xmlns:a16="http://schemas.microsoft.com/office/drawing/2014/main" id="{EF059261-4645-48FE-8C17-1419E39934D2}"/>
-              </a:ext>
-            </a:extLst>
-          </p:cNvPr>
-          <p:cNvSpPr txBox="1"/>
-          <p:nvPr/>
-        </p:nvSpPr>
-        <p:spPr>
-          <a:xfrm>
-            <a:off x="8697580" y="5026712"/>
-            <a:ext cx="2051386" cy="323165"/>
-          </a:xfrm>
-          <a:prstGeom prst="rect">
-            <a:avLst/>
-          </a:prstGeom>
-          <a:noFill/>
-        </p:spPr>
-        <p:txBody>
-          <a:bodyPr wrap="square" rtlCol="0">
-            <a:spAutoFit/>
-          </a:bodyPr>
-          <a:lstStyle/>
-          <a:p>
-            <a:pPr algn="ctr"/>
-            <a:r>
-              <a:rPr lang="en-US" altLang="zh-TW" sz="1500" dirty="0" err="1">
-                <a:solidFill>
-                  <a:schemeClr val="bg1"/>
-                </a:solidFill>
-              </a:rPr>
-              <a:t>Tensorflow</a:t>
-            </a:r>
-            <a:endParaRPr lang="zh-TW" altLang="en-US" sz="1500" dirty="0">
-              <a:solidFill>
-                <a:schemeClr val="bg1"/>
-              </a:solidFill>
-            </a:endParaRPr>
-          </a:p>
-        </p:txBody>
-      </p:sp>
-      <p:sp>
-        <p:nvSpPr>
-          <p:cNvPr id="88" name="文字方塊 87">
-            <a:extLst>
-              <a:ext uri="{FF2B5EF4-FFF2-40B4-BE49-F238E27FC236}">
-                <a16:creationId xmlns:a16="http://schemas.microsoft.com/office/drawing/2014/main" id="{A84E24A9-33F4-4F35-8F3B-1001E9867F2B}"/>
-              </a:ext>
-            </a:extLst>
-          </p:cNvPr>
-          <p:cNvSpPr txBox="1"/>
-          <p:nvPr/>
-        </p:nvSpPr>
-        <p:spPr>
-          <a:xfrm>
-            <a:off x="6532644" y="5036155"/>
-            <a:ext cx="2047757" cy="323165"/>
-          </a:xfrm>
-          <a:prstGeom prst="rect">
-            <a:avLst/>
-          </a:prstGeom>
-          <a:noFill/>
-        </p:spPr>
-        <p:txBody>
-          <a:bodyPr wrap="square" rtlCol="0">
-            <a:spAutoFit/>
-          </a:bodyPr>
-          <a:lstStyle/>
-          <a:p>
-            <a:pPr algn="ctr"/>
-            <a:r>
-              <a:rPr lang="en-US" altLang="zh-TW" sz="1500" dirty="0" err="1">
-                <a:solidFill>
-                  <a:schemeClr val="bg1"/>
-                </a:solidFill>
-              </a:rPr>
-              <a:t>PyTorch</a:t>
-            </a:r>
-            <a:endParaRPr lang="zh-TW" altLang="en-US" sz="1500" dirty="0">
-              <a:solidFill>
-                <a:schemeClr val="bg1"/>
-              </a:solidFill>
-            </a:endParaRPr>
-          </a:p>
-        </p:txBody>
-      </p:sp>
-      <p:sp>
-        <p:nvSpPr>
-          <p:cNvPr id="149" name="文字方塊 148">
-            <a:extLst>
-              <a:ext uri="{FF2B5EF4-FFF2-40B4-BE49-F238E27FC236}">
-                <a16:creationId xmlns:a16="http://schemas.microsoft.com/office/drawing/2014/main" id="{58EC258D-DE74-45BE-864C-9316BD15539D}"/>
-              </a:ext>
-            </a:extLst>
-          </p:cNvPr>
-          <p:cNvSpPr txBox="1"/>
-          <p:nvPr/>
-        </p:nvSpPr>
-        <p:spPr>
-          <a:xfrm>
-            <a:off x="10228736" y="4194651"/>
-            <a:ext cx="1057962" cy="323165"/>
-          </a:xfrm>
-          <a:prstGeom prst="rect">
-            <a:avLst/>
-          </a:prstGeom>
-          <a:noFill/>
-        </p:spPr>
-        <p:txBody>
-          <a:bodyPr wrap="square" rtlCol="0">
-            <a:spAutoFit/>
-          </a:bodyPr>
-          <a:lstStyle/>
-          <a:p>
-            <a:pPr algn="ctr"/>
-            <a:r>
-              <a:rPr lang="en-US" altLang="zh-TW" sz="1500" dirty="0">
-                <a:solidFill>
-                  <a:schemeClr val="bg1"/>
-                </a:solidFill>
-              </a:rPr>
-              <a:t>MediaTek</a:t>
-            </a:r>
-            <a:endParaRPr lang="zh-TW" altLang="en-US" sz="1500" dirty="0">
-              <a:solidFill>
-                <a:schemeClr val="bg1"/>
-              </a:solidFill>
-            </a:endParaRPr>
-          </a:p>
-        </p:txBody>
-      </p:sp>
-      <p:sp>
-        <p:nvSpPr>
-          <p:cNvPr id="53" name="矩形 52">
-            <a:extLst>
-              <a:ext uri="{FF2B5EF4-FFF2-40B4-BE49-F238E27FC236}">
-                <a16:creationId xmlns:a16="http://schemas.microsoft.com/office/drawing/2014/main" id="{51724946-FC27-4A8C-A53A-AA1336101D9D}"/>
-              </a:ext>
-            </a:extLst>
-          </p:cNvPr>
-          <p:cNvSpPr/>
-          <p:nvPr/>
-        </p:nvSpPr>
-        <p:spPr bwMode="auto">
-          <a:xfrm>
-            <a:off x="2629016" y="2340739"/>
-            <a:ext cx="8190114" cy="930472"/>
-          </a:xfrm>
-          <a:prstGeom prst="rect">
-            <a:avLst/>
-          </a:prstGeom>
-          <a:solidFill>
-            <a:schemeClr val="bg1">
-              <a:lumMod val="85000"/>
-            </a:schemeClr>
-          </a:solidFill>
-          <a:ln w="9525" cap="flat" cmpd="sng" algn="ctr">
-            <a:noFill/>
-            <a:prstDash val="solid"/>
-            <a:round/>
-            <a:headEnd type="none" w="med" len="med"/>
-            <a:tailEnd type="none" w="med" len="med"/>
-          </a:ln>
-          <a:effectLst/>
-        </p:spPr>
-        <p:txBody>
-          <a:bodyPr vert="horz" wrap="square" lIns="91440" tIns="45720" rIns="91440" bIns="45720" numCol="3" rtlCol="0" anchor="t" anchorCtr="0" compatLnSpc="1">
-            <a:prstTxWarp prst="textNoShape">
-              <a:avLst/>
-            </a:prstTxWarp>
-          </a:bodyPr>
-          <a:lstStyle/>
-          <a:p>
-            <a:pPr marL="0" marR="0" indent="0" defTabSz="914400" rtl="0" eaLnBrk="1" fontAlgn="base" latinLnBrk="0" hangingPunct="1">
-              <a:lnSpc>
-                <a:spcPct val="200000"/>
-              </a:lnSpc>
-              <a:spcBef>
-                <a:spcPct val="0"/>
-              </a:spcBef>
-              <a:spcAft>
-                <a:spcPct val="0"/>
-              </a:spcAft>
-              <a:buClrTx/>
-              <a:buSzTx/>
-              <a:buFontTx/>
-              <a:buNone/>
-              <a:tabLst/>
-            </a:pPr>
-            <a:endParaRPr kumimoji="1" lang="zh-TW" altLang="en-US" sz="1800" b="0" i="0" u="none" strike="noStrike" cap="none" normalizeH="0" baseline="0" dirty="0">
-              <a:ln>
-                <a:noFill/>
-              </a:ln>
-              <a:solidFill>
-                <a:schemeClr val="bg1"/>
-              </a:solidFill>
-              <a:effectLst/>
-              <a:latin typeface="Arial" charset="0"/>
-              <a:ea typeface="新細明體" pitchFamily="18" charset="-120"/>
-            </a:endParaRPr>
-          </a:p>
-        </p:txBody>
-      </p:sp>
-      <p:sp>
-        <p:nvSpPr>
-          <p:cNvPr id="54" name="文字方塊 53">
-            <a:extLst>
-              <a:ext uri="{FF2B5EF4-FFF2-40B4-BE49-F238E27FC236}">
-                <a16:creationId xmlns:a16="http://schemas.microsoft.com/office/drawing/2014/main" id="{A47BEFA9-3388-4E87-9B8A-7271EF00D6E8}"/>
-              </a:ext>
-            </a:extLst>
-          </p:cNvPr>
-          <p:cNvSpPr txBox="1"/>
-          <p:nvPr/>
-        </p:nvSpPr>
-        <p:spPr>
-          <a:xfrm>
-            <a:off x="1404213" y="2483252"/>
-            <a:ext cx="1721182" cy="584775"/>
-          </a:xfrm>
-          <a:prstGeom prst="rect">
-            <a:avLst/>
-          </a:prstGeom>
-          <a:noFill/>
-        </p:spPr>
-        <p:txBody>
-          <a:bodyPr wrap="square" rtlCol="0">
-            <a:spAutoFit/>
-          </a:bodyPr>
-          <a:lstStyle/>
-          <a:p>
-            <a:r>
-              <a:rPr lang="en-US" altLang="zh-TW" sz="1600" dirty="0"/>
-              <a:t>Mother</a:t>
-            </a:r>
-          </a:p>
-          <a:p>
-            <a:r>
-              <a:rPr lang="en-US" altLang="zh-TW" sz="1600" dirty="0"/>
-              <a:t>Board</a:t>
-            </a:r>
-          </a:p>
-        </p:txBody>
-      </p:sp>
-      <p:sp>
-        <p:nvSpPr>
-          <p:cNvPr id="55" name="矩形 54">
-            <a:extLst>
-              <a:ext uri="{FF2B5EF4-FFF2-40B4-BE49-F238E27FC236}">
-                <a16:creationId xmlns:a16="http://schemas.microsoft.com/office/drawing/2014/main" id="{6AD4767D-77E5-40E1-8935-E961E7E3E29E}"/>
-              </a:ext>
-            </a:extLst>
-          </p:cNvPr>
-          <p:cNvSpPr/>
-          <p:nvPr/>
-        </p:nvSpPr>
-        <p:spPr bwMode="auto">
-          <a:xfrm>
-            <a:off x="636897" y="3979330"/>
-            <a:ext cx="1527403" cy="338554"/>
-          </a:xfrm>
-          <a:prstGeom prst="rect">
-            <a:avLst/>
-          </a:prstGeom>
-          <a:solidFill>
-            <a:schemeClr val="bg1">
-              <a:lumMod val="50000"/>
-            </a:schemeClr>
-          </a:solidFill>
-          <a:ln w="9525" cap="flat" cmpd="sng" algn="ctr">
-            <a:noFill/>
-            <a:prstDash val="solid"/>
-            <a:round/>
-            <a:headEnd type="none" w="med" len="med"/>
-            <a:tailEnd type="none" w="med" len="med"/>
-          </a:ln>
-          <a:effectLst>
-            <a:outerShdw blurRad="50800" dist="38100" dir="2700000" algn="tl" rotWithShape="0">
-              <a:prstClr val="black">
-                <a:alpha val="40000"/>
-              </a:prstClr>
-            </a:outerShdw>
-          </a:effectLst>
-        </p:spPr>
-        <p:txBody>
-          <a:bodyPr vert="horz" wrap="square" lIns="91440" tIns="45720" rIns="91440" bIns="45720" numCol="3" rtlCol="0" anchor="t" anchorCtr="0" compatLnSpc="1">
-            <a:prstTxWarp prst="textNoShape">
-              <a:avLst/>
-            </a:prstTxWarp>
-          </a:bodyPr>
-          <a:lstStyle/>
-          <a:p>
-            <a:pPr marL="0" marR="0" indent="0" defTabSz="914400" rtl="0" eaLnBrk="1" fontAlgn="base" latinLnBrk="0" hangingPunct="1">
-              <a:lnSpc>
-                <a:spcPct val="200000"/>
-              </a:lnSpc>
-              <a:spcBef>
-                <a:spcPct val="0"/>
-              </a:spcBef>
-              <a:spcAft>
-                <a:spcPct val="0"/>
-              </a:spcAft>
-              <a:buClrTx/>
-              <a:buSzTx/>
-              <a:buFontTx/>
-              <a:buNone/>
-              <a:tabLst/>
-            </a:pPr>
-            <a:endParaRPr kumimoji="1" lang="zh-TW" altLang="en-US" sz="1800" b="0" i="0" u="none" strike="noStrike" cap="none" normalizeH="0" baseline="0" dirty="0">
-              <a:ln>
-                <a:noFill/>
-              </a:ln>
-              <a:solidFill>
-                <a:schemeClr val="bg1"/>
-              </a:solidFill>
-              <a:effectLst/>
-              <a:latin typeface="Arial" charset="0"/>
-              <a:ea typeface="新細明體" pitchFamily="18" charset="-120"/>
-            </a:endParaRPr>
-          </a:p>
-        </p:txBody>
-      </p:sp>
-      <p:sp>
-        <p:nvSpPr>
-          <p:cNvPr id="57" name="文字方塊 56">
-            <a:extLst>
-              <a:ext uri="{FF2B5EF4-FFF2-40B4-BE49-F238E27FC236}">
-                <a16:creationId xmlns:a16="http://schemas.microsoft.com/office/drawing/2014/main" id="{16589726-F74B-403F-B6A2-508A3C0E2F40}"/>
-              </a:ext>
-            </a:extLst>
-          </p:cNvPr>
-          <p:cNvSpPr txBox="1"/>
-          <p:nvPr/>
-        </p:nvSpPr>
-        <p:spPr>
-          <a:xfrm>
-            <a:off x="626973" y="3987024"/>
-            <a:ext cx="1529390" cy="338554"/>
-          </a:xfrm>
-          <a:prstGeom prst="rect">
-            <a:avLst/>
-          </a:prstGeom>
-          <a:solidFill>
-            <a:schemeClr val="tx1">
-              <a:lumMod val="65000"/>
-              <a:lumOff val="35000"/>
-            </a:schemeClr>
-          </a:solidFill>
-        </p:spPr>
-        <p:txBody>
-          <a:bodyPr wrap="square" rtlCol="0">
-            <a:spAutoFit/>
-          </a:bodyPr>
-          <a:lstStyle/>
-          <a:p>
-            <a:pPr algn="ctr"/>
-            <a:r>
-              <a:rPr lang="en-US" altLang="zh-TW" sz="1600" b="1" dirty="0" err="1">
-                <a:solidFill>
-                  <a:schemeClr val="bg1"/>
-                </a:solidFill>
-              </a:rPr>
-              <a:t>ArmNN</a:t>
-            </a:r>
-            <a:endParaRPr lang="zh-TW" altLang="en-US" sz="1600" b="1" dirty="0">
-              <a:solidFill>
-                <a:schemeClr val="bg1"/>
-              </a:solidFill>
-            </a:endParaRPr>
-          </a:p>
-        </p:txBody>
-      </p:sp>
-      <p:sp>
-        <p:nvSpPr>
-          <p:cNvPr id="58" name="矩形 57">
-            <a:extLst>
-              <a:ext uri="{FF2B5EF4-FFF2-40B4-BE49-F238E27FC236}">
-                <a16:creationId xmlns:a16="http://schemas.microsoft.com/office/drawing/2014/main" id="{ECEC6512-332A-437E-BB6D-EAE820F29A7A}"/>
-              </a:ext>
-            </a:extLst>
-          </p:cNvPr>
-          <p:cNvSpPr/>
-          <p:nvPr/>
-        </p:nvSpPr>
-        <p:spPr bwMode="auto">
-          <a:xfrm>
-            <a:off x="638859" y="4328366"/>
-            <a:ext cx="1519750" cy="338554"/>
-          </a:xfrm>
-          <a:prstGeom prst="rect">
-            <a:avLst/>
-          </a:prstGeom>
-          <a:solidFill>
-            <a:srgbClr val="0091BD"/>
-          </a:solidFill>
-          <a:ln w="9525" cap="flat" cmpd="sng" algn="ctr">
-            <a:noFill/>
-            <a:prstDash val="solid"/>
-            <a:round/>
-            <a:headEnd type="none" w="med" len="med"/>
-            <a:tailEnd type="none" w="med" len="med"/>
-          </a:ln>
-          <a:effectLst>
-            <a:outerShdw blurRad="50800" dist="38100" dir="2700000" algn="tl" rotWithShape="0">
-              <a:prstClr val="black">
-                <a:alpha val="40000"/>
-              </a:prstClr>
-            </a:outerShdw>
-          </a:effectLst>
-        </p:spPr>
-        <p:txBody>
-          <a:bodyPr vert="horz" wrap="square" lIns="91440" tIns="45720" rIns="91440" bIns="45720" numCol="3" rtlCol="0" anchor="t" anchorCtr="0" compatLnSpc="1">
-            <a:prstTxWarp prst="textNoShape">
-              <a:avLst/>
-            </a:prstTxWarp>
-          </a:bodyPr>
-          <a:lstStyle/>
-          <a:p>
-            <a:pPr marL="0" marR="0" indent="0" defTabSz="914400" rtl="0" eaLnBrk="1" fontAlgn="base" latinLnBrk="0" hangingPunct="1">
-              <a:lnSpc>
-                <a:spcPct val="200000"/>
-              </a:lnSpc>
-              <a:spcBef>
-                <a:spcPct val="0"/>
-              </a:spcBef>
-              <a:spcAft>
-                <a:spcPct val="0"/>
-              </a:spcAft>
-              <a:buClrTx/>
-              <a:buSzTx/>
-              <a:buFontTx/>
-              <a:buNone/>
-              <a:tabLst/>
-            </a:pPr>
-            <a:endParaRPr kumimoji="1" lang="zh-TW" altLang="en-US" sz="1800" b="1" i="0" u="none" strike="noStrike" cap="none" normalizeH="0" baseline="0" dirty="0">
-              <a:ln>
-                <a:noFill/>
-              </a:ln>
-              <a:solidFill>
-                <a:schemeClr val="bg1"/>
-              </a:solidFill>
-              <a:effectLst/>
-              <a:latin typeface="Arial" charset="0"/>
-              <a:ea typeface="新細明體" pitchFamily="18" charset="-120"/>
-            </a:endParaRPr>
-          </a:p>
-        </p:txBody>
-      </p:sp>
-      <p:sp>
-        <p:nvSpPr>
-          <p:cNvPr id="59" name="文字方塊 58">
-            <a:extLst>
-              <a:ext uri="{FF2B5EF4-FFF2-40B4-BE49-F238E27FC236}">
-                <a16:creationId xmlns:a16="http://schemas.microsoft.com/office/drawing/2014/main" id="{E543CB1A-0DBE-417D-9843-6D488C8C56FB}"/>
-              </a:ext>
-            </a:extLst>
-          </p:cNvPr>
-          <p:cNvSpPr txBox="1"/>
-          <p:nvPr/>
-        </p:nvSpPr>
-        <p:spPr>
-          <a:xfrm>
-            <a:off x="638887" y="4337891"/>
-            <a:ext cx="1475506" cy="323165"/>
-          </a:xfrm>
-          <a:prstGeom prst="rect">
-            <a:avLst/>
-          </a:prstGeom>
-          <a:noFill/>
-        </p:spPr>
-        <p:txBody>
-          <a:bodyPr wrap="square" rtlCol="0">
-            <a:spAutoFit/>
-          </a:bodyPr>
-          <a:lstStyle/>
-          <a:p>
-            <a:pPr algn="ctr"/>
-            <a:r>
-              <a:rPr lang="en-US" altLang="zh-TW" sz="1500" b="1" dirty="0">
-                <a:solidFill>
-                  <a:schemeClr val="bg1"/>
-                </a:solidFill>
-              </a:rPr>
-              <a:t>ARM</a:t>
-            </a:r>
-            <a:endParaRPr lang="zh-TW" altLang="en-US" sz="1500" b="1" dirty="0">
-              <a:solidFill>
-                <a:schemeClr val="bg1"/>
-              </a:solidFill>
-            </a:endParaRPr>
-          </a:p>
-        </p:txBody>
-      </p:sp>
-      <p:sp>
-        <p:nvSpPr>
-          <p:cNvPr id="60" name="矩形 59">
-            <a:extLst>
-              <a:ext uri="{FF2B5EF4-FFF2-40B4-BE49-F238E27FC236}">
-                <a16:creationId xmlns:a16="http://schemas.microsoft.com/office/drawing/2014/main" id="{882A4169-765E-432A-A284-ED271C2973AA}"/>
-              </a:ext>
-            </a:extLst>
-          </p:cNvPr>
-          <p:cNvSpPr/>
-          <p:nvPr/>
-        </p:nvSpPr>
-        <p:spPr bwMode="auto">
-          <a:xfrm>
-            <a:off x="3846952" y="3979330"/>
-            <a:ext cx="1468190" cy="338554"/>
-          </a:xfrm>
-          <a:prstGeom prst="rect">
-            <a:avLst/>
-          </a:prstGeom>
-          <a:solidFill>
-            <a:schemeClr val="bg1">
-              <a:lumMod val="50000"/>
-            </a:schemeClr>
-          </a:solidFill>
-          <a:ln w="9525" cap="flat" cmpd="sng" algn="ctr">
-            <a:noFill/>
-            <a:prstDash val="solid"/>
-            <a:round/>
-            <a:headEnd type="none" w="med" len="med"/>
-            <a:tailEnd type="none" w="med" len="med"/>
-          </a:ln>
-          <a:effectLst>
-            <a:outerShdw blurRad="50800" dist="38100" dir="2700000" algn="tl" rotWithShape="0">
-              <a:prstClr val="black">
-                <a:alpha val="40000"/>
-              </a:prstClr>
-            </a:outerShdw>
-          </a:effectLst>
-        </p:spPr>
-        <p:txBody>
-          <a:bodyPr vert="horz" wrap="square" lIns="91440" tIns="45720" rIns="91440" bIns="45720" numCol="3" rtlCol="0" anchor="t" anchorCtr="0" compatLnSpc="1">
-            <a:prstTxWarp prst="textNoShape">
-              <a:avLst/>
-            </a:prstTxWarp>
-          </a:bodyPr>
-          <a:lstStyle/>
-          <a:p>
-            <a:pPr marL="0" marR="0" indent="0" defTabSz="914400" rtl="0" eaLnBrk="1" fontAlgn="base" latinLnBrk="0" hangingPunct="1">
-              <a:lnSpc>
-                <a:spcPct val="200000"/>
-              </a:lnSpc>
-              <a:spcBef>
-                <a:spcPct val="0"/>
-              </a:spcBef>
-              <a:spcAft>
-                <a:spcPct val="0"/>
-              </a:spcAft>
-              <a:buClrTx/>
-              <a:buSzTx/>
-              <a:buFontTx/>
-              <a:buNone/>
-              <a:tabLst/>
-            </a:pPr>
-            <a:endParaRPr kumimoji="1" lang="zh-TW" altLang="en-US" sz="1800" b="0" i="0" u="none" strike="noStrike" cap="none" normalizeH="0" baseline="0" dirty="0">
-              <a:ln>
-                <a:noFill/>
-              </a:ln>
-              <a:solidFill>
-                <a:schemeClr val="bg1"/>
-              </a:solidFill>
-              <a:effectLst/>
-              <a:latin typeface="Arial" charset="0"/>
-              <a:ea typeface="新細明體" pitchFamily="18" charset="-120"/>
-            </a:endParaRPr>
-          </a:p>
-        </p:txBody>
-      </p:sp>
-      <p:sp>
-        <p:nvSpPr>
-          <p:cNvPr id="62" name="文字方塊 61">
-            <a:extLst>
-              <a:ext uri="{FF2B5EF4-FFF2-40B4-BE49-F238E27FC236}">
-                <a16:creationId xmlns:a16="http://schemas.microsoft.com/office/drawing/2014/main" id="{52EC663A-AEF5-4337-930F-4B4A3B936F07}"/>
-              </a:ext>
-            </a:extLst>
-          </p:cNvPr>
-          <p:cNvSpPr txBox="1"/>
-          <p:nvPr/>
-        </p:nvSpPr>
-        <p:spPr>
-          <a:xfrm>
-            <a:off x="3837027" y="3987024"/>
-            <a:ext cx="1470100" cy="338554"/>
-          </a:xfrm>
-          <a:prstGeom prst="rect">
-            <a:avLst/>
-          </a:prstGeom>
-          <a:solidFill>
-            <a:schemeClr val="tx1">
-              <a:lumMod val="65000"/>
-              <a:lumOff val="35000"/>
-            </a:schemeClr>
-          </a:solidFill>
-        </p:spPr>
-        <p:txBody>
-          <a:bodyPr wrap="square" rtlCol="0">
-            <a:spAutoFit/>
-          </a:bodyPr>
-          <a:lstStyle/>
-          <a:p>
-            <a:pPr algn="ctr"/>
-            <a:r>
-              <a:rPr lang="en-US" altLang="zh-TW" sz="1600" b="1" dirty="0" err="1">
-                <a:solidFill>
-                  <a:schemeClr val="bg1"/>
-                </a:solidFill>
-              </a:rPr>
-              <a:t>OpenVINO</a:t>
-            </a:r>
-            <a:endParaRPr lang="zh-TW" altLang="en-US" sz="1600" b="1" dirty="0">
-              <a:solidFill>
-                <a:schemeClr val="bg1"/>
-              </a:solidFill>
-            </a:endParaRPr>
-          </a:p>
-        </p:txBody>
-      </p:sp>
-      <p:sp>
-        <p:nvSpPr>
-          <p:cNvPr id="64" name="矩形 63">
-            <a:extLst>
-              <a:ext uri="{FF2B5EF4-FFF2-40B4-BE49-F238E27FC236}">
-                <a16:creationId xmlns:a16="http://schemas.microsoft.com/office/drawing/2014/main" id="{9A427D50-B34B-4458-A19F-A071BF5EAA4C}"/>
-              </a:ext>
-            </a:extLst>
-          </p:cNvPr>
-          <p:cNvSpPr/>
-          <p:nvPr/>
-        </p:nvSpPr>
-        <p:spPr bwMode="auto">
-          <a:xfrm>
-            <a:off x="3848913" y="4328366"/>
-            <a:ext cx="1460834" cy="338554"/>
-          </a:xfrm>
-          <a:prstGeom prst="rect">
-            <a:avLst/>
-          </a:prstGeom>
-          <a:solidFill>
-            <a:srgbClr val="0071C5"/>
-          </a:solidFill>
-          <a:ln w="9525" cap="flat" cmpd="sng" algn="ctr">
-            <a:noFill/>
-            <a:prstDash val="solid"/>
-            <a:round/>
-            <a:headEnd type="none" w="med" len="med"/>
-            <a:tailEnd type="none" w="med" len="med"/>
-          </a:ln>
-          <a:effectLst>
-            <a:outerShdw blurRad="50800" dist="38100" dir="2700000" algn="tl" rotWithShape="0">
-              <a:prstClr val="black">
-                <a:alpha val="40000"/>
-              </a:prstClr>
-            </a:outerShdw>
-          </a:effectLst>
-        </p:spPr>
-        <p:txBody>
-          <a:bodyPr vert="horz" wrap="square" lIns="91440" tIns="45720" rIns="91440" bIns="45720" numCol="3" rtlCol="0" anchor="t" anchorCtr="0" compatLnSpc="1">
-            <a:prstTxWarp prst="textNoShape">
-              <a:avLst/>
-            </a:prstTxWarp>
-          </a:bodyPr>
-          <a:lstStyle/>
-          <a:p>
-            <a:pPr marL="0" marR="0" indent="0" defTabSz="914400" rtl="0" eaLnBrk="1" fontAlgn="base" latinLnBrk="0" hangingPunct="1">
-              <a:lnSpc>
-                <a:spcPct val="200000"/>
-              </a:lnSpc>
-              <a:spcBef>
-                <a:spcPct val="0"/>
-              </a:spcBef>
-              <a:spcAft>
-                <a:spcPct val="0"/>
-              </a:spcAft>
-              <a:buClrTx/>
-              <a:buSzTx/>
-              <a:buFontTx/>
-              <a:buNone/>
-              <a:tabLst/>
-            </a:pPr>
-            <a:endParaRPr kumimoji="1" lang="zh-TW" altLang="en-US" sz="1800" b="1" i="0" u="none" strike="noStrike" cap="none" normalizeH="0" baseline="0" dirty="0">
-              <a:ln>
-                <a:noFill/>
-              </a:ln>
-              <a:solidFill>
-                <a:schemeClr val="bg1"/>
-              </a:solidFill>
-              <a:effectLst/>
-              <a:latin typeface="Arial" charset="0"/>
-              <a:ea typeface="新細明體" pitchFamily="18" charset="-120"/>
-            </a:endParaRPr>
-          </a:p>
-        </p:txBody>
-      </p:sp>
-      <p:sp>
-        <p:nvSpPr>
-          <p:cNvPr id="65" name="文字方塊 64">
-            <a:extLst>
-              <a:ext uri="{FF2B5EF4-FFF2-40B4-BE49-F238E27FC236}">
-                <a16:creationId xmlns:a16="http://schemas.microsoft.com/office/drawing/2014/main" id="{35C4B8B8-5E43-4BBF-BA9F-C34F7FF17C58}"/>
-              </a:ext>
-            </a:extLst>
-          </p:cNvPr>
-          <p:cNvSpPr txBox="1"/>
-          <p:nvPr/>
-        </p:nvSpPr>
-        <p:spPr>
-          <a:xfrm>
-            <a:off x="3848941" y="4337891"/>
-            <a:ext cx="1418305" cy="323165"/>
-          </a:xfrm>
-          <a:prstGeom prst="rect">
-            <a:avLst/>
-          </a:prstGeom>
-          <a:noFill/>
-        </p:spPr>
-        <p:txBody>
-          <a:bodyPr wrap="square" rtlCol="0">
-            <a:spAutoFit/>
-          </a:bodyPr>
-          <a:lstStyle/>
-          <a:p>
-            <a:pPr algn="ctr"/>
-            <a:r>
-              <a:rPr lang="en-US" altLang="zh-TW" sz="1500" b="1" dirty="0">
-                <a:solidFill>
-                  <a:schemeClr val="bg1"/>
-                </a:solidFill>
-              </a:rPr>
-              <a:t>Intel</a:t>
-            </a:r>
-            <a:endParaRPr lang="zh-TW" altLang="en-US" sz="1500" b="1" dirty="0">
-              <a:solidFill>
-                <a:schemeClr val="bg1"/>
-              </a:solidFill>
-            </a:endParaRPr>
-          </a:p>
-        </p:txBody>
-      </p:sp>
-      <p:sp>
-        <p:nvSpPr>
-          <p:cNvPr id="66" name="矩形 65">
-            <a:extLst>
-              <a:ext uri="{FF2B5EF4-FFF2-40B4-BE49-F238E27FC236}">
-                <a16:creationId xmlns:a16="http://schemas.microsoft.com/office/drawing/2014/main" id="{34BE30B5-E485-4D4F-BAA5-40B831673EB5}"/>
-              </a:ext>
-            </a:extLst>
-          </p:cNvPr>
-          <p:cNvSpPr/>
-          <p:nvPr/>
-        </p:nvSpPr>
-        <p:spPr bwMode="auto">
-          <a:xfrm>
-            <a:off x="2267346" y="3980495"/>
-            <a:ext cx="1477072" cy="338554"/>
-          </a:xfrm>
-          <a:prstGeom prst="rect">
-            <a:avLst/>
-          </a:prstGeom>
-          <a:solidFill>
-            <a:schemeClr val="tx1">
-              <a:lumMod val="65000"/>
-              <a:lumOff val="35000"/>
-            </a:schemeClr>
-          </a:solidFill>
-          <a:ln w="9525" cap="flat" cmpd="sng" algn="ctr">
-            <a:noFill/>
-            <a:prstDash val="solid"/>
-            <a:round/>
-            <a:headEnd type="none" w="med" len="med"/>
-            <a:tailEnd type="none" w="med" len="med"/>
-          </a:ln>
-          <a:effectLst>
-            <a:outerShdw blurRad="50800" dist="38100" dir="2700000" algn="tl" rotWithShape="0">
-              <a:prstClr val="black">
-                <a:alpha val="40000"/>
-              </a:prstClr>
-            </a:outerShdw>
-          </a:effectLst>
-        </p:spPr>
-        <p:txBody>
-          <a:bodyPr vert="horz" wrap="square" lIns="91440" tIns="45720" rIns="91440" bIns="45720" numCol="3" rtlCol="0" anchor="t" anchorCtr="0" compatLnSpc="1">
-            <a:prstTxWarp prst="textNoShape">
-              <a:avLst/>
-            </a:prstTxWarp>
-          </a:bodyPr>
-          <a:lstStyle/>
-          <a:p>
-            <a:pPr marL="0" marR="0" indent="0" defTabSz="914400" rtl="0" eaLnBrk="1" fontAlgn="base" latinLnBrk="0" hangingPunct="1">
-              <a:lnSpc>
-                <a:spcPct val="200000"/>
-              </a:lnSpc>
-              <a:spcBef>
-                <a:spcPct val="0"/>
-              </a:spcBef>
-              <a:spcAft>
-                <a:spcPct val="0"/>
-              </a:spcAft>
-              <a:buClrTx/>
-              <a:buSzTx/>
-              <a:buFontTx/>
-              <a:buNone/>
-              <a:tabLst/>
-            </a:pPr>
-            <a:endParaRPr kumimoji="1" lang="zh-TW" altLang="en-US" sz="1800" b="0" i="0" u="none" strike="noStrike" cap="none" normalizeH="0" baseline="0" dirty="0">
-              <a:ln>
-                <a:noFill/>
-              </a:ln>
-              <a:solidFill>
-                <a:schemeClr val="bg1"/>
-              </a:solidFill>
-              <a:effectLst/>
-              <a:latin typeface="Arial" charset="0"/>
-              <a:ea typeface="新細明體" pitchFamily="18" charset="-120"/>
-            </a:endParaRPr>
-          </a:p>
-        </p:txBody>
-      </p:sp>
-      <p:sp>
-        <p:nvSpPr>
-          <p:cNvPr id="67" name="文字方塊 66">
-            <a:extLst>
-              <a:ext uri="{FF2B5EF4-FFF2-40B4-BE49-F238E27FC236}">
-                <a16:creationId xmlns:a16="http://schemas.microsoft.com/office/drawing/2014/main" id="{AC7B49EF-6E8B-4F4C-A5C7-D2E69814F8B8}"/>
-              </a:ext>
-            </a:extLst>
-          </p:cNvPr>
-          <p:cNvSpPr txBox="1"/>
-          <p:nvPr/>
-        </p:nvSpPr>
-        <p:spPr>
-          <a:xfrm>
-            <a:off x="2260813" y="3988189"/>
-            <a:ext cx="1486450" cy="323165"/>
-          </a:xfrm>
-          <a:prstGeom prst="rect">
-            <a:avLst/>
-          </a:prstGeom>
-          <a:noFill/>
-        </p:spPr>
-        <p:txBody>
-          <a:bodyPr wrap="square" rtlCol="0">
-            <a:spAutoFit/>
-          </a:bodyPr>
-          <a:lstStyle/>
-          <a:p>
-            <a:pPr algn="ctr"/>
-            <a:r>
-              <a:rPr lang="en-US" altLang="zh-TW" sz="1500" b="1" dirty="0" err="1">
-                <a:solidFill>
-                  <a:schemeClr val="bg1"/>
-                </a:solidFill>
-              </a:rPr>
-              <a:t>NeuronPilot</a:t>
-            </a:r>
-            <a:endParaRPr lang="zh-TW" altLang="en-US" sz="1500" b="1" dirty="0">
-              <a:solidFill>
-                <a:schemeClr val="bg1"/>
-              </a:solidFill>
-            </a:endParaRPr>
-          </a:p>
-        </p:txBody>
-      </p:sp>
-      <p:sp>
-        <p:nvSpPr>
-          <p:cNvPr id="68" name="矩形 67">
-            <a:extLst>
-              <a:ext uri="{FF2B5EF4-FFF2-40B4-BE49-F238E27FC236}">
-                <a16:creationId xmlns:a16="http://schemas.microsoft.com/office/drawing/2014/main" id="{34BB9E51-15DF-43A5-8F01-65BDFE3017C1}"/>
-              </a:ext>
-            </a:extLst>
-          </p:cNvPr>
-          <p:cNvSpPr/>
-          <p:nvPr/>
-        </p:nvSpPr>
-        <p:spPr bwMode="auto">
-          <a:xfrm>
-            <a:off x="2273960" y="4326743"/>
-            <a:ext cx="1473303" cy="338554"/>
-          </a:xfrm>
-          <a:prstGeom prst="rect">
-            <a:avLst/>
-          </a:prstGeom>
-          <a:solidFill>
-            <a:srgbClr val="F39F23"/>
-          </a:solidFill>
-          <a:ln>
-            <a:noFill/>
-            <a:headEnd type="none" w="med" len="med"/>
-            <a:tailEnd type="none" w="med" len="med"/>
-          </a:ln>
-          <a:effectLst>
-            <a:outerShdw blurRad="50800" dist="38100" dir="2700000" algn="tl" rotWithShape="0">
-              <a:prstClr val="black">
-                <a:alpha val="40000"/>
-              </a:prstClr>
-            </a:outerShdw>
-          </a:effectLst>
-        </p:spPr>
-        <p:style>
-          <a:lnRef idx="2">
-            <a:schemeClr val="dk1"/>
-          </a:lnRef>
-          <a:fillRef idx="1">
-            <a:schemeClr val="lt1"/>
-          </a:fillRef>
-          <a:effectRef idx="0">
-            <a:schemeClr val="dk1"/>
-          </a:effectRef>
-          <a:fontRef idx="minor">
-            <a:schemeClr val="dk1"/>
-          </a:fontRef>
-        </p:style>
-        <p:txBody>
-          <a:bodyPr vert="horz" wrap="square" lIns="91440" tIns="45720" rIns="91440" bIns="45720" numCol="3" rtlCol="0" anchor="t" anchorCtr="0" compatLnSpc="1">
-            <a:prstTxWarp prst="textNoShape">
-              <a:avLst/>
-            </a:prstTxWarp>
-          </a:bodyPr>
-          <a:lstStyle/>
-          <a:p>
-            <a:pPr marL="0" marR="0" indent="0" defTabSz="914400" rtl="0" eaLnBrk="1" fontAlgn="base" latinLnBrk="0" hangingPunct="1">
-              <a:lnSpc>
-                <a:spcPct val="200000"/>
-              </a:lnSpc>
-              <a:spcBef>
-                <a:spcPct val="0"/>
-              </a:spcBef>
-              <a:spcAft>
-                <a:spcPct val="0"/>
-              </a:spcAft>
-              <a:buClrTx/>
-              <a:buSzTx/>
-              <a:buFontTx/>
-              <a:buNone/>
-              <a:tabLst/>
-            </a:pPr>
-            <a:endParaRPr kumimoji="1" lang="zh-TW" altLang="en-US" sz="1800" b="0" i="0" u="none" strike="noStrike" cap="none" normalizeH="0" baseline="0" dirty="0">
-              <a:ln>
-                <a:noFill/>
-              </a:ln>
-              <a:solidFill>
-                <a:schemeClr val="bg1"/>
-              </a:solidFill>
-              <a:effectLst/>
-              <a:latin typeface="Arial" charset="0"/>
-              <a:ea typeface="新細明體" pitchFamily="18" charset="-120"/>
-            </a:endParaRPr>
-          </a:p>
-        </p:txBody>
-      </p:sp>
-      <p:sp>
-        <p:nvSpPr>
-          <p:cNvPr id="69" name="文字方塊 68">
-            <a:extLst>
-              <a:ext uri="{FF2B5EF4-FFF2-40B4-BE49-F238E27FC236}">
-                <a16:creationId xmlns:a16="http://schemas.microsoft.com/office/drawing/2014/main" id="{ACA730C8-FA50-4F81-B020-1FE815270B5B}"/>
-              </a:ext>
-            </a:extLst>
-          </p:cNvPr>
-          <p:cNvSpPr txBox="1"/>
-          <p:nvPr/>
-        </p:nvSpPr>
-        <p:spPr>
-          <a:xfrm>
-            <a:off x="2269566" y="4326743"/>
-            <a:ext cx="1518735" cy="323165"/>
-          </a:xfrm>
-          <a:prstGeom prst="rect">
-            <a:avLst/>
-          </a:prstGeom>
-          <a:noFill/>
-        </p:spPr>
-        <p:txBody>
-          <a:bodyPr wrap="square" rtlCol="0">
-            <a:spAutoFit/>
-          </a:bodyPr>
-          <a:lstStyle/>
-          <a:p>
-            <a:pPr algn="ctr"/>
-            <a:r>
-              <a:rPr lang="en-US" altLang="zh-TW" sz="1500" b="1" dirty="0">
-                <a:solidFill>
-                  <a:schemeClr val="bg1"/>
-                </a:solidFill>
-              </a:rPr>
-              <a:t>MediaTek</a:t>
-            </a:r>
-            <a:endParaRPr lang="zh-TW" altLang="en-US" sz="1500" b="1" dirty="0">
-              <a:solidFill>
-                <a:schemeClr val="bg1"/>
-              </a:solidFill>
-            </a:endParaRPr>
-          </a:p>
-        </p:txBody>
-      </p:sp>
-      <p:sp>
-        <p:nvSpPr>
-          <p:cNvPr id="70" name="矩形 69">
-            <a:extLst>
-              <a:ext uri="{FF2B5EF4-FFF2-40B4-BE49-F238E27FC236}">
-                <a16:creationId xmlns:a16="http://schemas.microsoft.com/office/drawing/2014/main" id="{8F45D298-572F-4600-9975-411EC19634DA}"/>
-              </a:ext>
-            </a:extLst>
-          </p:cNvPr>
-          <p:cNvSpPr/>
-          <p:nvPr/>
-        </p:nvSpPr>
-        <p:spPr bwMode="auto">
-          <a:xfrm>
-            <a:off x="1524121" y="4741516"/>
-            <a:ext cx="1477072" cy="338554"/>
-          </a:xfrm>
-          <a:prstGeom prst="rect">
-            <a:avLst/>
-          </a:prstGeom>
-          <a:solidFill>
-            <a:schemeClr val="tx1">
-              <a:lumMod val="65000"/>
-              <a:lumOff val="35000"/>
-            </a:schemeClr>
-          </a:solidFill>
-          <a:ln w="9525" cap="flat" cmpd="sng" algn="ctr">
-            <a:noFill/>
-            <a:prstDash val="solid"/>
-            <a:round/>
-            <a:headEnd type="none" w="med" len="med"/>
-            <a:tailEnd type="none" w="med" len="med"/>
-          </a:ln>
-          <a:effectLst>
-            <a:outerShdw blurRad="50800" dist="38100" dir="2700000" algn="tl" rotWithShape="0">
-              <a:prstClr val="black">
-                <a:alpha val="40000"/>
-              </a:prstClr>
-            </a:outerShdw>
-          </a:effectLst>
-        </p:spPr>
-        <p:txBody>
-          <a:bodyPr vert="horz" wrap="square" lIns="91440" tIns="45720" rIns="91440" bIns="45720" numCol="3" rtlCol="0" anchor="t" anchorCtr="0" compatLnSpc="1">
-            <a:prstTxWarp prst="textNoShape">
-              <a:avLst/>
-            </a:prstTxWarp>
-          </a:bodyPr>
-          <a:lstStyle/>
-          <a:p>
-            <a:pPr marL="0" marR="0" indent="0" defTabSz="914400" rtl="0" eaLnBrk="1" fontAlgn="base" latinLnBrk="0" hangingPunct="1">
-              <a:lnSpc>
-                <a:spcPct val="200000"/>
-              </a:lnSpc>
-              <a:spcBef>
-                <a:spcPct val="0"/>
-              </a:spcBef>
-              <a:spcAft>
-                <a:spcPct val="0"/>
-              </a:spcAft>
-              <a:buClrTx/>
-              <a:buSzTx/>
-              <a:buFontTx/>
-              <a:buNone/>
-              <a:tabLst/>
-            </a:pPr>
-            <a:endParaRPr kumimoji="1" lang="zh-TW" altLang="en-US" sz="1800" b="0" i="0" u="none" strike="noStrike" cap="none" normalizeH="0" baseline="0" dirty="0">
-              <a:ln>
-                <a:noFill/>
-              </a:ln>
-              <a:solidFill>
-                <a:schemeClr val="bg1"/>
-              </a:solidFill>
-              <a:effectLst/>
-              <a:latin typeface="Arial" charset="0"/>
-              <a:ea typeface="新細明體" pitchFamily="18" charset="-120"/>
-            </a:endParaRPr>
-          </a:p>
-        </p:txBody>
-      </p:sp>
-      <p:sp>
-        <p:nvSpPr>
-          <p:cNvPr id="71" name="矩形 70">
-            <a:extLst>
-              <a:ext uri="{FF2B5EF4-FFF2-40B4-BE49-F238E27FC236}">
-                <a16:creationId xmlns:a16="http://schemas.microsoft.com/office/drawing/2014/main" id="{BBE20540-C6E8-4E56-974C-9E2B34602203}"/>
-              </a:ext>
-            </a:extLst>
-          </p:cNvPr>
-          <p:cNvSpPr/>
-          <p:nvPr/>
-        </p:nvSpPr>
-        <p:spPr bwMode="auto">
-          <a:xfrm>
-            <a:off x="1526745" y="5069291"/>
-            <a:ext cx="1473303" cy="338554"/>
-          </a:xfrm>
-          <a:prstGeom prst="rect">
-            <a:avLst/>
-          </a:prstGeom>
-          <a:solidFill>
-            <a:schemeClr val="tx1"/>
-          </a:solidFill>
-          <a:ln>
-            <a:noFill/>
-            <a:headEnd type="none" w="med" len="med"/>
-            <a:tailEnd type="none" w="med" len="med"/>
-          </a:ln>
-          <a:effectLst>
-            <a:outerShdw blurRad="50800" dist="38100" dir="2700000" algn="tl" rotWithShape="0">
-              <a:prstClr val="black">
-                <a:alpha val="40000"/>
-              </a:prstClr>
-            </a:outerShdw>
-          </a:effectLst>
-        </p:spPr>
-        <p:style>
-          <a:lnRef idx="2">
-            <a:schemeClr val="dk1"/>
-          </a:lnRef>
-          <a:fillRef idx="1">
-            <a:schemeClr val="lt1"/>
-          </a:fillRef>
-          <a:effectRef idx="0">
-            <a:schemeClr val="dk1"/>
-          </a:effectRef>
-          <a:fontRef idx="minor">
-            <a:schemeClr val="dk1"/>
-          </a:fontRef>
-        </p:style>
-        <p:txBody>
-          <a:bodyPr vert="horz" wrap="square" lIns="91440" tIns="45720" rIns="91440" bIns="45720" numCol="3" rtlCol="0" anchor="t" anchorCtr="0" compatLnSpc="1">
-            <a:prstTxWarp prst="textNoShape">
-              <a:avLst/>
-            </a:prstTxWarp>
-          </a:bodyPr>
-          <a:lstStyle/>
-          <a:p>
-            <a:pPr marL="0" marR="0" indent="0" defTabSz="914400" rtl="0" eaLnBrk="1" fontAlgn="base" latinLnBrk="0" hangingPunct="1">
-              <a:lnSpc>
-                <a:spcPct val="200000"/>
-              </a:lnSpc>
-              <a:spcBef>
-                <a:spcPct val="0"/>
-              </a:spcBef>
-              <a:spcAft>
-                <a:spcPct val="0"/>
-              </a:spcAft>
-              <a:buClrTx/>
-              <a:buSzTx/>
-              <a:buFontTx/>
-              <a:buNone/>
-              <a:tabLst/>
-            </a:pPr>
-            <a:endParaRPr kumimoji="1" lang="zh-TW" altLang="en-US" sz="1800" b="0" i="0" u="none" strike="noStrike" cap="none" normalizeH="0" baseline="0" dirty="0">
-              <a:ln>
-                <a:noFill/>
-              </a:ln>
-              <a:solidFill>
-                <a:schemeClr val="bg1"/>
-              </a:solidFill>
-              <a:effectLst/>
-              <a:latin typeface="Arial" charset="0"/>
-              <a:ea typeface="新細明體" pitchFamily="18" charset="-120"/>
-            </a:endParaRPr>
-          </a:p>
-        </p:txBody>
-      </p:sp>
-      <p:sp>
-        <p:nvSpPr>
-          <p:cNvPr id="72" name="文字方塊 71">
-            <a:extLst>
-              <a:ext uri="{FF2B5EF4-FFF2-40B4-BE49-F238E27FC236}">
-                <a16:creationId xmlns:a16="http://schemas.microsoft.com/office/drawing/2014/main" id="{1AB67CFF-25A1-42E7-A96A-669C91854829}"/>
-              </a:ext>
-            </a:extLst>
-          </p:cNvPr>
-          <p:cNvSpPr txBox="1"/>
-          <p:nvPr/>
-        </p:nvSpPr>
-        <p:spPr>
-          <a:xfrm>
-            <a:off x="1524121" y="5080439"/>
-            <a:ext cx="1518735" cy="323165"/>
-          </a:xfrm>
-          <a:prstGeom prst="rect">
-            <a:avLst/>
-          </a:prstGeom>
-          <a:noFill/>
-        </p:spPr>
-        <p:txBody>
-          <a:bodyPr wrap="square" rtlCol="0">
-            <a:spAutoFit/>
-          </a:bodyPr>
-          <a:lstStyle/>
-          <a:p>
-            <a:pPr algn="ctr"/>
-            <a:r>
-              <a:rPr lang="en-US" altLang="zh-TW" sz="1500" b="1" dirty="0">
-                <a:solidFill>
-                  <a:schemeClr val="bg1"/>
-                </a:solidFill>
-              </a:rPr>
-              <a:t>AMD</a:t>
-            </a:r>
-            <a:endParaRPr lang="zh-TW" altLang="en-US" sz="1500" b="1" dirty="0">
-              <a:solidFill>
-                <a:schemeClr val="bg1"/>
-              </a:solidFill>
-            </a:endParaRPr>
-          </a:p>
-        </p:txBody>
-      </p:sp>
-      <p:sp>
-        <p:nvSpPr>
-          <p:cNvPr id="73" name="文字方塊 72">
-            <a:extLst>
-              <a:ext uri="{FF2B5EF4-FFF2-40B4-BE49-F238E27FC236}">
-                <a16:creationId xmlns:a16="http://schemas.microsoft.com/office/drawing/2014/main" id="{54FEB70F-F0DC-4D04-B7E8-4846F9153FEA}"/>
-              </a:ext>
-            </a:extLst>
-          </p:cNvPr>
-          <p:cNvSpPr txBox="1"/>
-          <p:nvPr/>
-        </p:nvSpPr>
-        <p:spPr>
-          <a:xfrm>
-            <a:off x="1517588" y="4749210"/>
-            <a:ext cx="1486450" cy="323165"/>
-          </a:xfrm>
-          <a:prstGeom prst="rect">
-            <a:avLst/>
-          </a:prstGeom>
-          <a:noFill/>
-        </p:spPr>
-        <p:txBody>
-          <a:bodyPr wrap="square" rtlCol="0">
-            <a:spAutoFit/>
-          </a:bodyPr>
-          <a:lstStyle/>
-          <a:p>
-            <a:pPr algn="ctr"/>
-            <a:r>
-              <a:rPr lang="en-US" altLang="zh-TW" sz="1500" b="1" dirty="0" err="1">
-                <a:solidFill>
-                  <a:schemeClr val="bg1"/>
-                </a:solidFill>
-              </a:rPr>
-              <a:t>ZenDNN</a:t>
-            </a:r>
-            <a:endParaRPr lang="zh-TW" altLang="en-US" sz="1500" b="1" dirty="0">
-              <a:solidFill>
-                <a:schemeClr val="bg1"/>
-              </a:solidFill>
-            </a:endParaRPr>
-          </a:p>
-        </p:txBody>
-      </p:sp>
-      <p:sp>
-        <p:nvSpPr>
-          <p:cNvPr id="74" name="矩形 73">
-            <a:extLst>
-              <a:ext uri="{FF2B5EF4-FFF2-40B4-BE49-F238E27FC236}">
-                <a16:creationId xmlns:a16="http://schemas.microsoft.com/office/drawing/2014/main" id="{527E4112-6029-4817-8E32-8E09BC8C35E9}"/>
-              </a:ext>
-            </a:extLst>
-          </p:cNvPr>
-          <p:cNvSpPr/>
-          <p:nvPr/>
-        </p:nvSpPr>
-        <p:spPr bwMode="auto">
-          <a:xfrm>
-            <a:off x="3099959" y="4745949"/>
-            <a:ext cx="1527403" cy="338554"/>
-          </a:xfrm>
-          <a:prstGeom prst="rect">
-            <a:avLst/>
-          </a:prstGeom>
-          <a:solidFill>
-            <a:schemeClr val="bg1">
-              <a:lumMod val="50000"/>
-            </a:schemeClr>
-          </a:solidFill>
-          <a:ln w="9525" cap="flat" cmpd="sng" algn="ctr">
-            <a:noFill/>
-            <a:prstDash val="solid"/>
-            <a:round/>
-            <a:headEnd type="none" w="med" len="med"/>
-            <a:tailEnd type="none" w="med" len="med"/>
-          </a:ln>
-          <a:effectLst>
-            <a:outerShdw blurRad="50800" dist="38100" dir="2700000" algn="tl" rotWithShape="0">
-              <a:prstClr val="black">
-                <a:alpha val="40000"/>
-              </a:prstClr>
-            </a:outerShdw>
-          </a:effectLst>
-        </p:spPr>
-        <p:txBody>
-          <a:bodyPr vert="horz" wrap="square" lIns="91440" tIns="45720" rIns="91440" bIns="45720" numCol="3" rtlCol="0" anchor="t" anchorCtr="0" compatLnSpc="1">
-            <a:prstTxWarp prst="textNoShape">
-              <a:avLst/>
-            </a:prstTxWarp>
-          </a:bodyPr>
-          <a:lstStyle/>
-          <a:p>
-            <a:pPr marL="0" marR="0" indent="0" defTabSz="914400" rtl="0" eaLnBrk="1" fontAlgn="base" latinLnBrk="0" hangingPunct="1">
-              <a:lnSpc>
-                <a:spcPct val="200000"/>
-              </a:lnSpc>
-              <a:spcBef>
-                <a:spcPct val="0"/>
-              </a:spcBef>
-              <a:spcAft>
-                <a:spcPct val="0"/>
-              </a:spcAft>
-              <a:buClrTx/>
-              <a:buSzTx/>
-              <a:buFontTx/>
-              <a:buNone/>
-              <a:tabLst/>
-            </a:pPr>
-            <a:endParaRPr kumimoji="1" lang="zh-TW" altLang="en-US" sz="1800" b="0" i="0" u="none" strike="noStrike" cap="none" normalizeH="0" baseline="0" dirty="0">
-              <a:ln>
-                <a:noFill/>
-              </a:ln>
-              <a:solidFill>
-                <a:schemeClr val="bg1"/>
-              </a:solidFill>
-              <a:effectLst/>
-              <a:latin typeface="Arial" charset="0"/>
-              <a:ea typeface="新細明體" pitchFamily="18" charset="-120"/>
-            </a:endParaRPr>
-          </a:p>
-        </p:txBody>
-      </p:sp>
-      <p:sp>
-        <p:nvSpPr>
-          <p:cNvPr id="75" name="文字方塊 74">
-            <a:extLst>
-              <a:ext uri="{FF2B5EF4-FFF2-40B4-BE49-F238E27FC236}">
-                <a16:creationId xmlns:a16="http://schemas.microsoft.com/office/drawing/2014/main" id="{EC1ECA99-416E-4F29-9EEE-34F829909D60}"/>
-              </a:ext>
-            </a:extLst>
-          </p:cNvPr>
-          <p:cNvSpPr txBox="1"/>
-          <p:nvPr/>
-        </p:nvSpPr>
-        <p:spPr>
-          <a:xfrm>
-            <a:off x="3090035" y="4753643"/>
-            <a:ext cx="1529390" cy="338554"/>
-          </a:xfrm>
-          <a:prstGeom prst="rect">
-            <a:avLst/>
-          </a:prstGeom>
-          <a:solidFill>
-            <a:schemeClr val="tx1">
-              <a:lumMod val="65000"/>
-              <a:lumOff val="35000"/>
-            </a:schemeClr>
-          </a:solidFill>
-        </p:spPr>
-        <p:txBody>
-          <a:bodyPr wrap="square" rtlCol="0">
-            <a:spAutoFit/>
-          </a:bodyPr>
-          <a:lstStyle/>
-          <a:p>
-            <a:pPr algn="ctr"/>
-            <a:r>
-              <a:rPr lang="en-US" altLang="zh-TW" sz="1600" b="1" dirty="0" err="1">
-                <a:solidFill>
-                  <a:schemeClr val="bg1"/>
-                </a:solidFill>
-              </a:rPr>
-              <a:t>TensorRT</a:t>
-            </a:r>
-            <a:endParaRPr lang="zh-TW" altLang="en-US" sz="1600" b="1" dirty="0">
-              <a:solidFill>
-                <a:schemeClr val="bg1"/>
-              </a:solidFill>
-            </a:endParaRPr>
-          </a:p>
-        </p:txBody>
-      </p:sp>
-      <p:sp>
-        <p:nvSpPr>
-          <p:cNvPr id="76" name="矩形 75">
-            <a:extLst>
-              <a:ext uri="{FF2B5EF4-FFF2-40B4-BE49-F238E27FC236}">
-                <a16:creationId xmlns:a16="http://schemas.microsoft.com/office/drawing/2014/main" id="{D20B0FA4-7F8C-42FA-B9A8-975A8C1AD613}"/>
-              </a:ext>
-            </a:extLst>
-          </p:cNvPr>
-          <p:cNvSpPr/>
-          <p:nvPr/>
-        </p:nvSpPr>
-        <p:spPr bwMode="auto">
-          <a:xfrm>
-            <a:off x="3090034" y="5074889"/>
-            <a:ext cx="1529390" cy="338554"/>
-          </a:xfrm>
-          <a:prstGeom prst="rect">
-            <a:avLst/>
-          </a:prstGeom>
-          <a:solidFill>
-            <a:srgbClr val="76B900"/>
-          </a:solidFill>
-          <a:ln w="9525" cap="flat" cmpd="sng" algn="ctr">
-            <a:noFill/>
-            <a:prstDash val="solid"/>
-            <a:round/>
-            <a:headEnd type="none" w="med" len="med"/>
-            <a:tailEnd type="none" w="med" len="med"/>
-          </a:ln>
-          <a:effectLst>
-            <a:outerShdw blurRad="50800" dist="38100" dir="2700000" algn="tl" rotWithShape="0">
-              <a:prstClr val="black">
-                <a:alpha val="40000"/>
-              </a:prstClr>
-            </a:outerShdw>
-          </a:effectLst>
-        </p:spPr>
-        <p:txBody>
-          <a:bodyPr vert="horz" wrap="square" lIns="91440" tIns="45720" rIns="91440" bIns="45720" numCol="3" rtlCol="0" anchor="t" anchorCtr="0" compatLnSpc="1">
-            <a:prstTxWarp prst="textNoShape">
-              <a:avLst/>
-            </a:prstTxWarp>
-          </a:bodyPr>
-          <a:lstStyle/>
-          <a:p>
-            <a:pPr marL="0" marR="0" indent="0" defTabSz="914400" rtl="0" eaLnBrk="1" fontAlgn="base" latinLnBrk="0" hangingPunct="1">
-              <a:lnSpc>
-                <a:spcPct val="200000"/>
-              </a:lnSpc>
-              <a:spcBef>
-                <a:spcPct val="0"/>
-              </a:spcBef>
-              <a:spcAft>
-                <a:spcPct val="0"/>
-              </a:spcAft>
-              <a:buClrTx/>
-              <a:buSzTx/>
-              <a:buFontTx/>
-              <a:buNone/>
-              <a:tabLst/>
-            </a:pPr>
-            <a:endParaRPr kumimoji="1" lang="zh-TW" altLang="en-US" sz="1800" b="0" i="0" u="none" strike="noStrike" cap="none" normalizeH="0" baseline="0" dirty="0">
-              <a:ln>
-                <a:noFill/>
-              </a:ln>
-              <a:solidFill>
-                <a:schemeClr val="bg1"/>
-              </a:solidFill>
-              <a:effectLst/>
-              <a:latin typeface="Arial" charset="0"/>
-              <a:ea typeface="新細明體" pitchFamily="18" charset="-120"/>
-            </a:endParaRPr>
-          </a:p>
-        </p:txBody>
-      </p:sp>
-      <p:sp>
-        <p:nvSpPr>
-          <p:cNvPr id="77" name="文字方塊 76">
-            <a:extLst>
-              <a:ext uri="{FF2B5EF4-FFF2-40B4-BE49-F238E27FC236}">
-                <a16:creationId xmlns:a16="http://schemas.microsoft.com/office/drawing/2014/main" id="{72F8D378-304D-4C32-BC63-BE9C968B3149}"/>
-              </a:ext>
-            </a:extLst>
-          </p:cNvPr>
-          <p:cNvSpPr txBox="1"/>
-          <p:nvPr/>
-        </p:nvSpPr>
-        <p:spPr>
-          <a:xfrm>
-            <a:off x="3105997" y="5086319"/>
-            <a:ext cx="1529390" cy="323165"/>
-          </a:xfrm>
-          <a:prstGeom prst="rect">
-            <a:avLst/>
-          </a:prstGeom>
-          <a:noFill/>
-        </p:spPr>
-        <p:txBody>
-          <a:bodyPr wrap="square" rtlCol="0">
-            <a:spAutoFit/>
-          </a:bodyPr>
-          <a:lstStyle/>
-          <a:p>
-            <a:pPr algn="ctr"/>
-            <a:r>
-              <a:rPr lang="en-US" altLang="zh-TW" sz="1500" b="1" dirty="0">
-                <a:solidFill>
-                  <a:schemeClr val="bg1"/>
-                </a:solidFill>
-              </a:rPr>
-              <a:t>NVIDIA</a:t>
-            </a:r>
-            <a:endParaRPr lang="zh-TW" altLang="en-US" sz="1500" b="1" dirty="0">
-              <a:solidFill>
-                <a:schemeClr val="bg1"/>
-              </a:solidFill>
-            </a:endParaRPr>
-          </a:p>
-        </p:txBody>
-      </p:sp>
-      <p:sp>
-        <p:nvSpPr>
-          <p:cNvPr id="78" name="矩形 77">
-            <a:extLst>
-              <a:ext uri="{FF2B5EF4-FFF2-40B4-BE49-F238E27FC236}">
-                <a16:creationId xmlns:a16="http://schemas.microsoft.com/office/drawing/2014/main" id="{A481015F-6E6E-49B9-A7A3-3C305D7995BA}"/>
-              </a:ext>
-            </a:extLst>
-          </p:cNvPr>
-          <p:cNvSpPr/>
-          <p:nvPr/>
-        </p:nvSpPr>
-        <p:spPr bwMode="auto">
-          <a:xfrm>
-            <a:off x="2616470" y="1347060"/>
-            <a:ext cx="8183861" cy="930472"/>
-          </a:xfrm>
-          <a:prstGeom prst="rect">
-            <a:avLst/>
-          </a:prstGeom>
-          <a:solidFill>
-            <a:schemeClr val="bg1">
-              <a:lumMod val="85000"/>
-            </a:schemeClr>
-          </a:solidFill>
-          <a:ln w="9525" cap="flat" cmpd="sng" algn="ctr">
-            <a:noFill/>
-            <a:prstDash val="solid"/>
-            <a:round/>
-            <a:headEnd type="none" w="med" len="med"/>
-            <a:tailEnd type="none" w="med" len="med"/>
-          </a:ln>
-          <a:effectLst/>
-        </p:spPr>
-        <p:txBody>
-          <a:bodyPr vert="horz" wrap="square" lIns="91440" tIns="45720" rIns="91440" bIns="45720" numCol="3" rtlCol="0" anchor="t" anchorCtr="0" compatLnSpc="1">
-            <a:prstTxWarp prst="textNoShape">
-              <a:avLst/>
-            </a:prstTxWarp>
-          </a:bodyPr>
-          <a:lstStyle/>
-          <a:p>
-            <a:pPr marL="0" marR="0" indent="0" defTabSz="914400" rtl="0" eaLnBrk="1" fontAlgn="base" latinLnBrk="0" hangingPunct="1">
-              <a:lnSpc>
-                <a:spcPct val="200000"/>
-              </a:lnSpc>
-              <a:spcBef>
-                <a:spcPct val="0"/>
-              </a:spcBef>
-              <a:spcAft>
-                <a:spcPct val="0"/>
-              </a:spcAft>
-              <a:buClrTx/>
-              <a:buSzTx/>
-              <a:buFontTx/>
-              <a:buNone/>
-              <a:tabLst/>
-            </a:pPr>
-            <a:endParaRPr kumimoji="1" lang="zh-TW" altLang="en-US" sz="1800" b="0" i="0" u="none" strike="noStrike" cap="none" normalizeH="0" baseline="0" dirty="0">
-              <a:ln>
-                <a:noFill/>
-              </a:ln>
-              <a:solidFill>
-                <a:schemeClr val="bg1"/>
-              </a:solidFill>
-              <a:effectLst/>
-              <a:latin typeface="Arial" charset="0"/>
-              <a:ea typeface="新細明體" pitchFamily="18" charset="-120"/>
-            </a:endParaRPr>
-          </a:p>
-        </p:txBody>
-      </p:sp>
-      <p:sp>
-        <p:nvSpPr>
-          <p:cNvPr id="80" name="矩形 79">
-            <a:extLst>
-              <a:ext uri="{FF2B5EF4-FFF2-40B4-BE49-F238E27FC236}">
-                <a16:creationId xmlns:a16="http://schemas.microsoft.com/office/drawing/2014/main" id="{1C82CAEC-9593-4331-9AE3-ECA8A01ADE22}"/>
-              </a:ext>
-            </a:extLst>
-          </p:cNvPr>
-          <p:cNvSpPr/>
-          <p:nvPr/>
-        </p:nvSpPr>
-        <p:spPr bwMode="auto">
-          <a:xfrm>
-            <a:off x="9126791" y="1489862"/>
-            <a:ext cx="1527403" cy="338554"/>
-          </a:xfrm>
-          <a:prstGeom prst="rect">
-            <a:avLst/>
-          </a:prstGeom>
-          <a:solidFill>
-            <a:schemeClr val="bg1">
-              <a:lumMod val="50000"/>
-            </a:schemeClr>
-          </a:solidFill>
-          <a:ln w="9525" cap="flat" cmpd="sng" algn="ctr">
-            <a:noFill/>
-            <a:prstDash val="solid"/>
-            <a:round/>
-            <a:headEnd type="none" w="med" len="med"/>
-            <a:tailEnd type="none" w="med" len="med"/>
-          </a:ln>
-          <a:effectLst>
-            <a:outerShdw blurRad="50800" dist="38100" dir="2700000" algn="tl" rotWithShape="0">
-              <a:prstClr val="black">
-                <a:alpha val="40000"/>
-              </a:prstClr>
-            </a:outerShdw>
-          </a:effectLst>
-        </p:spPr>
-        <p:txBody>
-          <a:bodyPr vert="horz" wrap="square" lIns="91440" tIns="45720" rIns="91440" bIns="45720" numCol="3" rtlCol="0" anchor="t" anchorCtr="0" compatLnSpc="1">
-            <a:prstTxWarp prst="textNoShape">
-              <a:avLst/>
-            </a:prstTxWarp>
-          </a:bodyPr>
-          <a:lstStyle/>
-          <a:p>
-            <a:pPr marL="0" marR="0" indent="0" defTabSz="914400" rtl="0" eaLnBrk="1" fontAlgn="base" latinLnBrk="0" hangingPunct="1">
-              <a:lnSpc>
-                <a:spcPct val="200000"/>
-              </a:lnSpc>
-              <a:spcBef>
-                <a:spcPct val="0"/>
-              </a:spcBef>
-              <a:spcAft>
-                <a:spcPct val="0"/>
-              </a:spcAft>
-              <a:buClrTx/>
-              <a:buSzTx/>
-              <a:buFontTx/>
-              <a:buNone/>
-              <a:tabLst/>
-            </a:pPr>
-            <a:endParaRPr kumimoji="1" lang="zh-TW" altLang="en-US" sz="1800" b="0" i="0" u="none" strike="noStrike" cap="none" normalizeH="0" baseline="0" dirty="0">
-              <a:ln>
-                <a:noFill/>
-              </a:ln>
-              <a:solidFill>
-                <a:schemeClr val="bg1"/>
-              </a:solidFill>
-              <a:effectLst/>
-              <a:latin typeface="Arial" charset="0"/>
-              <a:ea typeface="新細明體" pitchFamily="18" charset="-120"/>
-            </a:endParaRPr>
-          </a:p>
-        </p:txBody>
-      </p:sp>
-      <p:sp>
-        <p:nvSpPr>
-          <p:cNvPr id="82" name="文字方塊 81">
-            <a:extLst>
-              <a:ext uri="{FF2B5EF4-FFF2-40B4-BE49-F238E27FC236}">
-                <a16:creationId xmlns:a16="http://schemas.microsoft.com/office/drawing/2014/main" id="{AFD3B7DA-C7B3-481D-9814-60D305191CD3}"/>
-              </a:ext>
-            </a:extLst>
-          </p:cNvPr>
-          <p:cNvSpPr txBox="1"/>
-          <p:nvPr/>
-        </p:nvSpPr>
-        <p:spPr>
-          <a:xfrm>
-            <a:off x="1391668" y="1543558"/>
-            <a:ext cx="1721182" cy="584775"/>
-          </a:xfrm>
-          <a:prstGeom prst="rect">
-            <a:avLst/>
-          </a:prstGeom>
-          <a:noFill/>
-        </p:spPr>
-        <p:txBody>
-          <a:bodyPr wrap="square" rtlCol="0">
-            <a:spAutoFit/>
-          </a:bodyPr>
-          <a:lstStyle/>
-          <a:p>
-            <a:r>
-              <a:rPr lang="en-US" altLang="zh-TW" sz="1600" dirty="0"/>
-              <a:t>M.2/ PCIe </a:t>
-            </a:r>
-          </a:p>
-          <a:p>
-            <a:r>
-              <a:rPr lang="en-US" altLang="zh-TW" sz="1600" dirty="0"/>
-              <a:t>Plugins</a:t>
-            </a:r>
-          </a:p>
-        </p:txBody>
-      </p:sp>
-      <p:sp>
-        <p:nvSpPr>
-          <p:cNvPr id="83" name="文字方塊 82">
-            <a:extLst>
-              <a:ext uri="{FF2B5EF4-FFF2-40B4-BE49-F238E27FC236}">
-                <a16:creationId xmlns:a16="http://schemas.microsoft.com/office/drawing/2014/main" id="{81EC61DB-B53B-4F49-BDB3-A5FB9B556985}"/>
-              </a:ext>
-            </a:extLst>
-          </p:cNvPr>
-          <p:cNvSpPr txBox="1"/>
-          <p:nvPr/>
-        </p:nvSpPr>
-        <p:spPr>
-          <a:xfrm>
-            <a:off x="9116867" y="1497556"/>
-            <a:ext cx="1529390" cy="338554"/>
-          </a:xfrm>
-          <a:prstGeom prst="rect">
-            <a:avLst/>
-          </a:prstGeom>
-          <a:solidFill>
-            <a:schemeClr val="tx1">
-              <a:lumMod val="65000"/>
-              <a:lumOff val="35000"/>
-            </a:schemeClr>
-          </a:solidFill>
-        </p:spPr>
-        <p:txBody>
-          <a:bodyPr wrap="square" rtlCol="0">
-            <a:spAutoFit/>
-          </a:bodyPr>
-          <a:lstStyle/>
-          <a:p>
-            <a:pPr algn="ctr"/>
-            <a:r>
-              <a:rPr lang="en-US" altLang="zh-TW" sz="1600" b="1" dirty="0">
-                <a:solidFill>
-                  <a:schemeClr val="bg1"/>
-                </a:solidFill>
-              </a:rPr>
-              <a:t>CUDA</a:t>
-            </a:r>
-            <a:endParaRPr lang="zh-TW" altLang="en-US" sz="1600" b="1" dirty="0">
-              <a:solidFill>
-                <a:schemeClr val="bg1"/>
-              </a:solidFill>
-            </a:endParaRPr>
-          </a:p>
-        </p:txBody>
-      </p:sp>
-      <p:sp>
-        <p:nvSpPr>
-          <p:cNvPr id="84" name="矩形 83">
-            <a:extLst>
-              <a:ext uri="{FF2B5EF4-FFF2-40B4-BE49-F238E27FC236}">
-                <a16:creationId xmlns:a16="http://schemas.microsoft.com/office/drawing/2014/main" id="{3B7CF6C3-96A8-47DE-9C24-C81BCE39E716}"/>
-              </a:ext>
-            </a:extLst>
-          </p:cNvPr>
-          <p:cNvSpPr/>
-          <p:nvPr/>
-        </p:nvSpPr>
-        <p:spPr bwMode="auto">
-          <a:xfrm>
-            <a:off x="9116866" y="1818802"/>
-            <a:ext cx="1529390" cy="338554"/>
-          </a:xfrm>
-          <a:prstGeom prst="rect">
-            <a:avLst/>
-          </a:prstGeom>
-          <a:solidFill>
-            <a:srgbClr val="76B900"/>
-          </a:solidFill>
-          <a:ln w="9525" cap="flat" cmpd="sng" algn="ctr">
-            <a:noFill/>
-            <a:prstDash val="solid"/>
-            <a:round/>
-            <a:headEnd type="none" w="med" len="med"/>
-            <a:tailEnd type="none" w="med" len="med"/>
-          </a:ln>
-          <a:effectLst>
-            <a:outerShdw blurRad="50800" dist="38100" dir="2700000" algn="tl" rotWithShape="0">
-              <a:prstClr val="black">
-                <a:alpha val="40000"/>
-              </a:prstClr>
-            </a:outerShdw>
-          </a:effectLst>
-        </p:spPr>
-        <p:txBody>
-          <a:bodyPr vert="horz" wrap="square" lIns="91440" tIns="45720" rIns="91440" bIns="45720" numCol="3" rtlCol="0" anchor="t" anchorCtr="0" compatLnSpc="1">
-            <a:prstTxWarp prst="textNoShape">
-              <a:avLst/>
-            </a:prstTxWarp>
-          </a:bodyPr>
-          <a:lstStyle/>
-          <a:p>
-            <a:pPr marL="0" marR="0" indent="0" defTabSz="914400" rtl="0" eaLnBrk="1" fontAlgn="base" latinLnBrk="0" hangingPunct="1">
-              <a:lnSpc>
-                <a:spcPct val="200000"/>
-              </a:lnSpc>
-              <a:spcBef>
-                <a:spcPct val="0"/>
-              </a:spcBef>
-              <a:spcAft>
-                <a:spcPct val="0"/>
-              </a:spcAft>
-              <a:buClrTx/>
-              <a:buSzTx/>
-              <a:buFontTx/>
-              <a:buNone/>
-              <a:tabLst/>
-            </a:pPr>
-            <a:endParaRPr kumimoji="1" lang="zh-TW" altLang="en-US" sz="1800" b="0" i="0" u="none" strike="noStrike" cap="none" normalizeH="0" baseline="0" dirty="0">
-              <a:ln>
-                <a:noFill/>
-              </a:ln>
-              <a:solidFill>
-                <a:schemeClr val="bg1"/>
-              </a:solidFill>
-              <a:effectLst/>
-              <a:latin typeface="Arial" charset="0"/>
-              <a:ea typeface="新細明體" pitchFamily="18" charset="-120"/>
-            </a:endParaRPr>
-          </a:p>
-        </p:txBody>
-      </p:sp>
-      <p:sp>
-        <p:nvSpPr>
-          <p:cNvPr id="86" name="文字方塊 85">
-            <a:extLst>
-              <a:ext uri="{FF2B5EF4-FFF2-40B4-BE49-F238E27FC236}">
-                <a16:creationId xmlns:a16="http://schemas.microsoft.com/office/drawing/2014/main" id="{180E3CC6-E117-4F84-900D-A4B6136558D9}"/>
-              </a:ext>
-            </a:extLst>
-          </p:cNvPr>
-          <p:cNvSpPr txBox="1"/>
-          <p:nvPr/>
-        </p:nvSpPr>
-        <p:spPr>
-          <a:xfrm>
-            <a:off x="9132829" y="1830232"/>
-            <a:ext cx="1529390" cy="323165"/>
-          </a:xfrm>
-          <a:prstGeom prst="rect">
-            <a:avLst/>
-          </a:prstGeom>
-          <a:noFill/>
-        </p:spPr>
-        <p:txBody>
-          <a:bodyPr wrap="square" rtlCol="0">
-            <a:spAutoFit/>
-          </a:bodyPr>
-          <a:lstStyle/>
-          <a:p>
-            <a:pPr algn="ctr"/>
-            <a:r>
-              <a:rPr lang="en-US" altLang="zh-TW" sz="1500" b="1" dirty="0">
-                <a:solidFill>
-                  <a:schemeClr val="bg1"/>
-                </a:solidFill>
-              </a:rPr>
-              <a:t>NVIDIA</a:t>
-            </a:r>
-            <a:endParaRPr lang="zh-TW" altLang="en-US" sz="1500" b="1" dirty="0">
-              <a:solidFill>
-                <a:schemeClr val="bg1"/>
-              </a:solidFill>
-            </a:endParaRPr>
-          </a:p>
-        </p:txBody>
-      </p:sp>
-      <p:sp>
-        <p:nvSpPr>
-          <p:cNvPr id="87" name="矩形 86">
-            <a:extLst>
-              <a:ext uri="{FF2B5EF4-FFF2-40B4-BE49-F238E27FC236}">
-                <a16:creationId xmlns:a16="http://schemas.microsoft.com/office/drawing/2014/main" id="{8D67529C-D8B4-4423-A33D-3EB0382DB464}"/>
-              </a:ext>
-            </a:extLst>
-          </p:cNvPr>
-          <p:cNvSpPr/>
-          <p:nvPr/>
-        </p:nvSpPr>
-        <p:spPr bwMode="auto">
-          <a:xfrm>
-            <a:off x="5991860" y="1800939"/>
-            <a:ext cx="1519750" cy="338554"/>
-          </a:xfrm>
-          <a:prstGeom prst="rect">
-            <a:avLst/>
-          </a:prstGeom>
-          <a:solidFill>
-            <a:srgbClr val="0091BD"/>
-          </a:solidFill>
-          <a:ln w="9525" cap="flat" cmpd="sng" algn="ctr">
-            <a:noFill/>
-            <a:prstDash val="solid"/>
-            <a:round/>
-            <a:headEnd type="none" w="med" len="med"/>
-            <a:tailEnd type="none" w="med" len="med"/>
-          </a:ln>
-          <a:effectLst>
-            <a:outerShdw blurRad="50800" dist="38100" dir="2700000" algn="tl" rotWithShape="0">
-              <a:prstClr val="black">
-                <a:alpha val="40000"/>
-              </a:prstClr>
-            </a:outerShdw>
-          </a:effectLst>
-        </p:spPr>
-        <p:txBody>
-          <a:bodyPr vert="horz" wrap="square" lIns="91440" tIns="45720" rIns="91440" bIns="45720" numCol="3" rtlCol="0" anchor="t" anchorCtr="0" compatLnSpc="1">
-            <a:prstTxWarp prst="textNoShape">
-              <a:avLst/>
-            </a:prstTxWarp>
-          </a:bodyPr>
-          <a:lstStyle/>
-          <a:p>
-            <a:pPr marL="0" marR="0" indent="0" defTabSz="914400" rtl="0" eaLnBrk="1" fontAlgn="base" latinLnBrk="0" hangingPunct="1">
-              <a:lnSpc>
-                <a:spcPct val="200000"/>
-              </a:lnSpc>
-              <a:spcBef>
-                <a:spcPct val="0"/>
-              </a:spcBef>
-              <a:spcAft>
-                <a:spcPct val="0"/>
-              </a:spcAft>
-              <a:buClrTx/>
-              <a:buSzTx/>
-              <a:buFontTx/>
-              <a:buNone/>
-              <a:tabLst/>
-            </a:pPr>
-            <a:endParaRPr kumimoji="1" lang="zh-TW" altLang="en-US" sz="1800" b="1" i="0" u="none" strike="noStrike" cap="none" normalizeH="0" baseline="0" dirty="0">
-              <a:ln>
-                <a:noFill/>
-              </a:ln>
-              <a:solidFill>
-                <a:schemeClr val="bg1"/>
-              </a:solidFill>
-              <a:effectLst/>
-              <a:latin typeface="Arial" charset="0"/>
-              <a:ea typeface="新細明體" pitchFamily="18" charset="-120"/>
-            </a:endParaRPr>
-          </a:p>
-        </p:txBody>
-      </p:sp>
-      <p:sp>
-        <p:nvSpPr>
-          <p:cNvPr id="89" name="文字方塊 88">
-            <a:extLst>
-              <a:ext uri="{FF2B5EF4-FFF2-40B4-BE49-F238E27FC236}">
-                <a16:creationId xmlns:a16="http://schemas.microsoft.com/office/drawing/2014/main" id="{66426F59-2EA6-48FD-B6EA-DCB3269DDF62}"/>
-              </a:ext>
-            </a:extLst>
-          </p:cNvPr>
-          <p:cNvSpPr txBox="1"/>
-          <p:nvPr/>
-        </p:nvSpPr>
-        <p:spPr>
-          <a:xfrm>
-            <a:off x="5991888" y="1810464"/>
-            <a:ext cx="1475506" cy="323165"/>
-          </a:xfrm>
-          <a:prstGeom prst="rect">
-            <a:avLst/>
-          </a:prstGeom>
-          <a:noFill/>
-        </p:spPr>
-        <p:txBody>
-          <a:bodyPr wrap="square" rtlCol="0">
-            <a:spAutoFit/>
-          </a:bodyPr>
-          <a:lstStyle/>
-          <a:p>
-            <a:pPr algn="ctr"/>
-            <a:r>
-              <a:rPr lang="en-US" altLang="zh-TW" sz="1500" b="1" dirty="0" err="1">
-                <a:solidFill>
-                  <a:schemeClr val="bg1"/>
-                </a:solidFill>
-              </a:rPr>
-              <a:t>Hailo</a:t>
-            </a:r>
-            <a:endParaRPr lang="zh-TW" altLang="en-US" sz="1500" b="1" dirty="0">
-              <a:solidFill>
-                <a:schemeClr val="bg1"/>
-              </a:solidFill>
-            </a:endParaRPr>
-          </a:p>
-        </p:txBody>
-      </p:sp>
-      <p:sp>
-        <p:nvSpPr>
-          <p:cNvPr id="90" name="矩形 89">
-            <a:extLst>
-              <a:ext uri="{FF2B5EF4-FFF2-40B4-BE49-F238E27FC236}">
-                <a16:creationId xmlns:a16="http://schemas.microsoft.com/office/drawing/2014/main" id="{3AB0F1D5-29AE-4C40-8F46-DC47B9BD7A7A}"/>
-              </a:ext>
-            </a:extLst>
-          </p:cNvPr>
-          <p:cNvSpPr/>
-          <p:nvPr/>
-        </p:nvSpPr>
-        <p:spPr bwMode="auto">
-          <a:xfrm>
-            <a:off x="7543016" y="1482689"/>
-            <a:ext cx="1477072" cy="338554"/>
-          </a:xfrm>
-          <a:prstGeom prst="rect">
-            <a:avLst/>
-          </a:prstGeom>
-          <a:solidFill>
-            <a:schemeClr val="tx1">
-              <a:lumMod val="65000"/>
-              <a:lumOff val="35000"/>
-            </a:schemeClr>
-          </a:solidFill>
-          <a:ln w="9525" cap="flat" cmpd="sng" algn="ctr">
-            <a:noFill/>
-            <a:prstDash val="solid"/>
-            <a:round/>
-            <a:headEnd type="none" w="med" len="med"/>
-            <a:tailEnd type="none" w="med" len="med"/>
-          </a:ln>
-          <a:effectLst>
-            <a:outerShdw blurRad="50800" dist="38100" dir="2700000" algn="tl" rotWithShape="0">
-              <a:prstClr val="black">
-                <a:alpha val="40000"/>
-              </a:prstClr>
-            </a:outerShdw>
-          </a:effectLst>
-        </p:spPr>
-        <p:txBody>
-          <a:bodyPr vert="horz" wrap="square" lIns="91440" tIns="45720" rIns="91440" bIns="45720" numCol="3" rtlCol="0" anchor="t" anchorCtr="0" compatLnSpc="1">
-            <a:prstTxWarp prst="textNoShape">
-              <a:avLst/>
-            </a:prstTxWarp>
-          </a:bodyPr>
-          <a:lstStyle/>
-          <a:p>
-            <a:pPr marL="0" marR="0" indent="0" defTabSz="914400" rtl="0" eaLnBrk="1" fontAlgn="base" latinLnBrk="0" hangingPunct="1">
-              <a:lnSpc>
-                <a:spcPct val="200000"/>
-              </a:lnSpc>
-              <a:spcBef>
-                <a:spcPct val="0"/>
-              </a:spcBef>
-              <a:spcAft>
-                <a:spcPct val="0"/>
-              </a:spcAft>
-              <a:buClrTx/>
-              <a:buSzTx/>
-              <a:buFontTx/>
-              <a:buNone/>
-              <a:tabLst/>
-            </a:pPr>
-            <a:endParaRPr kumimoji="1" lang="zh-TW" altLang="en-US" sz="1800" b="0" i="0" u="none" strike="noStrike" cap="none" normalizeH="0" baseline="0" dirty="0">
-              <a:ln>
-                <a:noFill/>
-              </a:ln>
-              <a:solidFill>
-                <a:schemeClr val="bg1"/>
-              </a:solidFill>
-              <a:effectLst/>
-              <a:latin typeface="Arial" charset="0"/>
-              <a:ea typeface="新細明體" pitchFamily="18" charset="-120"/>
-            </a:endParaRPr>
-          </a:p>
-        </p:txBody>
-      </p:sp>
-      <p:sp>
-        <p:nvSpPr>
-          <p:cNvPr id="91" name="矩形 90">
-            <a:extLst>
-              <a:ext uri="{FF2B5EF4-FFF2-40B4-BE49-F238E27FC236}">
-                <a16:creationId xmlns:a16="http://schemas.microsoft.com/office/drawing/2014/main" id="{90AF6B94-146A-4F1E-B2A3-CA3BB00407C1}"/>
-              </a:ext>
-            </a:extLst>
-          </p:cNvPr>
-          <p:cNvSpPr/>
-          <p:nvPr/>
-        </p:nvSpPr>
-        <p:spPr bwMode="auto">
-          <a:xfrm>
-            <a:off x="7545640" y="1810464"/>
-            <a:ext cx="1473303" cy="338554"/>
-          </a:xfrm>
-          <a:prstGeom prst="rect">
-            <a:avLst/>
-          </a:prstGeom>
-          <a:solidFill>
-            <a:schemeClr val="tx1"/>
-          </a:solidFill>
-          <a:ln>
-            <a:noFill/>
-            <a:headEnd type="none" w="med" len="med"/>
-            <a:tailEnd type="none" w="med" len="med"/>
-          </a:ln>
-          <a:effectLst>
-            <a:outerShdw blurRad="50800" dist="38100" dir="2700000" algn="tl" rotWithShape="0">
-              <a:prstClr val="black">
-                <a:alpha val="40000"/>
-              </a:prstClr>
-            </a:outerShdw>
-          </a:effectLst>
-        </p:spPr>
-        <p:style>
-          <a:lnRef idx="2">
-            <a:schemeClr val="dk1"/>
-          </a:lnRef>
-          <a:fillRef idx="1">
-            <a:schemeClr val="lt1"/>
-          </a:fillRef>
-          <a:effectRef idx="0">
-            <a:schemeClr val="dk1"/>
-          </a:effectRef>
-          <a:fontRef idx="minor">
-            <a:schemeClr val="dk1"/>
-          </a:fontRef>
-        </p:style>
-        <p:txBody>
-          <a:bodyPr vert="horz" wrap="square" lIns="91440" tIns="45720" rIns="91440" bIns="45720" numCol="3" rtlCol="0" anchor="t" anchorCtr="0" compatLnSpc="1">
-            <a:prstTxWarp prst="textNoShape">
-              <a:avLst/>
-            </a:prstTxWarp>
-          </a:bodyPr>
-          <a:lstStyle/>
-          <a:p>
-            <a:pPr marL="0" marR="0" indent="0" defTabSz="914400" rtl="0" eaLnBrk="1" fontAlgn="base" latinLnBrk="0" hangingPunct="1">
-              <a:lnSpc>
-                <a:spcPct val="200000"/>
-              </a:lnSpc>
-              <a:spcBef>
-                <a:spcPct val="0"/>
-              </a:spcBef>
-              <a:spcAft>
-                <a:spcPct val="0"/>
-              </a:spcAft>
-              <a:buClrTx/>
-              <a:buSzTx/>
-              <a:buFontTx/>
-              <a:buNone/>
-              <a:tabLst/>
-            </a:pPr>
-            <a:endParaRPr kumimoji="1" lang="zh-TW" altLang="en-US" sz="1800" b="0" i="0" u="none" strike="noStrike" cap="none" normalizeH="0" baseline="0" dirty="0">
-              <a:ln>
-                <a:noFill/>
-              </a:ln>
-              <a:solidFill>
-                <a:schemeClr val="bg1"/>
-              </a:solidFill>
-              <a:effectLst/>
-              <a:latin typeface="Arial" charset="0"/>
-              <a:ea typeface="新細明體" pitchFamily="18" charset="-120"/>
-            </a:endParaRPr>
-          </a:p>
-        </p:txBody>
-      </p:sp>
-      <p:sp>
-        <p:nvSpPr>
-          <p:cNvPr id="93" name="文字方塊 92">
-            <a:extLst>
-              <a:ext uri="{FF2B5EF4-FFF2-40B4-BE49-F238E27FC236}">
-                <a16:creationId xmlns:a16="http://schemas.microsoft.com/office/drawing/2014/main" id="{AB278F3A-D399-44F3-90EC-B7BCEB8B5191}"/>
-              </a:ext>
-            </a:extLst>
-          </p:cNvPr>
-          <p:cNvSpPr txBox="1"/>
-          <p:nvPr/>
-        </p:nvSpPr>
-        <p:spPr>
-          <a:xfrm>
-            <a:off x="7543016" y="1821612"/>
-            <a:ext cx="1518735" cy="323165"/>
-          </a:xfrm>
-          <a:prstGeom prst="rect">
-            <a:avLst/>
-          </a:prstGeom>
-          <a:noFill/>
-        </p:spPr>
-        <p:txBody>
-          <a:bodyPr wrap="square" rtlCol="0">
-            <a:spAutoFit/>
-          </a:bodyPr>
-          <a:lstStyle/>
-          <a:p>
-            <a:pPr algn="ctr"/>
-            <a:r>
-              <a:rPr lang="en-US" altLang="zh-TW" sz="1500" b="1" dirty="0">
-                <a:solidFill>
-                  <a:schemeClr val="bg1"/>
-                </a:solidFill>
-              </a:rPr>
-              <a:t>AMD</a:t>
-            </a:r>
-            <a:endParaRPr lang="zh-TW" altLang="en-US" sz="1500" b="1" dirty="0">
-              <a:solidFill>
-                <a:schemeClr val="bg1"/>
-              </a:solidFill>
-            </a:endParaRPr>
-          </a:p>
-        </p:txBody>
-      </p:sp>
-      <p:sp>
-        <p:nvSpPr>
-          <p:cNvPr id="94" name="文字方塊 93">
-            <a:extLst>
-              <a:ext uri="{FF2B5EF4-FFF2-40B4-BE49-F238E27FC236}">
-                <a16:creationId xmlns:a16="http://schemas.microsoft.com/office/drawing/2014/main" id="{B33E377E-A912-4AF8-B3E3-7CC1A067BD5B}"/>
-              </a:ext>
-            </a:extLst>
-          </p:cNvPr>
-          <p:cNvSpPr txBox="1"/>
-          <p:nvPr/>
-        </p:nvSpPr>
-        <p:spPr>
-          <a:xfrm>
-            <a:off x="7536483" y="1490383"/>
-            <a:ext cx="1486450" cy="323165"/>
-          </a:xfrm>
-          <a:prstGeom prst="rect">
-            <a:avLst/>
-          </a:prstGeom>
-          <a:noFill/>
-        </p:spPr>
-        <p:txBody>
-          <a:bodyPr wrap="square" rtlCol="0">
-            <a:spAutoFit/>
-          </a:bodyPr>
-          <a:lstStyle/>
-          <a:p>
-            <a:pPr algn="ctr"/>
-            <a:r>
-              <a:rPr lang="en-US" altLang="zh-TW" sz="1500" b="1" dirty="0" err="1">
-                <a:solidFill>
-                  <a:schemeClr val="bg1"/>
-                </a:solidFill>
-              </a:rPr>
-              <a:t>ROCm</a:t>
-            </a:r>
-            <a:endParaRPr lang="zh-TW" altLang="en-US" sz="1500" b="1" dirty="0">
-              <a:solidFill>
-                <a:schemeClr val="bg1"/>
-              </a:solidFill>
-            </a:endParaRPr>
-          </a:p>
-        </p:txBody>
-      </p:sp>
+      </p:pic>
     </p:spTree>
     <p:extLst>
       <p:ext uri="{BB962C8B-B14F-4D97-AF65-F5344CB8AC3E}">
-        <p14:creationId xmlns:p14="http://schemas.microsoft.com/office/powerpoint/2010/main" val="2244851505"/>
+        <p14:creationId xmlns:p14="http://schemas.microsoft.com/office/powerpoint/2010/main" val="1661215877"/>
       </p:ext>
     </p:extLst>
   </p:cSld>
@@ -16794,8 +15168,8 @@
         </p:nvSpPr>
         <p:spPr bwMode="auto">
           <a:xfrm>
-            <a:off x="1467714" y="727010"/>
-            <a:ext cx="3618636" cy="378313"/>
+            <a:off x="3665127" y="1030536"/>
+            <a:ext cx="6912124" cy="378313"/>
           </a:xfrm>
           <a:prstGeom prst="rect">
             <a:avLst/>
@@ -16839,7 +15213,7 @@
               <a:tabLst/>
             </a:pPr>
             <a:r>
-              <a:rPr kumimoji="1" lang="en-US" altLang="zh-TW" sz="1600" b="0" i="0" u="none" strike="noStrike" cap="none" normalizeH="0" baseline="0" dirty="0">
+              <a:rPr kumimoji="1" lang="en-US" altLang="zh-TW" b="1" i="0" u="none" strike="noStrike" cap="none" normalizeH="0" baseline="0" dirty="0">
                 <a:ln>
                   <a:noFill/>
                 </a:ln>
@@ -16852,7 +15226,7 @@
               </a:rPr>
               <a:t>Model Zoo</a:t>
             </a:r>
-            <a:endParaRPr kumimoji="1" lang="zh-TW" altLang="en-US" sz="1600" b="0" i="0" u="none" strike="noStrike" cap="none" normalizeH="0" baseline="0" dirty="0">
+            <a:endParaRPr kumimoji="1" lang="zh-TW" altLang="en-US" b="1" i="0" u="none" strike="noStrike" cap="none" normalizeH="0" baseline="0" dirty="0">
               <a:ln>
                 <a:noFill/>
               </a:ln>
@@ -16880,8 +15254,8 @@
         </p:nvSpPr>
         <p:spPr bwMode="auto">
           <a:xfrm>
-            <a:off x="2629016" y="4067175"/>
-            <a:ext cx="8428892" cy="1374082"/>
+            <a:off x="3652427" y="2946073"/>
+            <a:ext cx="6912124" cy="1646349"/>
           </a:xfrm>
           <a:prstGeom prst="rect">
             <a:avLst/>
@@ -16940,129 +15314,6 @@
       </p:sp>
       <p:sp>
         <p:nvSpPr>
-          <p:cNvPr id="63" name="矩形 62">
-            <a:extLst>
-              <a:ext uri="{FF2B5EF4-FFF2-40B4-BE49-F238E27FC236}">
-                <a16:creationId xmlns:a16="http://schemas.microsoft.com/office/drawing/2014/main" id="{8B824215-2D0E-40B4-A4A1-8B9BA19762F1}"/>
-              </a:ext>
-            </a:extLst>
-          </p:cNvPr>
-          <p:cNvSpPr/>
-          <p:nvPr/>
-        </p:nvSpPr>
-        <p:spPr bwMode="auto">
-          <a:xfrm>
-            <a:off x="2798098" y="4987569"/>
-            <a:ext cx="4677572" cy="369702"/>
-          </a:xfrm>
-          <a:prstGeom prst="rect">
-            <a:avLst/>
-          </a:prstGeom>
-          <a:solidFill>
-            <a:schemeClr val="accent5">
-              <a:lumMod val="25000"/>
-            </a:schemeClr>
-          </a:solidFill>
-          <a:ln w="9525" cap="flat" cmpd="sng" algn="ctr">
-            <a:noFill/>
-            <a:prstDash val="solid"/>
-            <a:round/>
-            <a:headEnd type="none" w="med" len="med"/>
-            <a:tailEnd type="none" w="med" len="med"/>
-          </a:ln>
-          <a:effectLst>
-            <a:outerShdw blurRad="50800" dist="38100" dir="2700000" algn="tl" rotWithShape="0">
-              <a:prstClr val="black">
-                <a:alpha val="40000"/>
-              </a:prstClr>
-            </a:outerShdw>
-          </a:effectLst>
-        </p:spPr>
-        <p:txBody>
-          <a:bodyPr vert="horz" wrap="square" lIns="91440" tIns="45720" rIns="91440" bIns="45720" numCol="3" rtlCol="0" anchor="t" anchorCtr="0" compatLnSpc="1">
-            <a:prstTxWarp prst="textNoShape">
-              <a:avLst/>
-            </a:prstTxWarp>
-          </a:bodyPr>
-          <a:lstStyle/>
-          <a:p>
-            <a:pPr marL="0" marR="0" indent="0" defTabSz="914400" rtl="0" eaLnBrk="1" fontAlgn="base" latinLnBrk="0" hangingPunct="1">
-              <a:lnSpc>
-                <a:spcPct val="200000"/>
-              </a:lnSpc>
-              <a:spcBef>
-                <a:spcPct val="0"/>
-              </a:spcBef>
-              <a:spcAft>
-                <a:spcPct val="0"/>
-              </a:spcAft>
-              <a:buClrTx/>
-              <a:buSzTx/>
-              <a:buFontTx/>
-              <a:buNone/>
-              <a:tabLst/>
-            </a:pPr>
-            <a:endParaRPr kumimoji="1" lang="zh-TW" altLang="en-US" sz="1800" b="0" i="0" u="none" strike="noStrike" cap="none" normalizeH="0" baseline="0" dirty="0">
-              <a:ln>
-                <a:noFill/>
-              </a:ln>
-              <a:solidFill>
-                <a:schemeClr val="bg1"/>
-              </a:solidFill>
-              <a:effectLst/>
-              <a:latin typeface="Arial" charset="0"/>
-              <a:ea typeface="新細明體" pitchFamily="18" charset="-120"/>
-            </a:endParaRPr>
-          </a:p>
-        </p:txBody>
-      </p:sp>
-      <p:sp>
-        <p:nvSpPr>
-          <p:cNvPr id="88" name="文字方塊 87">
-            <a:extLst>
-              <a:ext uri="{FF2B5EF4-FFF2-40B4-BE49-F238E27FC236}">
-                <a16:creationId xmlns:a16="http://schemas.microsoft.com/office/drawing/2014/main" id="{A84E24A9-33F4-4F35-8F3B-1001E9867F2B}"/>
-              </a:ext>
-            </a:extLst>
-          </p:cNvPr>
-          <p:cNvSpPr txBox="1"/>
-          <p:nvPr/>
-        </p:nvSpPr>
-        <p:spPr>
-          <a:xfrm>
-            <a:off x="2798096" y="5019019"/>
-            <a:ext cx="4669297" cy="323165"/>
-          </a:xfrm>
-          <a:prstGeom prst="rect">
-            <a:avLst/>
-          </a:prstGeom>
-          <a:noFill/>
-        </p:spPr>
-        <p:txBody>
-          <a:bodyPr wrap="square" rtlCol="0">
-            <a:spAutoFit/>
-          </a:bodyPr>
-          <a:lstStyle/>
-          <a:p>
-            <a:pPr algn="ctr"/>
-            <a:r>
-              <a:rPr lang="en-US" altLang="zh-TW" sz="1500" dirty="0">
-                <a:solidFill>
-                  <a:schemeClr val="bg1"/>
-                </a:solidFill>
-              </a:rPr>
-              <a:t>WorkStation</a:t>
-            </a:r>
-            <a:endParaRPr lang="zh-TW" altLang="en-US" sz="1500" dirty="0">
-              <a:solidFill>
-                <a:schemeClr val="bg1"/>
-              </a:solidFill>
-            </a:endParaRPr>
-          </a:p>
-        </p:txBody>
-      </p:sp>
-      <p:sp>
-        <p:nvSpPr>
           <p:cNvPr id="53" name="矩形 52">
             <a:extLst>
               <a:ext uri="{FF2B5EF4-FFF2-40B4-BE49-F238E27FC236}">
@@ -17075,8 +15326,8 @@
         </p:nvSpPr>
         <p:spPr bwMode="auto">
           <a:xfrm>
-            <a:off x="2629016" y="2340739"/>
-            <a:ext cx="8190114" cy="930472"/>
+            <a:off x="3655210" y="4715848"/>
+            <a:ext cx="6912123" cy="1354935"/>
           </a:xfrm>
           <a:prstGeom prst="rect">
             <a:avLst/>
@@ -17135,47 +15386,6 @@
       </p:sp>
       <p:sp>
         <p:nvSpPr>
-          <p:cNvPr id="54" name="文字方塊 53">
-            <a:extLst>
-              <a:ext uri="{FF2B5EF4-FFF2-40B4-BE49-F238E27FC236}">
-                <a16:creationId xmlns:a16="http://schemas.microsoft.com/office/drawing/2014/main" id="{A47BEFA9-3388-4E87-9B8A-7271EF00D6E8}"/>
-              </a:ext>
-            </a:extLst>
-          </p:cNvPr>
-          <p:cNvSpPr txBox="1"/>
-          <p:nvPr/>
-        </p:nvSpPr>
-        <p:spPr>
-          <a:xfrm>
-            <a:off x="1404213" y="2483252"/>
-            <a:ext cx="1721182" cy="584775"/>
-          </a:xfrm>
-          <a:prstGeom prst="rect">
-            <a:avLst/>
-          </a:prstGeom>
-          <a:noFill/>
-        </p:spPr>
-        <p:txBody>
-          <a:bodyPr wrap="square" rtlCol="0">
-            <a:spAutoFit/>
-          </a:bodyPr>
-          <a:lstStyle/>
-          <a:p>
-            <a:r>
-              <a:rPr lang="en-US" altLang="zh-TW" sz="1600" dirty="0"/>
-              <a:t>Mother</a:t>
-            </a:r>
-          </a:p>
-          <a:p>
-            <a:r>
-              <a:rPr lang="en-US" altLang="zh-TW" sz="1600" dirty="0"/>
-              <a:t>Board</a:t>
-            </a:r>
-          </a:p>
-        </p:txBody>
-      </p:sp>
-      <p:sp>
-        <p:nvSpPr>
           <p:cNvPr id="78" name="矩形 77">
             <a:extLst>
               <a:ext uri="{FF2B5EF4-FFF2-40B4-BE49-F238E27FC236}">
@@ -17188,8 +15398,8 @@
         </p:nvSpPr>
         <p:spPr bwMode="auto">
           <a:xfrm>
-            <a:off x="2616470" y="1347060"/>
-            <a:ext cx="8183861" cy="930472"/>
+            <a:off x="3643321" y="2093535"/>
+            <a:ext cx="6912125" cy="703318"/>
           </a:xfrm>
           <a:prstGeom prst="rect">
             <a:avLst/>
@@ -17260,8 +15470,8 @@
         </p:nvSpPr>
         <p:spPr>
           <a:xfrm>
-            <a:off x="1391668" y="1543558"/>
-            <a:ext cx="1721182" cy="584775"/>
+            <a:off x="888467" y="1437049"/>
+            <a:ext cx="2678907" cy="646331"/>
           </a:xfrm>
           <a:prstGeom prst="rect">
             <a:avLst/>
@@ -17275,24 +15485,230 @@
           <a:lstStyle/>
           <a:p>
             <a:r>
-              <a:rPr lang="en-US" altLang="zh-TW" sz="1600" dirty="0"/>
-              <a:t>M.2/ PCIe </a:t>
-            </a:r>
-          </a:p>
-          <a:p>
-            <a:r>
-              <a:rPr lang="en-US" altLang="zh-TW" sz="1600" dirty="0"/>
-              <a:t>Plugins</a:t>
-            </a:r>
-          </a:p>
-        </p:txBody>
-      </p:sp>
-      <p:sp>
-        <p:nvSpPr>
-          <p:cNvPr id="44" name="矩形 43">
+              <a:rPr lang="en-US" altLang="zh-TW" b="1" dirty="0" err="1"/>
+              <a:t>Foundamental</a:t>
+            </a:r>
+            <a:r>
+              <a:rPr lang="en-US" altLang="zh-TW" b="1" dirty="0"/>
+              <a:t> AI Services</a:t>
+            </a:r>
+          </a:p>
+        </p:txBody>
+      </p:sp>
+      <p:sp>
+        <p:nvSpPr>
+          <p:cNvPr id="24" name="文字方塊 23">
             <a:extLst>
               <a:ext uri="{FF2B5EF4-FFF2-40B4-BE49-F238E27FC236}">
-                <a16:creationId xmlns:a16="http://schemas.microsoft.com/office/drawing/2014/main" id="{9A04A3BF-70B5-4F12-9F6E-4D526FA32D17}"/>
+                <a16:creationId xmlns:a16="http://schemas.microsoft.com/office/drawing/2014/main" id="{0BE40C34-0236-48A7-9592-86159CAF95A5}"/>
+              </a:ext>
+            </a:extLst>
+          </p:cNvPr>
+          <p:cNvSpPr txBox="1"/>
+          <p:nvPr/>
+        </p:nvSpPr>
+        <p:spPr>
+          <a:xfrm>
+            <a:off x="833364" y="2935817"/>
+            <a:ext cx="2235569" cy="646331"/>
+          </a:xfrm>
+          <a:prstGeom prst="rect">
+            <a:avLst/>
+          </a:prstGeom>
+          <a:noFill/>
+        </p:spPr>
+        <p:txBody>
+          <a:bodyPr wrap="square" rtlCol="0">
+            <a:spAutoFit/>
+          </a:bodyPr>
+          <a:lstStyle/>
+          <a:p>
+            <a:r>
+              <a:rPr lang="en-US" altLang="zh-TW" b="1" dirty="0"/>
+              <a:t>High Performance Work Station</a:t>
+            </a:r>
+            <a:endParaRPr lang="zh-TW" altLang="en-US" b="1" dirty="0"/>
+          </a:p>
+        </p:txBody>
+      </p:sp>
+      <p:sp>
+        <p:nvSpPr>
+          <p:cNvPr id="41" name="文字方塊 40">
+            <a:extLst>
+              <a:ext uri="{FF2B5EF4-FFF2-40B4-BE49-F238E27FC236}">
+                <a16:creationId xmlns:a16="http://schemas.microsoft.com/office/drawing/2014/main" id="{4E51D7FC-170B-425B-A68F-FDE5782FEB54}"/>
+              </a:ext>
+            </a:extLst>
+          </p:cNvPr>
+          <p:cNvSpPr txBox="1"/>
+          <p:nvPr/>
+        </p:nvSpPr>
+        <p:spPr>
+          <a:xfrm>
+            <a:off x="444074" y="4693525"/>
+            <a:ext cx="2550565" cy="369332"/>
+          </a:xfrm>
+          <a:prstGeom prst="rect">
+            <a:avLst/>
+          </a:prstGeom>
+          <a:noFill/>
+        </p:spPr>
+        <p:txBody>
+          <a:bodyPr wrap="square" rtlCol="0">
+            <a:spAutoFit/>
+          </a:bodyPr>
+          <a:lstStyle/>
+          <a:p>
+            <a:pPr algn="r"/>
+            <a:r>
+              <a:rPr lang="en-US" altLang="zh-TW" b="1" dirty="0"/>
+              <a:t>Embedded System</a:t>
+            </a:r>
+            <a:endParaRPr lang="zh-TW" altLang="en-US" b="1" dirty="0"/>
+          </a:p>
+        </p:txBody>
+      </p:sp>
+      <p:pic>
+        <p:nvPicPr>
+          <p:cNvPr id="1026" name="Picture 2" descr="GitHub - tensorflow/tensorflow: An Open Source Machine Learning Framework  for Everyone">
+            <a:extLst>
+              <a:ext uri="{FF2B5EF4-FFF2-40B4-BE49-F238E27FC236}">
+                <a16:creationId xmlns:a16="http://schemas.microsoft.com/office/drawing/2014/main" id="{FA7D31C7-A1FB-4DF0-A92F-90B29F014F21}"/>
+              </a:ext>
+            </a:extLst>
+          </p:cNvPr>
+          <p:cNvPicPr>
+            <a:picLocks noChangeAspect="1" noChangeArrowheads="1"/>
+          </p:cNvPicPr>
+          <p:nvPr/>
+        </p:nvPicPr>
+        <p:blipFill rotWithShape="1">
+          <a:blip r:embed="rId2" cstate="print">
+            <a:extLst>
+              <a:ext uri="{28A0092B-C50C-407E-A947-70E740481C1C}">
+                <a14:useLocalDpi xmlns:a14="http://schemas.microsoft.com/office/drawing/2010/main" val="0"/>
+              </a:ext>
+            </a:extLst>
+          </a:blip>
+          <a:srcRect t="23321" b="26384"/>
+          <a:stretch/>
+        </p:blipFill>
+        <p:spPr bwMode="auto">
+          <a:xfrm>
+            <a:off x="3828705" y="1572793"/>
+            <a:ext cx="2097082" cy="353913"/>
+          </a:xfrm>
+          <a:prstGeom prst="rect">
+            <a:avLst/>
+          </a:prstGeom>
+          <a:noFill/>
+          <a:extLst>
+            <a:ext uri="{909E8E84-426E-40DD-AFC4-6F175D3DCCD1}">
+              <a14:hiddenFill xmlns:a14="http://schemas.microsoft.com/office/drawing/2010/main">
+                <a:solidFill>
+                  <a:srgbClr val="FFFFFF"/>
+                </a:solidFill>
+              </a14:hiddenFill>
+            </a:ext>
+          </a:extLst>
+        </p:spPr>
+      </p:pic>
+      <p:pic>
+        <p:nvPicPr>
+          <p:cNvPr id="1028" name="Picture 4" descr="Pytorch. 接續上篇建好虛擬環境，如果覺得本篇已經看不懂的話可以先去看之前的文章，連結如下… | by Chicc | Medium">
+            <a:extLst>
+              <a:ext uri="{FF2B5EF4-FFF2-40B4-BE49-F238E27FC236}">
+                <a16:creationId xmlns:a16="http://schemas.microsoft.com/office/drawing/2014/main" id="{542C0362-CBC2-402E-B258-D42A547FA6D0}"/>
+              </a:ext>
+            </a:extLst>
+          </p:cNvPr>
+          <p:cNvPicPr>
+            <a:picLocks noChangeAspect="1" noChangeArrowheads="1"/>
+          </p:cNvPicPr>
+          <p:nvPr/>
+        </p:nvPicPr>
+        <p:blipFill rotWithShape="1">
+          <a:blip r:embed="rId3" cstate="print">
+            <a:extLst>
+              <a:ext uri="{28A0092B-C50C-407E-A947-70E740481C1C}">
+                <a14:useLocalDpi xmlns:a14="http://schemas.microsoft.com/office/drawing/2010/main" val="0"/>
+              </a:ext>
+            </a:extLst>
+          </a:blip>
+          <a:srcRect t="17743" b="18375"/>
+          <a:stretch/>
+        </p:blipFill>
+        <p:spPr bwMode="auto">
+          <a:xfrm>
+            <a:off x="6010281" y="1504750"/>
+            <a:ext cx="1551231" cy="495481"/>
+          </a:xfrm>
+          <a:prstGeom prst="rect">
+            <a:avLst/>
+          </a:prstGeom>
+          <a:noFill/>
+          <a:extLst>
+            <a:ext uri="{909E8E84-426E-40DD-AFC4-6F175D3DCCD1}">
+              <a14:hiddenFill xmlns:a14="http://schemas.microsoft.com/office/drawing/2010/main">
+                <a:solidFill>
+                  <a:srgbClr val="FFFFFF"/>
+                </a:solidFill>
+              </a14:hiddenFill>
+            </a:ext>
+          </a:extLst>
+        </p:spPr>
+      </p:pic>
+      <p:pic>
+        <p:nvPicPr>
+          <p:cNvPr id="1030" name="Picture 6" descr="Hugging Face - My AI">
+            <a:extLst>
+              <a:ext uri="{FF2B5EF4-FFF2-40B4-BE49-F238E27FC236}">
+                <a16:creationId xmlns:a16="http://schemas.microsoft.com/office/drawing/2014/main" id="{826C2FCB-9B8F-4ED5-9D96-3D6F25348525}"/>
+              </a:ext>
+            </a:extLst>
+          </p:cNvPr>
+          <p:cNvPicPr>
+            <a:picLocks noChangeAspect="1" noChangeArrowheads="1"/>
+          </p:cNvPicPr>
+          <p:nvPr/>
+        </p:nvPicPr>
+        <p:blipFill rotWithShape="1">
+          <a:blip r:embed="rId4" cstate="print">
+            <a:extLst>
+              <a:ext uri="{28A0092B-C50C-407E-A947-70E740481C1C}">
+                <a14:useLocalDpi xmlns:a14="http://schemas.microsoft.com/office/drawing/2010/main" val="0"/>
+              </a:ext>
+            </a:extLst>
+          </a:blip>
+          <a:srcRect l="3968" t="8828" r="4749" b="7084"/>
+          <a:stretch/>
+        </p:blipFill>
+        <p:spPr bwMode="auto">
+          <a:xfrm>
+            <a:off x="7877946" y="1495719"/>
+            <a:ext cx="2159745" cy="528993"/>
+          </a:xfrm>
+          <a:prstGeom prst="rect">
+            <a:avLst/>
+          </a:prstGeom>
+          <a:noFill/>
+          <a:extLst>
+            <a:ext uri="{909E8E84-426E-40DD-AFC4-6F175D3DCCD1}">
+              <a14:hiddenFill xmlns:a14="http://schemas.microsoft.com/office/drawing/2010/main">
+                <a:solidFill>
+                  <a:srgbClr val="FFFFFF"/>
+                </a:solidFill>
+              </a14:hiddenFill>
+            </a:ext>
+          </a:extLst>
+        </p:spPr>
+      </p:pic>
+      <p:sp>
+        <p:nvSpPr>
+          <p:cNvPr id="55" name="矩形 54">
+            <a:extLst>
+              <a:ext uri="{FF2B5EF4-FFF2-40B4-BE49-F238E27FC236}">
+                <a16:creationId xmlns:a16="http://schemas.microsoft.com/office/drawing/2014/main" id="{E1A0F385-6205-4D7C-85DF-2FC6AC4B2C91}"/>
               </a:ext>
             </a:extLst>
           </p:cNvPr>
@@ -17301,131 +15717,8 @@
         </p:nvSpPr>
         <p:spPr bwMode="auto">
           <a:xfrm>
-            <a:off x="7545487" y="4987569"/>
-            <a:ext cx="3281920" cy="369702"/>
-          </a:xfrm>
-          <a:prstGeom prst="rect">
-            <a:avLst/>
-          </a:prstGeom>
-          <a:solidFill>
-            <a:schemeClr val="accent1">
-              <a:lumMod val="50000"/>
-            </a:schemeClr>
-          </a:solidFill>
-          <a:ln w="9525" cap="flat" cmpd="sng" algn="ctr">
-            <a:noFill/>
-            <a:prstDash val="solid"/>
-            <a:round/>
-            <a:headEnd type="none" w="med" len="med"/>
-            <a:tailEnd type="none" w="med" len="med"/>
-          </a:ln>
-          <a:effectLst>
-            <a:outerShdw blurRad="50800" dist="38100" dir="2700000" algn="tl" rotWithShape="0">
-              <a:prstClr val="black">
-                <a:alpha val="40000"/>
-              </a:prstClr>
-            </a:outerShdw>
-          </a:effectLst>
-        </p:spPr>
-        <p:txBody>
-          <a:bodyPr vert="horz" wrap="square" lIns="91440" tIns="45720" rIns="91440" bIns="45720" numCol="3" rtlCol="0" anchor="t" anchorCtr="0" compatLnSpc="1">
-            <a:prstTxWarp prst="textNoShape">
-              <a:avLst/>
-            </a:prstTxWarp>
-          </a:bodyPr>
-          <a:lstStyle/>
-          <a:p>
-            <a:pPr marL="0" marR="0" indent="0" defTabSz="914400" rtl="0" eaLnBrk="1" fontAlgn="base" latinLnBrk="0" hangingPunct="1">
-              <a:lnSpc>
-                <a:spcPct val="200000"/>
-              </a:lnSpc>
-              <a:spcBef>
-                <a:spcPct val="0"/>
-              </a:spcBef>
-              <a:spcAft>
-                <a:spcPct val="0"/>
-              </a:spcAft>
-              <a:buClrTx/>
-              <a:buSzTx/>
-              <a:buFontTx/>
-              <a:buNone/>
-              <a:tabLst/>
-            </a:pPr>
-            <a:endParaRPr kumimoji="1" lang="zh-TW" altLang="en-US" sz="1800" b="0" i="0" u="none" strike="noStrike" cap="none" normalizeH="0" baseline="0" dirty="0">
-              <a:ln>
-                <a:noFill/>
-              </a:ln>
-              <a:solidFill>
-                <a:schemeClr val="bg1"/>
-              </a:solidFill>
-              <a:effectLst/>
-              <a:latin typeface="Arial" charset="0"/>
-              <a:ea typeface="新細明體" pitchFamily="18" charset="-120"/>
-            </a:endParaRPr>
-          </a:p>
-        </p:txBody>
-      </p:sp>
-      <p:sp>
-        <p:nvSpPr>
-          <p:cNvPr id="47" name="文字方塊 46">
-            <a:extLst>
-              <a:ext uri="{FF2B5EF4-FFF2-40B4-BE49-F238E27FC236}">
-                <a16:creationId xmlns:a16="http://schemas.microsoft.com/office/drawing/2014/main" id="{DB228C11-79B5-4836-B08D-FC77B0218D08}"/>
-              </a:ext>
-            </a:extLst>
-          </p:cNvPr>
-          <p:cNvSpPr txBox="1"/>
-          <p:nvPr/>
-        </p:nvSpPr>
-        <p:spPr>
-          <a:xfrm>
-            <a:off x="7543016" y="5019019"/>
-            <a:ext cx="3276114" cy="323165"/>
-          </a:xfrm>
-          <a:prstGeom prst="rect">
-            <a:avLst/>
-          </a:prstGeom>
-          <a:noFill/>
-        </p:spPr>
-        <p:txBody>
-          <a:bodyPr wrap="square" rtlCol="0">
-            <a:spAutoFit/>
-          </a:bodyPr>
-          <a:lstStyle/>
-          <a:p>
-            <a:pPr algn="ctr"/>
-            <a:r>
-              <a:rPr lang="en-US" altLang="zh-TW" sz="1500" dirty="0">
-                <a:solidFill>
-                  <a:schemeClr val="bg1"/>
-                </a:solidFill>
-              </a:rPr>
-              <a:t>Board</a:t>
-            </a:r>
-            <a:endParaRPr lang="zh-TW" altLang="en-US" sz="1500" dirty="0">
-              <a:solidFill>
-                <a:schemeClr val="bg1"/>
-              </a:solidFill>
-            </a:endParaRPr>
-          </a:p>
-        </p:txBody>
-      </p:sp>
-      <p:sp>
-        <p:nvSpPr>
-          <p:cNvPr id="48" name="矩形 47">
-            <a:extLst>
-              <a:ext uri="{FF2B5EF4-FFF2-40B4-BE49-F238E27FC236}">
-                <a16:creationId xmlns:a16="http://schemas.microsoft.com/office/drawing/2014/main" id="{DA438423-EFC5-4B36-902D-2F0DF4B4B90E}"/>
-              </a:ext>
-            </a:extLst>
-          </p:cNvPr>
-          <p:cNvSpPr/>
-          <p:nvPr/>
-        </p:nvSpPr>
-        <p:spPr bwMode="auto">
-          <a:xfrm>
-            <a:off x="4388404" y="4186285"/>
-            <a:ext cx="1527403" cy="338554"/>
+            <a:off x="3844189" y="2181022"/>
+            <a:ext cx="1206128" cy="489974"/>
           </a:xfrm>
           <a:prstGeom prst="rect">
             <a:avLst/>
@@ -17490,10 +15783,10 @@
       </p:sp>
       <p:sp>
         <p:nvSpPr>
-          <p:cNvPr id="49" name="文字方塊 48">
+          <p:cNvPr id="64" name="文字方塊 63">
             <a:extLst>
               <a:ext uri="{FF2B5EF4-FFF2-40B4-BE49-F238E27FC236}">
-                <a16:creationId xmlns:a16="http://schemas.microsoft.com/office/drawing/2014/main" id="{4F9882F6-7D4C-41D8-944E-8A6DDD4AE5A6}"/>
+                <a16:creationId xmlns:a16="http://schemas.microsoft.com/office/drawing/2014/main" id="{402BC357-240B-4D54-B29B-051557F08633}"/>
               </a:ext>
             </a:extLst>
           </p:cNvPr>
@@ -17502,18 +15795,13 @@
         </p:nvSpPr>
         <p:spPr>
           <a:xfrm>
-            <a:off x="4378480" y="4193979"/>
-            <a:ext cx="1529390" cy="338554"/>
+            <a:off x="3859435" y="2252177"/>
+            <a:ext cx="1209863" cy="338554"/>
           </a:xfrm>
           <a:prstGeom prst="rect">
             <a:avLst/>
           </a:prstGeom>
-          <a:solidFill>
-            <a:schemeClr val="tx1">
-              <a:lumMod val="65000"/>
-              <a:lumOff val="35000"/>
-            </a:schemeClr>
-          </a:solidFill>
+          <a:noFill/>
         </p:spPr>
         <p:txBody>
           <a:bodyPr wrap="square" rtlCol="0">
@@ -17528,7 +15816,7 @@
                   <a:schemeClr val="bg1"/>
                 </a:solidFill>
               </a:rPr>
-              <a:t>CUDA</a:t>
+              <a:t>Vision</a:t>
             </a:r>
             <a:endParaRPr lang="zh-TW" altLang="en-US" sz="1600" b="1" dirty="0">
               <a:solidFill>
@@ -17540,10 +15828,10 @@
       </p:sp>
       <p:sp>
         <p:nvSpPr>
-          <p:cNvPr id="50" name="矩形 49">
+          <p:cNvPr id="70" name="矩形 69">
             <a:extLst>
               <a:ext uri="{FF2B5EF4-FFF2-40B4-BE49-F238E27FC236}">
-                <a16:creationId xmlns:a16="http://schemas.microsoft.com/office/drawing/2014/main" id="{77DB8C39-4D0A-4AEC-822A-E07F66DB7D94}"/>
+                <a16:creationId xmlns:a16="http://schemas.microsoft.com/office/drawing/2014/main" id="{BD9A8D3A-25CB-4497-914C-BC33407BF192}"/>
               </a:ext>
             </a:extLst>
           </p:cNvPr>
@@ -17552,7 +15840,1076 @@
         </p:nvSpPr>
         <p:spPr bwMode="auto">
           <a:xfrm>
-            <a:off x="4378479" y="4515225"/>
+            <a:off x="5139827" y="2181022"/>
+            <a:ext cx="1750838" cy="489974"/>
+          </a:xfrm>
+          <a:prstGeom prst="rect">
+            <a:avLst/>
+          </a:prstGeom>
+          <a:solidFill>
+            <a:schemeClr val="bg1">
+              <a:lumMod val="50000"/>
+            </a:schemeClr>
+          </a:solidFill>
+          <a:ln w="9525" cap="flat" cmpd="sng" algn="ctr">
+            <a:noFill/>
+            <a:prstDash val="solid"/>
+            <a:round/>
+            <a:headEnd type="none" w="med" len="med"/>
+            <a:tailEnd type="none" w="med" len="med"/>
+          </a:ln>
+          <a:effectLst>
+            <a:outerShdw blurRad="50800" dist="38100" dir="2700000" algn="tl" rotWithShape="0">
+              <a:prstClr val="black">
+                <a:alpha val="40000"/>
+              </a:prstClr>
+            </a:outerShdw>
+          </a:effectLst>
+        </p:spPr>
+        <p:txBody>
+          <a:bodyPr vert="horz" wrap="square" lIns="91440" tIns="45720" rIns="91440" bIns="45720" numCol="3" rtlCol="0" anchor="t" anchorCtr="0" compatLnSpc="1">
+            <a:prstTxWarp prst="textNoShape">
+              <a:avLst/>
+            </a:prstTxWarp>
+          </a:bodyPr>
+          <a:lstStyle/>
+          <a:p>
+            <a:pPr marL="0" marR="0" indent="0" defTabSz="914400" rtl="0" eaLnBrk="1" fontAlgn="base" latinLnBrk="0" hangingPunct="1">
+              <a:lnSpc>
+                <a:spcPct val="200000"/>
+              </a:lnSpc>
+              <a:spcBef>
+                <a:spcPct val="0"/>
+              </a:spcBef>
+              <a:spcAft>
+                <a:spcPct val="0"/>
+              </a:spcAft>
+              <a:buClrTx/>
+              <a:buSzTx/>
+              <a:buFontTx/>
+              <a:buNone/>
+              <a:tabLst/>
+            </a:pPr>
+            <a:endParaRPr kumimoji="1" lang="zh-TW" altLang="en-US" sz="1800" b="0" i="0" u="none" strike="noStrike" cap="none" normalizeH="0" baseline="0" dirty="0">
+              <a:ln>
+                <a:noFill/>
+              </a:ln>
+              <a:solidFill>
+                <a:schemeClr val="bg1"/>
+              </a:solidFill>
+              <a:effectLst/>
+              <a:latin typeface="Arial" charset="0"/>
+              <a:ea typeface="新細明體" pitchFamily="18" charset="-120"/>
+            </a:endParaRPr>
+          </a:p>
+        </p:txBody>
+      </p:sp>
+      <p:sp>
+        <p:nvSpPr>
+          <p:cNvPr id="71" name="文字方塊 70">
+            <a:extLst>
+              <a:ext uri="{FF2B5EF4-FFF2-40B4-BE49-F238E27FC236}">
+                <a16:creationId xmlns:a16="http://schemas.microsoft.com/office/drawing/2014/main" id="{92C556E6-283E-42F3-A252-591E18B57D64}"/>
+              </a:ext>
+            </a:extLst>
+          </p:cNvPr>
+          <p:cNvSpPr txBox="1"/>
+          <p:nvPr/>
+        </p:nvSpPr>
+        <p:spPr>
+          <a:xfrm>
+            <a:off x="5140664" y="2252177"/>
+            <a:ext cx="1758707" cy="338554"/>
+          </a:xfrm>
+          <a:prstGeom prst="rect">
+            <a:avLst/>
+          </a:prstGeom>
+          <a:noFill/>
+        </p:spPr>
+        <p:txBody>
+          <a:bodyPr wrap="square" rtlCol="0">
+            <a:spAutoFit/>
+          </a:bodyPr>
+          <a:lstStyle/>
+          <a:p>
+            <a:pPr algn="ctr"/>
+            <a:r>
+              <a:rPr lang="en-US" altLang="zh-TW" sz="1600" b="1" dirty="0">
+                <a:solidFill>
+                  <a:schemeClr val="bg1"/>
+                </a:solidFill>
+              </a:rPr>
+              <a:t>Voice/</a:t>
+            </a:r>
+            <a:r>
+              <a:rPr lang="zh-TW" altLang="en-US" sz="1600" b="1" dirty="0">
+                <a:solidFill>
+                  <a:schemeClr val="bg1"/>
+                </a:solidFill>
+              </a:rPr>
+              <a:t> </a:t>
+            </a:r>
+            <a:r>
+              <a:rPr lang="en-US" altLang="zh-TW" sz="1600" b="1" dirty="0">
+                <a:solidFill>
+                  <a:schemeClr val="bg1"/>
+                </a:solidFill>
+              </a:rPr>
+              <a:t>Signal</a:t>
+            </a:r>
+            <a:endParaRPr lang="zh-TW" altLang="en-US" sz="1600" b="1" dirty="0">
+              <a:solidFill>
+                <a:schemeClr val="bg1"/>
+              </a:solidFill>
+            </a:endParaRPr>
+          </a:p>
+        </p:txBody>
+      </p:sp>
+      <p:sp>
+        <p:nvSpPr>
+          <p:cNvPr id="72" name="矩形 71">
+            <a:extLst>
+              <a:ext uri="{FF2B5EF4-FFF2-40B4-BE49-F238E27FC236}">
+                <a16:creationId xmlns:a16="http://schemas.microsoft.com/office/drawing/2014/main" id="{343AB427-7E44-46A3-A3C4-52BEAD6BBAF3}"/>
+              </a:ext>
+            </a:extLst>
+          </p:cNvPr>
+          <p:cNvSpPr/>
+          <p:nvPr/>
+        </p:nvSpPr>
+        <p:spPr bwMode="auto">
+          <a:xfrm>
+            <a:off x="6980611" y="2179741"/>
+            <a:ext cx="1481458" cy="489974"/>
+          </a:xfrm>
+          <a:prstGeom prst="rect">
+            <a:avLst/>
+          </a:prstGeom>
+          <a:solidFill>
+            <a:schemeClr val="bg1">
+              <a:lumMod val="50000"/>
+            </a:schemeClr>
+          </a:solidFill>
+          <a:ln w="9525" cap="flat" cmpd="sng" algn="ctr">
+            <a:noFill/>
+            <a:prstDash val="solid"/>
+            <a:round/>
+            <a:headEnd type="none" w="med" len="med"/>
+            <a:tailEnd type="none" w="med" len="med"/>
+          </a:ln>
+          <a:effectLst>
+            <a:outerShdw blurRad="50800" dist="38100" dir="2700000" algn="tl" rotWithShape="0">
+              <a:prstClr val="black">
+                <a:alpha val="40000"/>
+              </a:prstClr>
+            </a:outerShdw>
+          </a:effectLst>
+        </p:spPr>
+        <p:txBody>
+          <a:bodyPr vert="horz" wrap="square" lIns="91440" tIns="45720" rIns="91440" bIns="45720" numCol="3" rtlCol="0" anchor="t" anchorCtr="0" compatLnSpc="1">
+            <a:prstTxWarp prst="textNoShape">
+              <a:avLst/>
+            </a:prstTxWarp>
+          </a:bodyPr>
+          <a:lstStyle/>
+          <a:p>
+            <a:pPr marL="0" marR="0" indent="0" defTabSz="914400" rtl="0" eaLnBrk="1" fontAlgn="base" latinLnBrk="0" hangingPunct="1">
+              <a:lnSpc>
+                <a:spcPct val="200000"/>
+              </a:lnSpc>
+              <a:spcBef>
+                <a:spcPct val="0"/>
+              </a:spcBef>
+              <a:spcAft>
+                <a:spcPct val="0"/>
+              </a:spcAft>
+              <a:buClrTx/>
+              <a:buSzTx/>
+              <a:buFontTx/>
+              <a:buNone/>
+              <a:tabLst/>
+            </a:pPr>
+            <a:endParaRPr kumimoji="1" lang="zh-TW" altLang="en-US" sz="1800" b="0" i="0" u="none" strike="noStrike" cap="none" normalizeH="0" baseline="0" dirty="0">
+              <a:ln>
+                <a:noFill/>
+              </a:ln>
+              <a:solidFill>
+                <a:schemeClr val="bg1"/>
+              </a:solidFill>
+              <a:effectLst/>
+              <a:latin typeface="Arial" charset="0"/>
+              <a:ea typeface="新細明體" pitchFamily="18" charset="-120"/>
+            </a:endParaRPr>
+          </a:p>
+        </p:txBody>
+      </p:sp>
+      <p:sp>
+        <p:nvSpPr>
+          <p:cNvPr id="73" name="文字方塊 72">
+            <a:extLst>
+              <a:ext uri="{FF2B5EF4-FFF2-40B4-BE49-F238E27FC236}">
+                <a16:creationId xmlns:a16="http://schemas.microsoft.com/office/drawing/2014/main" id="{529CD397-5798-463A-ADF4-81F992F850FE}"/>
+              </a:ext>
+            </a:extLst>
+          </p:cNvPr>
+          <p:cNvSpPr txBox="1"/>
+          <p:nvPr/>
+        </p:nvSpPr>
+        <p:spPr>
+          <a:xfrm>
+            <a:off x="6984656" y="2242950"/>
+            <a:ext cx="1495099" cy="338554"/>
+          </a:xfrm>
+          <a:prstGeom prst="rect">
+            <a:avLst/>
+          </a:prstGeom>
+          <a:noFill/>
+        </p:spPr>
+        <p:txBody>
+          <a:bodyPr wrap="square" rtlCol="0">
+            <a:spAutoFit/>
+          </a:bodyPr>
+          <a:lstStyle/>
+          <a:p>
+            <a:pPr algn="ctr"/>
+            <a:r>
+              <a:rPr lang="en-US" altLang="zh-TW" sz="1600" b="1" dirty="0">
+                <a:solidFill>
+                  <a:schemeClr val="bg1"/>
+                </a:solidFill>
+              </a:rPr>
+              <a:t>Language</a:t>
+            </a:r>
+          </a:p>
+        </p:txBody>
+      </p:sp>
+      <p:sp>
+        <p:nvSpPr>
+          <p:cNvPr id="74" name="矩形 73">
+            <a:extLst>
+              <a:ext uri="{FF2B5EF4-FFF2-40B4-BE49-F238E27FC236}">
+                <a16:creationId xmlns:a16="http://schemas.microsoft.com/office/drawing/2014/main" id="{B69799E6-F8C6-4C14-AEE0-BEB4CF34680F}"/>
+              </a:ext>
+            </a:extLst>
+          </p:cNvPr>
+          <p:cNvSpPr/>
+          <p:nvPr/>
+        </p:nvSpPr>
+        <p:spPr bwMode="auto">
+          <a:xfrm>
+            <a:off x="8548960" y="2176228"/>
+            <a:ext cx="1738284" cy="489974"/>
+          </a:xfrm>
+          <a:prstGeom prst="rect">
+            <a:avLst/>
+          </a:prstGeom>
+          <a:solidFill>
+            <a:schemeClr val="bg1">
+              <a:lumMod val="50000"/>
+            </a:schemeClr>
+          </a:solidFill>
+          <a:ln w="9525" cap="flat" cmpd="sng" algn="ctr">
+            <a:noFill/>
+            <a:prstDash val="solid"/>
+            <a:round/>
+            <a:headEnd type="none" w="med" len="med"/>
+            <a:tailEnd type="none" w="med" len="med"/>
+          </a:ln>
+          <a:effectLst>
+            <a:outerShdw blurRad="50800" dist="38100" dir="2700000" algn="tl" rotWithShape="0">
+              <a:prstClr val="black">
+                <a:alpha val="40000"/>
+              </a:prstClr>
+            </a:outerShdw>
+          </a:effectLst>
+        </p:spPr>
+        <p:txBody>
+          <a:bodyPr vert="horz" wrap="square" lIns="91440" tIns="45720" rIns="91440" bIns="45720" numCol="3" rtlCol="0" anchor="t" anchorCtr="0" compatLnSpc="1">
+            <a:prstTxWarp prst="textNoShape">
+              <a:avLst/>
+            </a:prstTxWarp>
+          </a:bodyPr>
+          <a:lstStyle/>
+          <a:p>
+            <a:pPr marL="0" marR="0" indent="0" defTabSz="914400" rtl="0" eaLnBrk="1" fontAlgn="base" latinLnBrk="0" hangingPunct="1">
+              <a:lnSpc>
+                <a:spcPct val="200000"/>
+              </a:lnSpc>
+              <a:spcBef>
+                <a:spcPct val="0"/>
+              </a:spcBef>
+              <a:spcAft>
+                <a:spcPct val="0"/>
+              </a:spcAft>
+              <a:buClrTx/>
+              <a:buSzTx/>
+              <a:buFontTx/>
+              <a:buNone/>
+              <a:tabLst/>
+            </a:pPr>
+            <a:endParaRPr kumimoji="1" lang="zh-TW" altLang="en-US" sz="1800" b="0" i="0" u="none" strike="noStrike" cap="none" normalizeH="0" baseline="0" dirty="0">
+              <a:ln>
+                <a:noFill/>
+              </a:ln>
+              <a:solidFill>
+                <a:schemeClr val="bg1"/>
+              </a:solidFill>
+              <a:effectLst/>
+              <a:latin typeface="Arial" charset="0"/>
+              <a:ea typeface="新細明體" pitchFamily="18" charset="-120"/>
+            </a:endParaRPr>
+          </a:p>
+        </p:txBody>
+      </p:sp>
+      <p:sp>
+        <p:nvSpPr>
+          <p:cNvPr id="75" name="文字方塊 74">
+            <a:extLst>
+              <a:ext uri="{FF2B5EF4-FFF2-40B4-BE49-F238E27FC236}">
+                <a16:creationId xmlns:a16="http://schemas.microsoft.com/office/drawing/2014/main" id="{54182CD8-9A1F-4BA7-8CC9-3502C4CB8CCA}"/>
+              </a:ext>
+            </a:extLst>
+          </p:cNvPr>
+          <p:cNvSpPr txBox="1"/>
+          <p:nvPr/>
+        </p:nvSpPr>
+        <p:spPr>
+          <a:xfrm>
+            <a:off x="8573587" y="2154350"/>
+            <a:ext cx="1713657" cy="523220"/>
+          </a:xfrm>
+          <a:prstGeom prst="rect">
+            <a:avLst/>
+          </a:prstGeom>
+          <a:noFill/>
+        </p:spPr>
+        <p:txBody>
+          <a:bodyPr wrap="square" rtlCol="0">
+            <a:spAutoFit/>
+          </a:bodyPr>
+          <a:lstStyle/>
+          <a:p>
+            <a:pPr algn="ctr"/>
+            <a:r>
+              <a:rPr lang="en-US" altLang="zh-TW" sz="1400" b="1" dirty="0">
+                <a:solidFill>
+                  <a:schemeClr val="bg1"/>
+                </a:solidFill>
+              </a:rPr>
+              <a:t>Processing and Optimization</a:t>
+            </a:r>
+          </a:p>
+        </p:txBody>
+      </p:sp>
+      <p:cxnSp>
+        <p:nvCxnSpPr>
+          <p:cNvPr id="7" name="直線接點 6">
+            <a:extLst>
+              <a:ext uri="{FF2B5EF4-FFF2-40B4-BE49-F238E27FC236}">
+                <a16:creationId xmlns:a16="http://schemas.microsoft.com/office/drawing/2014/main" id="{C279580A-0C76-44DB-AFC9-31A9C5C13CCB}"/>
+              </a:ext>
+            </a:extLst>
+          </p:cNvPr>
+          <p:cNvCxnSpPr>
+            <a:cxnSpLocks/>
+          </p:cNvCxnSpPr>
+          <p:nvPr/>
+        </p:nvCxnSpPr>
+        <p:spPr bwMode="auto">
+          <a:xfrm flipH="1">
+            <a:off x="888467" y="2875808"/>
+            <a:ext cx="9743939" cy="0"/>
+          </a:xfrm>
+          <a:prstGeom prst="line">
+            <a:avLst/>
+          </a:prstGeom>
+          <a:solidFill>
+            <a:schemeClr val="accent1"/>
+          </a:solidFill>
+          <a:ln w="9525" cap="flat" cmpd="sng" algn="ctr">
+            <a:solidFill>
+              <a:schemeClr val="bg2"/>
+            </a:solidFill>
+            <a:prstDash val="solid"/>
+            <a:round/>
+            <a:headEnd type="none" w="med" len="med"/>
+            <a:tailEnd type="none" w="med" len="med"/>
+          </a:ln>
+          <a:effectLst/>
+        </p:spPr>
+      </p:cxnSp>
+      <p:sp>
+        <p:nvSpPr>
+          <p:cNvPr id="124" name="文字方塊 123">
+            <a:extLst>
+              <a:ext uri="{FF2B5EF4-FFF2-40B4-BE49-F238E27FC236}">
+                <a16:creationId xmlns:a16="http://schemas.microsoft.com/office/drawing/2014/main" id="{E88D95E1-22A4-43E7-8397-D086B5F493FE}"/>
+              </a:ext>
+            </a:extLst>
+          </p:cNvPr>
+          <p:cNvSpPr txBox="1"/>
+          <p:nvPr/>
+        </p:nvSpPr>
+        <p:spPr>
+          <a:xfrm>
+            <a:off x="862392" y="3553330"/>
+            <a:ext cx="3119203" cy="1015663"/>
+          </a:xfrm>
+          <a:prstGeom prst="rect">
+            <a:avLst/>
+          </a:prstGeom>
+          <a:noFill/>
+        </p:spPr>
+        <p:txBody>
+          <a:bodyPr wrap="square" rtlCol="0">
+            <a:spAutoFit/>
+          </a:bodyPr>
+          <a:lstStyle/>
+          <a:p>
+            <a:pPr marL="285750" indent="-285750">
+              <a:buFontTx/>
+              <a:buChar char="-"/>
+            </a:pPr>
+            <a:r>
+              <a:rPr lang="en-US" altLang="zh-TW" sz="1500" dirty="0"/>
+              <a:t>Model Development</a:t>
+            </a:r>
+          </a:p>
+          <a:p>
+            <a:pPr marL="285750" indent="-285750">
+              <a:buFontTx/>
+              <a:buChar char="-"/>
+            </a:pPr>
+            <a:r>
+              <a:rPr lang="en-US" altLang="zh-TW" sz="1500" dirty="0"/>
+              <a:t>Cloud based </a:t>
+            </a:r>
+            <a:r>
+              <a:rPr lang="en-US" altLang="zh-TW" sz="1500" dirty="0" err="1"/>
+              <a:t>Sevices</a:t>
+            </a:r>
+            <a:endParaRPr lang="en-US" altLang="zh-TW" sz="1500" dirty="0"/>
+          </a:p>
+          <a:p>
+            <a:pPr marL="285750" indent="-285750">
+              <a:buFontTx/>
+              <a:buChar char="-"/>
+            </a:pPr>
+            <a:r>
+              <a:rPr lang="en-US" altLang="zh-TW" sz="1500" dirty="0"/>
+              <a:t>General Application (ex. Game, Digital Twin…</a:t>
+            </a:r>
+            <a:r>
+              <a:rPr lang="en-US" altLang="zh-TW" sz="1500" dirty="0" err="1"/>
+              <a:t>etc</a:t>
+            </a:r>
+            <a:r>
+              <a:rPr lang="en-US" altLang="zh-TW" sz="1500" dirty="0"/>
+              <a:t>)</a:t>
+            </a:r>
+          </a:p>
+        </p:txBody>
+      </p:sp>
+      <p:sp>
+        <p:nvSpPr>
+          <p:cNvPr id="130" name="矩形 129">
+            <a:extLst>
+              <a:ext uri="{FF2B5EF4-FFF2-40B4-BE49-F238E27FC236}">
+                <a16:creationId xmlns:a16="http://schemas.microsoft.com/office/drawing/2014/main" id="{CD1E8602-2CA8-4D7D-8799-0FF70D8B834E}"/>
+              </a:ext>
+            </a:extLst>
+          </p:cNvPr>
+          <p:cNvSpPr/>
+          <p:nvPr/>
+        </p:nvSpPr>
+        <p:spPr bwMode="auto">
+          <a:xfrm>
+            <a:off x="3772402" y="3012321"/>
+            <a:ext cx="3298545" cy="526286"/>
+          </a:xfrm>
+          <a:prstGeom prst="rect">
+            <a:avLst/>
+          </a:prstGeom>
+          <a:solidFill>
+            <a:schemeClr val="accent3">
+              <a:lumMod val="75000"/>
+            </a:schemeClr>
+          </a:solidFill>
+          <a:ln w="9525" cap="flat" cmpd="sng" algn="ctr">
+            <a:noFill/>
+            <a:prstDash val="solid"/>
+            <a:round/>
+            <a:headEnd type="none" w="med" len="med"/>
+            <a:tailEnd type="none" w="med" len="med"/>
+          </a:ln>
+          <a:effectLst/>
+        </p:spPr>
+        <p:txBody>
+          <a:bodyPr vert="horz" wrap="square" lIns="91440" tIns="45720" rIns="91440" bIns="45720" numCol="3" rtlCol="0" anchor="t" anchorCtr="0" compatLnSpc="1">
+            <a:prstTxWarp prst="textNoShape">
+              <a:avLst/>
+            </a:prstTxWarp>
+          </a:bodyPr>
+          <a:lstStyle/>
+          <a:p>
+            <a:pPr marL="0" marR="0" indent="0" defTabSz="914400" rtl="0" eaLnBrk="1" fontAlgn="base" latinLnBrk="0" hangingPunct="1">
+              <a:lnSpc>
+                <a:spcPct val="200000"/>
+              </a:lnSpc>
+              <a:spcBef>
+                <a:spcPct val="0"/>
+              </a:spcBef>
+              <a:spcAft>
+                <a:spcPct val="0"/>
+              </a:spcAft>
+              <a:buClrTx/>
+              <a:buSzTx/>
+              <a:buFontTx/>
+              <a:buNone/>
+              <a:tabLst/>
+            </a:pPr>
+            <a:endParaRPr kumimoji="1" lang="zh-TW" altLang="en-US" sz="1800" b="0" i="0" u="none" strike="noStrike" cap="none" normalizeH="0" baseline="0" dirty="0">
+              <a:ln>
+                <a:noFill/>
+              </a:ln>
+              <a:solidFill>
+                <a:schemeClr val="bg1"/>
+              </a:solidFill>
+              <a:effectLst/>
+              <a:latin typeface="Arial" charset="0"/>
+              <a:ea typeface="新細明體" pitchFamily="18" charset="-120"/>
+            </a:endParaRPr>
+          </a:p>
+        </p:txBody>
+      </p:sp>
+      <p:sp>
+        <p:nvSpPr>
+          <p:cNvPr id="133" name="矩形 132">
+            <a:extLst>
+              <a:ext uri="{FF2B5EF4-FFF2-40B4-BE49-F238E27FC236}">
+                <a16:creationId xmlns:a16="http://schemas.microsoft.com/office/drawing/2014/main" id="{AA95BF2B-C446-427C-984D-9A566C3A069D}"/>
+              </a:ext>
+            </a:extLst>
+          </p:cNvPr>
+          <p:cNvSpPr/>
+          <p:nvPr/>
+        </p:nvSpPr>
+        <p:spPr bwMode="auto">
+          <a:xfrm>
+            <a:off x="5479249" y="3081208"/>
+            <a:ext cx="1473303" cy="338554"/>
+          </a:xfrm>
+          <a:prstGeom prst="rect">
+            <a:avLst/>
+          </a:prstGeom>
+          <a:solidFill>
+            <a:schemeClr val="tx1"/>
+          </a:solidFill>
+          <a:ln>
+            <a:noFill/>
+            <a:headEnd type="none" w="med" len="med"/>
+            <a:tailEnd type="none" w="med" len="med"/>
+          </a:ln>
+          <a:effectLst>
+            <a:outerShdw blurRad="50800" dist="38100" dir="2700000" algn="tl" rotWithShape="0">
+              <a:prstClr val="black">
+                <a:alpha val="40000"/>
+              </a:prstClr>
+            </a:outerShdw>
+          </a:effectLst>
+        </p:spPr>
+        <p:style>
+          <a:lnRef idx="2">
+            <a:schemeClr val="dk1"/>
+          </a:lnRef>
+          <a:fillRef idx="1">
+            <a:schemeClr val="lt1"/>
+          </a:fillRef>
+          <a:effectRef idx="0">
+            <a:schemeClr val="dk1"/>
+          </a:effectRef>
+          <a:fontRef idx="minor">
+            <a:schemeClr val="dk1"/>
+          </a:fontRef>
+        </p:style>
+        <p:txBody>
+          <a:bodyPr vert="horz" wrap="square" lIns="91440" tIns="45720" rIns="91440" bIns="45720" numCol="3" rtlCol="0" anchor="t" anchorCtr="0" compatLnSpc="1">
+            <a:prstTxWarp prst="textNoShape">
+              <a:avLst/>
+            </a:prstTxWarp>
+          </a:bodyPr>
+          <a:lstStyle/>
+          <a:p>
+            <a:pPr marL="0" marR="0" indent="0" defTabSz="914400" rtl="0" eaLnBrk="1" fontAlgn="base" latinLnBrk="0" hangingPunct="1">
+              <a:lnSpc>
+                <a:spcPct val="200000"/>
+              </a:lnSpc>
+              <a:spcBef>
+                <a:spcPct val="0"/>
+              </a:spcBef>
+              <a:spcAft>
+                <a:spcPct val="0"/>
+              </a:spcAft>
+              <a:buClrTx/>
+              <a:buSzTx/>
+              <a:buFontTx/>
+              <a:buNone/>
+              <a:tabLst/>
+            </a:pPr>
+            <a:endParaRPr kumimoji="1" lang="zh-TW" altLang="en-US" sz="1800" b="0" i="0" u="none" strike="noStrike" cap="none" normalizeH="0" baseline="0" dirty="0">
+              <a:ln>
+                <a:noFill/>
+              </a:ln>
+              <a:solidFill>
+                <a:schemeClr val="bg1"/>
+              </a:solidFill>
+              <a:effectLst/>
+              <a:latin typeface="Arial" charset="0"/>
+              <a:ea typeface="新細明體" pitchFamily="18" charset="-120"/>
+            </a:endParaRPr>
+          </a:p>
+        </p:txBody>
+      </p:sp>
+      <p:sp>
+        <p:nvSpPr>
+          <p:cNvPr id="134" name="文字方塊 133">
+            <a:extLst>
+              <a:ext uri="{FF2B5EF4-FFF2-40B4-BE49-F238E27FC236}">
+                <a16:creationId xmlns:a16="http://schemas.microsoft.com/office/drawing/2014/main" id="{9AD23D12-D14D-49C1-9B21-723273DA7B38}"/>
+              </a:ext>
+            </a:extLst>
+          </p:cNvPr>
+          <p:cNvSpPr txBox="1"/>
+          <p:nvPr/>
+        </p:nvSpPr>
+        <p:spPr>
+          <a:xfrm>
+            <a:off x="5476625" y="3092356"/>
+            <a:ext cx="1518735" cy="323165"/>
+          </a:xfrm>
+          <a:prstGeom prst="rect">
+            <a:avLst/>
+          </a:prstGeom>
+          <a:noFill/>
+        </p:spPr>
+        <p:txBody>
+          <a:bodyPr wrap="square" rtlCol="0">
+            <a:spAutoFit/>
+          </a:bodyPr>
+          <a:lstStyle/>
+          <a:p>
+            <a:pPr algn="ctr"/>
+            <a:r>
+              <a:rPr lang="en-US" altLang="zh-TW" sz="1500" b="1" dirty="0" err="1">
+                <a:solidFill>
+                  <a:schemeClr val="bg1"/>
+                </a:solidFill>
+              </a:rPr>
+              <a:t>ROCm</a:t>
+            </a:r>
+            <a:endParaRPr lang="zh-TW" altLang="en-US" sz="1500" b="1" dirty="0">
+              <a:solidFill>
+                <a:schemeClr val="bg1"/>
+              </a:solidFill>
+            </a:endParaRPr>
+          </a:p>
+        </p:txBody>
+      </p:sp>
+      <p:sp>
+        <p:nvSpPr>
+          <p:cNvPr id="135" name="文字方塊 134">
+            <a:extLst>
+              <a:ext uri="{FF2B5EF4-FFF2-40B4-BE49-F238E27FC236}">
+                <a16:creationId xmlns:a16="http://schemas.microsoft.com/office/drawing/2014/main" id="{D72ECD7F-574A-4E02-B1EB-822FB50322DF}"/>
+              </a:ext>
+            </a:extLst>
+          </p:cNvPr>
+          <p:cNvSpPr txBox="1"/>
+          <p:nvPr/>
+        </p:nvSpPr>
+        <p:spPr>
+          <a:xfrm>
+            <a:off x="3750722" y="3524458"/>
+            <a:ext cx="3332925" cy="307777"/>
+          </a:xfrm>
+          <a:prstGeom prst="rect">
+            <a:avLst/>
+          </a:prstGeom>
+          <a:noFill/>
+        </p:spPr>
+        <p:txBody>
+          <a:bodyPr wrap="square" rtlCol="0">
+            <a:spAutoFit/>
+          </a:bodyPr>
+          <a:lstStyle/>
+          <a:p>
+            <a:pPr algn="ctr"/>
+            <a:r>
+              <a:rPr lang="en-US" altLang="zh-TW" sz="1400" b="1" dirty="0"/>
+              <a:t>Data Center (GPU)</a:t>
+            </a:r>
+            <a:endParaRPr lang="zh-TW" altLang="en-US" sz="1400" b="1" dirty="0"/>
+          </a:p>
+        </p:txBody>
+      </p:sp>
+      <p:sp>
+        <p:nvSpPr>
+          <p:cNvPr id="159" name="矩形 158">
+            <a:extLst>
+              <a:ext uri="{FF2B5EF4-FFF2-40B4-BE49-F238E27FC236}">
+                <a16:creationId xmlns:a16="http://schemas.microsoft.com/office/drawing/2014/main" id="{05B69522-6962-4B00-823A-4280D5ADD61A}"/>
+              </a:ext>
+            </a:extLst>
+          </p:cNvPr>
+          <p:cNvSpPr/>
+          <p:nvPr/>
+        </p:nvSpPr>
+        <p:spPr bwMode="auto">
+          <a:xfrm>
+            <a:off x="3775632" y="3907972"/>
+            <a:ext cx="6636369" cy="540748"/>
+          </a:xfrm>
+          <a:prstGeom prst="rect">
+            <a:avLst/>
+          </a:prstGeom>
+          <a:solidFill>
+            <a:schemeClr val="bg1">
+              <a:lumMod val="95000"/>
+            </a:schemeClr>
+          </a:solidFill>
+          <a:ln w="19050" cap="flat" cmpd="sng" algn="ctr">
+            <a:solidFill>
+              <a:schemeClr val="tx1">
+                <a:lumMod val="65000"/>
+                <a:lumOff val="35000"/>
+              </a:schemeClr>
+            </a:solidFill>
+            <a:prstDash val="sysDot"/>
+            <a:round/>
+            <a:headEnd type="none" w="med" len="med"/>
+            <a:tailEnd type="none" w="med" len="med"/>
+          </a:ln>
+          <a:effectLst/>
+        </p:spPr>
+        <p:txBody>
+          <a:bodyPr vert="horz" wrap="square" lIns="91440" tIns="45720" rIns="91440" bIns="45720" numCol="3" rtlCol="0" anchor="t" anchorCtr="0" compatLnSpc="1">
+            <a:prstTxWarp prst="textNoShape">
+              <a:avLst/>
+            </a:prstTxWarp>
+          </a:bodyPr>
+          <a:lstStyle/>
+          <a:p>
+            <a:pPr marL="0" marR="0" indent="0" defTabSz="914400" rtl="0" eaLnBrk="1" fontAlgn="base" latinLnBrk="0" hangingPunct="1">
+              <a:lnSpc>
+                <a:spcPct val="200000"/>
+              </a:lnSpc>
+              <a:spcBef>
+                <a:spcPct val="0"/>
+              </a:spcBef>
+              <a:spcAft>
+                <a:spcPct val="0"/>
+              </a:spcAft>
+              <a:buClrTx/>
+              <a:buSzTx/>
+              <a:buFontTx/>
+              <a:buNone/>
+              <a:tabLst/>
+            </a:pPr>
+            <a:endParaRPr kumimoji="1" lang="zh-TW" altLang="en-US" sz="1800" b="0" i="0" u="none" strike="noStrike" cap="none" normalizeH="0" baseline="0" dirty="0">
+              <a:ln>
+                <a:noFill/>
+              </a:ln>
+              <a:solidFill>
+                <a:schemeClr val="bg1"/>
+              </a:solidFill>
+              <a:effectLst/>
+              <a:latin typeface="Arial" charset="0"/>
+              <a:ea typeface="新細明體" pitchFamily="18" charset="-120"/>
+            </a:endParaRPr>
+          </a:p>
+        </p:txBody>
+      </p:sp>
+      <p:sp>
+        <p:nvSpPr>
+          <p:cNvPr id="168" name="矩形 167">
+            <a:extLst>
+              <a:ext uri="{FF2B5EF4-FFF2-40B4-BE49-F238E27FC236}">
+                <a16:creationId xmlns:a16="http://schemas.microsoft.com/office/drawing/2014/main" id="{566F9103-38E0-4373-A6AD-6EE8B7685066}"/>
+              </a:ext>
+            </a:extLst>
+          </p:cNvPr>
+          <p:cNvSpPr/>
+          <p:nvPr/>
+        </p:nvSpPr>
+        <p:spPr bwMode="auto">
+          <a:xfrm>
+            <a:off x="7423343" y="4004429"/>
+            <a:ext cx="1473303" cy="338554"/>
+          </a:xfrm>
+          <a:prstGeom prst="rect">
+            <a:avLst/>
+          </a:prstGeom>
+          <a:solidFill>
+            <a:srgbClr val="F39F23"/>
+          </a:solidFill>
+          <a:ln>
+            <a:noFill/>
+            <a:headEnd type="none" w="med" len="med"/>
+            <a:tailEnd type="none" w="med" len="med"/>
+          </a:ln>
+          <a:effectLst>
+            <a:outerShdw blurRad="50800" dist="38100" dir="2700000" algn="tl" rotWithShape="0">
+              <a:prstClr val="black">
+                <a:alpha val="40000"/>
+              </a:prstClr>
+            </a:outerShdw>
+          </a:effectLst>
+        </p:spPr>
+        <p:style>
+          <a:lnRef idx="2">
+            <a:schemeClr val="dk1"/>
+          </a:lnRef>
+          <a:fillRef idx="1">
+            <a:schemeClr val="lt1"/>
+          </a:fillRef>
+          <a:effectRef idx="0">
+            <a:schemeClr val="dk1"/>
+          </a:effectRef>
+          <a:fontRef idx="minor">
+            <a:schemeClr val="dk1"/>
+          </a:fontRef>
+        </p:style>
+        <p:txBody>
+          <a:bodyPr vert="horz" wrap="square" lIns="91440" tIns="45720" rIns="91440" bIns="45720" numCol="3" rtlCol="0" anchor="t" anchorCtr="0" compatLnSpc="1">
+            <a:prstTxWarp prst="textNoShape">
+              <a:avLst/>
+            </a:prstTxWarp>
+          </a:bodyPr>
+          <a:lstStyle/>
+          <a:p>
+            <a:pPr marL="0" marR="0" indent="0" defTabSz="914400" rtl="0" eaLnBrk="1" fontAlgn="base" latinLnBrk="0" hangingPunct="1">
+              <a:lnSpc>
+                <a:spcPct val="200000"/>
+              </a:lnSpc>
+              <a:spcBef>
+                <a:spcPct val="0"/>
+              </a:spcBef>
+              <a:spcAft>
+                <a:spcPct val="0"/>
+              </a:spcAft>
+              <a:buClrTx/>
+              <a:buSzTx/>
+              <a:buFontTx/>
+              <a:buNone/>
+              <a:tabLst/>
+            </a:pPr>
+            <a:endParaRPr kumimoji="1" lang="zh-TW" altLang="en-US" sz="1800" b="0" i="0" u="none" strike="noStrike" cap="none" normalizeH="0" baseline="0" dirty="0">
+              <a:ln>
+                <a:noFill/>
+              </a:ln>
+              <a:solidFill>
+                <a:schemeClr val="bg1"/>
+              </a:solidFill>
+              <a:effectLst/>
+              <a:latin typeface="Arial" charset="0"/>
+              <a:ea typeface="新細明體" pitchFamily="18" charset="-120"/>
+            </a:endParaRPr>
+          </a:p>
+        </p:txBody>
+      </p:sp>
+      <p:sp>
+        <p:nvSpPr>
+          <p:cNvPr id="169" name="文字方塊 168">
+            <a:extLst>
+              <a:ext uri="{FF2B5EF4-FFF2-40B4-BE49-F238E27FC236}">
+                <a16:creationId xmlns:a16="http://schemas.microsoft.com/office/drawing/2014/main" id="{30D2DBEB-8291-446B-B6A8-C1C52280D805}"/>
+              </a:ext>
+            </a:extLst>
+          </p:cNvPr>
+          <p:cNvSpPr txBox="1"/>
+          <p:nvPr/>
+        </p:nvSpPr>
+        <p:spPr>
+          <a:xfrm>
+            <a:off x="7418949" y="4004429"/>
+            <a:ext cx="1518735" cy="323165"/>
+          </a:xfrm>
+          <a:prstGeom prst="rect">
+            <a:avLst/>
+          </a:prstGeom>
+          <a:noFill/>
+        </p:spPr>
+        <p:txBody>
+          <a:bodyPr wrap="square" rtlCol="0">
+            <a:spAutoFit/>
+          </a:bodyPr>
+          <a:lstStyle/>
+          <a:p>
+            <a:pPr algn="ctr"/>
+            <a:r>
+              <a:rPr lang="en-US" altLang="zh-TW" sz="1500" b="1" dirty="0" err="1">
+                <a:solidFill>
+                  <a:schemeClr val="bg1"/>
+                </a:solidFill>
+              </a:rPr>
+              <a:t>NeuronPilot</a:t>
+            </a:r>
+            <a:endParaRPr lang="zh-TW" altLang="en-US" sz="1500" b="1" dirty="0">
+              <a:solidFill>
+                <a:schemeClr val="bg1"/>
+              </a:solidFill>
+            </a:endParaRPr>
+          </a:p>
+        </p:txBody>
+      </p:sp>
+      <p:sp>
+        <p:nvSpPr>
+          <p:cNvPr id="170" name="矩形 169">
+            <a:extLst>
+              <a:ext uri="{FF2B5EF4-FFF2-40B4-BE49-F238E27FC236}">
+                <a16:creationId xmlns:a16="http://schemas.microsoft.com/office/drawing/2014/main" id="{1C06F38A-5784-44FB-8B18-38EC263A8D98}"/>
+              </a:ext>
+            </a:extLst>
+          </p:cNvPr>
+          <p:cNvSpPr/>
+          <p:nvPr/>
+        </p:nvSpPr>
+        <p:spPr bwMode="auto">
+          <a:xfrm>
+            <a:off x="5637255" y="3993906"/>
+            <a:ext cx="1473303" cy="338554"/>
+          </a:xfrm>
+          <a:prstGeom prst="rect">
+            <a:avLst/>
+          </a:prstGeom>
+          <a:solidFill>
+            <a:srgbClr val="49AFDB"/>
+          </a:solidFill>
+          <a:ln>
+            <a:noFill/>
+            <a:headEnd type="none" w="med" len="med"/>
+            <a:tailEnd type="none" w="med" len="med"/>
+          </a:ln>
+          <a:effectLst>
+            <a:outerShdw blurRad="50800" dist="38100" dir="2700000" algn="tl" rotWithShape="0">
+              <a:prstClr val="black">
+                <a:alpha val="40000"/>
+              </a:prstClr>
+            </a:outerShdw>
+          </a:effectLst>
+        </p:spPr>
+        <p:style>
+          <a:lnRef idx="2">
+            <a:schemeClr val="dk1"/>
+          </a:lnRef>
+          <a:fillRef idx="1">
+            <a:schemeClr val="lt1"/>
+          </a:fillRef>
+          <a:effectRef idx="0">
+            <a:schemeClr val="dk1"/>
+          </a:effectRef>
+          <a:fontRef idx="minor">
+            <a:schemeClr val="dk1"/>
+          </a:fontRef>
+        </p:style>
+        <p:txBody>
+          <a:bodyPr vert="horz" wrap="square" lIns="91440" tIns="45720" rIns="91440" bIns="45720" numCol="3" rtlCol="0" anchor="t" anchorCtr="0" compatLnSpc="1">
+            <a:prstTxWarp prst="textNoShape">
+              <a:avLst/>
+            </a:prstTxWarp>
+          </a:bodyPr>
+          <a:lstStyle/>
+          <a:p>
+            <a:pPr marL="0" marR="0" indent="0" defTabSz="914400" rtl="0" eaLnBrk="1" fontAlgn="base" latinLnBrk="0" hangingPunct="1">
+              <a:lnSpc>
+                <a:spcPct val="200000"/>
+              </a:lnSpc>
+              <a:spcBef>
+                <a:spcPct val="0"/>
+              </a:spcBef>
+              <a:spcAft>
+                <a:spcPct val="0"/>
+              </a:spcAft>
+              <a:buClrTx/>
+              <a:buSzTx/>
+              <a:buFontTx/>
+              <a:buNone/>
+              <a:tabLst/>
+            </a:pPr>
+            <a:endParaRPr kumimoji="1" lang="zh-TW" altLang="en-US" sz="1800" b="0" i="0" u="none" strike="noStrike" cap="none" normalizeH="0" baseline="0" dirty="0">
+              <a:ln>
+                <a:noFill/>
+              </a:ln>
+              <a:solidFill>
+                <a:schemeClr val="bg1"/>
+              </a:solidFill>
+              <a:effectLst/>
+              <a:latin typeface="Arial" charset="0"/>
+              <a:ea typeface="新細明體" pitchFamily="18" charset="-120"/>
+            </a:endParaRPr>
+          </a:p>
+        </p:txBody>
+      </p:sp>
+      <p:sp>
+        <p:nvSpPr>
+          <p:cNvPr id="171" name="文字方塊 170">
+            <a:extLst>
+              <a:ext uri="{FF2B5EF4-FFF2-40B4-BE49-F238E27FC236}">
+                <a16:creationId xmlns:a16="http://schemas.microsoft.com/office/drawing/2014/main" id="{9E780AF1-E1FF-412B-B105-25ABB2D5FF3C}"/>
+              </a:ext>
+            </a:extLst>
+          </p:cNvPr>
+          <p:cNvSpPr txBox="1"/>
+          <p:nvPr/>
+        </p:nvSpPr>
+        <p:spPr>
+          <a:xfrm>
+            <a:off x="5632861" y="3993906"/>
+            <a:ext cx="1518735" cy="323165"/>
+          </a:xfrm>
+          <a:prstGeom prst="rect">
+            <a:avLst/>
+          </a:prstGeom>
+          <a:noFill/>
+        </p:spPr>
+        <p:txBody>
+          <a:bodyPr wrap="square" rtlCol="0">
+            <a:spAutoFit/>
+          </a:bodyPr>
+          <a:lstStyle/>
+          <a:p>
+            <a:pPr algn="ctr"/>
+            <a:r>
+              <a:rPr lang="en-US" altLang="zh-TW" sz="1500" b="1" dirty="0">
+                <a:solidFill>
+                  <a:schemeClr val="bg1"/>
+                </a:solidFill>
+              </a:rPr>
+              <a:t>Data Compiler</a:t>
+            </a:r>
+            <a:endParaRPr lang="zh-TW" altLang="en-US" sz="1500" b="1" dirty="0">
+              <a:solidFill>
+                <a:schemeClr val="bg1"/>
+              </a:solidFill>
+            </a:endParaRPr>
+          </a:p>
+        </p:txBody>
+      </p:sp>
+      <p:sp>
+        <p:nvSpPr>
+          <p:cNvPr id="185" name="矩形 184">
+            <a:extLst>
+              <a:ext uri="{FF2B5EF4-FFF2-40B4-BE49-F238E27FC236}">
+                <a16:creationId xmlns:a16="http://schemas.microsoft.com/office/drawing/2014/main" id="{531DD598-5F23-4212-ABDE-4325D89D6F7C}"/>
+              </a:ext>
+            </a:extLst>
+          </p:cNvPr>
+          <p:cNvSpPr/>
+          <p:nvPr/>
+        </p:nvSpPr>
+        <p:spPr bwMode="auto">
+          <a:xfrm>
+            <a:off x="3861935" y="3076898"/>
             <a:ext cx="1529390" cy="338554"/>
           </a:xfrm>
           <a:prstGeom prst="rect">
@@ -17616,10 +16973,10 @@
       </p:sp>
       <p:sp>
         <p:nvSpPr>
-          <p:cNvPr id="51" name="文字方塊 50">
+          <p:cNvPr id="186" name="文字方塊 185">
             <a:extLst>
               <a:ext uri="{FF2B5EF4-FFF2-40B4-BE49-F238E27FC236}">
-                <a16:creationId xmlns:a16="http://schemas.microsoft.com/office/drawing/2014/main" id="{AF04CD59-57E4-4BB6-BFA2-967C5B6D231B}"/>
+                <a16:creationId xmlns:a16="http://schemas.microsoft.com/office/drawing/2014/main" id="{5E4C0C62-619D-4D35-B893-FF1EBC2A9611}"/>
               </a:ext>
             </a:extLst>
           </p:cNvPr>
@@ -17628,7 +16985,7 @@
         </p:nvSpPr>
         <p:spPr>
           <a:xfrm>
-            <a:off x="4394442" y="4526655"/>
+            <a:off x="3877898" y="3088328"/>
             <a:ext cx="1529390" cy="323165"/>
           </a:xfrm>
           <a:prstGeom prst="rect">
@@ -17649,7 +17006,7 @@
                   <a:schemeClr val="bg1"/>
                 </a:solidFill>
               </a:rPr>
-              <a:t>NVIDIA</a:t>
+              <a:t>CUDA</a:t>
             </a:r>
             <a:endParaRPr lang="zh-TW" altLang="en-US" sz="1500" b="1" dirty="0">
               <a:solidFill>
@@ -17661,10 +17018,10 @@
       </p:sp>
       <p:sp>
         <p:nvSpPr>
-          <p:cNvPr id="52" name="矩形 51">
+          <p:cNvPr id="191" name="矩形 190">
             <a:extLst>
               <a:ext uri="{FF2B5EF4-FFF2-40B4-BE49-F238E27FC236}">
-                <a16:creationId xmlns:a16="http://schemas.microsoft.com/office/drawing/2014/main" id="{D1BF7C65-8C8A-48C7-AC8D-F0F1726FB300}"/>
+                <a16:creationId xmlns:a16="http://schemas.microsoft.com/office/drawing/2014/main" id="{89237F24-85CA-46DF-A1C2-8DB7F7EC5487}"/>
               </a:ext>
             </a:extLst>
           </p:cNvPr>
@@ -17673,16 +17030,15 @@
         </p:nvSpPr>
         <p:spPr bwMode="auto">
           <a:xfrm>
-            <a:off x="2804629" y="4179112"/>
-            <a:ext cx="1477072" cy="338554"/>
+            <a:off x="7138366" y="3012321"/>
+            <a:ext cx="3273635" cy="526286"/>
           </a:xfrm>
           <a:prstGeom prst="rect">
             <a:avLst/>
           </a:prstGeom>
           <a:solidFill>
-            <a:schemeClr val="tx1">
-              <a:lumMod val="65000"/>
-              <a:lumOff val="35000"/>
+            <a:schemeClr val="accent3">
+              <a:lumMod val="75000"/>
             </a:schemeClr>
           </a:solidFill>
           <a:ln w="9525" cap="flat" cmpd="sng" algn="ctr">
@@ -17692,13 +17048,7 @@
             <a:headEnd type="none" w="med" len="med"/>
             <a:tailEnd type="none" w="med" len="med"/>
           </a:ln>
-          <a:effectLst>
-            <a:outerShdw blurRad="50800" dist="38100" dir="2700000" algn="tl" rotWithShape="0">
-              <a:prstClr val="black">
-                <a:alpha val="40000"/>
-              </a:prstClr>
-            </a:outerShdw>
-          </a:effectLst>
+          <a:effectLst/>
         </p:spPr>
         <p:txBody>
           <a:bodyPr vert="horz" wrap="square" lIns="91440" tIns="45720" rIns="91440" bIns="45720" numCol="3" rtlCol="0" anchor="t" anchorCtr="0" compatLnSpc="1">
@@ -17740,10 +17090,10 @@
       </p:sp>
       <p:sp>
         <p:nvSpPr>
-          <p:cNvPr id="79" name="矩形 78">
+          <p:cNvPr id="192" name="矩形 191">
             <a:extLst>
               <a:ext uri="{FF2B5EF4-FFF2-40B4-BE49-F238E27FC236}">
-                <a16:creationId xmlns:a16="http://schemas.microsoft.com/office/drawing/2014/main" id="{0E81BF5E-1175-449A-BFA7-251BE6A8EF5F}"/>
+                <a16:creationId xmlns:a16="http://schemas.microsoft.com/office/drawing/2014/main" id="{3AFCA69F-F634-4EF1-B01E-96D29F855A4D}"/>
               </a:ext>
             </a:extLst>
           </p:cNvPr>
@@ -17752,7 +17102,7 @@
         </p:nvSpPr>
         <p:spPr bwMode="auto">
           <a:xfrm>
-            <a:off x="2807253" y="4506887"/>
+            <a:off x="8794413" y="3081208"/>
             <a:ext cx="1473303" cy="338554"/>
           </a:xfrm>
           <a:prstGeom prst="rect">
@@ -17828,10 +17178,10 @@
       </p:sp>
       <p:sp>
         <p:nvSpPr>
-          <p:cNvPr id="81" name="文字方塊 80">
+          <p:cNvPr id="193" name="文字方塊 192">
             <a:extLst>
               <a:ext uri="{FF2B5EF4-FFF2-40B4-BE49-F238E27FC236}">
-                <a16:creationId xmlns:a16="http://schemas.microsoft.com/office/drawing/2014/main" id="{EBE7349C-6C22-49EB-879D-E89B11F41EBA}"/>
+                <a16:creationId xmlns:a16="http://schemas.microsoft.com/office/drawing/2014/main" id="{AB88D771-278A-490C-81F2-181672436558}"/>
               </a:ext>
             </a:extLst>
           </p:cNvPr>
@@ -17840,7 +17190,7 @@
         </p:nvSpPr>
         <p:spPr>
           <a:xfrm>
-            <a:off x="2804629" y="4518035"/>
+            <a:off x="8791789" y="3092356"/>
             <a:ext cx="1518735" cy="323165"/>
           </a:xfrm>
           <a:prstGeom prst="rect">
@@ -17861,7 +17211,7 @@
                   <a:schemeClr val="bg1"/>
                 </a:solidFill>
               </a:rPr>
-              <a:t>AMD</a:t>
+              <a:t>Ryzen AI</a:t>
             </a:r>
             <a:endParaRPr lang="zh-TW" altLang="en-US" sz="1500" b="1" dirty="0">
               <a:solidFill>
@@ -17873,10 +17223,10 @@
       </p:sp>
       <p:sp>
         <p:nvSpPr>
-          <p:cNvPr id="92" name="文字方塊 91">
+          <p:cNvPr id="194" name="文字方塊 193">
             <a:extLst>
               <a:ext uri="{FF2B5EF4-FFF2-40B4-BE49-F238E27FC236}">
-                <a16:creationId xmlns:a16="http://schemas.microsoft.com/office/drawing/2014/main" id="{F87D10DE-2C1E-471D-8032-F9786DFF638F}"/>
+                <a16:creationId xmlns:a16="http://schemas.microsoft.com/office/drawing/2014/main" id="{CF3CF8DE-8EB6-46B6-90FE-7FA2B09A458C}"/>
               </a:ext>
             </a:extLst>
           </p:cNvPr>
@@ -17885,8 +17235,8 @@
         </p:nvSpPr>
         <p:spPr>
           <a:xfrm>
-            <a:off x="2798096" y="4186806"/>
-            <a:ext cx="1486450" cy="323165"/>
+            <a:off x="7116686" y="3524458"/>
+            <a:ext cx="3332925" cy="307777"/>
           </a:xfrm>
           <a:prstGeom prst="rect">
             <a:avLst/>
@@ -17901,27 +17251,19 @@
           <a:p>
             <a:pPr algn="ctr"/>
             <a:r>
-              <a:rPr lang="en-US" altLang="zh-TW" sz="1500" b="1" dirty="0" err="1">
-                <a:solidFill>
-                  <a:schemeClr val="bg1"/>
-                </a:solidFill>
-              </a:rPr>
-              <a:t>ROCm</a:t>
-            </a:r>
-            <a:endParaRPr lang="zh-TW" altLang="en-US" sz="1500" b="1" dirty="0">
-              <a:solidFill>
-                <a:schemeClr val="bg1"/>
-              </a:solidFill>
-            </a:endParaRPr>
-          </a:p>
-        </p:txBody>
-      </p:sp>
-      <p:sp>
-        <p:nvSpPr>
-          <p:cNvPr id="95" name="矩形 94">
+              <a:rPr lang="en-US" altLang="zh-TW" sz="1400" b="1" dirty="0"/>
+              <a:t>AI PC (APU)</a:t>
+            </a:r>
+            <a:endParaRPr lang="zh-TW" altLang="en-US" sz="1400" b="1" dirty="0"/>
+          </a:p>
+        </p:txBody>
+      </p:sp>
+      <p:sp>
+        <p:nvSpPr>
+          <p:cNvPr id="197" name="矩形 196">
             <a:extLst>
               <a:ext uri="{FF2B5EF4-FFF2-40B4-BE49-F238E27FC236}">
-                <a16:creationId xmlns:a16="http://schemas.microsoft.com/office/drawing/2014/main" id="{0631AAC5-6FF9-4CE6-B997-223878003012}"/>
+                <a16:creationId xmlns:a16="http://schemas.microsoft.com/office/drawing/2014/main" id="{0EF9C472-6A2E-4A1F-8DB1-47F5ADE101BB}"/>
               </a:ext>
             </a:extLst>
           </p:cNvPr>
@@ -17930,17 +17272,14 @@
         </p:nvSpPr>
         <p:spPr bwMode="auto">
           <a:xfrm>
-            <a:off x="5987476" y="4186285"/>
-            <a:ext cx="1477072" cy="338554"/>
+            <a:off x="7247988" y="3076350"/>
+            <a:ext cx="1467517" cy="338554"/>
           </a:xfrm>
           <a:prstGeom prst="rect">
             <a:avLst/>
           </a:prstGeom>
           <a:solidFill>
-            <a:schemeClr val="tx1">
-              <a:lumMod val="65000"/>
-              <a:lumOff val="35000"/>
-            </a:schemeClr>
+            <a:srgbClr val="0071C5"/>
           </a:solidFill>
           <a:ln w="9525" cap="flat" cmpd="sng" algn="ctr">
             <a:noFill/>
@@ -17997,10 +17336,10 @@
       </p:sp>
       <p:sp>
         <p:nvSpPr>
-          <p:cNvPr id="96" name="文字方塊 95">
+          <p:cNvPr id="198" name="文字方塊 197">
             <a:extLst>
               <a:ext uri="{FF2B5EF4-FFF2-40B4-BE49-F238E27FC236}">
-                <a16:creationId xmlns:a16="http://schemas.microsoft.com/office/drawing/2014/main" id="{9B73178F-AB68-4E98-818B-576DD8CCAF27}"/>
+                <a16:creationId xmlns:a16="http://schemas.microsoft.com/office/drawing/2014/main" id="{A7526603-C890-48F0-B852-03F2C2157DFF}"/>
               </a:ext>
             </a:extLst>
           </p:cNvPr>
@@ -18009,8 +17348,8 @@
         </p:nvSpPr>
         <p:spPr>
           <a:xfrm>
-            <a:off x="5980943" y="4193979"/>
-            <a:ext cx="1486450" cy="323165"/>
+            <a:off x="7263951" y="3087780"/>
+            <a:ext cx="1467517" cy="323165"/>
           </a:xfrm>
           <a:prstGeom prst="rect">
             <a:avLst/>
@@ -18030,7 +17369,7 @@
                   <a:schemeClr val="bg1"/>
                 </a:solidFill>
               </a:rPr>
-              <a:t>NeuronPilot</a:t>
+              <a:t>OpenVINO</a:t>
             </a:r>
             <a:endParaRPr lang="zh-TW" altLang="en-US" sz="1500" b="1" dirty="0">
               <a:solidFill>
@@ -18042,10 +17381,106 @@
       </p:sp>
       <p:sp>
         <p:nvSpPr>
-          <p:cNvPr id="97" name="矩形 96">
+          <p:cNvPr id="219" name="文字方塊 218">
             <a:extLst>
               <a:ext uri="{FF2B5EF4-FFF2-40B4-BE49-F238E27FC236}">
-                <a16:creationId xmlns:a16="http://schemas.microsoft.com/office/drawing/2014/main" id="{764F02F3-6DF6-46FF-8D08-5C2BD5E9605D}"/>
+                <a16:creationId xmlns:a16="http://schemas.microsoft.com/office/drawing/2014/main" id="{45D01B30-B924-4C1F-8667-417450E44320}"/>
+              </a:ext>
+            </a:extLst>
+          </p:cNvPr>
+          <p:cNvSpPr txBox="1"/>
+          <p:nvPr/>
+        </p:nvSpPr>
+        <p:spPr>
+          <a:xfrm>
+            <a:off x="847878" y="5061628"/>
+            <a:ext cx="3119203" cy="784830"/>
+          </a:xfrm>
+          <a:prstGeom prst="rect">
+            <a:avLst/>
+          </a:prstGeom>
+          <a:noFill/>
+        </p:spPr>
+        <p:txBody>
+          <a:bodyPr wrap="square" rtlCol="0">
+            <a:spAutoFit/>
+          </a:bodyPr>
+          <a:lstStyle/>
+          <a:p>
+            <a:pPr marL="285750" indent="-285750">
+              <a:buFontTx/>
+              <a:buChar char="-"/>
+            </a:pPr>
+            <a:r>
+              <a:rPr lang="en-US" altLang="zh-TW" sz="1500" dirty="0"/>
+              <a:t>Portable Devices</a:t>
+            </a:r>
+          </a:p>
+          <a:p>
+            <a:pPr marL="285750" indent="-285750">
+              <a:buFontTx/>
+              <a:buChar char="-"/>
+            </a:pPr>
+            <a:r>
+              <a:rPr lang="en-US" altLang="zh-TW" sz="1500" dirty="0"/>
+              <a:t>Electronic Product</a:t>
+            </a:r>
+          </a:p>
+          <a:p>
+            <a:pPr marL="285750" indent="-285750">
+              <a:buFontTx/>
+              <a:buChar char="-"/>
+            </a:pPr>
+            <a:r>
+              <a:rPr lang="en-US" altLang="zh-TW" sz="1500" dirty="0"/>
+              <a:t>Mobile Application</a:t>
+            </a:r>
+          </a:p>
+        </p:txBody>
+      </p:sp>
+      <p:cxnSp>
+        <p:nvCxnSpPr>
+          <p:cNvPr id="222" name="直線接點 221">
+            <a:extLst>
+              <a:ext uri="{FF2B5EF4-FFF2-40B4-BE49-F238E27FC236}">
+                <a16:creationId xmlns:a16="http://schemas.microsoft.com/office/drawing/2014/main" id="{2AE74209-0C92-4E33-9251-900B7F2738BA}"/>
+              </a:ext>
+            </a:extLst>
+          </p:cNvPr>
+          <p:cNvCxnSpPr>
+            <a:cxnSpLocks/>
+          </p:cNvCxnSpPr>
+          <p:nvPr/>
+        </p:nvCxnSpPr>
+        <p:spPr bwMode="auto">
+          <a:xfrm flipH="1">
+            <a:off x="902981" y="4645200"/>
+            <a:ext cx="9743939" cy="0"/>
+          </a:xfrm>
+          <a:prstGeom prst="line">
+            <a:avLst/>
+          </a:prstGeom>
+          <a:solidFill>
+            <a:schemeClr val="accent1"/>
+          </a:solidFill>
+          <a:ln w="9525" cap="flat" cmpd="sng" algn="ctr">
+            <a:solidFill>
+              <a:schemeClr val="bg2"/>
+            </a:solidFill>
+            <a:prstDash val="solid"/>
+            <a:round/>
+            <a:headEnd type="none" w="med" len="med"/>
+            <a:tailEnd type="none" w="med" len="med"/>
+          </a:ln>
+          <a:effectLst/>
+        </p:spPr>
+      </p:cxnSp>
+      <p:sp>
+        <p:nvSpPr>
+          <p:cNvPr id="239" name="矩形 238">
+            <a:extLst>
+              <a:ext uri="{FF2B5EF4-FFF2-40B4-BE49-F238E27FC236}">
+                <a16:creationId xmlns:a16="http://schemas.microsoft.com/office/drawing/2014/main" id="{4E4D2BC2-EA45-4EE9-9FC7-93E4CFA4D0B1}"/>
               </a:ext>
             </a:extLst>
           </p:cNvPr>
@@ -18054,7 +17489,7 @@
         </p:nvSpPr>
         <p:spPr bwMode="auto">
           <a:xfrm>
-            <a:off x="5994090" y="4532533"/>
+            <a:off x="12102635" y="7048433"/>
             <a:ext cx="1473303" cy="338554"/>
           </a:xfrm>
           <a:prstGeom prst="rect">
@@ -18130,10 +17565,10 @@
       </p:sp>
       <p:sp>
         <p:nvSpPr>
-          <p:cNvPr id="98" name="文字方塊 97">
+          <p:cNvPr id="240" name="文字方塊 239">
             <a:extLst>
               <a:ext uri="{FF2B5EF4-FFF2-40B4-BE49-F238E27FC236}">
-                <a16:creationId xmlns:a16="http://schemas.microsoft.com/office/drawing/2014/main" id="{81D9C293-AF4C-4B28-AF88-6C8ED54C6879}"/>
+                <a16:creationId xmlns:a16="http://schemas.microsoft.com/office/drawing/2014/main" id="{120E8778-A8F1-4B8E-8428-47A0EC0A23F6}"/>
               </a:ext>
             </a:extLst>
           </p:cNvPr>
@@ -18142,7 +17577,7 @@
         </p:nvSpPr>
         <p:spPr>
           <a:xfrm>
-            <a:off x="5989696" y="4532533"/>
+            <a:off x="12098241" y="7048433"/>
             <a:ext cx="1518735" cy="323165"/>
           </a:xfrm>
           <a:prstGeom prst="rect">
@@ -18158,12 +17593,12 @@
           <a:p>
             <a:pPr algn="ctr"/>
             <a:r>
-              <a:rPr lang="en-US" altLang="zh-TW" sz="1500" b="1" dirty="0">
+              <a:rPr lang="en-US" altLang="zh-TW" sz="1500" b="1" dirty="0" err="1">
                 <a:solidFill>
                   <a:schemeClr val="bg1"/>
                 </a:solidFill>
               </a:rPr>
-              <a:t>MediaTek</a:t>
+              <a:t>NeuronRT</a:t>
             </a:r>
             <a:endParaRPr lang="zh-TW" altLang="en-US" sz="1500" b="1" dirty="0">
               <a:solidFill>
@@ -18173,10 +17608,1697 @@
           </a:p>
         </p:txBody>
       </p:sp>
+      <p:sp>
+        <p:nvSpPr>
+          <p:cNvPr id="264" name="矩形 263">
+            <a:extLst>
+              <a:ext uri="{FF2B5EF4-FFF2-40B4-BE49-F238E27FC236}">
+                <a16:creationId xmlns:a16="http://schemas.microsoft.com/office/drawing/2014/main" id="{94F4EEB9-9A22-4BFE-A07B-88264805A7FC}"/>
+              </a:ext>
+            </a:extLst>
+          </p:cNvPr>
+          <p:cNvSpPr/>
+          <p:nvPr/>
+        </p:nvSpPr>
+        <p:spPr bwMode="auto">
+          <a:xfrm>
+            <a:off x="3769421" y="4814707"/>
+            <a:ext cx="1707204" cy="948441"/>
+          </a:xfrm>
+          <a:prstGeom prst="rect">
+            <a:avLst/>
+          </a:prstGeom>
+          <a:solidFill>
+            <a:schemeClr val="accent3">
+              <a:lumMod val="75000"/>
+            </a:schemeClr>
+          </a:solidFill>
+          <a:ln w="9525" cap="flat" cmpd="sng" algn="ctr">
+            <a:noFill/>
+            <a:prstDash val="solid"/>
+            <a:round/>
+            <a:headEnd type="none" w="med" len="med"/>
+            <a:tailEnd type="none" w="med" len="med"/>
+          </a:ln>
+          <a:effectLst/>
+        </p:spPr>
+        <p:txBody>
+          <a:bodyPr vert="horz" wrap="square" lIns="91440" tIns="45720" rIns="91440" bIns="45720" numCol="3" rtlCol="0" anchor="t" anchorCtr="0" compatLnSpc="1">
+            <a:prstTxWarp prst="textNoShape">
+              <a:avLst/>
+            </a:prstTxWarp>
+          </a:bodyPr>
+          <a:lstStyle/>
+          <a:p>
+            <a:pPr marL="0" marR="0" indent="0" defTabSz="914400" rtl="0" eaLnBrk="1" fontAlgn="base" latinLnBrk="0" hangingPunct="1">
+              <a:lnSpc>
+                <a:spcPct val="200000"/>
+              </a:lnSpc>
+              <a:spcBef>
+                <a:spcPct val="0"/>
+              </a:spcBef>
+              <a:spcAft>
+                <a:spcPct val="0"/>
+              </a:spcAft>
+              <a:buClrTx/>
+              <a:buSzTx/>
+              <a:buFontTx/>
+              <a:buNone/>
+              <a:tabLst/>
+            </a:pPr>
+            <a:endParaRPr kumimoji="1" lang="zh-TW" altLang="en-US" sz="1800" b="0" i="0" u="none" strike="noStrike" cap="none" normalizeH="0" baseline="0" dirty="0">
+              <a:ln>
+                <a:noFill/>
+              </a:ln>
+              <a:solidFill>
+                <a:schemeClr val="bg1"/>
+              </a:solidFill>
+              <a:effectLst/>
+              <a:latin typeface="Arial" charset="0"/>
+              <a:ea typeface="新細明體" pitchFamily="18" charset="-120"/>
+            </a:endParaRPr>
+          </a:p>
+        </p:txBody>
+      </p:sp>
+      <p:sp>
+        <p:nvSpPr>
+          <p:cNvPr id="267" name="文字方塊 266">
+            <a:extLst>
+              <a:ext uri="{FF2B5EF4-FFF2-40B4-BE49-F238E27FC236}">
+                <a16:creationId xmlns:a16="http://schemas.microsoft.com/office/drawing/2014/main" id="{5BF0A3D5-A29C-41E6-AAE3-3349013A593A}"/>
+              </a:ext>
+            </a:extLst>
+          </p:cNvPr>
+          <p:cNvSpPr txBox="1"/>
+          <p:nvPr/>
+        </p:nvSpPr>
+        <p:spPr>
+          <a:xfrm>
+            <a:off x="3769422" y="5778335"/>
+            <a:ext cx="1707204" cy="307777"/>
+          </a:xfrm>
+          <a:prstGeom prst="rect">
+            <a:avLst/>
+          </a:prstGeom>
+          <a:noFill/>
+        </p:spPr>
+        <p:txBody>
+          <a:bodyPr wrap="square" rtlCol="0">
+            <a:spAutoFit/>
+          </a:bodyPr>
+          <a:lstStyle/>
+          <a:p>
+            <a:pPr algn="ctr"/>
+            <a:r>
+              <a:rPr lang="en-US" altLang="zh-TW" sz="1400" b="1" dirty="0"/>
+              <a:t> GPU</a:t>
+            </a:r>
+            <a:endParaRPr lang="zh-TW" altLang="en-US" sz="1400" b="1" dirty="0"/>
+          </a:p>
+        </p:txBody>
+      </p:sp>
+      <p:sp>
+        <p:nvSpPr>
+          <p:cNvPr id="271" name="文字方塊 270">
+            <a:extLst>
+              <a:ext uri="{FF2B5EF4-FFF2-40B4-BE49-F238E27FC236}">
+                <a16:creationId xmlns:a16="http://schemas.microsoft.com/office/drawing/2014/main" id="{DB5856E0-5E1A-4D66-998E-E9B0EB70DB0A}"/>
+              </a:ext>
+            </a:extLst>
+          </p:cNvPr>
+          <p:cNvSpPr txBox="1"/>
+          <p:nvPr/>
+        </p:nvSpPr>
+        <p:spPr>
+          <a:xfrm>
+            <a:off x="7330877" y="5763007"/>
+            <a:ext cx="1682306" cy="307777"/>
+          </a:xfrm>
+          <a:prstGeom prst="rect">
+            <a:avLst/>
+          </a:prstGeom>
+          <a:noFill/>
+        </p:spPr>
+        <p:txBody>
+          <a:bodyPr wrap="square" rtlCol="0">
+            <a:spAutoFit/>
+          </a:bodyPr>
+          <a:lstStyle/>
+          <a:p>
+            <a:pPr algn="ctr"/>
+            <a:r>
+              <a:rPr lang="en-US" altLang="zh-TW" sz="1400" b="1" dirty="0"/>
+              <a:t>MPU</a:t>
+            </a:r>
+            <a:endParaRPr lang="zh-TW" altLang="en-US" sz="1400" b="1" dirty="0"/>
+          </a:p>
+        </p:txBody>
+      </p:sp>
+      <p:sp>
+        <p:nvSpPr>
+          <p:cNvPr id="274" name="矩形 273">
+            <a:extLst>
+              <a:ext uri="{FF2B5EF4-FFF2-40B4-BE49-F238E27FC236}">
+                <a16:creationId xmlns:a16="http://schemas.microsoft.com/office/drawing/2014/main" id="{BE1A294E-5524-45BA-82F9-87CC9DB71CE6}"/>
+              </a:ext>
+            </a:extLst>
+          </p:cNvPr>
+          <p:cNvSpPr/>
+          <p:nvPr/>
+        </p:nvSpPr>
+        <p:spPr bwMode="auto">
+          <a:xfrm>
+            <a:off x="9109742" y="4801135"/>
+            <a:ext cx="1302259" cy="977199"/>
+          </a:xfrm>
+          <a:prstGeom prst="rect">
+            <a:avLst/>
+          </a:prstGeom>
+          <a:solidFill>
+            <a:schemeClr val="accent3">
+              <a:lumMod val="75000"/>
+            </a:schemeClr>
+          </a:solidFill>
+          <a:ln w="9525" cap="flat" cmpd="sng" algn="ctr">
+            <a:noFill/>
+            <a:prstDash val="solid"/>
+            <a:round/>
+            <a:headEnd type="none" w="med" len="med"/>
+            <a:tailEnd type="none" w="med" len="med"/>
+          </a:ln>
+          <a:effectLst/>
+        </p:spPr>
+        <p:txBody>
+          <a:bodyPr vert="horz" wrap="square" lIns="91440" tIns="45720" rIns="91440" bIns="45720" numCol="3" rtlCol="0" anchor="t" anchorCtr="0" compatLnSpc="1">
+            <a:prstTxWarp prst="textNoShape">
+              <a:avLst/>
+            </a:prstTxWarp>
+          </a:bodyPr>
+          <a:lstStyle/>
+          <a:p>
+            <a:pPr marL="0" marR="0" indent="0" defTabSz="914400" rtl="0" eaLnBrk="1" fontAlgn="base" latinLnBrk="0" hangingPunct="1">
+              <a:lnSpc>
+                <a:spcPct val="200000"/>
+              </a:lnSpc>
+              <a:spcBef>
+                <a:spcPct val="0"/>
+              </a:spcBef>
+              <a:spcAft>
+                <a:spcPct val="0"/>
+              </a:spcAft>
+              <a:buClrTx/>
+              <a:buSzTx/>
+              <a:buFontTx/>
+              <a:buNone/>
+              <a:tabLst/>
+            </a:pPr>
+            <a:endParaRPr kumimoji="1" lang="zh-TW" altLang="en-US" sz="1800" b="0" i="0" u="none" strike="noStrike" cap="none" normalizeH="0" baseline="0" dirty="0">
+              <a:ln>
+                <a:noFill/>
+              </a:ln>
+              <a:solidFill>
+                <a:schemeClr val="bg1"/>
+              </a:solidFill>
+              <a:effectLst/>
+              <a:latin typeface="Arial" charset="0"/>
+              <a:ea typeface="新細明體" pitchFamily="18" charset="-120"/>
+            </a:endParaRPr>
+          </a:p>
+        </p:txBody>
+      </p:sp>
+      <p:sp>
+        <p:nvSpPr>
+          <p:cNvPr id="275" name="文字方塊 274">
+            <a:extLst>
+              <a:ext uri="{FF2B5EF4-FFF2-40B4-BE49-F238E27FC236}">
+                <a16:creationId xmlns:a16="http://schemas.microsoft.com/office/drawing/2014/main" id="{F12E1655-5D2D-4837-906D-CA0B156A3EB3}"/>
+              </a:ext>
+            </a:extLst>
+          </p:cNvPr>
+          <p:cNvSpPr txBox="1"/>
+          <p:nvPr/>
+        </p:nvSpPr>
+        <p:spPr>
+          <a:xfrm>
+            <a:off x="9086754" y="5778335"/>
+            <a:ext cx="1325247" cy="307777"/>
+          </a:xfrm>
+          <a:prstGeom prst="rect">
+            <a:avLst/>
+          </a:prstGeom>
+          <a:noFill/>
+        </p:spPr>
+        <p:txBody>
+          <a:bodyPr wrap="square" rtlCol="0">
+            <a:spAutoFit/>
+          </a:bodyPr>
+          <a:lstStyle/>
+          <a:p>
+            <a:pPr algn="ctr"/>
+            <a:r>
+              <a:rPr lang="en-US" altLang="zh-TW" sz="1400" b="1" dirty="0"/>
+              <a:t>FPGA</a:t>
+            </a:r>
+            <a:endParaRPr lang="zh-TW" altLang="en-US" sz="1400" b="1" dirty="0"/>
+          </a:p>
+        </p:txBody>
+      </p:sp>
+      <p:sp>
+        <p:nvSpPr>
+          <p:cNvPr id="278" name="矩形 277">
+            <a:extLst>
+              <a:ext uri="{FF2B5EF4-FFF2-40B4-BE49-F238E27FC236}">
+                <a16:creationId xmlns:a16="http://schemas.microsoft.com/office/drawing/2014/main" id="{ED9918CA-1B00-4755-A904-5B403845712F}"/>
+              </a:ext>
+            </a:extLst>
+          </p:cNvPr>
+          <p:cNvSpPr/>
+          <p:nvPr/>
+        </p:nvSpPr>
+        <p:spPr bwMode="auto">
+          <a:xfrm>
+            <a:off x="3890633" y="5311757"/>
+            <a:ext cx="1466233" cy="338554"/>
+          </a:xfrm>
+          <a:prstGeom prst="rect">
+            <a:avLst/>
+          </a:prstGeom>
+          <a:solidFill>
+            <a:srgbClr val="0086B0"/>
+          </a:solidFill>
+          <a:ln>
+            <a:noFill/>
+            <a:headEnd type="none" w="med" len="med"/>
+            <a:tailEnd type="none" w="med" len="med"/>
+          </a:ln>
+          <a:effectLst>
+            <a:outerShdw blurRad="50800" dist="38100" dir="2700000" algn="tl" rotWithShape="0">
+              <a:prstClr val="black">
+                <a:alpha val="40000"/>
+              </a:prstClr>
+            </a:outerShdw>
+          </a:effectLst>
+        </p:spPr>
+        <p:style>
+          <a:lnRef idx="2">
+            <a:schemeClr val="dk1"/>
+          </a:lnRef>
+          <a:fillRef idx="1">
+            <a:schemeClr val="lt1"/>
+          </a:fillRef>
+          <a:effectRef idx="0">
+            <a:schemeClr val="dk1"/>
+          </a:effectRef>
+          <a:fontRef idx="minor">
+            <a:schemeClr val="dk1"/>
+          </a:fontRef>
+        </p:style>
+        <p:txBody>
+          <a:bodyPr vert="horz" wrap="square" lIns="91440" tIns="45720" rIns="91440" bIns="45720" numCol="3" rtlCol="0" anchor="t" anchorCtr="0" compatLnSpc="1">
+            <a:prstTxWarp prst="textNoShape">
+              <a:avLst/>
+            </a:prstTxWarp>
+          </a:bodyPr>
+          <a:lstStyle/>
+          <a:p>
+            <a:pPr marL="0" marR="0" indent="0" defTabSz="914400" rtl="0" eaLnBrk="1" fontAlgn="base" latinLnBrk="0" hangingPunct="1">
+              <a:lnSpc>
+                <a:spcPct val="200000"/>
+              </a:lnSpc>
+              <a:spcBef>
+                <a:spcPct val="0"/>
+              </a:spcBef>
+              <a:spcAft>
+                <a:spcPct val="0"/>
+              </a:spcAft>
+              <a:buClrTx/>
+              <a:buSzTx/>
+              <a:buFontTx/>
+              <a:buNone/>
+              <a:tabLst/>
+            </a:pPr>
+            <a:endParaRPr kumimoji="1" lang="zh-TW" altLang="en-US" sz="1800" b="0" i="0" u="none" strike="noStrike" cap="none" normalizeH="0" baseline="0" dirty="0">
+              <a:ln>
+                <a:noFill/>
+              </a:ln>
+              <a:solidFill>
+                <a:schemeClr val="bg1"/>
+              </a:solidFill>
+              <a:effectLst/>
+              <a:latin typeface="Arial" charset="0"/>
+              <a:ea typeface="新細明體" pitchFamily="18" charset="-120"/>
+            </a:endParaRPr>
+          </a:p>
+        </p:txBody>
+      </p:sp>
+      <p:sp>
+        <p:nvSpPr>
+          <p:cNvPr id="279" name="文字方塊 278">
+            <a:extLst>
+              <a:ext uri="{FF2B5EF4-FFF2-40B4-BE49-F238E27FC236}">
+                <a16:creationId xmlns:a16="http://schemas.microsoft.com/office/drawing/2014/main" id="{6174AE1E-4B1F-486C-AA2A-39ACA981D8BB}"/>
+              </a:ext>
+            </a:extLst>
+          </p:cNvPr>
+          <p:cNvSpPr txBox="1"/>
+          <p:nvPr/>
+        </p:nvSpPr>
+        <p:spPr>
+          <a:xfrm>
+            <a:off x="3898464" y="5311757"/>
+            <a:ext cx="1466233" cy="323165"/>
+          </a:xfrm>
+          <a:prstGeom prst="rect">
+            <a:avLst/>
+          </a:prstGeom>
+          <a:noFill/>
+        </p:spPr>
+        <p:txBody>
+          <a:bodyPr wrap="square" rtlCol="0">
+            <a:spAutoFit/>
+          </a:bodyPr>
+          <a:lstStyle/>
+          <a:p>
+            <a:pPr algn="ctr"/>
+            <a:r>
+              <a:rPr lang="en-US" altLang="zh-TW" sz="1500" b="1" dirty="0">
+                <a:solidFill>
+                  <a:schemeClr val="bg1"/>
+                </a:solidFill>
+              </a:rPr>
+              <a:t> </a:t>
+            </a:r>
+            <a:r>
+              <a:rPr lang="en-US" altLang="zh-TW" sz="1500" b="1" dirty="0" err="1">
+                <a:solidFill>
+                  <a:schemeClr val="bg1"/>
+                </a:solidFill>
+              </a:rPr>
+              <a:t>ArmNN</a:t>
+            </a:r>
+            <a:endParaRPr lang="zh-TW" altLang="en-US" sz="1500" b="1" dirty="0">
+              <a:solidFill>
+                <a:schemeClr val="bg1"/>
+              </a:solidFill>
+            </a:endParaRPr>
+          </a:p>
+        </p:txBody>
+      </p:sp>
+      <p:sp>
+        <p:nvSpPr>
+          <p:cNvPr id="284" name="文字方塊 283">
+            <a:extLst>
+              <a:ext uri="{FF2B5EF4-FFF2-40B4-BE49-F238E27FC236}">
+                <a16:creationId xmlns:a16="http://schemas.microsoft.com/office/drawing/2014/main" id="{5FC21996-76EA-4080-940D-40F2A59CF28A}"/>
+              </a:ext>
+            </a:extLst>
+          </p:cNvPr>
+          <p:cNvSpPr txBox="1"/>
+          <p:nvPr/>
+        </p:nvSpPr>
+        <p:spPr>
+          <a:xfrm>
+            <a:off x="5552010" y="5768876"/>
+            <a:ext cx="1682306" cy="307777"/>
+          </a:xfrm>
+          <a:prstGeom prst="rect">
+            <a:avLst/>
+          </a:prstGeom>
+          <a:noFill/>
+        </p:spPr>
+        <p:txBody>
+          <a:bodyPr wrap="square" rtlCol="0">
+            <a:spAutoFit/>
+          </a:bodyPr>
+          <a:lstStyle/>
+          <a:p>
+            <a:pPr algn="ctr"/>
+            <a:r>
+              <a:rPr lang="en-US" altLang="zh-TW" sz="1400" b="1" dirty="0"/>
+              <a:t>ASIC</a:t>
+            </a:r>
+            <a:endParaRPr lang="zh-TW" altLang="en-US" sz="1400" b="1" dirty="0"/>
+          </a:p>
+        </p:txBody>
+      </p:sp>
+      <p:sp>
+        <p:nvSpPr>
+          <p:cNvPr id="291" name="矩形 290">
+            <a:extLst>
+              <a:ext uri="{FF2B5EF4-FFF2-40B4-BE49-F238E27FC236}">
+                <a16:creationId xmlns:a16="http://schemas.microsoft.com/office/drawing/2014/main" id="{AAF08D2F-859C-4944-B81B-2C3C8110A878}"/>
+              </a:ext>
+            </a:extLst>
+          </p:cNvPr>
+          <p:cNvSpPr/>
+          <p:nvPr/>
+        </p:nvSpPr>
+        <p:spPr bwMode="auto">
+          <a:xfrm>
+            <a:off x="3885072" y="4875057"/>
+            <a:ext cx="1465492" cy="338554"/>
+          </a:xfrm>
+          <a:prstGeom prst="rect">
+            <a:avLst/>
+          </a:prstGeom>
+          <a:solidFill>
+            <a:srgbClr val="76B900"/>
+          </a:solidFill>
+          <a:ln w="9525" cap="flat" cmpd="sng" algn="ctr">
+            <a:noFill/>
+            <a:prstDash val="solid"/>
+            <a:round/>
+            <a:headEnd type="none" w="med" len="med"/>
+            <a:tailEnd type="none" w="med" len="med"/>
+          </a:ln>
+          <a:effectLst>
+            <a:outerShdw blurRad="50800" dist="38100" dir="2700000" algn="tl" rotWithShape="0">
+              <a:prstClr val="black">
+                <a:alpha val="40000"/>
+              </a:prstClr>
+            </a:outerShdw>
+          </a:effectLst>
+        </p:spPr>
+        <p:txBody>
+          <a:bodyPr vert="horz" wrap="square" lIns="91440" tIns="45720" rIns="91440" bIns="45720" numCol="3" rtlCol="0" anchor="t" anchorCtr="0" compatLnSpc="1">
+            <a:prstTxWarp prst="textNoShape">
+              <a:avLst/>
+            </a:prstTxWarp>
+          </a:bodyPr>
+          <a:lstStyle/>
+          <a:p>
+            <a:pPr marL="0" marR="0" indent="0" defTabSz="914400" rtl="0" eaLnBrk="1" fontAlgn="base" latinLnBrk="0" hangingPunct="1">
+              <a:lnSpc>
+                <a:spcPct val="200000"/>
+              </a:lnSpc>
+              <a:spcBef>
+                <a:spcPct val="0"/>
+              </a:spcBef>
+              <a:spcAft>
+                <a:spcPct val="0"/>
+              </a:spcAft>
+              <a:buClrTx/>
+              <a:buSzTx/>
+              <a:buFontTx/>
+              <a:buNone/>
+              <a:tabLst/>
+            </a:pPr>
+            <a:endParaRPr kumimoji="1" lang="zh-TW" altLang="en-US" sz="1800" b="0" i="0" u="none" strike="noStrike" cap="none" normalizeH="0" baseline="0" dirty="0">
+              <a:ln>
+                <a:noFill/>
+              </a:ln>
+              <a:solidFill>
+                <a:schemeClr val="bg1"/>
+              </a:solidFill>
+              <a:effectLst/>
+              <a:latin typeface="Arial" charset="0"/>
+              <a:ea typeface="新細明體" pitchFamily="18" charset="-120"/>
+            </a:endParaRPr>
+          </a:p>
+        </p:txBody>
+      </p:sp>
+      <p:sp>
+        <p:nvSpPr>
+          <p:cNvPr id="292" name="文字方塊 291">
+            <a:extLst>
+              <a:ext uri="{FF2B5EF4-FFF2-40B4-BE49-F238E27FC236}">
+                <a16:creationId xmlns:a16="http://schemas.microsoft.com/office/drawing/2014/main" id="{73E7EBB8-4631-4634-91CC-0B32D8523CE5}"/>
+              </a:ext>
+            </a:extLst>
+          </p:cNvPr>
+          <p:cNvSpPr txBox="1"/>
+          <p:nvPr/>
+        </p:nvSpPr>
+        <p:spPr>
+          <a:xfrm>
+            <a:off x="3901035" y="4886487"/>
+            <a:ext cx="1465492" cy="323165"/>
+          </a:xfrm>
+          <a:prstGeom prst="rect">
+            <a:avLst/>
+          </a:prstGeom>
+          <a:noFill/>
+        </p:spPr>
+        <p:txBody>
+          <a:bodyPr wrap="square" rtlCol="0">
+            <a:spAutoFit/>
+          </a:bodyPr>
+          <a:lstStyle/>
+          <a:p>
+            <a:pPr algn="ctr"/>
+            <a:r>
+              <a:rPr lang="en-US" altLang="zh-TW" sz="1500" b="1" dirty="0" err="1">
+                <a:solidFill>
+                  <a:schemeClr val="bg1"/>
+                </a:solidFill>
+              </a:rPr>
+              <a:t>TensorRT</a:t>
+            </a:r>
+            <a:endParaRPr lang="zh-TW" altLang="en-US" sz="1500" b="1" dirty="0">
+              <a:solidFill>
+                <a:schemeClr val="bg1"/>
+              </a:solidFill>
+            </a:endParaRPr>
+          </a:p>
+        </p:txBody>
+      </p:sp>
+      <p:sp>
+        <p:nvSpPr>
+          <p:cNvPr id="294" name="矩形 293">
+            <a:extLst>
+              <a:ext uri="{FF2B5EF4-FFF2-40B4-BE49-F238E27FC236}">
+                <a16:creationId xmlns:a16="http://schemas.microsoft.com/office/drawing/2014/main" id="{D33ECE09-EED0-47F7-AF36-B33421765BA7}"/>
+              </a:ext>
+            </a:extLst>
+          </p:cNvPr>
+          <p:cNvSpPr/>
+          <p:nvPr/>
+        </p:nvSpPr>
+        <p:spPr bwMode="auto">
+          <a:xfrm>
+            <a:off x="5552009" y="4812998"/>
+            <a:ext cx="1682306" cy="948441"/>
+          </a:xfrm>
+          <a:prstGeom prst="rect">
+            <a:avLst/>
+          </a:prstGeom>
+          <a:solidFill>
+            <a:schemeClr val="accent3">
+              <a:lumMod val="75000"/>
+            </a:schemeClr>
+          </a:solidFill>
+          <a:ln w="9525" cap="flat" cmpd="sng" algn="ctr">
+            <a:noFill/>
+            <a:prstDash val="solid"/>
+            <a:round/>
+            <a:headEnd type="none" w="med" len="med"/>
+            <a:tailEnd type="none" w="med" len="med"/>
+          </a:ln>
+          <a:effectLst/>
+        </p:spPr>
+        <p:txBody>
+          <a:bodyPr vert="horz" wrap="square" lIns="91440" tIns="45720" rIns="91440" bIns="45720" numCol="3" rtlCol="0" anchor="t" anchorCtr="0" compatLnSpc="1">
+            <a:prstTxWarp prst="textNoShape">
+              <a:avLst/>
+            </a:prstTxWarp>
+          </a:bodyPr>
+          <a:lstStyle/>
+          <a:p>
+            <a:pPr marL="0" marR="0" indent="0" defTabSz="914400" rtl="0" eaLnBrk="1" fontAlgn="base" latinLnBrk="0" hangingPunct="1">
+              <a:lnSpc>
+                <a:spcPct val="200000"/>
+              </a:lnSpc>
+              <a:spcBef>
+                <a:spcPct val="0"/>
+              </a:spcBef>
+              <a:spcAft>
+                <a:spcPct val="0"/>
+              </a:spcAft>
+              <a:buClrTx/>
+              <a:buSzTx/>
+              <a:buFontTx/>
+              <a:buNone/>
+              <a:tabLst/>
+            </a:pPr>
+            <a:endParaRPr kumimoji="1" lang="zh-TW" altLang="en-US" sz="1800" b="0" i="0" u="none" strike="noStrike" cap="none" normalizeH="0" baseline="0" dirty="0">
+              <a:ln>
+                <a:noFill/>
+              </a:ln>
+              <a:solidFill>
+                <a:schemeClr val="bg1"/>
+              </a:solidFill>
+              <a:effectLst/>
+              <a:latin typeface="Arial" charset="0"/>
+              <a:ea typeface="新細明體" pitchFamily="18" charset="-120"/>
+            </a:endParaRPr>
+          </a:p>
+        </p:txBody>
+      </p:sp>
+      <p:sp>
+        <p:nvSpPr>
+          <p:cNvPr id="295" name="矩形 294">
+            <a:extLst>
+              <a:ext uri="{FF2B5EF4-FFF2-40B4-BE49-F238E27FC236}">
+                <a16:creationId xmlns:a16="http://schemas.microsoft.com/office/drawing/2014/main" id="{00C602C3-49A5-489E-816D-9198A598EB16}"/>
+              </a:ext>
+            </a:extLst>
+          </p:cNvPr>
+          <p:cNvSpPr/>
+          <p:nvPr/>
+        </p:nvSpPr>
+        <p:spPr bwMode="auto">
+          <a:xfrm>
+            <a:off x="5632861" y="4893795"/>
+            <a:ext cx="1473949" cy="338554"/>
+          </a:xfrm>
+          <a:prstGeom prst="rect">
+            <a:avLst/>
+          </a:prstGeom>
+          <a:solidFill>
+            <a:srgbClr val="49AFDB"/>
+          </a:solidFill>
+          <a:ln>
+            <a:noFill/>
+            <a:headEnd type="none" w="med" len="med"/>
+            <a:tailEnd type="none" w="med" len="med"/>
+          </a:ln>
+          <a:effectLst>
+            <a:outerShdw blurRad="50800" dist="38100" dir="2700000" algn="tl" rotWithShape="0">
+              <a:prstClr val="black">
+                <a:alpha val="40000"/>
+              </a:prstClr>
+            </a:outerShdw>
+          </a:effectLst>
+        </p:spPr>
+        <p:style>
+          <a:lnRef idx="2">
+            <a:schemeClr val="dk1"/>
+          </a:lnRef>
+          <a:fillRef idx="1">
+            <a:schemeClr val="lt1"/>
+          </a:fillRef>
+          <a:effectRef idx="0">
+            <a:schemeClr val="dk1"/>
+          </a:effectRef>
+          <a:fontRef idx="minor">
+            <a:schemeClr val="dk1"/>
+          </a:fontRef>
+        </p:style>
+        <p:txBody>
+          <a:bodyPr vert="horz" wrap="square" lIns="91440" tIns="45720" rIns="91440" bIns="45720" numCol="3" rtlCol="0" anchor="t" anchorCtr="0" compatLnSpc="1">
+            <a:prstTxWarp prst="textNoShape">
+              <a:avLst/>
+            </a:prstTxWarp>
+          </a:bodyPr>
+          <a:lstStyle/>
+          <a:p>
+            <a:pPr marL="0" marR="0" indent="0" defTabSz="914400" rtl="0" eaLnBrk="1" fontAlgn="base" latinLnBrk="0" hangingPunct="1">
+              <a:lnSpc>
+                <a:spcPct val="200000"/>
+              </a:lnSpc>
+              <a:spcBef>
+                <a:spcPct val="0"/>
+              </a:spcBef>
+              <a:spcAft>
+                <a:spcPct val="0"/>
+              </a:spcAft>
+              <a:buClrTx/>
+              <a:buSzTx/>
+              <a:buFontTx/>
+              <a:buNone/>
+              <a:tabLst/>
+            </a:pPr>
+            <a:endParaRPr kumimoji="1" lang="zh-TW" altLang="en-US" sz="1800" b="0" i="0" u="none" strike="noStrike" cap="none" normalizeH="0" baseline="0" dirty="0">
+              <a:ln>
+                <a:noFill/>
+              </a:ln>
+              <a:solidFill>
+                <a:schemeClr val="bg1"/>
+              </a:solidFill>
+              <a:effectLst/>
+              <a:latin typeface="Arial" charset="0"/>
+              <a:ea typeface="新細明體" pitchFamily="18" charset="-120"/>
+            </a:endParaRPr>
+          </a:p>
+        </p:txBody>
+      </p:sp>
+      <p:sp>
+        <p:nvSpPr>
+          <p:cNvPr id="296" name="文字方塊 295">
+            <a:extLst>
+              <a:ext uri="{FF2B5EF4-FFF2-40B4-BE49-F238E27FC236}">
+                <a16:creationId xmlns:a16="http://schemas.microsoft.com/office/drawing/2014/main" id="{B541FFA7-8329-40F6-9794-D286D026ADB3}"/>
+              </a:ext>
+            </a:extLst>
+          </p:cNvPr>
+          <p:cNvSpPr txBox="1"/>
+          <p:nvPr/>
+        </p:nvSpPr>
+        <p:spPr>
+          <a:xfrm>
+            <a:off x="5632862" y="4893795"/>
+            <a:ext cx="1483824" cy="323165"/>
+          </a:xfrm>
+          <a:prstGeom prst="rect">
+            <a:avLst/>
+          </a:prstGeom>
+          <a:noFill/>
+        </p:spPr>
+        <p:txBody>
+          <a:bodyPr wrap="square" rtlCol="0">
+            <a:spAutoFit/>
+          </a:bodyPr>
+          <a:lstStyle/>
+          <a:p>
+            <a:pPr algn="ctr"/>
+            <a:r>
+              <a:rPr lang="en-US" altLang="zh-TW" sz="1500" b="1" dirty="0" err="1">
+                <a:solidFill>
+                  <a:schemeClr val="bg1"/>
+                </a:solidFill>
+              </a:rPr>
+              <a:t>Hailo</a:t>
+            </a:r>
+            <a:r>
+              <a:rPr lang="en-US" altLang="zh-TW" sz="1500" b="1" dirty="0">
+                <a:solidFill>
+                  <a:schemeClr val="bg1"/>
+                </a:solidFill>
+              </a:rPr>
+              <a:t> RT</a:t>
+            </a:r>
+            <a:endParaRPr lang="zh-TW" altLang="en-US" sz="1500" b="1" dirty="0">
+              <a:solidFill>
+                <a:schemeClr val="bg1"/>
+              </a:solidFill>
+            </a:endParaRPr>
+          </a:p>
+        </p:txBody>
+      </p:sp>
+      <p:sp>
+        <p:nvSpPr>
+          <p:cNvPr id="297" name="矩形 296">
+            <a:extLst>
+              <a:ext uri="{FF2B5EF4-FFF2-40B4-BE49-F238E27FC236}">
+                <a16:creationId xmlns:a16="http://schemas.microsoft.com/office/drawing/2014/main" id="{F255E13B-E9A7-4817-9C2B-9060C0349C30}"/>
+              </a:ext>
+            </a:extLst>
+          </p:cNvPr>
+          <p:cNvSpPr/>
+          <p:nvPr/>
+        </p:nvSpPr>
+        <p:spPr bwMode="auto">
+          <a:xfrm>
+            <a:off x="5637255" y="5314256"/>
+            <a:ext cx="1473303" cy="338554"/>
+          </a:xfrm>
+          <a:prstGeom prst="rect">
+            <a:avLst/>
+          </a:prstGeom>
+          <a:solidFill>
+            <a:srgbClr val="F39F23"/>
+          </a:solidFill>
+          <a:ln>
+            <a:noFill/>
+            <a:headEnd type="none" w="med" len="med"/>
+            <a:tailEnd type="none" w="med" len="med"/>
+          </a:ln>
+          <a:effectLst>
+            <a:outerShdw blurRad="50800" dist="38100" dir="2700000" algn="tl" rotWithShape="0">
+              <a:prstClr val="black">
+                <a:alpha val="40000"/>
+              </a:prstClr>
+            </a:outerShdw>
+          </a:effectLst>
+        </p:spPr>
+        <p:style>
+          <a:lnRef idx="2">
+            <a:schemeClr val="dk1"/>
+          </a:lnRef>
+          <a:fillRef idx="1">
+            <a:schemeClr val="lt1"/>
+          </a:fillRef>
+          <a:effectRef idx="0">
+            <a:schemeClr val="dk1"/>
+          </a:effectRef>
+          <a:fontRef idx="minor">
+            <a:schemeClr val="dk1"/>
+          </a:fontRef>
+        </p:style>
+        <p:txBody>
+          <a:bodyPr vert="horz" wrap="square" lIns="91440" tIns="45720" rIns="91440" bIns="45720" numCol="3" rtlCol="0" anchor="t" anchorCtr="0" compatLnSpc="1">
+            <a:prstTxWarp prst="textNoShape">
+              <a:avLst/>
+            </a:prstTxWarp>
+          </a:bodyPr>
+          <a:lstStyle/>
+          <a:p>
+            <a:pPr marL="0" marR="0" indent="0" defTabSz="914400" rtl="0" eaLnBrk="1" fontAlgn="base" latinLnBrk="0" hangingPunct="1">
+              <a:lnSpc>
+                <a:spcPct val="200000"/>
+              </a:lnSpc>
+              <a:spcBef>
+                <a:spcPct val="0"/>
+              </a:spcBef>
+              <a:spcAft>
+                <a:spcPct val="0"/>
+              </a:spcAft>
+              <a:buClrTx/>
+              <a:buSzTx/>
+              <a:buFontTx/>
+              <a:buNone/>
+              <a:tabLst/>
+            </a:pPr>
+            <a:endParaRPr kumimoji="1" lang="zh-TW" altLang="en-US" sz="1800" b="0" i="0" u="none" strike="noStrike" cap="none" normalizeH="0" baseline="0" dirty="0">
+              <a:ln>
+                <a:noFill/>
+              </a:ln>
+              <a:solidFill>
+                <a:schemeClr val="bg1"/>
+              </a:solidFill>
+              <a:effectLst/>
+              <a:latin typeface="Arial" charset="0"/>
+              <a:ea typeface="新細明體" pitchFamily="18" charset="-120"/>
+            </a:endParaRPr>
+          </a:p>
+        </p:txBody>
+      </p:sp>
+      <p:sp>
+        <p:nvSpPr>
+          <p:cNvPr id="298" name="文字方塊 297">
+            <a:extLst>
+              <a:ext uri="{FF2B5EF4-FFF2-40B4-BE49-F238E27FC236}">
+                <a16:creationId xmlns:a16="http://schemas.microsoft.com/office/drawing/2014/main" id="{68E99E7E-B403-4F1A-8AF2-B18D8BBDF600}"/>
+              </a:ext>
+            </a:extLst>
+          </p:cNvPr>
+          <p:cNvSpPr txBox="1"/>
+          <p:nvPr/>
+        </p:nvSpPr>
+        <p:spPr>
+          <a:xfrm>
+            <a:off x="5632861" y="5314256"/>
+            <a:ext cx="1518735" cy="323165"/>
+          </a:xfrm>
+          <a:prstGeom prst="rect">
+            <a:avLst/>
+          </a:prstGeom>
+          <a:noFill/>
+        </p:spPr>
+        <p:txBody>
+          <a:bodyPr wrap="square" rtlCol="0">
+            <a:spAutoFit/>
+          </a:bodyPr>
+          <a:lstStyle/>
+          <a:p>
+            <a:pPr algn="ctr"/>
+            <a:r>
+              <a:rPr lang="en-US" altLang="zh-TW" sz="1500" b="1" dirty="0" err="1">
+                <a:solidFill>
+                  <a:schemeClr val="bg1"/>
+                </a:solidFill>
+              </a:rPr>
+              <a:t>NeuronRT</a:t>
+            </a:r>
+            <a:endParaRPr lang="zh-TW" altLang="en-US" sz="1500" b="1" dirty="0">
+              <a:solidFill>
+                <a:schemeClr val="bg1"/>
+              </a:solidFill>
+            </a:endParaRPr>
+          </a:p>
+        </p:txBody>
+      </p:sp>
+      <p:sp>
+        <p:nvSpPr>
+          <p:cNvPr id="299" name="矩形 298">
+            <a:extLst>
+              <a:ext uri="{FF2B5EF4-FFF2-40B4-BE49-F238E27FC236}">
+                <a16:creationId xmlns:a16="http://schemas.microsoft.com/office/drawing/2014/main" id="{834D0E89-9945-4040-B019-8ACE2EE2AAE3}"/>
+              </a:ext>
+            </a:extLst>
+          </p:cNvPr>
+          <p:cNvSpPr/>
+          <p:nvPr/>
+        </p:nvSpPr>
+        <p:spPr bwMode="auto">
+          <a:xfrm>
+            <a:off x="7330876" y="4812998"/>
+            <a:ext cx="1682306" cy="948441"/>
+          </a:xfrm>
+          <a:prstGeom prst="rect">
+            <a:avLst/>
+          </a:prstGeom>
+          <a:solidFill>
+            <a:schemeClr val="accent3">
+              <a:lumMod val="75000"/>
+            </a:schemeClr>
+          </a:solidFill>
+          <a:ln w="9525" cap="flat" cmpd="sng" algn="ctr">
+            <a:noFill/>
+            <a:prstDash val="solid"/>
+            <a:round/>
+            <a:headEnd type="none" w="med" len="med"/>
+            <a:tailEnd type="none" w="med" len="med"/>
+          </a:ln>
+          <a:effectLst/>
+        </p:spPr>
+        <p:txBody>
+          <a:bodyPr vert="horz" wrap="square" lIns="91440" tIns="45720" rIns="91440" bIns="45720" numCol="3" rtlCol="0" anchor="t" anchorCtr="0" compatLnSpc="1">
+            <a:prstTxWarp prst="textNoShape">
+              <a:avLst/>
+            </a:prstTxWarp>
+          </a:bodyPr>
+          <a:lstStyle/>
+          <a:p>
+            <a:pPr marL="0" marR="0" indent="0" defTabSz="914400" rtl="0" eaLnBrk="1" fontAlgn="base" latinLnBrk="0" hangingPunct="1">
+              <a:lnSpc>
+                <a:spcPct val="200000"/>
+              </a:lnSpc>
+              <a:spcBef>
+                <a:spcPct val="0"/>
+              </a:spcBef>
+              <a:spcAft>
+                <a:spcPct val="0"/>
+              </a:spcAft>
+              <a:buClrTx/>
+              <a:buSzTx/>
+              <a:buFontTx/>
+              <a:buNone/>
+              <a:tabLst/>
+            </a:pPr>
+            <a:endParaRPr kumimoji="1" lang="zh-TW" altLang="en-US" sz="1800" b="0" i="0" u="none" strike="noStrike" cap="none" normalizeH="0" baseline="0" dirty="0">
+              <a:ln>
+                <a:noFill/>
+              </a:ln>
+              <a:solidFill>
+                <a:schemeClr val="bg1"/>
+              </a:solidFill>
+              <a:effectLst/>
+              <a:latin typeface="Arial" charset="0"/>
+              <a:ea typeface="新細明體" pitchFamily="18" charset="-120"/>
+            </a:endParaRPr>
+          </a:p>
+        </p:txBody>
+      </p:sp>
+      <p:sp>
+        <p:nvSpPr>
+          <p:cNvPr id="303" name="矩形 302">
+            <a:extLst>
+              <a:ext uri="{FF2B5EF4-FFF2-40B4-BE49-F238E27FC236}">
+                <a16:creationId xmlns:a16="http://schemas.microsoft.com/office/drawing/2014/main" id="{8B12C5BD-1CE8-40F7-8FB9-EC4C44C1D95C}"/>
+              </a:ext>
+            </a:extLst>
+          </p:cNvPr>
+          <p:cNvSpPr/>
+          <p:nvPr/>
+        </p:nvSpPr>
+        <p:spPr bwMode="auto">
+          <a:xfrm>
+            <a:off x="7416948" y="4893795"/>
+            <a:ext cx="1466233" cy="338554"/>
+          </a:xfrm>
+          <a:prstGeom prst="rect">
+            <a:avLst/>
+          </a:prstGeom>
+          <a:solidFill>
+            <a:srgbClr val="0086B0"/>
+          </a:solidFill>
+          <a:ln>
+            <a:noFill/>
+            <a:headEnd type="none" w="med" len="med"/>
+            <a:tailEnd type="none" w="med" len="med"/>
+          </a:ln>
+          <a:effectLst>
+            <a:outerShdw blurRad="50800" dist="38100" dir="2700000" algn="tl" rotWithShape="0">
+              <a:prstClr val="black">
+                <a:alpha val="40000"/>
+              </a:prstClr>
+            </a:outerShdw>
+          </a:effectLst>
+        </p:spPr>
+        <p:style>
+          <a:lnRef idx="2">
+            <a:schemeClr val="dk1"/>
+          </a:lnRef>
+          <a:fillRef idx="1">
+            <a:schemeClr val="lt1"/>
+          </a:fillRef>
+          <a:effectRef idx="0">
+            <a:schemeClr val="dk1"/>
+          </a:effectRef>
+          <a:fontRef idx="minor">
+            <a:schemeClr val="dk1"/>
+          </a:fontRef>
+        </p:style>
+        <p:txBody>
+          <a:bodyPr vert="horz" wrap="square" lIns="91440" tIns="45720" rIns="91440" bIns="45720" numCol="3" rtlCol="0" anchor="t" anchorCtr="0" compatLnSpc="1">
+            <a:prstTxWarp prst="textNoShape">
+              <a:avLst/>
+            </a:prstTxWarp>
+          </a:bodyPr>
+          <a:lstStyle/>
+          <a:p>
+            <a:pPr marL="0" marR="0" indent="0" defTabSz="914400" rtl="0" eaLnBrk="1" fontAlgn="base" latinLnBrk="0" hangingPunct="1">
+              <a:lnSpc>
+                <a:spcPct val="200000"/>
+              </a:lnSpc>
+              <a:spcBef>
+                <a:spcPct val="0"/>
+              </a:spcBef>
+              <a:spcAft>
+                <a:spcPct val="0"/>
+              </a:spcAft>
+              <a:buClrTx/>
+              <a:buSzTx/>
+              <a:buFontTx/>
+              <a:buNone/>
+              <a:tabLst/>
+            </a:pPr>
+            <a:endParaRPr kumimoji="1" lang="zh-TW" altLang="en-US" sz="1800" b="0" i="0" u="none" strike="noStrike" cap="none" normalizeH="0" baseline="0" dirty="0">
+              <a:ln>
+                <a:noFill/>
+              </a:ln>
+              <a:solidFill>
+                <a:schemeClr val="bg1"/>
+              </a:solidFill>
+              <a:effectLst/>
+              <a:latin typeface="Arial" charset="0"/>
+              <a:ea typeface="新細明體" pitchFamily="18" charset="-120"/>
+            </a:endParaRPr>
+          </a:p>
+        </p:txBody>
+      </p:sp>
+      <p:sp>
+        <p:nvSpPr>
+          <p:cNvPr id="304" name="文字方塊 303">
+            <a:extLst>
+              <a:ext uri="{FF2B5EF4-FFF2-40B4-BE49-F238E27FC236}">
+                <a16:creationId xmlns:a16="http://schemas.microsoft.com/office/drawing/2014/main" id="{1B1E2EE1-0472-40F3-90D8-FA72D5974B3C}"/>
+              </a:ext>
+            </a:extLst>
+          </p:cNvPr>
+          <p:cNvSpPr txBox="1"/>
+          <p:nvPr/>
+        </p:nvSpPr>
+        <p:spPr>
+          <a:xfrm>
+            <a:off x="7424779" y="4893795"/>
+            <a:ext cx="1466233" cy="323165"/>
+          </a:xfrm>
+          <a:prstGeom prst="rect">
+            <a:avLst/>
+          </a:prstGeom>
+          <a:noFill/>
+        </p:spPr>
+        <p:txBody>
+          <a:bodyPr wrap="square" rtlCol="0">
+            <a:spAutoFit/>
+          </a:bodyPr>
+          <a:lstStyle/>
+          <a:p>
+            <a:pPr algn="ctr"/>
+            <a:r>
+              <a:rPr lang="en-US" altLang="zh-TW" sz="1500" b="1" dirty="0">
+                <a:solidFill>
+                  <a:schemeClr val="bg1"/>
+                </a:solidFill>
+              </a:rPr>
+              <a:t> </a:t>
+            </a:r>
+            <a:r>
+              <a:rPr lang="en-US" altLang="zh-TW" sz="1500" b="1" dirty="0" err="1">
+                <a:solidFill>
+                  <a:schemeClr val="bg1"/>
+                </a:solidFill>
+              </a:rPr>
+              <a:t>Kleidi</a:t>
+            </a:r>
+            <a:r>
+              <a:rPr lang="en-US" altLang="zh-TW" sz="1500" b="1" dirty="0">
+                <a:solidFill>
+                  <a:schemeClr val="bg1"/>
+                </a:solidFill>
+              </a:rPr>
+              <a:t> AI</a:t>
+            </a:r>
+            <a:endParaRPr lang="zh-TW" altLang="en-US" sz="1500" b="1" dirty="0">
+              <a:solidFill>
+                <a:schemeClr val="bg1"/>
+              </a:solidFill>
+            </a:endParaRPr>
+          </a:p>
+        </p:txBody>
+      </p:sp>
+      <p:cxnSp>
+        <p:nvCxnSpPr>
+          <p:cNvPr id="1027" name="直線單箭頭接點 1026">
+            <a:extLst>
+              <a:ext uri="{FF2B5EF4-FFF2-40B4-BE49-F238E27FC236}">
+                <a16:creationId xmlns:a16="http://schemas.microsoft.com/office/drawing/2014/main" id="{54F5B8B8-922E-42D8-AF4E-FC9374A20175}"/>
+              </a:ext>
+            </a:extLst>
+          </p:cNvPr>
+          <p:cNvCxnSpPr>
+            <a:stCxn id="170" idx="2"/>
+            <a:endCxn id="296" idx="0"/>
+          </p:cNvCxnSpPr>
+          <p:nvPr/>
+        </p:nvCxnSpPr>
+        <p:spPr bwMode="auto">
+          <a:xfrm>
+            <a:off x="6373907" y="4332460"/>
+            <a:ext cx="867" cy="561335"/>
+          </a:xfrm>
+          <a:prstGeom prst="straightConnector1">
+            <a:avLst/>
+          </a:prstGeom>
+          <a:solidFill>
+            <a:schemeClr val="accent1"/>
+          </a:solidFill>
+          <a:ln w="9525" cap="flat" cmpd="sng" algn="ctr">
+            <a:solidFill>
+              <a:schemeClr val="bg2"/>
+            </a:solidFill>
+            <a:prstDash val="solid"/>
+            <a:round/>
+            <a:headEnd type="none" w="med" len="med"/>
+            <a:tailEnd type="triangle"/>
+          </a:ln>
+          <a:effectLst/>
+        </p:spPr>
+      </p:cxnSp>
+      <p:cxnSp>
+        <p:nvCxnSpPr>
+          <p:cNvPr id="1035" name="接點: 肘形 1034">
+            <a:extLst>
+              <a:ext uri="{FF2B5EF4-FFF2-40B4-BE49-F238E27FC236}">
+                <a16:creationId xmlns:a16="http://schemas.microsoft.com/office/drawing/2014/main" id="{E28B7276-0508-4750-9738-B537C57F0384}"/>
+              </a:ext>
+            </a:extLst>
+          </p:cNvPr>
+          <p:cNvCxnSpPr>
+            <a:stCxn id="169" idx="1"/>
+            <a:endCxn id="298" idx="3"/>
+          </p:cNvCxnSpPr>
+          <p:nvPr/>
+        </p:nvCxnSpPr>
+        <p:spPr bwMode="auto">
+          <a:xfrm rot="10800000" flipV="1">
+            <a:off x="7151597" y="4166011"/>
+            <a:ext cx="267353" cy="1309827"/>
+          </a:xfrm>
+          <a:prstGeom prst="bentConnector3">
+            <a:avLst/>
+          </a:prstGeom>
+          <a:solidFill>
+            <a:schemeClr val="accent1"/>
+          </a:solidFill>
+          <a:ln w="9525" cap="flat" cmpd="sng" algn="ctr">
+            <a:solidFill>
+              <a:schemeClr val="bg2"/>
+            </a:solidFill>
+            <a:prstDash val="solid"/>
+            <a:round/>
+            <a:headEnd type="none" w="med" len="med"/>
+            <a:tailEnd type="triangle"/>
+          </a:ln>
+          <a:effectLst/>
+        </p:spPr>
+      </p:cxnSp>
+      <p:sp>
+        <p:nvSpPr>
+          <p:cNvPr id="312" name="文字方塊 311">
+            <a:extLst>
+              <a:ext uri="{FF2B5EF4-FFF2-40B4-BE49-F238E27FC236}">
+                <a16:creationId xmlns:a16="http://schemas.microsoft.com/office/drawing/2014/main" id="{BE241FCB-5E9C-4A07-8D3C-2635D2200762}"/>
+              </a:ext>
+            </a:extLst>
+          </p:cNvPr>
+          <p:cNvSpPr txBox="1"/>
+          <p:nvPr/>
+        </p:nvSpPr>
+        <p:spPr>
+          <a:xfrm>
+            <a:off x="8918793" y="5133329"/>
+            <a:ext cx="1682306" cy="307777"/>
+          </a:xfrm>
+          <a:prstGeom prst="rect">
+            <a:avLst/>
+          </a:prstGeom>
+          <a:noFill/>
+        </p:spPr>
+        <p:txBody>
+          <a:bodyPr wrap="square" rtlCol="0">
+            <a:spAutoFit/>
+          </a:bodyPr>
+          <a:lstStyle/>
+          <a:p>
+            <a:pPr algn="ctr"/>
+            <a:r>
+              <a:rPr lang="en-US" altLang="zh-TW" sz="1400" b="1" dirty="0"/>
+              <a:t>… …</a:t>
+            </a:r>
+            <a:endParaRPr lang="zh-TW" altLang="en-US" sz="1400" b="1" dirty="0"/>
+          </a:p>
+        </p:txBody>
+      </p:sp>
+      <p:sp>
+        <p:nvSpPr>
+          <p:cNvPr id="313" name="標題 1">
+            <a:extLst>
+              <a:ext uri="{FF2B5EF4-FFF2-40B4-BE49-F238E27FC236}">
+                <a16:creationId xmlns:a16="http://schemas.microsoft.com/office/drawing/2014/main" id="{7BC5ACA1-93A1-413C-A2C8-D0B9279318A7}"/>
+              </a:ext>
+            </a:extLst>
+          </p:cNvPr>
+          <p:cNvSpPr>
+            <a:spLocks noGrp="1"/>
+          </p:cNvSpPr>
+          <p:nvPr>
+            <p:ph type="title"/>
+          </p:nvPr>
+        </p:nvSpPr>
+        <p:spPr>
+          <a:xfrm>
+            <a:off x="601133" y="264920"/>
+            <a:ext cx="11045923" cy="941580"/>
+          </a:xfrm>
+        </p:spPr>
+        <p:txBody>
+          <a:bodyPr/>
+          <a:lstStyle/>
+          <a:p>
+            <a:r>
+              <a:rPr lang="zh-TW" altLang="en-US" dirty="0"/>
+              <a:t>驗測內容及現有資源</a:t>
+            </a:r>
+          </a:p>
+        </p:txBody>
+      </p:sp>
+      <p:sp>
+        <p:nvSpPr>
+          <p:cNvPr id="1036" name="矩形 1035">
+            <a:extLst>
+              <a:ext uri="{FF2B5EF4-FFF2-40B4-BE49-F238E27FC236}">
+                <a16:creationId xmlns:a16="http://schemas.microsoft.com/office/drawing/2014/main" id="{6E3C07D5-0EEB-4889-B756-04C257E428B5}"/>
+              </a:ext>
+            </a:extLst>
+          </p:cNvPr>
+          <p:cNvSpPr/>
+          <p:nvPr/>
+        </p:nvSpPr>
+        <p:spPr bwMode="auto">
+          <a:xfrm>
+            <a:off x="8981619" y="4089589"/>
+            <a:ext cx="2926907" cy="1215057"/>
+          </a:xfrm>
+          <a:prstGeom prst="rect">
+            <a:avLst/>
+          </a:prstGeom>
+          <a:solidFill>
+            <a:srgbClr val="FFFF00"/>
+          </a:solidFill>
+          <a:ln w="9525" cap="flat" cmpd="sng" algn="ctr">
+            <a:noFill/>
+            <a:prstDash val="solid"/>
+            <a:round/>
+            <a:headEnd type="none" w="med" len="med"/>
+            <a:tailEnd type="none" w="med" len="med"/>
+          </a:ln>
+          <a:effectLst/>
+        </p:spPr>
+        <p:txBody>
+          <a:bodyPr vert="horz" wrap="square" lIns="91440" tIns="45720" rIns="91440" bIns="45720" numCol="1" rtlCol="0" anchor="t" anchorCtr="0" compatLnSpc="1">
+            <a:prstTxWarp prst="textNoShape">
+              <a:avLst/>
+            </a:prstTxWarp>
+          </a:bodyPr>
+          <a:lstStyle/>
+          <a:p>
+            <a:pPr marL="0" marR="0" indent="0" algn="ctr" defTabSz="914400" rtl="0" eaLnBrk="1" fontAlgn="base" latinLnBrk="0" hangingPunct="1">
+              <a:lnSpc>
+                <a:spcPct val="100000"/>
+              </a:lnSpc>
+              <a:spcBef>
+                <a:spcPct val="0"/>
+              </a:spcBef>
+              <a:spcAft>
+                <a:spcPct val="0"/>
+              </a:spcAft>
+              <a:buClrTx/>
+              <a:buSzTx/>
+              <a:buFontTx/>
+              <a:buNone/>
+              <a:tabLst/>
+            </a:pPr>
+            <a:r>
+              <a:rPr lang="zh-TW" altLang="en-US" sz="1800" b="1" kern="0" dirty="0">
+                <a:solidFill>
+                  <a:srgbClr val="0000FF"/>
+                </a:solidFill>
+                <a:latin typeface="微軟正黑體" panose="020B0604030504040204" pitchFamily="34" charset="-120"/>
+                <a:ea typeface="微軟正黑體" panose="020B0604030504040204" pitchFamily="34" charset="-120"/>
+              </a:rPr>
+              <a:t>需統整大家手中具有的硬體資源，望與各單位合作產出文件手冊，實現該服務的完整性。</a:t>
+            </a:r>
+            <a:endParaRPr kumimoji="1" lang="zh-TW" altLang="en-US" sz="1800" b="0" i="0" u="none" strike="noStrike" cap="none" normalizeH="0" baseline="0" dirty="0">
+              <a:ln>
+                <a:noFill/>
+              </a:ln>
+              <a:solidFill>
+                <a:schemeClr val="tx1"/>
+              </a:solidFill>
+              <a:effectLst/>
+              <a:latin typeface="Arial" charset="0"/>
+              <a:ea typeface="新細明體" pitchFamily="18" charset="-120"/>
+            </a:endParaRPr>
+          </a:p>
+        </p:txBody>
+      </p:sp>
+      <p:sp>
+        <p:nvSpPr>
+          <p:cNvPr id="315" name="矩形 314">
+            <a:extLst>
+              <a:ext uri="{FF2B5EF4-FFF2-40B4-BE49-F238E27FC236}">
+                <a16:creationId xmlns:a16="http://schemas.microsoft.com/office/drawing/2014/main" id="{D4D4C4B8-3FA8-439B-8E47-9249695966DB}"/>
+              </a:ext>
+            </a:extLst>
+          </p:cNvPr>
+          <p:cNvSpPr/>
+          <p:nvPr/>
+        </p:nvSpPr>
+        <p:spPr bwMode="auto">
+          <a:xfrm>
+            <a:off x="3032353" y="3227508"/>
+            <a:ext cx="919288" cy="419217"/>
+          </a:xfrm>
+          <a:prstGeom prst="rect">
+            <a:avLst/>
+          </a:prstGeom>
+          <a:solidFill>
+            <a:srgbClr val="FFFF00"/>
+          </a:solidFill>
+          <a:ln w="9525" cap="flat" cmpd="sng" algn="ctr">
+            <a:noFill/>
+            <a:prstDash val="solid"/>
+            <a:round/>
+            <a:headEnd type="none" w="med" len="med"/>
+            <a:tailEnd type="none" w="med" len="med"/>
+          </a:ln>
+          <a:effectLst/>
+        </p:spPr>
+        <p:txBody>
+          <a:bodyPr vert="horz" wrap="square" lIns="91440" tIns="45720" rIns="91440" bIns="45720" numCol="1" rtlCol="0" anchor="t" anchorCtr="0" compatLnSpc="1">
+            <a:prstTxWarp prst="textNoShape">
+              <a:avLst/>
+            </a:prstTxWarp>
+          </a:bodyPr>
+          <a:lstStyle/>
+          <a:p>
+            <a:pPr marL="0" marR="0" indent="0" algn="ctr" defTabSz="914400" rtl="0" eaLnBrk="1" fontAlgn="base" latinLnBrk="0" hangingPunct="1">
+              <a:lnSpc>
+                <a:spcPct val="100000"/>
+              </a:lnSpc>
+              <a:spcBef>
+                <a:spcPct val="0"/>
+              </a:spcBef>
+              <a:spcAft>
+                <a:spcPct val="0"/>
+              </a:spcAft>
+              <a:buClrTx/>
+              <a:buSzTx/>
+              <a:buFontTx/>
+              <a:buNone/>
+              <a:tabLst/>
+            </a:pPr>
+            <a:r>
+              <a:rPr lang="en-US" altLang="zh-TW" sz="1800" b="1" kern="0" dirty="0">
+                <a:solidFill>
+                  <a:srgbClr val="0000FF"/>
+                </a:solidFill>
+                <a:latin typeface="微軟正黑體" panose="020B0604030504040204" pitchFamily="34" charset="-120"/>
+                <a:ea typeface="微軟正黑體" panose="020B0604030504040204" pitchFamily="34" charset="-120"/>
+              </a:rPr>
+              <a:t>20%</a:t>
+            </a:r>
+          </a:p>
+        </p:txBody>
+      </p:sp>
+      <p:sp>
+        <p:nvSpPr>
+          <p:cNvPr id="316" name="矩形 315">
+            <a:extLst>
+              <a:ext uri="{FF2B5EF4-FFF2-40B4-BE49-F238E27FC236}">
+                <a16:creationId xmlns:a16="http://schemas.microsoft.com/office/drawing/2014/main" id="{E43FF9B5-1067-43FC-8473-811A80B854EB}"/>
+              </a:ext>
+            </a:extLst>
+          </p:cNvPr>
+          <p:cNvSpPr/>
+          <p:nvPr/>
+        </p:nvSpPr>
+        <p:spPr bwMode="auto">
+          <a:xfrm>
+            <a:off x="2931407" y="5126520"/>
+            <a:ext cx="919288" cy="419217"/>
+          </a:xfrm>
+          <a:prstGeom prst="rect">
+            <a:avLst/>
+          </a:prstGeom>
+          <a:solidFill>
+            <a:srgbClr val="FFFF00"/>
+          </a:solidFill>
+          <a:ln w="9525" cap="flat" cmpd="sng" algn="ctr">
+            <a:noFill/>
+            <a:prstDash val="solid"/>
+            <a:round/>
+            <a:headEnd type="none" w="med" len="med"/>
+            <a:tailEnd type="none" w="med" len="med"/>
+          </a:ln>
+          <a:effectLst/>
+        </p:spPr>
+        <p:txBody>
+          <a:bodyPr vert="horz" wrap="square" lIns="91440" tIns="45720" rIns="91440" bIns="45720" numCol="1" rtlCol="0" anchor="t" anchorCtr="0" compatLnSpc="1">
+            <a:prstTxWarp prst="textNoShape">
+              <a:avLst/>
+            </a:prstTxWarp>
+          </a:bodyPr>
+          <a:lstStyle/>
+          <a:p>
+            <a:pPr marL="0" marR="0" indent="0" algn="ctr" defTabSz="914400" rtl="0" eaLnBrk="1" fontAlgn="base" latinLnBrk="0" hangingPunct="1">
+              <a:lnSpc>
+                <a:spcPct val="100000"/>
+              </a:lnSpc>
+              <a:spcBef>
+                <a:spcPct val="0"/>
+              </a:spcBef>
+              <a:spcAft>
+                <a:spcPct val="0"/>
+              </a:spcAft>
+              <a:buClrTx/>
+              <a:buSzTx/>
+              <a:buFontTx/>
+              <a:buNone/>
+              <a:tabLst/>
+            </a:pPr>
+            <a:r>
+              <a:rPr lang="en-US" altLang="zh-TW" sz="1800" b="1" kern="0" dirty="0">
+                <a:solidFill>
+                  <a:srgbClr val="0000FF"/>
+                </a:solidFill>
+                <a:latin typeface="微軟正黑體" panose="020B0604030504040204" pitchFamily="34" charset="-120"/>
+                <a:ea typeface="微軟正黑體" panose="020B0604030504040204" pitchFamily="34" charset="-120"/>
+              </a:rPr>
+              <a:t>80%</a:t>
+            </a:r>
+            <a:endParaRPr kumimoji="1" lang="zh-TW" altLang="en-US" sz="1800" b="0" i="0" u="none" strike="noStrike" cap="none" normalizeH="0" baseline="0" dirty="0">
+              <a:ln>
+                <a:noFill/>
+              </a:ln>
+              <a:solidFill>
+                <a:schemeClr val="tx1"/>
+              </a:solidFill>
+              <a:effectLst/>
+              <a:latin typeface="Arial" charset="0"/>
+              <a:ea typeface="新細明體" pitchFamily="18" charset="-120"/>
+            </a:endParaRPr>
+          </a:p>
+        </p:txBody>
+      </p:sp>
     </p:spTree>
     <p:extLst>
       <p:ext uri="{BB962C8B-B14F-4D97-AF65-F5344CB8AC3E}">
         <p14:creationId xmlns:p14="http://schemas.microsoft.com/office/powerpoint/2010/main" val="1438075317"/>
+      </p:ext>
+    </p:extLst>
+  </p:cSld>
+  <p:clrMapOvr>
+    <a:masterClrMapping/>
+  </p:clrMapOvr>
+</p:sld>
+</file>
+
+<file path=ppt/slides/slide3.xml><?xml version="1.0" encoding="utf-8"?>
+<p:sld xmlns:a="http://schemas.openxmlformats.org/drawingml/2006/main" xmlns:r="http://schemas.openxmlformats.org/officeDocument/2006/relationships" xmlns:p="http://schemas.openxmlformats.org/presentationml/2006/main">
+  <p:cSld>
+    <p:spTree>
+      <p:nvGrpSpPr>
+        <p:cNvPr id="1" name=""/>
+        <p:cNvGrpSpPr/>
+        <p:nvPr/>
+      </p:nvGrpSpPr>
+      <p:grpSpPr>
+        <a:xfrm>
+          <a:off x="0" y="0"/>
+          <a:ext cx="0" cy="0"/>
+          <a:chOff x="0" y="0"/>
+          <a:chExt cx="0" cy="0"/>
+        </a:xfrm>
+      </p:grpSpPr>
+      <p:sp>
+        <p:nvSpPr>
+          <p:cNvPr id="2" name="標題 1">
+            <a:extLst>
+              <a:ext uri="{FF2B5EF4-FFF2-40B4-BE49-F238E27FC236}">
+                <a16:creationId xmlns:a16="http://schemas.microsoft.com/office/drawing/2014/main" id="{E0DEC086-EE6E-4061-B2D3-791119A12A82}"/>
+              </a:ext>
+            </a:extLst>
+          </p:cNvPr>
+          <p:cNvSpPr>
+            <a:spLocks noGrp="1"/>
+          </p:cNvSpPr>
+          <p:nvPr>
+            <p:ph type="title"/>
+          </p:nvPr>
+        </p:nvSpPr>
+        <p:spPr/>
+        <p:txBody>
+          <a:bodyPr/>
+          <a:lstStyle/>
+          <a:p>
+            <a:endParaRPr lang="zh-TW" altLang="en-US" dirty="0"/>
+          </a:p>
+        </p:txBody>
+      </p:sp>
+      <p:sp>
+        <p:nvSpPr>
+          <p:cNvPr id="4" name="文字方塊 3">
+            <a:extLst>
+              <a:ext uri="{FF2B5EF4-FFF2-40B4-BE49-F238E27FC236}">
+                <a16:creationId xmlns:a16="http://schemas.microsoft.com/office/drawing/2014/main" id="{FB3C9C12-84DD-4AB0-ACFC-42F8D9BEC32C}"/>
+              </a:ext>
+            </a:extLst>
+          </p:cNvPr>
+          <p:cNvSpPr txBox="1"/>
+          <p:nvPr/>
+        </p:nvSpPr>
+        <p:spPr>
+          <a:xfrm>
+            <a:off x="889000" y="4133748"/>
+            <a:ext cx="1520066" cy="400110"/>
+          </a:xfrm>
+          <a:prstGeom prst="rect">
+            <a:avLst/>
+          </a:prstGeom>
+          <a:noFill/>
+        </p:spPr>
+        <p:txBody>
+          <a:bodyPr wrap="square" rtlCol="0">
+            <a:spAutoFit/>
+          </a:bodyPr>
+          <a:lstStyle/>
+          <a:p>
+            <a:pPr algn="r"/>
+            <a:r>
+              <a:rPr lang="zh-TW" altLang="en-US" sz="2000" b="1" dirty="0">
+                <a:latin typeface="微軟正黑體" panose="020B0604030504040204" pitchFamily="34" charset="-120"/>
+                <a:ea typeface="微軟正黑體" panose="020B0604030504040204" pitchFamily="34" charset="-120"/>
+              </a:rPr>
+              <a:t>銷售工程師</a:t>
+            </a:r>
+          </a:p>
+        </p:txBody>
+      </p:sp>
+      <p:sp>
+        <p:nvSpPr>
+          <p:cNvPr id="5" name="文字方塊 4">
+            <a:extLst>
+              <a:ext uri="{FF2B5EF4-FFF2-40B4-BE49-F238E27FC236}">
+                <a16:creationId xmlns:a16="http://schemas.microsoft.com/office/drawing/2014/main" id="{02D48654-C700-4A47-9870-6D57999AF18A}"/>
+              </a:ext>
+            </a:extLst>
+          </p:cNvPr>
+          <p:cNvSpPr txBox="1"/>
+          <p:nvPr/>
+        </p:nvSpPr>
+        <p:spPr>
+          <a:xfrm>
+            <a:off x="3086100" y="4133748"/>
+            <a:ext cx="1520066" cy="400110"/>
+          </a:xfrm>
+          <a:prstGeom prst="rect">
+            <a:avLst/>
+          </a:prstGeom>
+          <a:noFill/>
+        </p:spPr>
+        <p:txBody>
+          <a:bodyPr wrap="square" rtlCol="0">
+            <a:spAutoFit/>
+          </a:bodyPr>
+          <a:lstStyle/>
+          <a:p>
+            <a:pPr algn="r"/>
+            <a:r>
+              <a:rPr lang="zh-TW" altLang="en-US" sz="2000" b="1" dirty="0">
+                <a:latin typeface="微軟正黑體" panose="020B0604030504040204" pitchFamily="34" charset="-120"/>
+                <a:ea typeface="微軟正黑體" panose="020B0604030504040204" pitchFamily="34" charset="-120"/>
+              </a:rPr>
+              <a:t>測試工程師</a:t>
+            </a:r>
+          </a:p>
+        </p:txBody>
+      </p:sp>
+    </p:spTree>
+    <p:extLst>
+      <p:ext uri="{BB962C8B-B14F-4D97-AF65-F5344CB8AC3E}">
+        <p14:creationId xmlns:p14="http://schemas.microsoft.com/office/powerpoint/2010/main" val="1518525393"/>
+      </p:ext>
+    </p:extLst>
+  </p:cSld>
+  <p:clrMapOvr>
+    <a:masterClrMapping/>
+  </p:clrMapOvr>
+</p:sld>
+</file>
+
+<file path=ppt/slides/slide4.xml><?xml version="1.0" encoding="utf-8"?>
+<p:sld xmlns:a="http://schemas.openxmlformats.org/drawingml/2006/main" xmlns:r="http://schemas.openxmlformats.org/officeDocument/2006/relationships" xmlns:p="http://schemas.openxmlformats.org/presentationml/2006/main">
+  <p:cSld>
+    <p:spTree>
+      <p:nvGrpSpPr>
+        <p:cNvPr id="1" name=""/>
+        <p:cNvGrpSpPr/>
+        <p:nvPr/>
+      </p:nvGrpSpPr>
+      <p:grpSpPr>
+        <a:xfrm>
+          <a:off x="0" y="0"/>
+          <a:ext cx="0" cy="0"/>
+          <a:chOff x="0" y="0"/>
+          <a:chExt cx="0" cy="0"/>
+        </a:xfrm>
+      </p:grpSpPr>
+      <p:sp>
+        <p:nvSpPr>
+          <p:cNvPr id="2" name="標題 1">
+            <a:extLst>
+              <a:ext uri="{FF2B5EF4-FFF2-40B4-BE49-F238E27FC236}">
+                <a16:creationId xmlns:a16="http://schemas.microsoft.com/office/drawing/2014/main" id="{E0DEC086-EE6E-4061-B2D3-791119A12A82}"/>
+              </a:ext>
+            </a:extLst>
+          </p:cNvPr>
+          <p:cNvSpPr>
+            <a:spLocks noGrp="1"/>
+          </p:cNvSpPr>
+          <p:nvPr>
+            <p:ph type="title"/>
+          </p:nvPr>
+        </p:nvSpPr>
+        <p:spPr/>
+        <p:txBody>
+          <a:bodyPr/>
+          <a:lstStyle/>
+          <a:p>
+            <a:r>
+              <a:rPr lang="zh-TW" altLang="en-US" dirty="0"/>
+              <a:t>標準</a:t>
+            </a:r>
+          </a:p>
+        </p:txBody>
+      </p:sp>
+    </p:spTree>
+    <p:extLst>
+      <p:ext uri="{BB962C8B-B14F-4D97-AF65-F5344CB8AC3E}">
+        <p14:creationId xmlns:p14="http://schemas.microsoft.com/office/powerpoint/2010/main" val="2069230526"/>
       </p:ext>
     </p:extLst>
   </p:cSld>
@@ -21271,15 +22393,6 @@
 </file>
 
 <file path=customXml/item1.xml><?xml version="1.0" encoding="utf-8"?>
-<?mso-contentType ?>
-<FormTemplates xmlns="http://schemas.microsoft.com/sharepoint/v3/contenttype/forms">
-  <Display>DocumentLibraryForm</Display>
-  <Edit>DocumentLibraryForm</Edit>
-  <New>DocumentLibraryForm</New>
-</FormTemplates>
-</file>
-
-<file path=customXml/item2.xml><?xml version="1.0" encoding="utf-8"?>
 <ct:contentTypeSchema xmlns:ct="http://schemas.microsoft.com/office/2006/metadata/contentType" xmlns:ma="http://schemas.microsoft.com/office/2006/metadata/properties/metaAttributes" ct:_="" ma:_="" ma:contentTypeName="Document" ma:contentTypeID="0x010100085D35F6141B534892DDB72C1AF70815" ma:contentTypeVersion="3" ma:contentTypeDescription="Create a new document." ma:contentTypeScope="" ma:versionID="b659d664bf3ce40de54a2ffe6a34c0dd">
   <xsd:schema xmlns:xsd="http://www.w3.org/2001/XMLSchema" xmlns:xs="http://www.w3.org/2001/XMLSchema" xmlns:p="http://schemas.microsoft.com/office/2006/metadata/properties" xmlns:ns2="2ae71aaa-6310-4ecb-9baa-8d5cf672e3d2" targetNamespace="http://schemas.microsoft.com/office/2006/metadata/properties" ma:root="true" ma:fieldsID="87d9f9c2b21dd49a2636f8b6d55849ad" ns2:_="">
     <xsd:import namespace="2ae71aaa-6310-4ecb-9baa-8d5cf672e3d2"/>
@@ -21417,15 +22530,16 @@
 </ct:contentTypeSchema>
 </file>
 
-<file path=customXml/itemProps1.xml><?xml version="1.0" encoding="utf-8"?>
-<ds:datastoreItem xmlns:ds="http://schemas.openxmlformats.org/officeDocument/2006/customXml" ds:itemID="{CAABC409-4141-477E-8EF5-C08D310ABBC5}">
-  <ds:schemaRefs>
-    <ds:schemaRef ds:uri="http://schemas.microsoft.com/sharepoint/v3/contenttype/forms"/>
-  </ds:schemaRefs>
-</ds:datastoreItem>
+<file path=customXml/item2.xml><?xml version="1.0" encoding="utf-8"?>
+<?mso-contentType ?>
+<FormTemplates xmlns="http://schemas.microsoft.com/sharepoint/v3/contenttype/forms">
+  <Display>DocumentLibraryForm</Display>
+  <Edit>DocumentLibraryForm</Edit>
+  <New>DocumentLibraryForm</New>
+</FormTemplates>
 </file>
 
-<file path=customXml/itemProps2.xml><?xml version="1.0" encoding="utf-8"?>
+<file path=customXml/itemProps1.xml><?xml version="1.0" encoding="utf-8"?>
 <ds:datastoreItem xmlns:ds="http://schemas.openxmlformats.org/officeDocument/2006/customXml" ds:itemID="{BD5E0B4A-6262-452A-B0B9-4C3A8A4C81F3}">
   <ds:schemaRefs>
     <ds:schemaRef ds:uri="2ae71aaa-6310-4ecb-9baa-8d5cf672e3d2"/>
@@ -21441,4 +22555,12 @@
     <ds:schemaRef ds:uri="http://www.w3.org/2001/XMLSchema"/>
   </ds:schemaRefs>
 </ds:datastoreItem>
+</file>
+
+<file path=customXml/itemProps2.xml><?xml version="1.0" encoding="utf-8"?>
+<ds:datastoreItem xmlns:ds="http://schemas.openxmlformats.org/officeDocument/2006/customXml" ds:itemID="{CAABC409-4141-477E-8EF5-C08D310ABBC5}">
+  <ds:schemaRefs>
+    <ds:schemaRef ds:uri="http://schemas.microsoft.com/sharepoint/v3/contenttype/forms"/>
+  </ds:schemaRefs>
+</ds:datastoreItem>
 </file>